--- a/Training Deep Neural Networks for the Inverse Design of Nanophotonic Structures.pptx
+++ b/Training Deep Neural Networks for the Inverse Design of Nanophotonic Structures.pptx
@@ -5,7 +5,7 @@
     <p:sldMasterId id="2147483648" r:id="rId1"/>
   </p:sldMasterIdLst>
   <p:notesMasterIdLst>
-    <p:notesMasterId r:id="rId19"/>
+    <p:notesMasterId r:id="rId23"/>
   </p:notesMasterIdLst>
   <p:sldIdLst>
     <p:sldId id="256" r:id="rId2"/>
@@ -25,6 +25,10 @@
     <p:sldId id="351" r:id="rId16"/>
     <p:sldId id="356" r:id="rId17"/>
     <p:sldId id="352" r:id="rId18"/>
+    <p:sldId id="357" r:id="rId19"/>
+    <p:sldId id="358" r:id="rId20"/>
+    <p:sldId id="359" r:id="rId21"/>
+    <p:sldId id="361" r:id="rId22"/>
   </p:sldIdLst>
   <p:sldSz cx="12192000" cy="6858000"/>
   <p:notesSz cx="6858000" cy="9144000"/>
@@ -213,7 +217,7 @@
           <a:p>
             <a:fld id="{029CE161-61BB-41D0-946F-5093D5445419}" type="datetimeFigureOut">
               <a:rPr lang="ru-RU" smtClean="0"/>
-              <a:t>13.02.2021</a:t>
+              <a:t>14.02.2021</a:t>
             </a:fld>
             <a:endParaRPr lang="ru-RU"/>
           </a:p>
@@ -1237,6 +1241,174 @@
 </p:notes>
 </file>
 
+<file path=ppt/notesSlides/notesSlide18.xml><?xml version="1.0" encoding="utf-8"?>
+<p:notes xmlns:a="http://schemas.openxmlformats.org/drawingml/2006/main" xmlns:r="http://schemas.openxmlformats.org/officeDocument/2006/relationships" xmlns:p="http://schemas.openxmlformats.org/presentationml/2006/main">
+  <p:cSld>
+    <p:spTree>
+      <p:nvGrpSpPr>
+        <p:cNvPr id="1" name=""/>
+        <p:cNvGrpSpPr/>
+        <p:nvPr/>
+      </p:nvGrpSpPr>
+      <p:grpSpPr>
+        <a:xfrm>
+          <a:off x="0" y="0"/>
+          <a:ext cx="0" cy="0"/>
+          <a:chOff x="0" y="0"/>
+          <a:chExt cx="0" cy="0"/>
+        </a:xfrm>
+      </p:grpSpPr>
+      <p:sp>
+        <p:nvSpPr>
+          <p:cNvPr id="2" name="Образ слайда 1"/>
+          <p:cNvSpPr>
+            <a:spLocks noGrp="1" noRot="1" noChangeAspect="1"/>
+          </p:cNvSpPr>
+          <p:nvPr>
+            <p:ph type="sldImg"/>
+          </p:nvPr>
+        </p:nvSpPr>
+        <p:spPr/>
+      </p:sp>
+      <p:sp>
+        <p:nvSpPr>
+          <p:cNvPr id="3" name="Заметки 2"/>
+          <p:cNvSpPr>
+            <a:spLocks noGrp="1"/>
+          </p:cNvSpPr>
+          <p:nvPr>
+            <p:ph type="body" idx="1"/>
+          </p:nvPr>
+        </p:nvSpPr>
+        <p:spPr/>
+        <p:txBody>
+          <a:bodyPr/>
+          <a:lstStyle/>
+          <a:p>
+            <a:endParaRPr lang="ru-RU"/>
+          </a:p>
+        </p:txBody>
+      </p:sp>
+      <p:sp>
+        <p:nvSpPr>
+          <p:cNvPr id="4" name="Номер слайда 3"/>
+          <p:cNvSpPr>
+            <a:spLocks noGrp="1"/>
+          </p:cNvSpPr>
+          <p:nvPr>
+            <p:ph type="sldNum" sz="quarter" idx="10"/>
+          </p:nvPr>
+        </p:nvSpPr>
+        <p:spPr/>
+        <p:txBody>
+          <a:bodyPr/>
+          <a:lstStyle/>
+          <a:p>
+            <a:fld id="{4FD013D3-B323-4505-ADAE-3B2D0E446B01}" type="slidenum">
+              <a:rPr lang="ru-RU" smtClean="0"/>
+              <a:t>18</a:t>
+            </a:fld>
+            <a:endParaRPr lang="ru-RU"/>
+          </a:p>
+        </p:txBody>
+      </p:sp>
+    </p:spTree>
+    <p:extLst>
+      <p:ext uri="{BB962C8B-B14F-4D97-AF65-F5344CB8AC3E}">
+        <p14:creationId xmlns:p14="http://schemas.microsoft.com/office/powerpoint/2010/main" val="1895023439"/>
+      </p:ext>
+    </p:extLst>
+  </p:cSld>
+  <p:clrMapOvr>
+    <a:masterClrMapping/>
+  </p:clrMapOvr>
+</p:notes>
+</file>
+
+<file path=ppt/notesSlides/notesSlide19.xml><?xml version="1.0" encoding="utf-8"?>
+<p:notes xmlns:a="http://schemas.openxmlformats.org/drawingml/2006/main" xmlns:r="http://schemas.openxmlformats.org/officeDocument/2006/relationships" xmlns:p="http://schemas.openxmlformats.org/presentationml/2006/main">
+  <p:cSld>
+    <p:spTree>
+      <p:nvGrpSpPr>
+        <p:cNvPr id="1" name=""/>
+        <p:cNvGrpSpPr/>
+        <p:nvPr/>
+      </p:nvGrpSpPr>
+      <p:grpSpPr>
+        <a:xfrm>
+          <a:off x="0" y="0"/>
+          <a:ext cx="0" cy="0"/>
+          <a:chOff x="0" y="0"/>
+          <a:chExt cx="0" cy="0"/>
+        </a:xfrm>
+      </p:grpSpPr>
+      <p:sp>
+        <p:nvSpPr>
+          <p:cNvPr id="2" name="Образ слайда 1"/>
+          <p:cNvSpPr>
+            <a:spLocks noGrp="1" noRot="1" noChangeAspect="1"/>
+          </p:cNvSpPr>
+          <p:nvPr>
+            <p:ph type="sldImg"/>
+          </p:nvPr>
+        </p:nvSpPr>
+        <p:spPr/>
+      </p:sp>
+      <p:sp>
+        <p:nvSpPr>
+          <p:cNvPr id="3" name="Заметки 2"/>
+          <p:cNvSpPr>
+            <a:spLocks noGrp="1"/>
+          </p:cNvSpPr>
+          <p:nvPr>
+            <p:ph type="body" idx="1"/>
+          </p:nvPr>
+        </p:nvSpPr>
+        <p:spPr/>
+        <p:txBody>
+          <a:bodyPr/>
+          <a:lstStyle/>
+          <a:p>
+            <a:endParaRPr lang="ru-RU"/>
+          </a:p>
+        </p:txBody>
+      </p:sp>
+      <p:sp>
+        <p:nvSpPr>
+          <p:cNvPr id="4" name="Номер слайда 3"/>
+          <p:cNvSpPr>
+            <a:spLocks noGrp="1"/>
+          </p:cNvSpPr>
+          <p:nvPr>
+            <p:ph type="sldNum" sz="quarter" idx="10"/>
+          </p:nvPr>
+        </p:nvSpPr>
+        <p:spPr/>
+        <p:txBody>
+          <a:bodyPr/>
+          <a:lstStyle/>
+          <a:p>
+            <a:fld id="{4FD013D3-B323-4505-ADAE-3B2D0E446B01}" type="slidenum">
+              <a:rPr lang="ru-RU" smtClean="0"/>
+              <a:t>19</a:t>
+            </a:fld>
+            <a:endParaRPr lang="ru-RU"/>
+          </a:p>
+        </p:txBody>
+      </p:sp>
+    </p:spTree>
+    <p:extLst>
+      <p:ext uri="{BB962C8B-B14F-4D97-AF65-F5344CB8AC3E}">
+        <p14:creationId xmlns:p14="http://schemas.microsoft.com/office/powerpoint/2010/main" val="519230184"/>
+      </p:ext>
+    </p:extLst>
+  </p:cSld>
+  <p:clrMapOvr>
+    <a:masterClrMapping/>
+  </p:clrMapOvr>
+</p:notes>
+</file>
+
 <file path=ppt/notesSlides/notesSlide2.xml><?xml version="1.0" encoding="utf-8"?>
 <p:notes xmlns:a="http://schemas.openxmlformats.org/drawingml/2006/main" xmlns:r="http://schemas.openxmlformats.org/officeDocument/2006/relationships" xmlns:p="http://schemas.openxmlformats.org/presentationml/2006/main">
   <p:cSld>
@@ -1312,6 +1484,174 @@
     <p:extLst>
       <p:ext uri="{BB962C8B-B14F-4D97-AF65-F5344CB8AC3E}">
         <p14:creationId xmlns:p14="http://schemas.microsoft.com/office/powerpoint/2010/main" val="320591257"/>
+      </p:ext>
+    </p:extLst>
+  </p:cSld>
+  <p:clrMapOvr>
+    <a:masterClrMapping/>
+  </p:clrMapOvr>
+</p:notes>
+</file>
+
+<file path=ppt/notesSlides/notesSlide20.xml><?xml version="1.0" encoding="utf-8"?>
+<p:notes xmlns:a="http://schemas.openxmlformats.org/drawingml/2006/main" xmlns:r="http://schemas.openxmlformats.org/officeDocument/2006/relationships" xmlns:p="http://schemas.openxmlformats.org/presentationml/2006/main">
+  <p:cSld>
+    <p:spTree>
+      <p:nvGrpSpPr>
+        <p:cNvPr id="1" name=""/>
+        <p:cNvGrpSpPr/>
+        <p:nvPr/>
+      </p:nvGrpSpPr>
+      <p:grpSpPr>
+        <a:xfrm>
+          <a:off x="0" y="0"/>
+          <a:ext cx="0" cy="0"/>
+          <a:chOff x="0" y="0"/>
+          <a:chExt cx="0" cy="0"/>
+        </a:xfrm>
+      </p:grpSpPr>
+      <p:sp>
+        <p:nvSpPr>
+          <p:cNvPr id="2" name="Образ слайда 1"/>
+          <p:cNvSpPr>
+            <a:spLocks noGrp="1" noRot="1" noChangeAspect="1"/>
+          </p:cNvSpPr>
+          <p:nvPr>
+            <p:ph type="sldImg"/>
+          </p:nvPr>
+        </p:nvSpPr>
+        <p:spPr/>
+      </p:sp>
+      <p:sp>
+        <p:nvSpPr>
+          <p:cNvPr id="3" name="Заметки 2"/>
+          <p:cNvSpPr>
+            <a:spLocks noGrp="1"/>
+          </p:cNvSpPr>
+          <p:nvPr>
+            <p:ph type="body" idx="1"/>
+          </p:nvPr>
+        </p:nvSpPr>
+        <p:spPr/>
+        <p:txBody>
+          <a:bodyPr/>
+          <a:lstStyle/>
+          <a:p>
+            <a:endParaRPr lang="ru-RU"/>
+          </a:p>
+        </p:txBody>
+      </p:sp>
+      <p:sp>
+        <p:nvSpPr>
+          <p:cNvPr id="4" name="Номер слайда 3"/>
+          <p:cNvSpPr>
+            <a:spLocks noGrp="1"/>
+          </p:cNvSpPr>
+          <p:nvPr>
+            <p:ph type="sldNum" sz="quarter" idx="10"/>
+          </p:nvPr>
+        </p:nvSpPr>
+        <p:spPr/>
+        <p:txBody>
+          <a:bodyPr/>
+          <a:lstStyle/>
+          <a:p>
+            <a:fld id="{4FD013D3-B323-4505-ADAE-3B2D0E446B01}" type="slidenum">
+              <a:rPr lang="ru-RU" smtClean="0"/>
+              <a:t>20</a:t>
+            </a:fld>
+            <a:endParaRPr lang="ru-RU"/>
+          </a:p>
+        </p:txBody>
+      </p:sp>
+    </p:spTree>
+    <p:extLst>
+      <p:ext uri="{BB962C8B-B14F-4D97-AF65-F5344CB8AC3E}">
+        <p14:creationId xmlns:p14="http://schemas.microsoft.com/office/powerpoint/2010/main" val="4128097609"/>
+      </p:ext>
+    </p:extLst>
+  </p:cSld>
+  <p:clrMapOvr>
+    <a:masterClrMapping/>
+  </p:clrMapOvr>
+</p:notes>
+</file>
+
+<file path=ppt/notesSlides/notesSlide21.xml><?xml version="1.0" encoding="utf-8"?>
+<p:notes xmlns:a="http://schemas.openxmlformats.org/drawingml/2006/main" xmlns:r="http://schemas.openxmlformats.org/officeDocument/2006/relationships" xmlns:p="http://schemas.openxmlformats.org/presentationml/2006/main">
+  <p:cSld>
+    <p:spTree>
+      <p:nvGrpSpPr>
+        <p:cNvPr id="1" name=""/>
+        <p:cNvGrpSpPr/>
+        <p:nvPr/>
+      </p:nvGrpSpPr>
+      <p:grpSpPr>
+        <a:xfrm>
+          <a:off x="0" y="0"/>
+          <a:ext cx="0" cy="0"/>
+          <a:chOff x="0" y="0"/>
+          <a:chExt cx="0" cy="0"/>
+        </a:xfrm>
+      </p:grpSpPr>
+      <p:sp>
+        <p:nvSpPr>
+          <p:cNvPr id="2" name="Образ слайда 1"/>
+          <p:cNvSpPr>
+            <a:spLocks noGrp="1" noRot="1" noChangeAspect="1"/>
+          </p:cNvSpPr>
+          <p:nvPr>
+            <p:ph type="sldImg"/>
+          </p:nvPr>
+        </p:nvSpPr>
+        <p:spPr/>
+      </p:sp>
+      <p:sp>
+        <p:nvSpPr>
+          <p:cNvPr id="3" name="Заметки 2"/>
+          <p:cNvSpPr>
+            <a:spLocks noGrp="1"/>
+          </p:cNvSpPr>
+          <p:nvPr>
+            <p:ph type="body" idx="1"/>
+          </p:nvPr>
+        </p:nvSpPr>
+        <p:spPr/>
+        <p:txBody>
+          <a:bodyPr/>
+          <a:lstStyle/>
+          <a:p>
+            <a:endParaRPr lang="ru-RU"/>
+          </a:p>
+        </p:txBody>
+      </p:sp>
+      <p:sp>
+        <p:nvSpPr>
+          <p:cNvPr id="4" name="Номер слайда 3"/>
+          <p:cNvSpPr>
+            <a:spLocks noGrp="1"/>
+          </p:cNvSpPr>
+          <p:nvPr>
+            <p:ph type="sldNum" sz="quarter" idx="10"/>
+          </p:nvPr>
+        </p:nvSpPr>
+        <p:spPr/>
+        <p:txBody>
+          <a:bodyPr/>
+          <a:lstStyle/>
+          <a:p>
+            <a:fld id="{4FD013D3-B323-4505-ADAE-3B2D0E446B01}" type="slidenum">
+              <a:rPr lang="ru-RU" smtClean="0"/>
+              <a:t>21</a:t>
+            </a:fld>
+            <a:endParaRPr lang="ru-RU"/>
+          </a:p>
+        </p:txBody>
+      </p:sp>
+    </p:spTree>
+    <p:extLst>
+      <p:ext uri="{BB962C8B-B14F-4D97-AF65-F5344CB8AC3E}">
+        <p14:creationId xmlns:p14="http://schemas.microsoft.com/office/powerpoint/2010/main" val="363961498"/>
       </p:ext>
     </p:extLst>
   </p:cSld>
@@ -2040,7 +2380,7 @@
           <a:p>
             <a:fld id="{EFED88FF-168E-4EBB-9A5F-4FB6C8E7439D}" type="datetime1">
               <a:rPr lang="ru-RU" smtClean="0"/>
-              <a:t>13.02.2021</a:t>
+              <a:t>14.02.2021</a:t>
             </a:fld>
             <a:endParaRPr lang="ru-RU"/>
           </a:p>
@@ -2214,7 +2554,7 @@
           <a:p>
             <a:fld id="{CBB836DF-5037-4DA6-988C-9E4ACFA47DD0}" type="datetime1">
               <a:rPr lang="ru-RU" smtClean="0"/>
-              <a:t>13.02.2021</a:t>
+              <a:t>14.02.2021</a:t>
             </a:fld>
             <a:endParaRPr lang="ru-RU"/>
           </a:p>
@@ -2398,7 +2738,7 @@
           <a:p>
             <a:fld id="{0F83AFDD-716B-45D0-BD19-777F6483EAA7}" type="datetime1">
               <a:rPr lang="ru-RU" smtClean="0"/>
-              <a:t>13.02.2021</a:t>
+              <a:t>14.02.2021</a:t>
             </a:fld>
             <a:endParaRPr lang="ru-RU"/>
           </a:p>
@@ -2572,7 +2912,7 @@
           <a:p>
             <a:fld id="{364EC64C-750C-411A-9D88-3552E5F59261}" type="datetime1">
               <a:rPr lang="ru-RU" smtClean="0"/>
-              <a:t>13.02.2021</a:t>
+              <a:t>14.02.2021</a:t>
             </a:fld>
             <a:endParaRPr lang="ru-RU"/>
           </a:p>
@@ -2822,7 +3162,7 @@
           <a:p>
             <a:fld id="{DDE36735-7251-4C53-911E-731E5962A7D5}" type="datetime1">
               <a:rPr lang="ru-RU" smtClean="0"/>
-              <a:t>13.02.2021</a:t>
+              <a:t>14.02.2021</a:t>
             </a:fld>
             <a:endParaRPr lang="ru-RU"/>
           </a:p>
@@ -3058,7 +3398,7 @@
           <a:p>
             <a:fld id="{37FAEB9B-A433-4F7D-B224-8C750B9B1138}" type="datetime1">
               <a:rPr lang="ru-RU" smtClean="0"/>
-              <a:t>13.02.2021</a:t>
+              <a:t>14.02.2021</a:t>
             </a:fld>
             <a:endParaRPr lang="ru-RU"/>
           </a:p>
@@ -3429,7 +3769,7 @@
           <a:p>
             <a:fld id="{4BA73B70-E886-46A1-8849-749DBD4756FF}" type="datetime1">
               <a:rPr lang="ru-RU" smtClean="0"/>
-              <a:t>13.02.2021</a:t>
+              <a:t>14.02.2021</a:t>
             </a:fld>
             <a:endParaRPr lang="ru-RU"/>
           </a:p>
@@ -3551,7 +3891,7 @@
           <a:p>
             <a:fld id="{716E43CA-3BC7-4CB6-8155-E4D6E082B66A}" type="datetime1">
               <a:rPr lang="ru-RU" smtClean="0"/>
-              <a:t>13.02.2021</a:t>
+              <a:t>14.02.2021</a:t>
             </a:fld>
             <a:endParaRPr lang="ru-RU"/>
           </a:p>
@@ -3650,7 +3990,7 @@
           <a:p>
             <a:fld id="{A7FE1F45-F01D-40E6-9B4D-A22348243316}" type="datetime1">
               <a:rPr lang="ru-RU" smtClean="0"/>
-              <a:t>13.02.2021</a:t>
+              <a:t>14.02.2021</a:t>
             </a:fld>
             <a:endParaRPr lang="ru-RU"/>
           </a:p>
@@ -3931,7 +4271,7 @@
           <a:p>
             <a:fld id="{B05DDB85-9249-4D46-BF9B-1013112A9DD7}" type="datetime1">
               <a:rPr lang="ru-RU" smtClean="0"/>
-              <a:t>13.02.2021</a:t>
+              <a:t>14.02.2021</a:t>
             </a:fld>
             <a:endParaRPr lang="ru-RU"/>
           </a:p>
@@ -4188,7 +4528,7 @@
           <a:p>
             <a:fld id="{91F453F5-6625-40A4-B938-13B5F7B404F3}" type="datetime1">
               <a:rPr lang="ru-RU" smtClean="0"/>
-              <a:t>13.02.2021</a:t>
+              <a:t>14.02.2021</a:t>
             </a:fld>
             <a:endParaRPr lang="ru-RU"/>
           </a:p>
@@ -4405,7 +4745,7 @@
           <a:p>
             <a:fld id="{16DE54AA-CAF7-45E2-A385-A75E57CE2BF5}" type="datetime1">
               <a:rPr lang="ru-RU" smtClean="0"/>
-              <a:t>13.02.2021</a:t>
+              <a:t>14.02.2021</a:t>
             </a:fld>
             <a:endParaRPr lang="ru-RU"/>
           </a:p>
@@ -8276,7 +8616,7 @@
 </p:sld>
 </file>
 
-<file path=ppt/slides/slide2.xml><?xml version="1.0" encoding="utf-8"?>
+<file path=ppt/slides/slide18.xml><?xml version="1.0" encoding="utf-8"?>
 <p:sld xmlns:a="http://schemas.openxmlformats.org/drawingml/2006/main" xmlns:r="http://schemas.openxmlformats.org/officeDocument/2006/relationships" xmlns:p="http://schemas.openxmlformats.org/presentationml/2006/main">
   <p:cSld>
     <p:spTree>
@@ -8295,7 +8635,193 @@
       </p:grpSpPr>
       <p:sp>
         <p:nvSpPr>
-          <p:cNvPr id="2" name="Прямоугольник 1"/>
+          <p:cNvPr id="10" name="TextBox 9"/>
+          <p:cNvSpPr txBox="1"/>
+          <p:nvPr/>
+        </p:nvSpPr>
+        <p:spPr>
+          <a:xfrm>
+            <a:off x="727188" y="1027533"/>
+            <a:ext cx="10838736" cy="2477601"/>
+          </a:xfrm>
+          <a:prstGeom prst="rect">
+            <a:avLst/>
+          </a:prstGeom>
+          <a:noFill/>
+        </p:spPr>
+        <p:txBody>
+          <a:bodyPr wrap="square" rtlCol="0">
+            <a:spAutoFit/>
+          </a:bodyPr>
+          <a:lstStyle/>
+          <a:p>
+            <a:pPr>
+              <a:spcBef>
+                <a:spcPts val="1200"/>
+              </a:spcBef>
+              <a:spcAft>
+                <a:spcPts val="600"/>
+              </a:spcAft>
+              <a:buClr>
+                <a:srgbClr val="3C74C1"/>
+              </a:buClr>
+            </a:pPr>
+            <a:r>
+              <a:rPr lang="en-US" sz="2000" b="1" dirty="0">
+                <a:latin typeface="Constantia" panose="02030602050306030303" pitchFamily="18" charset="0"/>
+              </a:rPr>
+              <a:t>O</a:t>
+            </a:r>
+            <a:r>
+              <a:rPr lang="en-US" sz="2000" b="1" dirty="0" smtClean="0">
+                <a:latin typeface="Constantia" panose="02030602050306030303" pitchFamily="18" charset="0"/>
+              </a:rPr>
+              <a:t>ur model:</a:t>
+            </a:r>
+            <a:endParaRPr lang="en-US" sz="2000" b="1" dirty="0" smtClean="0">
+              <a:latin typeface="Constantia" panose="02030602050306030303" pitchFamily="18" charset="0"/>
+            </a:endParaRPr>
+          </a:p>
+          <a:p>
+            <a:pPr marL="342900" indent="-342900">
+              <a:spcBef>
+                <a:spcPts val="1200"/>
+              </a:spcBef>
+              <a:spcAft>
+                <a:spcPts val="600"/>
+              </a:spcAft>
+              <a:buClr>
+                <a:srgbClr val="3C74C1"/>
+              </a:buClr>
+              <a:buFont typeface="Arial" panose="020B0604020202020204" pitchFamily="34" charset="0"/>
+              <a:buChar char="•"/>
+            </a:pPr>
+            <a:r>
+              <a:rPr lang="en-US" dirty="0" err="1" smtClean="0">
+                <a:latin typeface="Constantia" panose="02030602050306030303" pitchFamily="18" charset="0"/>
+              </a:rPr>
+              <a:t>Nanophotonic</a:t>
+            </a:r>
+            <a:r>
+              <a:rPr lang="en-US" dirty="0" smtClean="0">
+                <a:latin typeface="Constantia" panose="02030602050306030303" pitchFamily="18" charset="0"/>
+              </a:rPr>
+              <a:t> structures: multilayer films </a:t>
+            </a:r>
+            <a:r>
+              <a:rPr lang="en-US" dirty="0">
+                <a:latin typeface="Constantia" panose="02030602050306030303" pitchFamily="18" charset="0"/>
+              </a:rPr>
+              <a:t>consisting of alternating layers of SiO2 and </a:t>
+            </a:r>
+            <a:r>
+              <a:rPr lang="en-US" dirty="0" smtClean="0">
+                <a:latin typeface="Constantia" panose="02030602050306030303" pitchFamily="18" charset="0"/>
+              </a:rPr>
+              <a:t>Si. </a:t>
+            </a:r>
+            <a:r>
+              <a:rPr lang="en-US" dirty="0" smtClean="0">
+                <a:solidFill>
+                  <a:srgbClr val="FF0000"/>
+                </a:solidFill>
+                <a:latin typeface="Constantia" panose="02030602050306030303" pitchFamily="18" charset="0"/>
+              </a:rPr>
+              <a:t>The thicknesses of layers are random from 0 to </a:t>
+            </a:r>
+            <a:r>
+              <a:rPr lang="en-US" i="1" dirty="0" smtClean="0">
+                <a:solidFill>
+                  <a:srgbClr val="FF0000"/>
+                </a:solidFill>
+                <a:latin typeface="Constantia" panose="02030602050306030303" pitchFamily="18" charset="0"/>
+              </a:rPr>
+              <a:t>a</a:t>
+            </a:r>
+            <a:r>
+              <a:rPr lang="en-US" dirty="0" smtClean="0">
+                <a:solidFill>
+                  <a:srgbClr val="FF0000"/>
+                </a:solidFill>
+                <a:latin typeface="Constantia" panose="02030602050306030303" pitchFamily="18" charset="0"/>
+              </a:rPr>
+              <a:t>=1 (um?).</a:t>
+            </a:r>
+          </a:p>
+          <a:p>
+            <a:pPr marL="342900" indent="-342900">
+              <a:spcBef>
+                <a:spcPts val="1200"/>
+              </a:spcBef>
+              <a:spcAft>
+                <a:spcPts val="600"/>
+              </a:spcAft>
+              <a:buClr>
+                <a:srgbClr val="3C74C1"/>
+              </a:buClr>
+              <a:buFont typeface="Arial" panose="020B0604020202020204" pitchFamily="34" charset="0"/>
+              <a:buChar char="•"/>
+            </a:pPr>
+            <a:r>
+              <a:rPr lang="en-US" dirty="0" smtClean="0">
+                <a:latin typeface="Constantia" panose="02030602050306030303" pitchFamily="18" charset="0"/>
+              </a:rPr>
+              <a:t>Responses: transmission spectra at 200 frequencies from 0.15/</a:t>
+            </a:r>
+            <a:r>
+              <a:rPr lang="en-US" i="1" dirty="0" smtClean="0">
+                <a:latin typeface="Constantia" panose="02030602050306030303" pitchFamily="18" charset="0"/>
+              </a:rPr>
+              <a:t>a</a:t>
+            </a:r>
+            <a:r>
+              <a:rPr lang="en-US" dirty="0" smtClean="0">
+                <a:latin typeface="Constantia" panose="02030602050306030303" pitchFamily="18" charset="0"/>
+              </a:rPr>
+              <a:t> to 0.25/</a:t>
+            </a:r>
+            <a:r>
+              <a:rPr lang="en-US" i="1" dirty="0" smtClean="0">
+                <a:latin typeface="Constantia" panose="02030602050306030303" pitchFamily="18" charset="0"/>
+              </a:rPr>
+              <a:t>a</a:t>
+            </a:r>
+            <a:r>
+              <a:rPr lang="en-US" dirty="0" smtClean="0">
+                <a:latin typeface="Constantia" panose="02030602050306030303" pitchFamily="18" charset="0"/>
+              </a:rPr>
+              <a:t>.</a:t>
+            </a:r>
+          </a:p>
+          <a:p>
+            <a:pPr marL="342900" indent="-342900">
+              <a:spcBef>
+                <a:spcPts val="1200"/>
+              </a:spcBef>
+              <a:spcAft>
+                <a:spcPts val="600"/>
+              </a:spcAft>
+              <a:buClr>
+                <a:srgbClr val="3C74C1"/>
+              </a:buClr>
+              <a:buFont typeface="Arial" panose="020B0604020202020204" pitchFamily="34" charset="0"/>
+              <a:buChar char="•"/>
+            </a:pPr>
+            <a:r>
+              <a:rPr lang="en-US" dirty="0" smtClean="0">
+                <a:latin typeface="Constantia" panose="02030602050306030303" pitchFamily="18" charset="0"/>
+              </a:rPr>
+              <a:t>The responses are calculated analytically using equations describing the plain wave propagation through a multilayer film.</a:t>
+            </a:r>
+            <a:endParaRPr lang="en-US" dirty="0" smtClean="0">
+              <a:latin typeface="Constantia" panose="02030602050306030303" pitchFamily="18" charset="0"/>
+            </a:endParaRPr>
+          </a:p>
+        </p:txBody>
+      </p:sp>
+      <p:sp>
+        <p:nvSpPr>
+          <p:cNvPr id="8" name="Прямоугольник 7"/>
           <p:cNvSpPr/>
           <p:nvPr/>
         </p:nvSpPr>
@@ -8345,6 +8871,1024 @@
       </p:sp>
       <p:sp>
         <p:nvSpPr>
+          <p:cNvPr id="9" name="Заголовок 1"/>
+          <p:cNvSpPr>
+            <a:spLocks noGrp="1"/>
+          </p:cNvSpPr>
+          <p:nvPr>
+            <p:ph type="ctrTitle"/>
+          </p:nvPr>
+        </p:nvSpPr>
+        <p:spPr>
+          <a:xfrm>
+            <a:off x="727188" y="189645"/>
+            <a:ext cx="10684297" cy="592949"/>
+          </a:xfrm>
+        </p:spPr>
+        <p:txBody>
+          <a:bodyPr>
+            <a:noAutofit/>
+          </a:bodyPr>
+          <a:lstStyle/>
+          <a:p>
+            <a:r>
+              <a:rPr lang="en-US" sz="4000" b="1" dirty="0" smtClean="0">
+                <a:solidFill>
+                  <a:schemeClr val="bg1"/>
+                </a:solidFill>
+                <a:latin typeface="Constantia" panose="02030602050306030303" pitchFamily="18" charset="0"/>
+              </a:rPr>
+              <a:t>Simulation Results</a:t>
+            </a:r>
+            <a:endParaRPr lang="en-GB" sz="4000" b="1" dirty="0">
+              <a:solidFill>
+                <a:schemeClr val="bg1"/>
+              </a:solidFill>
+              <a:latin typeface="Constantia" panose="02030602050306030303" pitchFamily="18" charset="0"/>
+            </a:endParaRPr>
+          </a:p>
+        </p:txBody>
+      </p:sp>
+      <p:grpSp>
+        <p:nvGrpSpPr>
+          <p:cNvPr id="24" name="Группа 23"/>
+          <p:cNvGrpSpPr/>
+          <p:nvPr/>
+        </p:nvGrpSpPr>
+        <p:grpSpPr>
+          <a:xfrm>
+            <a:off x="3798375" y="3571036"/>
+            <a:ext cx="3898319" cy="3017214"/>
+            <a:chOff x="3608904" y="3677326"/>
+            <a:chExt cx="3898319" cy="3017214"/>
+          </a:xfrm>
+        </p:grpSpPr>
+        <p:pic>
+          <p:nvPicPr>
+            <p:cNvPr id="11" name="Рисунок 10"/>
+            <p:cNvPicPr>
+              <a:picLocks noChangeAspect="1"/>
+            </p:cNvPicPr>
+            <p:nvPr/>
+          </p:nvPicPr>
+          <p:blipFill rotWithShape="1">
+            <a:blip r:embed="rId3"/>
+            <a:srcRect l="18672" t="10429" r="15458" b="6135"/>
+            <a:stretch/>
+          </p:blipFill>
+          <p:spPr>
+            <a:xfrm>
+              <a:off x="4544944" y="4193060"/>
+              <a:ext cx="2962279" cy="2501480"/>
+            </a:xfrm>
+            <a:prstGeom prst="rect">
+              <a:avLst/>
+            </a:prstGeom>
+          </p:spPr>
+        </p:pic>
+        <p:sp>
+          <p:nvSpPr>
+            <p:cNvPr id="12" name="TextBox 11"/>
+            <p:cNvSpPr txBox="1"/>
+            <p:nvPr/>
+          </p:nvSpPr>
+          <p:spPr>
+            <a:xfrm>
+              <a:off x="4364446" y="3679820"/>
+              <a:ext cx="360996" cy="338554"/>
+            </a:xfrm>
+            <a:prstGeom prst="rect">
+              <a:avLst/>
+            </a:prstGeom>
+            <a:noFill/>
+          </p:spPr>
+          <p:txBody>
+            <a:bodyPr wrap="none" rtlCol="0">
+              <a:spAutoFit/>
+            </a:bodyPr>
+            <a:lstStyle/>
+            <a:p>
+              <a:r>
+                <a:rPr lang="en-US" sz="1600" b="1" dirty="0" smtClean="0">
+                  <a:latin typeface="Constantia" panose="02030602050306030303" pitchFamily="18" charset="0"/>
+                </a:rPr>
+                <a:t>Si</a:t>
+              </a:r>
+              <a:endParaRPr lang="ru-RU" sz="1600" b="1" dirty="0">
+                <a:latin typeface="Constantia" panose="02030602050306030303" pitchFamily="18" charset="0"/>
+              </a:endParaRPr>
+            </a:p>
+          </p:txBody>
+        </p:sp>
+        <p:sp>
+          <p:nvSpPr>
+            <p:cNvPr id="13" name="TextBox 12"/>
+            <p:cNvSpPr txBox="1"/>
+            <p:nvPr/>
+          </p:nvSpPr>
+          <p:spPr>
+            <a:xfrm>
+              <a:off x="5031850" y="3677326"/>
+              <a:ext cx="630301" cy="338554"/>
+            </a:xfrm>
+            <a:prstGeom prst="rect">
+              <a:avLst/>
+            </a:prstGeom>
+            <a:noFill/>
+          </p:spPr>
+          <p:txBody>
+            <a:bodyPr wrap="none" rtlCol="0">
+              <a:spAutoFit/>
+            </a:bodyPr>
+            <a:lstStyle/>
+            <a:p>
+              <a:r>
+                <a:rPr lang="en-US" sz="1600" b="1" dirty="0" smtClean="0">
+                  <a:latin typeface="Constantia" panose="02030602050306030303" pitchFamily="18" charset="0"/>
+                </a:rPr>
+                <a:t>SiO2</a:t>
+              </a:r>
+              <a:endParaRPr lang="ru-RU" sz="1600" b="1" dirty="0">
+                <a:latin typeface="Constantia" panose="02030602050306030303" pitchFamily="18" charset="0"/>
+              </a:endParaRPr>
+            </a:p>
+          </p:txBody>
+        </p:sp>
+        <p:cxnSp>
+          <p:nvCxnSpPr>
+            <p:cNvPr id="7" name="Прямая со стрелкой 6"/>
+            <p:cNvCxnSpPr/>
+            <p:nvPr/>
+          </p:nvCxnSpPr>
+          <p:spPr>
+            <a:xfrm>
+              <a:off x="4670854" y="3962400"/>
+              <a:ext cx="141085" cy="220731"/>
+            </a:xfrm>
+            <a:prstGeom prst="straightConnector1">
+              <a:avLst/>
+            </a:prstGeom>
+            <a:ln w="12700">
+              <a:solidFill>
+                <a:schemeClr val="tx1"/>
+              </a:solidFill>
+              <a:headEnd type="none" w="med" len="med"/>
+              <a:tailEnd type="arrow" w="med" len="med"/>
+            </a:ln>
+          </p:spPr>
+          <p:style>
+            <a:lnRef idx="1">
+              <a:schemeClr val="accent1"/>
+            </a:lnRef>
+            <a:fillRef idx="0">
+              <a:schemeClr val="accent1"/>
+            </a:fillRef>
+            <a:effectRef idx="0">
+              <a:schemeClr val="accent1"/>
+            </a:effectRef>
+            <a:fontRef idx="minor">
+              <a:schemeClr val="tx1"/>
+            </a:fontRef>
+          </p:style>
+        </p:cxnSp>
+        <p:cxnSp>
+          <p:nvCxnSpPr>
+            <p:cNvPr id="16" name="Прямая со стрелкой 15"/>
+            <p:cNvCxnSpPr/>
+            <p:nvPr/>
+          </p:nvCxnSpPr>
+          <p:spPr>
+            <a:xfrm flipH="1">
+              <a:off x="5118347" y="3978876"/>
+              <a:ext cx="77432" cy="214184"/>
+            </a:xfrm>
+            <a:prstGeom prst="straightConnector1">
+              <a:avLst/>
+            </a:prstGeom>
+            <a:ln w="12700">
+              <a:solidFill>
+                <a:schemeClr val="tx1"/>
+              </a:solidFill>
+              <a:headEnd type="none" w="med" len="med"/>
+              <a:tailEnd type="arrow" w="med" len="med"/>
+            </a:ln>
+          </p:spPr>
+          <p:style>
+            <a:lnRef idx="1">
+              <a:schemeClr val="accent1"/>
+            </a:lnRef>
+            <a:fillRef idx="0">
+              <a:schemeClr val="accent1"/>
+            </a:fillRef>
+            <a:effectRef idx="0">
+              <a:schemeClr val="accent1"/>
+            </a:effectRef>
+            <a:fontRef idx="minor">
+              <a:schemeClr val="tx1"/>
+            </a:fontRef>
+          </p:style>
+        </p:cxnSp>
+        <p:cxnSp>
+          <p:nvCxnSpPr>
+            <p:cNvPr id="18" name="Прямая со стрелкой 17"/>
+            <p:cNvCxnSpPr/>
+            <p:nvPr/>
+          </p:nvCxnSpPr>
+          <p:spPr>
+            <a:xfrm>
+              <a:off x="3608904" y="5418806"/>
+              <a:ext cx="755542" cy="0"/>
+            </a:xfrm>
+            <a:prstGeom prst="straightConnector1">
+              <a:avLst/>
+            </a:prstGeom>
+            <a:ln w="28575">
+              <a:solidFill>
+                <a:srgbClr val="3C74C1"/>
+              </a:solidFill>
+              <a:headEnd type="none" w="med" len="med"/>
+              <a:tailEnd type="triangle" w="med" len="med"/>
+            </a:ln>
+          </p:spPr>
+          <p:style>
+            <a:lnRef idx="1">
+              <a:schemeClr val="accent1"/>
+            </a:lnRef>
+            <a:fillRef idx="0">
+              <a:schemeClr val="accent1"/>
+            </a:fillRef>
+            <a:effectRef idx="0">
+              <a:schemeClr val="accent1"/>
+            </a:effectRef>
+            <a:fontRef idx="minor">
+              <a:schemeClr val="tx1"/>
+            </a:fontRef>
+          </p:style>
+        </p:cxnSp>
+        <mc:AlternateContent xmlns:mc="http://schemas.openxmlformats.org/markup-compatibility/2006">
+          <mc:Choice xmlns:a14="http://schemas.microsoft.com/office/drawing/2010/main" Requires="a14">
+            <p:sp>
+              <p:nvSpPr>
+                <p:cNvPr id="22" name="TextBox 21"/>
+                <p:cNvSpPr txBox="1"/>
+                <p:nvPr/>
+              </p:nvSpPr>
+              <p:spPr>
+                <a:xfrm>
+                  <a:off x="3796559" y="5008309"/>
+                  <a:ext cx="380232" cy="410497"/>
+                </a:xfrm>
+                <a:prstGeom prst="rect">
+                  <a:avLst/>
+                </a:prstGeom>
+                <a:noFill/>
+              </p:spPr>
+              <p:txBody>
+                <a:bodyPr wrap="none" rtlCol="0">
+                  <a:spAutoFit/>
+                </a:bodyPr>
+                <a:lstStyle/>
+                <a:p>
+                  <a14:m>
+                    <m:oMathPara xmlns:m="http://schemas.openxmlformats.org/officeDocument/2006/math">
+                      <m:oMathParaPr>
+                        <m:jc m:val="centerGroup"/>
+                      </m:oMathParaPr>
+                      <m:oMath xmlns:m="http://schemas.openxmlformats.org/officeDocument/2006/math">
+                        <m:acc>
+                          <m:accPr>
+                            <m:chr m:val="⃗"/>
+                            <m:ctrlPr>
+                              <a:rPr lang="en-US" b="1" i="1" dirty="0" smtClean="0">
+                                <a:solidFill>
+                                  <a:srgbClr val="3C74C1"/>
+                                </a:solidFill>
+                                <a:latin typeface="Cambria Math" panose="02040503050406030204" pitchFamily="18" charset="0"/>
+                              </a:rPr>
+                            </m:ctrlPr>
+                          </m:accPr>
+                          <m:e>
+                            <m:r>
+                              <a:rPr lang="en-US" b="1" i="1" dirty="0" smtClean="0">
+                                <a:solidFill>
+                                  <a:srgbClr val="3C74C1"/>
+                                </a:solidFill>
+                                <a:latin typeface="Cambria Math" panose="02040503050406030204" pitchFamily="18" charset="0"/>
+                              </a:rPr>
+                              <m:t>𝒌</m:t>
+                            </m:r>
+                          </m:e>
+                        </m:acc>
+                      </m:oMath>
+                    </m:oMathPara>
+                  </a14:m>
+                  <a:endParaRPr lang="ru-RU" b="1" dirty="0">
+                    <a:solidFill>
+                      <a:srgbClr val="3C74C1"/>
+                    </a:solidFill>
+                    <a:latin typeface="Constantia" panose="02030602050306030303" pitchFamily="18" charset="0"/>
+                  </a:endParaRPr>
+                </a:p>
+              </p:txBody>
+            </p:sp>
+          </mc:Choice>
+          <mc:Fallback>
+            <p:sp>
+              <p:nvSpPr>
+                <p:cNvPr id="22" name="TextBox 21"/>
+                <p:cNvSpPr txBox="1">
+                  <a:spLocks noRot="1" noChangeAspect="1" noMove="1" noResize="1" noEditPoints="1" noAdjustHandles="1" noChangeArrowheads="1" noChangeShapeType="1" noTextEdit="1"/>
+                </p:cNvSpPr>
+                <p:nvPr/>
+              </p:nvSpPr>
+              <p:spPr>
+                <a:xfrm>
+                  <a:off x="3796559" y="5008309"/>
+                  <a:ext cx="380232" cy="410497"/>
+                </a:xfrm>
+                <a:prstGeom prst="rect">
+                  <a:avLst/>
+                </a:prstGeom>
+                <a:blipFill rotWithShape="0">
+                  <a:blip r:embed="rId4"/>
+                  <a:stretch>
+                    <a:fillRect/>
+                  </a:stretch>
+                </a:blipFill>
+              </p:spPr>
+              <p:txBody>
+                <a:bodyPr/>
+                <a:lstStyle/>
+                <a:p>
+                  <a:r>
+                    <a:rPr lang="ru-RU">
+                      <a:noFill/>
+                    </a:rPr>
+                    <a:t> </a:t>
+                  </a:r>
+                </a:p>
+              </p:txBody>
+            </p:sp>
+          </mc:Fallback>
+        </mc:AlternateContent>
+      </p:grpSp>
+    </p:spTree>
+    <p:extLst>
+      <p:ext uri="{BB962C8B-B14F-4D97-AF65-F5344CB8AC3E}">
+        <p14:creationId xmlns:p14="http://schemas.microsoft.com/office/powerpoint/2010/main" val="2429287501"/>
+      </p:ext>
+    </p:extLst>
+  </p:cSld>
+  <p:clrMapOvr>
+    <a:masterClrMapping/>
+  </p:clrMapOvr>
+  <p:timing>
+    <p:tnLst>
+      <p:par>
+        <p:cTn id="1" dur="indefinite" restart="never" nodeType="tmRoot"/>
+      </p:par>
+    </p:tnLst>
+  </p:timing>
+</p:sld>
+</file>
+
+<file path=ppt/slides/slide19.xml><?xml version="1.0" encoding="utf-8"?>
+<p:sld xmlns:a="http://schemas.openxmlformats.org/drawingml/2006/main" xmlns:r="http://schemas.openxmlformats.org/officeDocument/2006/relationships" xmlns:p="http://schemas.openxmlformats.org/presentationml/2006/main">
+  <p:cSld>
+    <p:spTree>
+      <p:nvGrpSpPr>
+        <p:cNvPr id="1" name=""/>
+        <p:cNvGrpSpPr/>
+        <p:nvPr/>
+      </p:nvGrpSpPr>
+      <p:grpSpPr>
+        <a:xfrm>
+          <a:off x="0" y="0"/>
+          <a:ext cx="0" cy="0"/>
+          <a:chOff x="0" y="0"/>
+          <a:chExt cx="0" cy="0"/>
+        </a:xfrm>
+      </p:grpSpPr>
+      <p:sp>
+        <p:nvSpPr>
+          <p:cNvPr id="10" name="TextBox 9"/>
+          <p:cNvSpPr txBox="1"/>
+          <p:nvPr/>
+        </p:nvSpPr>
+        <p:spPr>
+          <a:xfrm>
+            <a:off x="727188" y="1027533"/>
+            <a:ext cx="10838736" cy="1923604"/>
+          </a:xfrm>
+          <a:prstGeom prst="rect">
+            <a:avLst/>
+          </a:prstGeom>
+          <a:noFill/>
+        </p:spPr>
+        <p:txBody>
+          <a:bodyPr wrap="square" rtlCol="0">
+            <a:spAutoFit/>
+          </a:bodyPr>
+          <a:lstStyle/>
+          <a:p>
+            <a:pPr>
+              <a:spcBef>
+                <a:spcPts val="1200"/>
+              </a:spcBef>
+              <a:spcAft>
+                <a:spcPts val="600"/>
+              </a:spcAft>
+              <a:buClr>
+                <a:srgbClr val="3C74C1"/>
+              </a:buClr>
+            </a:pPr>
+            <a:r>
+              <a:rPr lang="en-US" sz="2000" b="1" dirty="0" smtClean="0">
+                <a:latin typeface="Constantia" panose="02030602050306030303" pitchFamily="18" charset="0"/>
+              </a:rPr>
+              <a:t>Training a forward-modeling network:</a:t>
+            </a:r>
+          </a:p>
+          <a:p>
+            <a:pPr marL="342900" indent="-342900">
+              <a:spcBef>
+                <a:spcPts val="1200"/>
+              </a:spcBef>
+              <a:spcAft>
+                <a:spcPts val="600"/>
+              </a:spcAft>
+              <a:buClr>
+                <a:srgbClr val="3C74C1"/>
+              </a:buClr>
+              <a:buFont typeface="Arial" panose="020B0604020202020204" pitchFamily="34" charset="0"/>
+              <a:buChar char="•"/>
+            </a:pPr>
+            <a:r>
+              <a:rPr lang="en-US" dirty="0" smtClean="0">
+                <a:latin typeface="Constantia" panose="02030602050306030303" pitchFamily="18" charset="0"/>
+              </a:rPr>
+              <a:t>Architecture 4 is used with 4 </a:t>
+            </a:r>
+            <a:r>
+              <a:rPr lang="en-US" dirty="0" smtClean="0">
+                <a:latin typeface="Constantia" panose="02030602050306030303" pitchFamily="18" charset="0"/>
+              </a:rPr>
+              <a:t>hidden layers and </a:t>
+            </a:r>
+            <a:r>
+              <a:rPr lang="en-US" dirty="0" smtClean="0">
+                <a:latin typeface="Constantia" panose="02030602050306030303" pitchFamily="18" charset="0"/>
+              </a:rPr>
+              <a:t>weights 15</a:t>
+            </a:r>
+            <a:r>
+              <a:rPr lang="ru-RU" dirty="0" smtClean="0">
+                <a:latin typeface="Constantia" panose="02030602050306030303" pitchFamily="18" charset="0"/>
+              </a:rPr>
+              <a:t> </a:t>
+            </a:r>
+            <a:r>
+              <a:rPr lang="ru-RU" dirty="0">
+                <a:latin typeface="Constantia" panose="02030602050306030303" pitchFamily="18" charset="0"/>
+              </a:rPr>
+              <a:t>− 500 − 200 − 200 − 200 − </a:t>
+            </a:r>
+            <a:r>
+              <a:rPr lang="ru-RU" dirty="0" smtClean="0">
+                <a:latin typeface="Constantia" panose="02030602050306030303" pitchFamily="18" charset="0"/>
+              </a:rPr>
+              <a:t>200</a:t>
+            </a:r>
+            <a:r>
+              <a:rPr lang="en-US" dirty="0" smtClean="0">
+                <a:latin typeface="Constantia" panose="02030602050306030303" pitchFamily="18" charset="0"/>
+              </a:rPr>
+              <a:t>.</a:t>
+            </a:r>
+          </a:p>
+          <a:p>
+            <a:pPr marL="342900" indent="-342900">
+              <a:spcBef>
+                <a:spcPts val="1200"/>
+              </a:spcBef>
+              <a:spcAft>
+                <a:spcPts val="600"/>
+              </a:spcAft>
+              <a:buClr>
+                <a:srgbClr val="3C74C1"/>
+              </a:buClr>
+              <a:buFont typeface="Arial" panose="020B0604020202020204" pitchFamily="34" charset="0"/>
+              <a:buChar char="•"/>
+            </a:pPr>
+            <a:r>
+              <a:rPr lang="en-US" dirty="0" smtClean="0">
+                <a:latin typeface="Constantia" panose="02030602050306030303" pitchFamily="18" charset="0"/>
+              </a:rPr>
+              <a:t>Activation function: sigmoid.</a:t>
+            </a:r>
+          </a:p>
+          <a:p>
+            <a:pPr marL="342900" indent="-342900">
+              <a:spcBef>
+                <a:spcPts val="1200"/>
+              </a:spcBef>
+              <a:spcAft>
+                <a:spcPts val="600"/>
+              </a:spcAft>
+              <a:buClr>
+                <a:srgbClr val="3C74C1"/>
+              </a:buClr>
+              <a:buFont typeface="Arial" panose="020B0604020202020204" pitchFamily="34" charset="0"/>
+              <a:buChar char="•"/>
+            </a:pPr>
+            <a:r>
+              <a:rPr lang="en-US" dirty="0" smtClean="0">
+                <a:latin typeface="Constantia" panose="02030602050306030303" pitchFamily="18" charset="0"/>
+              </a:rPr>
+              <a:t>Number of designs: training set = </a:t>
+            </a:r>
+            <a:r>
+              <a:rPr lang="ru-RU" dirty="0">
+                <a:latin typeface="Constantia" panose="02030602050306030303" pitchFamily="18" charset="0"/>
+              </a:rPr>
+              <a:t>588429</a:t>
+            </a:r>
+            <a:r>
+              <a:rPr lang="en-US" dirty="0" smtClean="0">
+                <a:latin typeface="Constantia" panose="02030602050306030303" pitchFamily="18" charset="0"/>
+              </a:rPr>
+              <a:t>, testing set = </a:t>
+            </a:r>
+            <a:r>
+              <a:rPr lang="ru-RU" dirty="0">
+                <a:latin typeface="Constantia" panose="02030602050306030303" pitchFamily="18" charset="0"/>
+              </a:rPr>
+              <a:t>65381</a:t>
+            </a:r>
+            <a:r>
+              <a:rPr lang="en-US" dirty="0" smtClean="0">
+                <a:latin typeface="Constantia" panose="02030602050306030303" pitchFamily="18" charset="0"/>
+              </a:rPr>
+              <a:t> (0.1 of all data)</a:t>
+            </a:r>
+            <a:endParaRPr lang="ru-RU" dirty="0">
+              <a:latin typeface="Constantia" panose="02030602050306030303" pitchFamily="18" charset="0"/>
+            </a:endParaRPr>
+          </a:p>
+        </p:txBody>
+      </p:sp>
+      <p:sp>
+        <p:nvSpPr>
+          <p:cNvPr id="8" name="Прямоугольник 7"/>
+          <p:cNvSpPr/>
+          <p:nvPr/>
+        </p:nvSpPr>
+        <p:spPr>
+          <a:xfrm>
+            <a:off x="0" y="0"/>
+            <a:ext cx="12192000" cy="843295"/>
+          </a:xfrm>
+          <a:prstGeom prst="rect">
+            <a:avLst/>
+          </a:prstGeom>
+          <a:solidFill>
+            <a:srgbClr val="3C74C1"/>
+          </a:solidFill>
+          <a:ln>
+            <a:noFill/>
+          </a:ln>
+        </p:spPr>
+        <p:style>
+          <a:lnRef idx="2">
+            <a:schemeClr val="accent1">
+              <a:shade val="50000"/>
+            </a:schemeClr>
+          </a:lnRef>
+          <a:fillRef idx="1">
+            <a:schemeClr val="accent1"/>
+          </a:fillRef>
+          <a:effectRef idx="0">
+            <a:schemeClr val="accent1"/>
+          </a:effectRef>
+          <a:fontRef idx="minor">
+            <a:schemeClr val="lt1"/>
+          </a:fontRef>
+        </p:style>
+        <p:txBody>
+          <a:bodyPr rtlCol="0" anchor="ctr"/>
+          <a:lstStyle/>
+          <a:p>
+            <a:pPr algn="ctr"/>
+            <a:endParaRPr lang="ru-RU">
+              <a:solidFill>
+                <a:srgbClr val="4500C0"/>
+              </a:solidFill>
+            </a:endParaRPr>
+          </a:p>
+        </p:txBody>
+      </p:sp>
+      <p:sp>
+        <p:nvSpPr>
+          <p:cNvPr id="9" name="Заголовок 1"/>
+          <p:cNvSpPr>
+            <a:spLocks noGrp="1"/>
+          </p:cNvSpPr>
+          <p:nvPr>
+            <p:ph type="ctrTitle"/>
+          </p:nvPr>
+        </p:nvSpPr>
+        <p:spPr>
+          <a:xfrm>
+            <a:off x="727188" y="189645"/>
+            <a:ext cx="10684297" cy="592949"/>
+          </a:xfrm>
+        </p:spPr>
+        <p:txBody>
+          <a:bodyPr>
+            <a:noAutofit/>
+          </a:bodyPr>
+          <a:lstStyle/>
+          <a:p>
+            <a:r>
+              <a:rPr lang="en-US" sz="4000" b="1" dirty="0" smtClean="0">
+                <a:solidFill>
+                  <a:schemeClr val="bg1"/>
+                </a:solidFill>
+                <a:latin typeface="Constantia" panose="02030602050306030303" pitchFamily="18" charset="0"/>
+              </a:rPr>
+              <a:t>Simulation Results</a:t>
+            </a:r>
+            <a:endParaRPr lang="en-GB" sz="4000" b="1" dirty="0">
+              <a:solidFill>
+                <a:schemeClr val="bg1"/>
+              </a:solidFill>
+              <a:latin typeface="Constantia" panose="02030602050306030303" pitchFamily="18" charset="0"/>
+            </a:endParaRPr>
+          </a:p>
+        </p:txBody>
+      </p:sp>
+      <p:grpSp>
+        <p:nvGrpSpPr>
+          <p:cNvPr id="6" name="Группа 5"/>
+          <p:cNvGrpSpPr/>
+          <p:nvPr/>
+        </p:nvGrpSpPr>
+        <p:grpSpPr>
+          <a:xfrm>
+            <a:off x="727188" y="3065661"/>
+            <a:ext cx="4777946" cy="3739693"/>
+            <a:chOff x="727188" y="3065661"/>
+            <a:chExt cx="4777946" cy="3739693"/>
+          </a:xfrm>
+        </p:grpSpPr>
+        <p:grpSp>
+          <p:nvGrpSpPr>
+            <p:cNvPr id="5" name="Группа 4"/>
+            <p:cNvGrpSpPr/>
+            <p:nvPr/>
+          </p:nvGrpSpPr>
+          <p:grpSpPr>
+            <a:xfrm>
+              <a:off x="727188" y="3238369"/>
+              <a:ext cx="4777946" cy="3566985"/>
+              <a:chOff x="3558932" y="3105664"/>
+              <a:chExt cx="4777946" cy="3566985"/>
+            </a:xfrm>
+          </p:grpSpPr>
+          <p:pic>
+            <p:nvPicPr>
+              <p:cNvPr id="3" name="Рисунок 2"/>
+              <p:cNvPicPr>
+                <a:picLocks noChangeAspect="1"/>
+              </p:cNvPicPr>
+              <p:nvPr/>
+            </p:nvPicPr>
+            <p:blipFill rotWithShape="1">
+              <a:blip r:embed="rId3"/>
+              <a:srcRect l="5288" t="10115" r="8872" b="4440"/>
+              <a:stretch/>
+            </p:blipFill>
+            <p:spPr>
+              <a:xfrm>
+                <a:off x="3558932" y="3105664"/>
+                <a:ext cx="4777946" cy="3566985"/>
+              </a:xfrm>
+              <a:prstGeom prst="rect">
+                <a:avLst/>
+              </a:prstGeom>
+            </p:spPr>
+          </p:pic>
+          <p:pic>
+            <p:nvPicPr>
+              <p:cNvPr id="2" name="Рисунок 1"/>
+              <p:cNvPicPr>
+                <a:picLocks noChangeAspect="1"/>
+              </p:cNvPicPr>
+              <p:nvPr/>
+            </p:nvPicPr>
+            <p:blipFill rotWithShape="1">
+              <a:blip r:embed="rId4"/>
+              <a:srcRect l="18781" t="10179" r="15403" b="5854"/>
+              <a:stretch/>
+            </p:blipFill>
+            <p:spPr>
+              <a:xfrm>
+                <a:off x="6565555" y="4094948"/>
+                <a:ext cx="1687731" cy="1435443"/>
+              </a:xfrm>
+              <a:prstGeom prst="rect">
+                <a:avLst/>
+              </a:prstGeom>
+            </p:spPr>
+          </p:pic>
+          <p:sp>
+            <p:nvSpPr>
+              <p:cNvPr id="4" name="TextBox 3"/>
+              <p:cNvSpPr txBox="1"/>
+              <p:nvPr/>
+            </p:nvSpPr>
+            <p:spPr>
+              <a:xfrm>
+                <a:off x="6748534" y="3854706"/>
+                <a:ext cx="1321772" cy="307777"/>
+              </a:xfrm>
+              <a:prstGeom prst="rect">
+                <a:avLst/>
+              </a:prstGeom>
+              <a:noFill/>
+            </p:spPr>
+            <p:txBody>
+              <a:bodyPr wrap="none" rtlCol="0">
+                <a:spAutoFit/>
+              </a:bodyPr>
+              <a:lstStyle/>
+              <a:p>
+                <a:r>
+                  <a:rPr lang="en-US" sz="1400" dirty="0" smtClean="0">
+                    <a:latin typeface="Constantia" panose="02030602050306030303" pitchFamily="18" charset="0"/>
+                  </a:rPr>
+                  <a:t>Grating design</a:t>
+                </a:r>
+                <a:endParaRPr lang="ru-RU" sz="1400" dirty="0">
+                  <a:latin typeface="Constantia" panose="02030602050306030303" pitchFamily="18" charset="0"/>
+                </a:endParaRPr>
+              </a:p>
+            </p:txBody>
+          </p:sp>
+        </p:grpSp>
+        <p:sp>
+          <p:nvSpPr>
+            <p:cNvPr id="11" name="TextBox 10"/>
+            <p:cNvSpPr txBox="1"/>
+            <p:nvPr/>
+          </p:nvSpPr>
+          <p:spPr>
+            <a:xfrm>
+              <a:off x="2453167" y="3065661"/>
+              <a:ext cx="1573123" cy="307777"/>
+            </a:xfrm>
+            <a:prstGeom prst="rect">
+              <a:avLst/>
+            </a:prstGeom>
+            <a:noFill/>
+          </p:spPr>
+          <p:txBody>
+            <a:bodyPr wrap="none" rtlCol="0">
+              <a:spAutoFit/>
+            </a:bodyPr>
+            <a:lstStyle/>
+            <a:p>
+              <a:r>
+                <a:rPr lang="en-US" sz="1400" i="1" dirty="0" smtClean="0">
+                  <a:latin typeface="Constantia" panose="02030602050306030303" pitchFamily="18" charset="0"/>
+                </a:rPr>
+                <a:t>Random seed = 18</a:t>
+              </a:r>
+              <a:endParaRPr lang="ru-RU" sz="1400" i="1" dirty="0">
+                <a:latin typeface="Constantia" panose="02030602050306030303" pitchFamily="18" charset="0"/>
+              </a:endParaRPr>
+            </a:p>
+          </p:txBody>
+        </p:sp>
+      </p:grpSp>
+      <p:grpSp>
+        <p:nvGrpSpPr>
+          <p:cNvPr id="15" name="Группа 14"/>
+          <p:cNvGrpSpPr/>
+          <p:nvPr/>
+        </p:nvGrpSpPr>
+        <p:grpSpPr>
+          <a:xfrm>
+            <a:off x="6097807" y="3060911"/>
+            <a:ext cx="5649991" cy="3744443"/>
+            <a:chOff x="6294707" y="3064215"/>
+            <a:chExt cx="5649991" cy="3744443"/>
+          </a:xfrm>
+        </p:grpSpPr>
+        <p:pic>
+          <p:nvPicPr>
+            <p:cNvPr id="7" name="Рисунок 6"/>
+            <p:cNvPicPr>
+              <a:picLocks noChangeAspect="1"/>
+            </p:cNvPicPr>
+            <p:nvPr/>
+          </p:nvPicPr>
+          <p:blipFill rotWithShape="1">
+            <a:blip r:embed="rId5"/>
+            <a:srcRect l="5316" t="10738" r="8976" b="4263"/>
+            <a:stretch/>
+          </p:blipFill>
+          <p:spPr>
+            <a:xfrm>
+              <a:off x="6294707" y="3238369"/>
+              <a:ext cx="4800058" cy="3570289"/>
+            </a:xfrm>
+            <a:prstGeom prst="rect">
+              <a:avLst/>
+            </a:prstGeom>
+          </p:spPr>
+        </p:pic>
+        <p:pic>
+          <p:nvPicPr>
+            <p:cNvPr id="12" name="Рисунок 11"/>
+            <p:cNvPicPr>
+              <a:picLocks noChangeAspect="1"/>
+            </p:cNvPicPr>
+            <p:nvPr/>
+          </p:nvPicPr>
+          <p:blipFill rotWithShape="1">
+            <a:blip r:embed="rId6"/>
+            <a:srcRect l="18672" t="10429" r="15458" b="6135"/>
+            <a:stretch/>
+          </p:blipFill>
+          <p:spPr>
+            <a:xfrm>
+              <a:off x="10244831" y="4230957"/>
+              <a:ext cx="1699867" cy="1435443"/>
+            </a:xfrm>
+            <a:prstGeom prst="rect">
+              <a:avLst/>
+            </a:prstGeom>
+          </p:spPr>
+        </p:pic>
+        <p:sp>
+          <p:nvSpPr>
+            <p:cNvPr id="13" name="TextBox 12"/>
+            <p:cNvSpPr txBox="1"/>
+            <p:nvPr/>
+          </p:nvSpPr>
+          <p:spPr>
+            <a:xfrm>
+              <a:off x="10433879" y="3985047"/>
+              <a:ext cx="1321772" cy="307777"/>
+            </a:xfrm>
+            <a:prstGeom prst="rect">
+              <a:avLst/>
+            </a:prstGeom>
+            <a:noFill/>
+          </p:spPr>
+          <p:txBody>
+            <a:bodyPr wrap="none" rtlCol="0">
+              <a:spAutoFit/>
+            </a:bodyPr>
+            <a:lstStyle/>
+            <a:p>
+              <a:r>
+                <a:rPr lang="en-US" sz="1400" dirty="0" smtClean="0">
+                  <a:latin typeface="Constantia" panose="02030602050306030303" pitchFamily="18" charset="0"/>
+                </a:rPr>
+                <a:t>Grating design</a:t>
+              </a:r>
+              <a:endParaRPr lang="ru-RU" sz="1400" dirty="0">
+                <a:latin typeface="Constantia" panose="02030602050306030303" pitchFamily="18" charset="0"/>
+              </a:endParaRPr>
+            </a:p>
+          </p:txBody>
+        </p:sp>
+        <p:sp>
+          <p:nvSpPr>
+            <p:cNvPr id="14" name="TextBox 13"/>
+            <p:cNvSpPr txBox="1"/>
+            <p:nvPr/>
+          </p:nvSpPr>
+          <p:spPr>
+            <a:xfrm>
+              <a:off x="8254992" y="3064215"/>
+              <a:ext cx="1472391" cy="307777"/>
+            </a:xfrm>
+            <a:prstGeom prst="rect">
+              <a:avLst/>
+            </a:prstGeom>
+            <a:noFill/>
+          </p:spPr>
+          <p:txBody>
+            <a:bodyPr wrap="none" rtlCol="0">
+              <a:spAutoFit/>
+            </a:bodyPr>
+            <a:lstStyle/>
+            <a:p>
+              <a:r>
+                <a:rPr lang="en-US" sz="1400" i="1" dirty="0" smtClean="0">
+                  <a:latin typeface="Constantia" panose="02030602050306030303" pitchFamily="18" charset="0"/>
+                </a:rPr>
+                <a:t>Random seed = 8</a:t>
+              </a:r>
+              <a:endParaRPr lang="ru-RU" sz="1400" i="1" dirty="0">
+                <a:latin typeface="Constantia" panose="02030602050306030303" pitchFamily="18" charset="0"/>
+              </a:endParaRPr>
+            </a:p>
+          </p:txBody>
+        </p:sp>
+      </p:grpSp>
+    </p:spTree>
+    <p:extLst>
+      <p:ext uri="{BB962C8B-B14F-4D97-AF65-F5344CB8AC3E}">
+        <p14:creationId xmlns:p14="http://schemas.microsoft.com/office/powerpoint/2010/main" val="1183833562"/>
+      </p:ext>
+    </p:extLst>
+  </p:cSld>
+  <p:clrMapOvr>
+    <a:masterClrMapping/>
+  </p:clrMapOvr>
+  <p:timing>
+    <p:tnLst>
+      <p:par>
+        <p:cTn id="1" dur="indefinite" restart="never" nodeType="tmRoot"/>
+      </p:par>
+    </p:tnLst>
+  </p:timing>
+</p:sld>
+</file>
+
+<file path=ppt/slides/slide2.xml><?xml version="1.0" encoding="utf-8"?>
+<p:sld xmlns:a="http://schemas.openxmlformats.org/drawingml/2006/main" xmlns:r="http://schemas.openxmlformats.org/officeDocument/2006/relationships" xmlns:p="http://schemas.openxmlformats.org/presentationml/2006/main">
+  <p:cSld>
+    <p:spTree>
+      <p:nvGrpSpPr>
+        <p:cNvPr id="1" name=""/>
+        <p:cNvGrpSpPr/>
+        <p:nvPr/>
+      </p:nvGrpSpPr>
+      <p:grpSpPr>
+        <a:xfrm>
+          <a:off x="0" y="0"/>
+          <a:ext cx="0" cy="0"/>
+          <a:chOff x="0" y="0"/>
+          <a:chExt cx="0" cy="0"/>
+        </a:xfrm>
+      </p:grpSpPr>
+      <p:sp>
+        <p:nvSpPr>
+          <p:cNvPr id="2" name="Прямоугольник 1"/>
+          <p:cNvSpPr/>
+          <p:nvPr/>
+        </p:nvSpPr>
+        <p:spPr>
+          <a:xfrm>
+            <a:off x="0" y="0"/>
+            <a:ext cx="12192000" cy="843295"/>
+          </a:xfrm>
+          <a:prstGeom prst="rect">
+            <a:avLst/>
+          </a:prstGeom>
+          <a:solidFill>
+            <a:srgbClr val="3C74C1"/>
+          </a:solidFill>
+          <a:ln>
+            <a:noFill/>
+          </a:ln>
+        </p:spPr>
+        <p:style>
+          <a:lnRef idx="2">
+            <a:schemeClr val="accent1">
+              <a:shade val="50000"/>
+            </a:schemeClr>
+          </a:lnRef>
+          <a:fillRef idx="1">
+            <a:schemeClr val="accent1"/>
+          </a:fillRef>
+          <a:effectRef idx="0">
+            <a:schemeClr val="accent1"/>
+          </a:effectRef>
+          <a:fontRef idx="minor">
+            <a:schemeClr val="lt1"/>
+          </a:fontRef>
+        </p:style>
+        <p:txBody>
+          <a:bodyPr rtlCol="0" anchor="ctr"/>
+          <a:lstStyle/>
+          <a:p>
+            <a:pPr algn="ctr"/>
+            <a:endParaRPr lang="ru-RU">
+              <a:solidFill>
+                <a:srgbClr val="4500C0"/>
+              </a:solidFill>
+            </a:endParaRPr>
+          </a:p>
+        </p:txBody>
+      </p:sp>
+      <p:sp>
+        <p:nvSpPr>
           <p:cNvPr id="3" name="Заголовок 1"/>
           <p:cNvSpPr>
             <a:spLocks noGrp="1"/>
@@ -8392,7 +9936,7 @@
         <p:spPr>
           <a:xfrm>
             <a:off x="727188" y="1242490"/>
-            <a:ext cx="10675879" cy="4493538"/>
+            <a:ext cx="10675879" cy="5155257"/>
           </a:xfrm>
           <a:prstGeom prst="rect">
             <a:avLst/>
@@ -8601,6 +10145,39 @@
               </a:rPr>
               <a:t>Conclusion</a:t>
             </a:r>
+            <a:endParaRPr lang="ru-RU" sz="2800" b="1" dirty="0" smtClean="0">
+              <a:solidFill>
+                <a:srgbClr val="3C74C1"/>
+              </a:solidFill>
+              <a:latin typeface="Constantia" panose="02030602050306030303" pitchFamily="18" charset="0"/>
+            </a:endParaRPr>
+          </a:p>
+          <a:p>
+            <a:pPr marL="514350" indent="-514350">
+              <a:spcBef>
+                <a:spcPts val="1200"/>
+              </a:spcBef>
+              <a:spcAft>
+                <a:spcPts val="600"/>
+              </a:spcAft>
+              <a:buFont typeface="+mj-lt"/>
+              <a:buAutoNum type="arabicPeriod"/>
+            </a:pPr>
+            <a:r>
+              <a:rPr lang="en-US" sz="2800" b="1" dirty="0" smtClean="0">
+                <a:solidFill>
+                  <a:srgbClr val="3C74C1"/>
+                </a:solidFill>
+                <a:latin typeface="Constantia" panose="02030602050306030303" pitchFamily="18" charset="0"/>
+              </a:rPr>
+              <a:t>Simulation results</a:t>
+            </a:r>
+            <a:endParaRPr lang="en-US" sz="2800" b="1" dirty="0" smtClean="0">
+              <a:solidFill>
+                <a:srgbClr val="3C74C1"/>
+              </a:solidFill>
+              <a:latin typeface="Constantia" panose="02030602050306030303" pitchFamily="18" charset="0"/>
+            </a:endParaRPr>
           </a:p>
         </p:txBody>
       </p:sp>
@@ -8608,6 +10185,1299 @@
     <p:extLst>
       <p:ext uri="{BB962C8B-B14F-4D97-AF65-F5344CB8AC3E}">
         <p14:creationId xmlns:p14="http://schemas.microsoft.com/office/powerpoint/2010/main" val="2303350596"/>
+      </p:ext>
+    </p:extLst>
+  </p:cSld>
+  <p:clrMapOvr>
+    <a:masterClrMapping/>
+  </p:clrMapOvr>
+  <p:timing>
+    <p:tnLst>
+      <p:par>
+        <p:cTn id="1" dur="indefinite" restart="never" nodeType="tmRoot"/>
+      </p:par>
+    </p:tnLst>
+  </p:timing>
+</p:sld>
+</file>
+
+<file path=ppt/slides/slide20.xml><?xml version="1.0" encoding="utf-8"?>
+<p:sld xmlns:a="http://schemas.openxmlformats.org/drawingml/2006/main" xmlns:r="http://schemas.openxmlformats.org/officeDocument/2006/relationships" xmlns:p="http://schemas.openxmlformats.org/presentationml/2006/main">
+  <p:cSld>
+    <p:spTree>
+      <p:nvGrpSpPr>
+        <p:cNvPr id="1" name=""/>
+        <p:cNvGrpSpPr/>
+        <p:nvPr/>
+      </p:nvGrpSpPr>
+      <p:grpSpPr>
+        <a:xfrm>
+          <a:off x="0" y="0"/>
+          <a:ext cx="0" cy="0"/>
+          <a:chOff x="0" y="0"/>
+          <a:chExt cx="0" cy="0"/>
+        </a:xfrm>
+      </p:grpSpPr>
+      <p:sp>
+        <p:nvSpPr>
+          <p:cNvPr id="10" name="TextBox 9"/>
+          <p:cNvSpPr txBox="1"/>
+          <p:nvPr/>
+        </p:nvSpPr>
+        <p:spPr>
+          <a:xfrm>
+            <a:off x="727188" y="1027533"/>
+            <a:ext cx="10838736" cy="1415772"/>
+          </a:xfrm>
+          <a:prstGeom prst="rect">
+            <a:avLst/>
+          </a:prstGeom>
+          <a:noFill/>
+        </p:spPr>
+        <p:txBody>
+          <a:bodyPr wrap="square" rtlCol="0">
+            <a:spAutoFit/>
+          </a:bodyPr>
+          <a:lstStyle/>
+          <a:p>
+            <a:pPr>
+              <a:spcBef>
+                <a:spcPts val="1200"/>
+              </a:spcBef>
+              <a:spcAft>
+                <a:spcPts val="600"/>
+              </a:spcAft>
+              <a:buClr>
+                <a:srgbClr val="3C74C1"/>
+              </a:buClr>
+            </a:pPr>
+            <a:r>
+              <a:rPr lang="en-US" sz="2000" b="1" dirty="0" smtClean="0">
+                <a:latin typeface="Constantia" panose="02030602050306030303" pitchFamily="18" charset="0"/>
+              </a:rPr>
+              <a:t>Training a </a:t>
+            </a:r>
+            <a:r>
+              <a:rPr lang="en-US" sz="2000" b="1" dirty="0" smtClean="0">
+                <a:latin typeface="Constantia" panose="02030602050306030303" pitchFamily="18" charset="0"/>
+              </a:rPr>
+              <a:t>tandem </a:t>
+            </a:r>
+            <a:r>
+              <a:rPr lang="en-US" sz="2000" b="1" dirty="0" smtClean="0">
+                <a:latin typeface="Constantia" panose="02030602050306030303" pitchFamily="18" charset="0"/>
+              </a:rPr>
+              <a:t>network:</a:t>
+            </a:r>
+          </a:p>
+          <a:p>
+            <a:pPr marL="342900" indent="-342900">
+              <a:spcBef>
+                <a:spcPts val="1200"/>
+              </a:spcBef>
+              <a:spcAft>
+                <a:spcPts val="600"/>
+              </a:spcAft>
+              <a:buClr>
+                <a:srgbClr val="3C74C1"/>
+              </a:buClr>
+              <a:buFont typeface="Arial" panose="020B0604020202020204" pitchFamily="34" charset="0"/>
+              <a:buChar char="•"/>
+            </a:pPr>
+            <a:r>
+              <a:rPr lang="en-US" dirty="0" smtClean="0">
+                <a:latin typeface="Constantia" panose="02030602050306030303" pitchFamily="18" charset="0"/>
+              </a:rPr>
+              <a:t>Inverse-modeling NN a</a:t>
+            </a:r>
+            <a:r>
+              <a:rPr lang="en-US" dirty="0" smtClean="0">
+                <a:latin typeface="Constantia" panose="02030602050306030303" pitchFamily="18" charset="0"/>
+              </a:rPr>
+              <a:t>rchitecture: 2 </a:t>
+            </a:r>
+            <a:r>
+              <a:rPr lang="en-US" dirty="0" smtClean="0">
+                <a:latin typeface="Constantia" panose="02030602050306030303" pitchFamily="18" charset="0"/>
+              </a:rPr>
+              <a:t>hidden </a:t>
+            </a:r>
+            <a:r>
+              <a:rPr lang="en-US" dirty="0" smtClean="0">
+                <a:latin typeface="Constantia" panose="02030602050306030303" pitchFamily="18" charset="0"/>
+              </a:rPr>
+              <a:t>layers, weights 200</a:t>
+            </a:r>
+            <a:r>
+              <a:rPr lang="ru-RU" dirty="0" smtClean="0">
+                <a:latin typeface="Constantia" panose="02030602050306030303" pitchFamily="18" charset="0"/>
+              </a:rPr>
+              <a:t> </a:t>
+            </a:r>
+            <a:r>
+              <a:rPr lang="ru-RU" dirty="0">
+                <a:latin typeface="Constantia" panose="02030602050306030303" pitchFamily="18" charset="0"/>
+              </a:rPr>
+              <a:t>− 500 − 200 − </a:t>
+            </a:r>
+            <a:r>
+              <a:rPr lang="en-US" dirty="0" smtClean="0">
+                <a:latin typeface="Constantia" panose="02030602050306030303" pitchFamily="18" charset="0"/>
+              </a:rPr>
+              <a:t>15. </a:t>
+            </a:r>
+          </a:p>
+          <a:p>
+            <a:pPr marL="342900" indent="-342900">
+              <a:spcBef>
+                <a:spcPts val="1200"/>
+              </a:spcBef>
+              <a:spcAft>
+                <a:spcPts val="600"/>
+              </a:spcAft>
+              <a:buClr>
+                <a:srgbClr val="3C74C1"/>
+              </a:buClr>
+              <a:buFont typeface="Arial" panose="020B0604020202020204" pitchFamily="34" charset="0"/>
+              <a:buChar char="•"/>
+            </a:pPr>
+            <a:r>
+              <a:rPr lang="en-US" dirty="0" smtClean="0">
+                <a:latin typeface="Constantia" panose="02030602050306030303" pitchFamily="18" charset="0"/>
+              </a:rPr>
+              <a:t>Epochs: 400. </a:t>
+            </a:r>
+          </a:p>
+        </p:txBody>
+      </p:sp>
+      <p:sp>
+        <p:nvSpPr>
+          <p:cNvPr id="8" name="Прямоугольник 7"/>
+          <p:cNvSpPr/>
+          <p:nvPr/>
+        </p:nvSpPr>
+        <p:spPr>
+          <a:xfrm>
+            <a:off x="0" y="0"/>
+            <a:ext cx="12192000" cy="843295"/>
+          </a:xfrm>
+          <a:prstGeom prst="rect">
+            <a:avLst/>
+          </a:prstGeom>
+          <a:solidFill>
+            <a:srgbClr val="3C74C1"/>
+          </a:solidFill>
+          <a:ln>
+            <a:noFill/>
+          </a:ln>
+        </p:spPr>
+        <p:style>
+          <a:lnRef idx="2">
+            <a:schemeClr val="accent1">
+              <a:shade val="50000"/>
+            </a:schemeClr>
+          </a:lnRef>
+          <a:fillRef idx="1">
+            <a:schemeClr val="accent1"/>
+          </a:fillRef>
+          <a:effectRef idx="0">
+            <a:schemeClr val="accent1"/>
+          </a:effectRef>
+          <a:fontRef idx="minor">
+            <a:schemeClr val="lt1"/>
+          </a:fontRef>
+        </p:style>
+        <p:txBody>
+          <a:bodyPr rtlCol="0" anchor="ctr"/>
+          <a:lstStyle/>
+          <a:p>
+            <a:pPr algn="ctr"/>
+            <a:endParaRPr lang="ru-RU">
+              <a:solidFill>
+                <a:srgbClr val="4500C0"/>
+              </a:solidFill>
+            </a:endParaRPr>
+          </a:p>
+        </p:txBody>
+      </p:sp>
+      <p:sp>
+        <p:nvSpPr>
+          <p:cNvPr id="9" name="Заголовок 1"/>
+          <p:cNvSpPr>
+            <a:spLocks noGrp="1"/>
+          </p:cNvSpPr>
+          <p:nvPr>
+            <p:ph type="ctrTitle"/>
+          </p:nvPr>
+        </p:nvSpPr>
+        <p:spPr>
+          <a:xfrm>
+            <a:off x="727188" y="189645"/>
+            <a:ext cx="10684297" cy="592949"/>
+          </a:xfrm>
+        </p:spPr>
+        <p:txBody>
+          <a:bodyPr>
+            <a:noAutofit/>
+          </a:bodyPr>
+          <a:lstStyle/>
+          <a:p>
+            <a:r>
+              <a:rPr lang="en-US" sz="4000" b="1" dirty="0" smtClean="0">
+                <a:solidFill>
+                  <a:schemeClr val="bg1"/>
+                </a:solidFill>
+                <a:latin typeface="Constantia" panose="02030602050306030303" pitchFamily="18" charset="0"/>
+              </a:rPr>
+              <a:t>Simulation Results</a:t>
+            </a:r>
+            <a:endParaRPr lang="en-GB" sz="4000" b="1" dirty="0">
+              <a:solidFill>
+                <a:schemeClr val="bg1"/>
+              </a:solidFill>
+              <a:latin typeface="Constantia" panose="02030602050306030303" pitchFamily="18" charset="0"/>
+            </a:endParaRPr>
+          </a:p>
+        </p:txBody>
+      </p:sp>
+      <p:grpSp>
+        <p:nvGrpSpPr>
+          <p:cNvPr id="24" name="Группа 23"/>
+          <p:cNvGrpSpPr/>
+          <p:nvPr/>
+        </p:nvGrpSpPr>
+        <p:grpSpPr>
+          <a:xfrm>
+            <a:off x="6096000" y="2627543"/>
+            <a:ext cx="5836444" cy="4097538"/>
+            <a:chOff x="6484255" y="3006434"/>
+            <a:chExt cx="5409330" cy="3797678"/>
+          </a:xfrm>
+        </p:grpSpPr>
+        <p:grpSp>
+          <p:nvGrpSpPr>
+            <p:cNvPr id="22" name="Группа 21"/>
+            <p:cNvGrpSpPr/>
+            <p:nvPr/>
+          </p:nvGrpSpPr>
+          <p:grpSpPr>
+            <a:xfrm>
+              <a:off x="7702072" y="3006434"/>
+              <a:ext cx="4191513" cy="3584010"/>
+              <a:chOff x="7702072" y="3006434"/>
+              <a:chExt cx="4191513" cy="3584010"/>
+            </a:xfrm>
+          </p:grpSpPr>
+          <p:grpSp>
+            <p:nvGrpSpPr>
+              <p:cNvPr id="15" name="Группа 14"/>
+              <p:cNvGrpSpPr/>
+              <p:nvPr/>
+            </p:nvGrpSpPr>
+            <p:grpSpPr>
+              <a:xfrm>
+                <a:off x="7702072" y="3006434"/>
+                <a:ext cx="3534891" cy="2299495"/>
+                <a:chOff x="7898972" y="4113615"/>
+                <a:chExt cx="3534891" cy="2299495"/>
+              </a:xfrm>
+            </p:grpSpPr>
+            <p:sp>
+              <p:nvSpPr>
+                <p:cNvPr id="13" name="TextBox 12"/>
+                <p:cNvSpPr txBox="1"/>
+                <p:nvPr/>
+              </p:nvSpPr>
+              <p:spPr>
+                <a:xfrm>
+                  <a:off x="10346706" y="6105333"/>
+                  <a:ext cx="1087157" cy="307777"/>
+                </a:xfrm>
+                <a:prstGeom prst="rect">
+                  <a:avLst/>
+                </a:prstGeom>
+                <a:noFill/>
+              </p:spPr>
+              <p:txBody>
+                <a:bodyPr wrap="none" rtlCol="0">
+                  <a:spAutoFit/>
+                </a:bodyPr>
+                <a:lstStyle/>
+                <a:p>
+                  <a:r>
+                    <a:rPr lang="en-US" sz="1400" dirty="0" smtClean="0">
+                      <a:latin typeface="Constantia" panose="02030602050306030303" pitchFamily="18" charset="0"/>
+                    </a:rPr>
+                    <a:t>True design</a:t>
+                  </a:r>
+                  <a:endParaRPr lang="ru-RU" sz="1400" dirty="0">
+                    <a:latin typeface="Constantia" panose="02030602050306030303" pitchFamily="18" charset="0"/>
+                  </a:endParaRPr>
+                </a:p>
+              </p:txBody>
+            </p:sp>
+            <p:sp>
+              <p:nvSpPr>
+                <p:cNvPr id="14" name="TextBox 13"/>
+                <p:cNvSpPr txBox="1"/>
+                <p:nvPr/>
+              </p:nvSpPr>
+              <p:spPr>
+                <a:xfrm>
+                  <a:off x="7898972" y="4113615"/>
+                  <a:ext cx="1472391" cy="307777"/>
+                </a:xfrm>
+                <a:prstGeom prst="rect">
+                  <a:avLst/>
+                </a:prstGeom>
+                <a:noFill/>
+              </p:spPr>
+              <p:txBody>
+                <a:bodyPr wrap="none" rtlCol="0">
+                  <a:spAutoFit/>
+                </a:bodyPr>
+                <a:lstStyle/>
+                <a:p>
+                  <a:r>
+                    <a:rPr lang="en-US" sz="1400" i="1" dirty="0" smtClean="0">
+                      <a:latin typeface="Constantia" panose="02030602050306030303" pitchFamily="18" charset="0"/>
+                    </a:rPr>
+                    <a:t>Random seed = 8</a:t>
+                  </a:r>
+                  <a:endParaRPr lang="ru-RU" sz="1400" i="1" dirty="0">
+                    <a:latin typeface="Constantia" panose="02030602050306030303" pitchFamily="18" charset="0"/>
+                  </a:endParaRPr>
+                </a:p>
+              </p:txBody>
+            </p:sp>
+          </p:grpSp>
+          <p:pic>
+            <p:nvPicPr>
+              <p:cNvPr id="19" name="Рисунок 18"/>
+              <p:cNvPicPr>
+                <a:picLocks noChangeAspect="1"/>
+              </p:cNvPicPr>
+              <p:nvPr/>
+            </p:nvPicPr>
+            <p:blipFill rotWithShape="1">
+              <a:blip r:embed="rId3"/>
+              <a:srcRect l="16933" t="11216" r="14435" b="6305"/>
+              <a:stretch/>
+            </p:blipFill>
+            <p:spPr>
+              <a:xfrm>
+                <a:off x="10238189" y="5264152"/>
+                <a:ext cx="1655396" cy="1326292"/>
+              </a:xfrm>
+              <a:prstGeom prst="rect">
+                <a:avLst/>
+              </a:prstGeom>
+            </p:spPr>
+          </p:pic>
+          <p:sp>
+            <p:nvSpPr>
+              <p:cNvPr id="20" name="TextBox 19"/>
+              <p:cNvSpPr txBox="1"/>
+              <p:nvPr/>
+            </p:nvSpPr>
+            <p:spPr>
+              <a:xfrm>
+                <a:off x="10150411" y="3205052"/>
+                <a:ext cx="1478290" cy="307777"/>
+              </a:xfrm>
+              <a:prstGeom prst="rect">
+                <a:avLst/>
+              </a:prstGeom>
+              <a:noFill/>
+            </p:spPr>
+            <p:txBody>
+              <a:bodyPr wrap="none" rtlCol="0">
+                <a:spAutoFit/>
+              </a:bodyPr>
+              <a:lstStyle/>
+              <a:p>
+                <a:r>
+                  <a:rPr lang="en-US" sz="1400" dirty="0" smtClean="0">
+                    <a:latin typeface="Constantia" panose="02030602050306030303" pitchFamily="18" charset="0"/>
+                  </a:rPr>
+                  <a:t>Predicted design</a:t>
+                </a:r>
+                <a:endParaRPr lang="ru-RU" sz="1400" dirty="0">
+                  <a:latin typeface="Constantia" panose="02030602050306030303" pitchFamily="18" charset="0"/>
+                </a:endParaRPr>
+              </a:p>
+            </p:txBody>
+          </p:sp>
+          <p:pic>
+            <p:nvPicPr>
+              <p:cNvPr id="21" name="Рисунок 20"/>
+              <p:cNvPicPr>
+                <a:picLocks noChangeAspect="1"/>
+              </p:cNvPicPr>
+              <p:nvPr/>
+            </p:nvPicPr>
+            <p:blipFill rotWithShape="1">
+              <a:blip r:embed="rId4"/>
+              <a:srcRect l="27074" t="11114" r="24625" b="6345"/>
+              <a:stretch/>
+            </p:blipFill>
+            <p:spPr>
+              <a:xfrm>
+                <a:off x="10238189" y="3469977"/>
+                <a:ext cx="1160576" cy="1322216"/>
+              </a:xfrm>
+              <a:prstGeom prst="rect">
+                <a:avLst/>
+              </a:prstGeom>
+            </p:spPr>
+          </p:pic>
+        </p:grpSp>
+        <p:pic>
+          <p:nvPicPr>
+            <p:cNvPr id="23" name="Рисунок 22"/>
+            <p:cNvPicPr>
+              <a:picLocks noChangeAspect="1"/>
+            </p:cNvPicPr>
+            <p:nvPr/>
+          </p:nvPicPr>
+          <p:blipFill rotWithShape="1">
+            <a:blip r:embed="rId5"/>
+            <a:srcRect l="3223" t="10796" r="9050" b="4363"/>
+            <a:stretch/>
+          </p:blipFill>
+          <p:spPr>
+            <a:xfrm>
+              <a:off x="6484255" y="3240238"/>
+              <a:ext cx="3685095" cy="3563874"/>
+            </a:xfrm>
+            <a:prstGeom prst="rect">
+              <a:avLst/>
+            </a:prstGeom>
+          </p:spPr>
+        </p:pic>
+      </p:grpSp>
+      <p:grpSp>
+        <p:nvGrpSpPr>
+          <p:cNvPr id="30" name="Группа 29"/>
+          <p:cNvGrpSpPr/>
+          <p:nvPr/>
+        </p:nvGrpSpPr>
+        <p:grpSpPr>
+          <a:xfrm>
+            <a:off x="444201" y="2627543"/>
+            <a:ext cx="5538116" cy="4098094"/>
+            <a:chOff x="206922" y="2626987"/>
+            <a:chExt cx="5538116" cy="4098094"/>
+          </a:xfrm>
+        </p:grpSpPr>
+        <p:sp>
+          <p:nvSpPr>
+            <p:cNvPr id="11" name="TextBox 10"/>
+            <p:cNvSpPr txBox="1"/>
+            <p:nvPr/>
+          </p:nvSpPr>
+          <p:spPr>
+            <a:xfrm>
+              <a:off x="1538767" y="2626987"/>
+              <a:ext cx="1538498" cy="307777"/>
+            </a:xfrm>
+            <a:prstGeom prst="rect">
+              <a:avLst/>
+            </a:prstGeom>
+            <a:noFill/>
+          </p:spPr>
+          <p:txBody>
+            <a:bodyPr wrap="none" rtlCol="0">
+              <a:spAutoFit/>
+            </a:bodyPr>
+            <a:lstStyle/>
+            <a:p>
+              <a:r>
+                <a:rPr lang="en-US" sz="1400" i="1" dirty="0" smtClean="0">
+                  <a:latin typeface="Constantia" panose="02030602050306030303" pitchFamily="18" charset="0"/>
+                </a:rPr>
+                <a:t>Random seed = 33</a:t>
+              </a:r>
+              <a:endParaRPr lang="ru-RU" sz="1400" i="1" dirty="0">
+                <a:latin typeface="Constantia" panose="02030602050306030303" pitchFamily="18" charset="0"/>
+              </a:endParaRPr>
+            </a:p>
+          </p:txBody>
+        </p:sp>
+        <p:pic>
+          <p:nvPicPr>
+            <p:cNvPr id="25" name="Рисунок 24"/>
+            <p:cNvPicPr>
+              <a:picLocks noChangeAspect="1"/>
+            </p:cNvPicPr>
+            <p:nvPr/>
+          </p:nvPicPr>
+          <p:blipFill rotWithShape="1">
+            <a:blip r:embed="rId6"/>
+            <a:srcRect l="3579" t="11408" r="9430" b="4824"/>
+            <a:stretch/>
+          </p:blipFill>
+          <p:spPr>
+            <a:xfrm>
+              <a:off x="206922" y="2910378"/>
+              <a:ext cx="3961423" cy="3814703"/>
+            </a:xfrm>
+            <a:prstGeom prst="rect">
+              <a:avLst/>
+            </a:prstGeom>
+          </p:spPr>
+        </p:pic>
+        <p:sp>
+          <p:nvSpPr>
+            <p:cNvPr id="26" name="TextBox 25"/>
+            <p:cNvSpPr txBox="1"/>
+            <p:nvPr/>
+          </p:nvSpPr>
+          <p:spPr>
+            <a:xfrm>
+              <a:off x="4150024" y="2841288"/>
+              <a:ext cx="1595014" cy="332079"/>
+            </a:xfrm>
+            <a:prstGeom prst="rect">
+              <a:avLst/>
+            </a:prstGeom>
+            <a:noFill/>
+          </p:spPr>
+          <p:txBody>
+            <a:bodyPr wrap="none" rtlCol="0">
+              <a:spAutoFit/>
+            </a:bodyPr>
+            <a:lstStyle/>
+            <a:p>
+              <a:r>
+                <a:rPr lang="en-US" sz="1400" dirty="0" smtClean="0">
+                  <a:latin typeface="Constantia" panose="02030602050306030303" pitchFamily="18" charset="0"/>
+                </a:rPr>
+                <a:t>Predicted design</a:t>
+              </a:r>
+              <a:endParaRPr lang="ru-RU" sz="1400" dirty="0">
+                <a:latin typeface="Constantia" panose="02030602050306030303" pitchFamily="18" charset="0"/>
+              </a:endParaRPr>
+            </a:p>
+          </p:txBody>
+        </p:sp>
+        <p:pic>
+          <p:nvPicPr>
+            <p:cNvPr id="27" name="Рисунок 26"/>
+            <p:cNvPicPr>
+              <a:picLocks noChangeAspect="1"/>
+            </p:cNvPicPr>
+            <p:nvPr/>
+          </p:nvPicPr>
+          <p:blipFill rotWithShape="1">
+            <a:blip r:embed="rId7"/>
+            <a:srcRect l="28576" t="11070" r="26188" b="6645"/>
+            <a:stretch/>
+          </p:blipFill>
+          <p:spPr>
+            <a:xfrm>
+              <a:off x="4244733" y="3124123"/>
+              <a:ext cx="1178907" cy="1429624"/>
+            </a:xfrm>
+            <a:prstGeom prst="rect">
+              <a:avLst/>
+            </a:prstGeom>
+          </p:spPr>
+        </p:pic>
+        <p:sp>
+          <p:nvSpPr>
+            <p:cNvPr id="28" name="TextBox 27"/>
+            <p:cNvSpPr txBox="1"/>
+            <p:nvPr/>
+          </p:nvSpPr>
+          <p:spPr>
+            <a:xfrm>
+              <a:off x="4150024" y="4775968"/>
+              <a:ext cx="1172998" cy="332079"/>
+            </a:xfrm>
+            <a:prstGeom prst="rect">
+              <a:avLst/>
+            </a:prstGeom>
+            <a:noFill/>
+          </p:spPr>
+          <p:txBody>
+            <a:bodyPr wrap="none" rtlCol="0">
+              <a:spAutoFit/>
+            </a:bodyPr>
+            <a:lstStyle/>
+            <a:p>
+              <a:r>
+                <a:rPr lang="en-US" sz="1400" dirty="0" smtClean="0">
+                  <a:latin typeface="Constantia" panose="02030602050306030303" pitchFamily="18" charset="0"/>
+                </a:rPr>
+                <a:t>True design</a:t>
+              </a:r>
+              <a:endParaRPr lang="ru-RU" sz="1400" dirty="0">
+                <a:latin typeface="Constantia" panose="02030602050306030303" pitchFamily="18" charset="0"/>
+              </a:endParaRPr>
+            </a:p>
+          </p:txBody>
+        </p:sp>
+        <p:pic>
+          <p:nvPicPr>
+            <p:cNvPr id="29" name="Рисунок 28"/>
+            <p:cNvPicPr>
+              <a:picLocks noChangeAspect="1"/>
+            </p:cNvPicPr>
+            <p:nvPr/>
+          </p:nvPicPr>
+          <p:blipFill rotWithShape="1">
+            <a:blip r:embed="rId8"/>
+            <a:srcRect l="29869" t="10679" r="26892" b="6245"/>
+            <a:stretch/>
+          </p:blipFill>
+          <p:spPr>
+            <a:xfrm>
+              <a:off x="4249638" y="5064361"/>
+              <a:ext cx="1116109" cy="1429624"/>
+            </a:xfrm>
+            <a:prstGeom prst="rect">
+              <a:avLst/>
+            </a:prstGeom>
+          </p:spPr>
+        </p:pic>
+      </p:grpSp>
+    </p:spTree>
+    <p:extLst>
+      <p:ext uri="{BB962C8B-B14F-4D97-AF65-F5344CB8AC3E}">
+        <p14:creationId xmlns:p14="http://schemas.microsoft.com/office/powerpoint/2010/main" val="1561482083"/>
+      </p:ext>
+    </p:extLst>
+  </p:cSld>
+  <p:clrMapOvr>
+    <a:masterClrMapping/>
+  </p:clrMapOvr>
+  <p:timing>
+    <p:tnLst>
+      <p:par>
+        <p:cTn id="1" dur="indefinite" restart="never" nodeType="tmRoot"/>
+      </p:par>
+    </p:tnLst>
+  </p:timing>
+</p:sld>
+</file>
+
+<file path=ppt/slides/slide21.xml><?xml version="1.0" encoding="utf-8"?>
+<p:sld xmlns:a="http://schemas.openxmlformats.org/drawingml/2006/main" xmlns:r="http://schemas.openxmlformats.org/officeDocument/2006/relationships" xmlns:p="http://schemas.openxmlformats.org/presentationml/2006/main">
+  <p:cSld>
+    <p:spTree>
+      <p:nvGrpSpPr>
+        <p:cNvPr id="1" name=""/>
+        <p:cNvGrpSpPr/>
+        <p:nvPr/>
+      </p:nvGrpSpPr>
+      <p:grpSpPr>
+        <a:xfrm>
+          <a:off x="0" y="0"/>
+          <a:ext cx="0" cy="0"/>
+          <a:chOff x="0" y="0"/>
+          <a:chExt cx="0" cy="0"/>
+        </a:xfrm>
+      </p:grpSpPr>
+      <mc:AlternateContent xmlns:mc="http://schemas.openxmlformats.org/markup-compatibility/2006">
+        <mc:Choice xmlns:a14="http://schemas.microsoft.com/office/drawing/2010/main" Requires="a14">
+          <p:sp>
+            <p:nvSpPr>
+              <p:cNvPr id="10" name="TextBox 9"/>
+              <p:cNvSpPr txBox="1"/>
+              <p:nvPr/>
+            </p:nvSpPr>
+            <p:spPr>
+              <a:xfrm>
+                <a:off x="727188" y="1027533"/>
+                <a:ext cx="10838736" cy="1576265"/>
+              </a:xfrm>
+              <a:prstGeom prst="rect">
+                <a:avLst/>
+              </a:prstGeom>
+              <a:noFill/>
+            </p:spPr>
+            <p:txBody>
+              <a:bodyPr wrap="square" rtlCol="0">
+                <a:spAutoFit/>
+              </a:bodyPr>
+              <a:lstStyle/>
+              <a:p>
+                <a:pPr>
+                  <a:spcBef>
+                    <a:spcPts val="1200"/>
+                  </a:spcBef>
+                  <a:spcAft>
+                    <a:spcPts val="600"/>
+                  </a:spcAft>
+                  <a:buClr>
+                    <a:srgbClr val="3C74C1"/>
+                  </a:buClr>
+                </a:pPr>
+                <a:r>
+                  <a:rPr lang="en-US" sz="2000" b="1" dirty="0" smtClean="0">
+                    <a:latin typeface="Constantia" panose="02030602050306030303" pitchFamily="18" charset="0"/>
+                  </a:rPr>
+                  <a:t>Design of multilayer structures</a:t>
+                </a:r>
+                <a:r>
+                  <a:rPr lang="en-US" sz="2000" b="1" dirty="0">
+                    <a:latin typeface="Constantia" panose="02030602050306030303" pitchFamily="18" charset="0"/>
+                  </a:rPr>
+                  <a:t>:</a:t>
+                </a:r>
+              </a:p>
+              <a:p>
+                <a:pPr marL="342900" indent="-342900">
+                  <a:spcBef>
+                    <a:spcPts val="1200"/>
+                  </a:spcBef>
+                  <a:spcAft>
+                    <a:spcPts val="600"/>
+                  </a:spcAft>
+                  <a:buClr>
+                    <a:srgbClr val="3C74C1"/>
+                  </a:buClr>
+                  <a:buFont typeface="Arial" panose="020B0604020202020204" pitchFamily="34" charset="0"/>
+                  <a:buChar char="•"/>
+                </a:pPr>
+                <a:r>
+                  <a:rPr lang="en-US" dirty="0" smtClean="0">
+                    <a:latin typeface="Constantia" panose="02030602050306030303" pitchFamily="18" charset="0"/>
+                  </a:rPr>
+                  <a:t>Target </a:t>
+                </a:r>
+                <a:r>
+                  <a:rPr lang="en-US" dirty="0">
+                    <a:latin typeface="Constantia" panose="02030602050306030303" pitchFamily="18" charset="0"/>
+                  </a:rPr>
+                  <a:t>transmission spectra </a:t>
+                </a:r>
+                <a:r>
+                  <a:rPr lang="en-US" dirty="0">
+                    <a:latin typeface="Constantia" panose="02030602050306030303" pitchFamily="18" charset="0"/>
+                  </a:rPr>
+                  <a:t>of a Gaussian </a:t>
+                </a:r>
+                <a:r>
+                  <a:rPr lang="en-US" dirty="0">
+                    <a:latin typeface="Constantia" panose="02030602050306030303" pitchFamily="18" charset="0"/>
+                  </a:rPr>
+                  <a:t>shape: </a:t>
+                </a:r>
+                <a14:m>
+                  <m:oMath xmlns:m="http://schemas.openxmlformats.org/officeDocument/2006/math">
+                    <m:sSub>
+                      <m:sSubPr>
+                        <m:ctrlPr>
+                          <a:rPr lang="en-US" i="1">
+                            <a:latin typeface="Cambria Math" panose="02040503050406030204" pitchFamily="18" charset="0"/>
+                          </a:rPr>
+                        </m:ctrlPr>
+                      </m:sSubPr>
+                      <m:e>
+                        <m:r>
+                          <a:rPr lang="en-US" i="1">
+                            <a:latin typeface="Cambria Math" panose="02040503050406030204" pitchFamily="18" charset="0"/>
+                          </a:rPr>
+                          <m:t>𝑅</m:t>
+                        </m:r>
+                      </m:e>
+                      <m:sub>
+                        <m:r>
+                          <a:rPr lang="en-US" i="1">
+                            <a:latin typeface="Cambria Math" panose="02040503050406030204" pitchFamily="18" charset="0"/>
+                          </a:rPr>
+                          <m:t>𝑡𝑎𝑟𝑔𝑒𝑡</m:t>
+                        </m:r>
+                      </m:sub>
+                    </m:sSub>
+                    <m:d>
+                      <m:dPr>
+                        <m:ctrlPr>
+                          <a:rPr lang="en-US" i="1">
+                            <a:latin typeface="Cambria Math" panose="02040503050406030204" pitchFamily="18" charset="0"/>
+                          </a:rPr>
+                        </m:ctrlPr>
+                      </m:dPr>
+                      <m:e>
+                        <m:r>
+                          <a:rPr lang="en-US" i="1">
+                            <a:latin typeface="Cambria Math" panose="02040503050406030204" pitchFamily="18" charset="0"/>
+                          </a:rPr>
+                          <m:t>𝑓</m:t>
+                        </m:r>
+                      </m:e>
+                    </m:d>
+                    <m:r>
+                      <a:rPr lang="en-US" i="1">
+                        <a:latin typeface="Cambria Math" panose="02040503050406030204" pitchFamily="18" charset="0"/>
+                      </a:rPr>
+                      <m:t>=</m:t>
+                    </m:r>
+                    <m:r>
+                      <a:rPr lang="en-US" i="1">
+                        <a:latin typeface="Cambria Math" panose="02040503050406030204" pitchFamily="18" charset="0"/>
+                      </a:rPr>
+                      <m:t>𝑒𝑥𝑝</m:t>
+                    </m:r>
+                    <m:d>
+                      <m:dPr>
+                        <m:begChr m:val="{"/>
+                        <m:endChr m:val="}"/>
+                        <m:ctrlPr>
+                          <a:rPr lang="en-US" i="1">
+                            <a:latin typeface="Cambria Math" panose="02040503050406030204" pitchFamily="18" charset="0"/>
+                          </a:rPr>
+                        </m:ctrlPr>
+                      </m:dPr>
+                      <m:e>
+                        <m:r>
+                          <a:rPr lang="en-US" i="1">
+                            <a:latin typeface="Cambria Math" panose="02040503050406030204" pitchFamily="18" charset="0"/>
+                          </a:rPr>
+                          <m:t>−</m:t>
+                        </m:r>
+                        <m:f>
+                          <m:fPr>
+                            <m:ctrlPr>
+                              <a:rPr lang="en-US" i="1">
+                                <a:latin typeface="Cambria Math" panose="02040503050406030204" pitchFamily="18" charset="0"/>
+                              </a:rPr>
+                            </m:ctrlPr>
+                          </m:fPr>
+                          <m:num>
+                            <m:sSup>
+                              <m:sSupPr>
+                                <m:ctrlPr>
+                                  <a:rPr lang="en-US" i="1">
+                                    <a:latin typeface="Cambria Math" panose="02040503050406030204" pitchFamily="18" charset="0"/>
+                                  </a:rPr>
+                                </m:ctrlPr>
+                              </m:sSupPr>
+                              <m:e>
+                                <m:d>
+                                  <m:dPr>
+                                    <m:ctrlPr>
+                                      <a:rPr lang="en-US" i="1">
+                                        <a:latin typeface="Cambria Math" panose="02040503050406030204" pitchFamily="18" charset="0"/>
+                                      </a:rPr>
+                                    </m:ctrlPr>
+                                  </m:dPr>
+                                  <m:e>
+                                    <m:r>
+                                      <a:rPr lang="en-US" i="1">
+                                        <a:latin typeface="Cambria Math" panose="02040503050406030204" pitchFamily="18" charset="0"/>
+                                      </a:rPr>
+                                      <m:t>𝑓</m:t>
+                                    </m:r>
+                                    <m:r>
+                                      <a:rPr lang="en-US" i="1">
+                                        <a:latin typeface="Cambria Math" panose="02040503050406030204" pitchFamily="18" charset="0"/>
+                                      </a:rPr>
+                                      <m:t>−</m:t>
+                                    </m:r>
+                                    <m:sSub>
+                                      <m:sSubPr>
+                                        <m:ctrlPr>
+                                          <a:rPr lang="en-US" i="1">
+                                            <a:latin typeface="Cambria Math" panose="02040503050406030204" pitchFamily="18" charset="0"/>
+                                          </a:rPr>
+                                        </m:ctrlPr>
+                                      </m:sSubPr>
+                                      <m:e>
+                                        <m:r>
+                                          <a:rPr lang="en-US" i="1">
+                                            <a:latin typeface="Cambria Math" panose="02040503050406030204" pitchFamily="18" charset="0"/>
+                                          </a:rPr>
+                                          <m:t>𝑓</m:t>
+                                        </m:r>
+                                      </m:e>
+                                      <m:sub>
+                                        <m:r>
+                                          <a:rPr lang="en-US" i="1">
+                                            <a:latin typeface="Cambria Math" panose="02040503050406030204" pitchFamily="18" charset="0"/>
+                                          </a:rPr>
+                                          <m:t>0</m:t>
+                                        </m:r>
+                                      </m:sub>
+                                    </m:sSub>
+                                  </m:e>
+                                </m:d>
+                              </m:e>
+                              <m:sup>
+                                <m:r>
+                                  <a:rPr lang="en-US" i="1">
+                                    <a:latin typeface="Cambria Math" panose="02040503050406030204" pitchFamily="18" charset="0"/>
+                                  </a:rPr>
+                                  <m:t>2</m:t>
+                                </m:r>
+                              </m:sup>
+                            </m:sSup>
+                          </m:num>
+                          <m:den>
+                            <m:r>
+                              <a:rPr lang="en-US" i="1">
+                                <a:latin typeface="Cambria Math" panose="02040503050406030204" pitchFamily="18" charset="0"/>
+                              </a:rPr>
+                              <m:t>2</m:t>
+                            </m:r>
+                            <m:sSup>
+                              <m:sSupPr>
+                                <m:ctrlPr>
+                                  <a:rPr lang="en-US" i="1">
+                                    <a:latin typeface="Cambria Math" panose="02040503050406030204" pitchFamily="18" charset="0"/>
+                                  </a:rPr>
+                                </m:ctrlPr>
+                              </m:sSupPr>
+                              <m:e>
+                                <m:r>
+                                  <a:rPr lang="en-US" i="1">
+                                    <a:latin typeface="Cambria Math" panose="02040503050406030204" pitchFamily="18" charset="0"/>
+                                    <a:ea typeface="Cambria Math" panose="02040503050406030204" pitchFamily="18" charset="0"/>
+                                  </a:rPr>
+                                  <m:t>𝜎</m:t>
+                                </m:r>
+                              </m:e>
+                              <m:sup>
+                                <m:r>
+                                  <a:rPr lang="en-US" i="1">
+                                    <a:latin typeface="Cambria Math" panose="02040503050406030204" pitchFamily="18" charset="0"/>
+                                  </a:rPr>
+                                  <m:t>2</m:t>
+                                </m:r>
+                              </m:sup>
+                            </m:sSup>
+                          </m:den>
+                        </m:f>
+                      </m:e>
+                    </m:d>
+                    <m:r>
+                      <a:rPr lang="en-US" b="0" i="1" smtClean="0">
+                        <a:latin typeface="Cambria Math" panose="02040503050406030204" pitchFamily="18" charset="0"/>
+                      </a:rPr>
+                      <m:t>,</m:t>
+                    </m:r>
+                    <m:sSub>
+                      <m:sSubPr>
+                        <m:ctrlPr>
+                          <a:rPr lang="en-US" i="1">
+                            <a:latin typeface="Cambria Math" panose="02040503050406030204" pitchFamily="18" charset="0"/>
+                          </a:rPr>
+                        </m:ctrlPr>
+                      </m:sSubPr>
+                      <m:e>
+                        <m:r>
+                          <a:rPr lang="en-US" i="1">
+                            <a:latin typeface="Cambria Math" panose="02040503050406030204" pitchFamily="18" charset="0"/>
+                          </a:rPr>
+                          <m:t>𝑓</m:t>
+                        </m:r>
+                      </m:e>
+                      <m:sub>
+                        <m:r>
+                          <a:rPr lang="en-US" i="1">
+                            <a:latin typeface="Cambria Math" panose="02040503050406030204" pitchFamily="18" charset="0"/>
+                          </a:rPr>
+                          <m:t>0</m:t>
+                        </m:r>
+                      </m:sub>
+                    </m:sSub>
+                    <m:r>
+                      <a:rPr lang="en-US" b="0" i="1" smtClean="0">
+                        <a:latin typeface="Cambria Math" panose="02040503050406030204" pitchFamily="18" charset="0"/>
+                      </a:rPr>
+                      <m:t>=0.2</m:t>
+                    </m:r>
+                    <m:r>
+                      <a:rPr lang="en-US" b="0" i="1" smtClean="0">
+                        <a:latin typeface="Cambria Math" panose="02040503050406030204" pitchFamily="18" charset="0"/>
+                      </a:rPr>
+                      <m:t>𝑎</m:t>
+                    </m:r>
+                    <m:r>
+                      <a:rPr lang="en-US" b="0" i="1" smtClean="0">
+                        <a:latin typeface="Cambria Math" panose="02040503050406030204" pitchFamily="18" charset="0"/>
+                      </a:rPr>
+                      <m:t>.</m:t>
+                    </m:r>
+                  </m:oMath>
+                </a14:m>
+                <a:endParaRPr lang="en-US" dirty="0" smtClean="0">
+                  <a:latin typeface="Constantia" panose="02030602050306030303" pitchFamily="18" charset="0"/>
+                </a:endParaRPr>
+              </a:p>
+              <a:p>
+                <a:pPr marL="342900" indent="-342900">
+                  <a:spcBef>
+                    <a:spcPts val="1200"/>
+                  </a:spcBef>
+                  <a:spcAft>
+                    <a:spcPts val="600"/>
+                  </a:spcAft>
+                  <a:buClr>
+                    <a:srgbClr val="3C74C1"/>
+                  </a:buClr>
+                  <a:buFont typeface="Arial" panose="020B0604020202020204" pitchFamily="34" charset="0"/>
+                  <a:buChar char="•"/>
+                </a:pPr>
+                <a:r>
+                  <a:rPr lang="en-US" dirty="0">
+                    <a:solidFill>
+                      <a:srgbClr val="FF0000"/>
+                    </a:solidFill>
+                    <a:latin typeface="Constantia" panose="02030602050306030303" pitchFamily="18" charset="0"/>
+                  </a:rPr>
+                  <a:t>The </a:t>
+                </a:r>
+                <a:r>
+                  <a:rPr lang="en-US" dirty="0">
+                    <a:solidFill>
+                      <a:srgbClr val="FF0000"/>
+                    </a:solidFill>
+                    <a:latin typeface="Constantia" panose="02030602050306030303" pitchFamily="18" charset="0"/>
+                  </a:rPr>
+                  <a:t>maximum thickness of each layer </a:t>
+                </a:r>
+                <a:r>
+                  <a:rPr lang="en-US" dirty="0">
+                    <a:solidFill>
+                      <a:srgbClr val="FF0000"/>
+                    </a:solidFill>
+                    <a:latin typeface="Constantia" panose="02030602050306030303" pitchFamily="18" charset="0"/>
+                  </a:rPr>
+                  <a:t>is </a:t>
+                </a:r>
+                <a:r>
+                  <a:rPr lang="en-US" i="1" dirty="0" smtClean="0">
+                    <a:solidFill>
+                      <a:srgbClr val="FF0000"/>
+                    </a:solidFill>
+                    <a:latin typeface="Constantia" panose="02030602050306030303" pitchFamily="18" charset="0"/>
+                  </a:rPr>
+                  <a:t>a</a:t>
+                </a:r>
+                <a:r>
+                  <a:rPr lang="en-US" dirty="0" smtClean="0">
+                    <a:solidFill>
+                      <a:srgbClr val="FF0000"/>
+                    </a:solidFill>
+                    <a:latin typeface="Constantia" panose="02030602050306030303" pitchFamily="18" charset="0"/>
+                  </a:rPr>
+                  <a:t>=1 um.</a:t>
+                </a:r>
+                <a:endParaRPr lang="en-US" dirty="0">
+                  <a:solidFill>
+                    <a:srgbClr val="FF0000"/>
+                  </a:solidFill>
+                  <a:latin typeface="Constantia" panose="02030602050306030303" pitchFamily="18" charset="0"/>
+                </a:endParaRPr>
+              </a:p>
+            </p:txBody>
+          </p:sp>
+        </mc:Choice>
+        <mc:Fallback>
+          <p:sp>
+            <p:nvSpPr>
+              <p:cNvPr id="10" name="TextBox 9"/>
+              <p:cNvSpPr txBox="1">
+                <a:spLocks noRot="1" noChangeAspect="1" noMove="1" noResize="1" noEditPoints="1" noAdjustHandles="1" noChangeArrowheads="1" noChangeShapeType="1" noTextEdit="1"/>
+              </p:cNvSpPr>
+              <p:nvPr/>
+            </p:nvSpPr>
+            <p:spPr>
+              <a:xfrm>
+                <a:off x="727188" y="1027533"/>
+                <a:ext cx="10838736" cy="1576265"/>
+              </a:xfrm>
+              <a:prstGeom prst="rect">
+                <a:avLst/>
+              </a:prstGeom>
+              <a:blipFill rotWithShape="0">
+                <a:blip r:embed="rId3"/>
+                <a:stretch>
+                  <a:fillRect l="-562" t="-2326" b="-5426"/>
+                </a:stretch>
+              </a:blipFill>
+            </p:spPr>
+            <p:txBody>
+              <a:bodyPr/>
+              <a:lstStyle/>
+              <a:p>
+                <a:r>
+                  <a:rPr lang="ru-RU">
+                    <a:noFill/>
+                  </a:rPr>
+                  <a:t> </a:t>
+                </a:r>
+              </a:p>
+            </p:txBody>
+          </p:sp>
+        </mc:Fallback>
+      </mc:AlternateContent>
+      <p:sp>
+        <p:nvSpPr>
+          <p:cNvPr id="8" name="Прямоугольник 7"/>
+          <p:cNvSpPr/>
+          <p:nvPr/>
+        </p:nvSpPr>
+        <p:spPr>
+          <a:xfrm>
+            <a:off x="0" y="0"/>
+            <a:ext cx="12192000" cy="843295"/>
+          </a:xfrm>
+          <a:prstGeom prst="rect">
+            <a:avLst/>
+          </a:prstGeom>
+          <a:solidFill>
+            <a:srgbClr val="3C74C1"/>
+          </a:solidFill>
+          <a:ln>
+            <a:noFill/>
+          </a:ln>
+        </p:spPr>
+        <p:style>
+          <a:lnRef idx="2">
+            <a:schemeClr val="accent1">
+              <a:shade val="50000"/>
+            </a:schemeClr>
+          </a:lnRef>
+          <a:fillRef idx="1">
+            <a:schemeClr val="accent1"/>
+          </a:fillRef>
+          <a:effectRef idx="0">
+            <a:schemeClr val="accent1"/>
+          </a:effectRef>
+          <a:fontRef idx="minor">
+            <a:schemeClr val="lt1"/>
+          </a:fontRef>
+        </p:style>
+        <p:txBody>
+          <a:bodyPr rtlCol="0" anchor="ctr"/>
+          <a:lstStyle/>
+          <a:p>
+            <a:pPr algn="ctr"/>
+            <a:endParaRPr lang="ru-RU">
+              <a:solidFill>
+                <a:srgbClr val="4500C0"/>
+              </a:solidFill>
+            </a:endParaRPr>
+          </a:p>
+        </p:txBody>
+      </p:sp>
+      <p:sp>
+        <p:nvSpPr>
+          <p:cNvPr id="9" name="Заголовок 1"/>
+          <p:cNvSpPr>
+            <a:spLocks noGrp="1"/>
+          </p:cNvSpPr>
+          <p:nvPr>
+            <p:ph type="ctrTitle"/>
+          </p:nvPr>
+        </p:nvSpPr>
+        <p:spPr>
+          <a:xfrm>
+            <a:off x="727188" y="189645"/>
+            <a:ext cx="10684297" cy="592949"/>
+          </a:xfrm>
+        </p:spPr>
+        <p:txBody>
+          <a:bodyPr>
+            <a:noAutofit/>
+          </a:bodyPr>
+          <a:lstStyle/>
+          <a:p>
+            <a:r>
+              <a:rPr lang="en-US" sz="4000" b="1" dirty="0" smtClean="0">
+                <a:solidFill>
+                  <a:schemeClr val="bg1"/>
+                </a:solidFill>
+                <a:latin typeface="Constantia" panose="02030602050306030303" pitchFamily="18" charset="0"/>
+              </a:rPr>
+              <a:t>Simulation Results</a:t>
+            </a:r>
+            <a:endParaRPr lang="en-GB" sz="4000" b="1" dirty="0">
+              <a:solidFill>
+                <a:schemeClr val="bg1"/>
+              </a:solidFill>
+              <a:latin typeface="Constantia" panose="02030602050306030303" pitchFamily="18" charset="0"/>
+            </a:endParaRPr>
+          </a:p>
+        </p:txBody>
+      </p:sp>
+      <p:pic>
+        <p:nvPicPr>
+          <p:cNvPr id="2" name="Рисунок 1"/>
+          <p:cNvPicPr>
+            <a:picLocks noChangeAspect="1"/>
+          </p:cNvPicPr>
+          <p:nvPr/>
+        </p:nvPicPr>
+        <p:blipFill rotWithShape="1">
+          <a:blip r:embed="rId4"/>
+          <a:srcRect l="3269" t="7711" r="9013" b="4744"/>
+          <a:stretch/>
+        </p:blipFill>
+        <p:spPr>
+          <a:xfrm>
+            <a:off x="461319" y="2947085"/>
+            <a:ext cx="3597453" cy="3590425"/>
+          </a:xfrm>
+          <a:prstGeom prst="rect">
+            <a:avLst/>
+          </a:prstGeom>
+        </p:spPr>
+      </p:pic>
+      <p:pic>
+        <p:nvPicPr>
+          <p:cNvPr id="3" name="Рисунок 2"/>
+          <p:cNvPicPr>
+            <a:picLocks noChangeAspect="1"/>
+          </p:cNvPicPr>
+          <p:nvPr/>
+        </p:nvPicPr>
+        <p:blipFill rotWithShape="1">
+          <a:blip r:embed="rId5"/>
+          <a:srcRect l="3551" t="7963" r="9321" b="5025"/>
+          <a:stretch/>
+        </p:blipFill>
+        <p:spPr>
+          <a:xfrm>
+            <a:off x="4310199" y="2947085"/>
+            <a:ext cx="3595257" cy="3590425"/>
+          </a:xfrm>
+          <a:prstGeom prst="rect">
+            <a:avLst/>
+          </a:prstGeom>
+        </p:spPr>
+      </p:pic>
+      <p:pic>
+        <p:nvPicPr>
+          <p:cNvPr id="4" name="Рисунок 3"/>
+          <p:cNvPicPr>
+            <a:picLocks noChangeAspect="1"/>
+          </p:cNvPicPr>
+          <p:nvPr/>
+        </p:nvPicPr>
+        <p:blipFill rotWithShape="1">
+          <a:blip r:embed="rId6"/>
+          <a:srcRect l="3151" t="8277" r="9123" b="5048"/>
+          <a:stretch/>
+        </p:blipFill>
+        <p:spPr>
+          <a:xfrm>
+            <a:off x="8155797" y="2947085"/>
+            <a:ext cx="3633946" cy="3590425"/>
+          </a:xfrm>
+          <a:prstGeom prst="rect">
+            <a:avLst/>
+          </a:prstGeom>
+        </p:spPr>
+      </p:pic>
+    </p:spTree>
+    <p:extLst>
+      <p:ext uri="{BB962C8B-B14F-4D97-AF65-F5344CB8AC3E}">
+        <p14:creationId xmlns:p14="http://schemas.microsoft.com/office/powerpoint/2010/main" val="38699055"/>
       </p:ext>
     </p:extLst>
   </p:cSld>
@@ -9414,9 +12284,6 @@
               </a:rPr>
               <a:t>.</a:t>
             </a:r>
-            <a:endParaRPr lang="en-US" dirty="0" smtClean="0">
-              <a:latin typeface="Constantia" panose="02030602050306030303" pitchFamily="18" charset="0"/>
-            </a:endParaRPr>
           </a:p>
         </p:txBody>
       </p:sp>

--- a/Training Deep Neural Networks for the Inverse Design of Nanophotonic Structures.pptx
+++ b/Training Deep Neural Networks for the Inverse Design of Nanophotonic Structures.pptx
@@ -10,9 +10,9 @@
   <p:sldIdLst>
     <p:sldId id="256" r:id="rId2"/>
     <p:sldId id="341" r:id="rId3"/>
-    <p:sldId id="342" r:id="rId4"/>
-    <p:sldId id="343" r:id="rId5"/>
-    <p:sldId id="344" r:id="rId6"/>
+    <p:sldId id="344" r:id="rId4"/>
+    <p:sldId id="342" r:id="rId5"/>
+    <p:sldId id="343" r:id="rId6"/>
     <p:sldId id="355" r:id="rId7"/>
     <p:sldId id="346" r:id="rId8"/>
     <p:sldId id="345" r:id="rId9"/>
@@ -217,7 +217,7 @@
           <a:p>
             <a:fld id="{029CE161-61BB-41D0-946F-5093D5445419}" type="datetimeFigureOut">
               <a:rPr lang="ru-RU" smtClean="0"/>
-              <a:t>14.02.2021</a:t>
+              <a:t>15.02.2021</a:t>
             </a:fld>
             <a:endParaRPr lang="ru-RU"/>
           </a:p>
@@ -1735,7 +1735,7 @@
     </p:spTree>
     <p:extLst>
       <p:ext uri="{BB962C8B-B14F-4D97-AF65-F5344CB8AC3E}">
-        <p14:creationId xmlns:p14="http://schemas.microsoft.com/office/powerpoint/2010/main" val="956584690"/>
+        <p14:creationId xmlns:p14="http://schemas.microsoft.com/office/powerpoint/2010/main" val="335685090"/>
       </p:ext>
     </p:extLst>
   </p:cSld>
@@ -1819,7 +1819,7 @@
     </p:spTree>
     <p:extLst>
       <p:ext uri="{BB962C8B-B14F-4D97-AF65-F5344CB8AC3E}">
-        <p14:creationId xmlns:p14="http://schemas.microsoft.com/office/powerpoint/2010/main" val="432385658"/>
+        <p14:creationId xmlns:p14="http://schemas.microsoft.com/office/powerpoint/2010/main" val="956584690"/>
       </p:ext>
     </p:extLst>
   </p:cSld>
@@ -1903,7 +1903,7 @@
     </p:spTree>
     <p:extLst>
       <p:ext uri="{BB962C8B-B14F-4D97-AF65-F5344CB8AC3E}">
-        <p14:creationId xmlns:p14="http://schemas.microsoft.com/office/powerpoint/2010/main" val="335685090"/>
+        <p14:creationId xmlns:p14="http://schemas.microsoft.com/office/powerpoint/2010/main" val="432385658"/>
       </p:ext>
     </p:extLst>
   </p:cSld>
@@ -2380,7 +2380,7 @@
           <a:p>
             <a:fld id="{EFED88FF-168E-4EBB-9A5F-4FB6C8E7439D}" type="datetime1">
               <a:rPr lang="ru-RU" smtClean="0"/>
-              <a:t>14.02.2021</a:t>
+              <a:t>15.02.2021</a:t>
             </a:fld>
             <a:endParaRPr lang="ru-RU"/>
           </a:p>
@@ -2554,7 +2554,7 @@
           <a:p>
             <a:fld id="{CBB836DF-5037-4DA6-988C-9E4ACFA47DD0}" type="datetime1">
               <a:rPr lang="ru-RU" smtClean="0"/>
-              <a:t>14.02.2021</a:t>
+              <a:t>15.02.2021</a:t>
             </a:fld>
             <a:endParaRPr lang="ru-RU"/>
           </a:p>
@@ -2738,7 +2738,7 @@
           <a:p>
             <a:fld id="{0F83AFDD-716B-45D0-BD19-777F6483EAA7}" type="datetime1">
               <a:rPr lang="ru-RU" smtClean="0"/>
-              <a:t>14.02.2021</a:t>
+              <a:t>15.02.2021</a:t>
             </a:fld>
             <a:endParaRPr lang="ru-RU"/>
           </a:p>
@@ -2912,7 +2912,7 @@
           <a:p>
             <a:fld id="{364EC64C-750C-411A-9D88-3552E5F59261}" type="datetime1">
               <a:rPr lang="ru-RU" smtClean="0"/>
-              <a:t>14.02.2021</a:t>
+              <a:t>15.02.2021</a:t>
             </a:fld>
             <a:endParaRPr lang="ru-RU"/>
           </a:p>
@@ -3162,7 +3162,7 @@
           <a:p>
             <a:fld id="{DDE36735-7251-4C53-911E-731E5962A7D5}" type="datetime1">
               <a:rPr lang="ru-RU" smtClean="0"/>
-              <a:t>14.02.2021</a:t>
+              <a:t>15.02.2021</a:t>
             </a:fld>
             <a:endParaRPr lang="ru-RU"/>
           </a:p>
@@ -3398,7 +3398,7 @@
           <a:p>
             <a:fld id="{37FAEB9B-A433-4F7D-B224-8C750B9B1138}" type="datetime1">
               <a:rPr lang="ru-RU" smtClean="0"/>
-              <a:t>14.02.2021</a:t>
+              <a:t>15.02.2021</a:t>
             </a:fld>
             <a:endParaRPr lang="ru-RU"/>
           </a:p>
@@ -3769,7 +3769,7 @@
           <a:p>
             <a:fld id="{4BA73B70-E886-46A1-8849-749DBD4756FF}" type="datetime1">
               <a:rPr lang="ru-RU" smtClean="0"/>
-              <a:t>14.02.2021</a:t>
+              <a:t>15.02.2021</a:t>
             </a:fld>
             <a:endParaRPr lang="ru-RU"/>
           </a:p>
@@ -3891,7 +3891,7 @@
           <a:p>
             <a:fld id="{716E43CA-3BC7-4CB6-8155-E4D6E082B66A}" type="datetime1">
               <a:rPr lang="ru-RU" smtClean="0"/>
-              <a:t>14.02.2021</a:t>
+              <a:t>15.02.2021</a:t>
             </a:fld>
             <a:endParaRPr lang="ru-RU"/>
           </a:p>
@@ -3990,7 +3990,7 @@
           <a:p>
             <a:fld id="{A7FE1F45-F01D-40E6-9B4D-A22348243316}" type="datetime1">
               <a:rPr lang="ru-RU" smtClean="0"/>
-              <a:t>14.02.2021</a:t>
+              <a:t>15.02.2021</a:t>
             </a:fld>
             <a:endParaRPr lang="ru-RU"/>
           </a:p>
@@ -4271,7 +4271,7 @@
           <a:p>
             <a:fld id="{B05DDB85-9249-4D46-BF9B-1013112A9DD7}" type="datetime1">
               <a:rPr lang="ru-RU" smtClean="0"/>
-              <a:t>14.02.2021</a:t>
+              <a:t>15.02.2021</a:t>
             </a:fld>
             <a:endParaRPr lang="ru-RU"/>
           </a:p>
@@ -4528,7 +4528,7 @@
           <a:p>
             <a:fld id="{91F453F5-6625-40A4-B938-13B5F7B404F3}" type="datetime1">
               <a:rPr lang="ru-RU" smtClean="0"/>
-              <a:t>14.02.2021</a:t>
+              <a:t>15.02.2021</a:t>
             </a:fld>
             <a:endParaRPr lang="ru-RU"/>
           </a:p>
@@ -4745,7 +4745,7 @@
           <a:p>
             <a:fld id="{16DE54AA-CAF7-45E2-A385-A75E57CE2BF5}" type="datetime1">
               <a:rPr lang="ru-RU" smtClean="0"/>
-              <a:t>14.02.2021</a:t>
+              <a:t>15.02.2021</a:t>
             </a:fld>
             <a:endParaRPr lang="ru-RU"/>
           </a:p>
@@ -5697,7 +5697,7 @@
         <p:spPr>
           <a:xfrm>
             <a:off x="727188" y="1027533"/>
-            <a:ext cx="10841230" cy="907941"/>
+            <a:ext cx="10841230" cy="1923604"/>
           </a:xfrm>
           <a:prstGeom prst="rect">
             <a:avLst/>
@@ -5770,8 +5770,53 @@
               <a:rPr lang="en-US" dirty="0">
                 <a:latin typeface="Constantia" panose="02030602050306030303" pitchFamily="18" charset="0"/>
               </a:rPr>
-              <a:t>200−500−200−20 units.</a:t>
-            </a:r>
+              <a:t>200−500−200−20 units</a:t>
+            </a:r>
+            <a:r>
+              <a:rPr lang="en-US" dirty="0" smtClean="0">
+                <a:latin typeface="Constantia" panose="02030602050306030303" pitchFamily="18" charset="0"/>
+              </a:rPr>
+              <a:t>.</a:t>
+            </a:r>
+            <a:endParaRPr lang="ru-RU" dirty="0" smtClean="0">
+              <a:latin typeface="Constantia" panose="02030602050306030303" pitchFamily="18" charset="0"/>
+            </a:endParaRPr>
+          </a:p>
+          <a:p>
+            <a:pPr marL="342900" indent="-342900">
+              <a:spcBef>
+                <a:spcPts val="1200"/>
+              </a:spcBef>
+              <a:spcAft>
+                <a:spcPts val="600"/>
+              </a:spcAft>
+              <a:buClr>
+                <a:srgbClr val="3C74C1"/>
+              </a:buClr>
+              <a:buFont typeface="Arial" panose="020B0604020202020204" pitchFamily="34" charset="0"/>
+              <a:buChar char="•"/>
+            </a:pPr>
+            <a:r>
+              <a:rPr lang="en-US" dirty="0">
+                <a:latin typeface="Constantia" panose="02030602050306030303" pitchFamily="18" charset="0"/>
+              </a:rPr>
+              <a:t>Training set: 500 000 instances, test set: 50000 instances.</a:t>
+            </a:r>
+          </a:p>
+          <a:p>
+            <a:pPr marL="342900" indent="-342900">
+              <a:spcBef>
+                <a:spcPts val="1200"/>
+              </a:spcBef>
+              <a:spcAft>
+                <a:spcPts val="600"/>
+              </a:spcAft>
+              <a:buClr>
+                <a:srgbClr val="3C74C1"/>
+              </a:buClr>
+              <a:buFont typeface="Arial" panose="020B0604020202020204" pitchFamily="34" charset="0"/>
+              <a:buChar char="•"/>
+            </a:pPr>
             <a:endParaRPr lang="en-US" dirty="0" smtClean="0">
               <a:latin typeface="Constantia" panose="02030602050306030303" pitchFamily="18" charset="0"/>
             </a:endParaRPr>
@@ -5883,7 +5928,7 @@
         </p:blipFill>
         <p:spPr>
           <a:xfrm>
-            <a:off x="672977" y="2119712"/>
+            <a:off x="594510" y="2638696"/>
             <a:ext cx="10949651" cy="3718000"/>
           </a:xfrm>
           <a:prstGeom prst="rect">
@@ -8432,13 +8477,13 @@
               <a:rPr lang="en-US" sz="2000" i="1" dirty="0" smtClean="0">
                 <a:latin typeface="Constantia" panose="02030602050306030303" pitchFamily="18" charset="0"/>
               </a:rPr>
-              <a:t>, a typical issue in the inverse scattering problem</a:t>
+              <a:t>, </a:t>
             </a:r>
             <a:r>
               <a:rPr lang="en-US" sz="2000" dirty="0" smtClean="0">
                 <a:latin typeface="Constantia" panose="02030602050306030303" pitchFamily="18" charset="0"/>
               </a:rPr>
-              <a:t>. </a:t>
+              <a:t>a typical issue in the inverse scattering problem. </a:t>
             </a:r>
           </a:p>
           <a:p>
@@ -8678,9 +8723,6 @@
               </a:rPr>
               <a:t>ur model:</a:t>
             </a:r>
-            <a:endParaRPr lang="en-US" sz="2000" b="1" dirty="0" smtClean="0">
-              <a:latin typeface="Constantia" panose="02030602050306030303" pitchFamily="18" charset="0"/>
-            </a:endParaRPr>
           </a:p>
           <a:p>
             <a:pPr marL="342900" indent="-342900">
@@ -8712,7 +8754,19 @@
               <a:rPr lang="en-US" dirty="0">
                 <a:latin typeface="Constantia" panose="02030602050306030303" pitchFamily="18" charset="0"/>
               </a:rPr>
-              <a:t>consisting of alternating layers of SiO2 and </a:t>
+              <a:t>consisting of </a:t>
+            </a:r>
+            <a:r>
+              <a:rPr lang="en-US" dirty="0" smtClean="0">
+                <a:latin typeface="Constantia" panose="02030602050306030303" pitchFamily="18" charset="0"/>
+              </a:rPr>
+              <a:t>15 alternating </a:t>
+            </a:r>
+            <a:r>
+              <a:rPr lang="en-US" dirty="0">
+                <a:latin typeface="Constantia" panose="02030602050306030303" pitchFamily="18" charset="0"/>
+              </a:rPr>
+              <a:t>layers of SiO2 and </a:t>
             </a:r>
             <a:r>
               <a:rPr lang="en-US" dirty="0" smtClean="0">
@@ -8813,9 +8867,6 @@
               </a:rPr>
               <a:t>The responses are calculated analytically using equations describing the plain wave propagation through a multilayer film.</a:t>
             </a:r>
-            <a:endParaRPr lang="en-US" dirty="0" smtClean="0">
-              <a:latin typeface="Constantia" panose="02030602050306030303" pitchFamily="18" charset="0"/>
-            </a:endParaRPr>
           </a:p>
         </p:txBody>
       </p:sp>
@@ -9125,8 +9176,8 @@
             </a:fontRef>
           </p:style>
         </p:cxnSp>
-        <mc:AlternateContent xmlns:mc="http://schemas.openxmlformats.org/markup-compatibility/2006">
-          <mc:Choice xmlns:a14="http://schemas.microsoft.com/office/drawing/2010/main" Requires="a14">
+        <mc:AlternateContent xmlns:mc="http://schemas.openxmlformats.org/markup-compatibility/2006" xmlns:a14="http://schemas.microsoft.com/office/drawing/2010/main">
+          <mc:Choice Requires="a14">
             <p:sp>
               <p:nvSpPr>
                 <p:cNvPr id="22" name="TextBox 21"/>
@@ -9149,6 +9200,7 @@
                 </a:bodyPr>
                 <a:lstStyle/>
                 <a:p>
+                  <a:pPr/>
                   <a14:m>
                     <m:oMathPara xmlns:m="http://schemas.openxmlformats.org/officeDocument/2006/math">
                       <m:oMathParaPr>
@@ -9192,7 +9244,7 @@
               </p:txBody>
             </p:sp>
           </mc:Choice>
-          <mc:Fallback>
+          <mc:Fallback xmlns="">
             <p:sp>
               <p:nvSpPr>
                 <p:cNvPr id="22" name="TextBox 21"/>
@@ -9327,19 +9379,7 @@
               <a:rPr lang="en-US" dirty="0" smtClean="0">
                 <a:latin typeface="Constantia" panose="02030602050306030303" pitchFamily="18" charset="0"/>
               </a:rPr>
-              <a:t>Architecture 4 is used with 4 </a:t>
-            </a:r>
-            <a:r>
-              <a:rPr lang="en-US" dirty="0" smtClean="0">
-                <a:latin typeface="Constantia" panose="02030602050306030303" pitchFamily="18" charset="0"/>
-              </a:rPr>
-              <a:t>hidden layers and </a:t>
-            </a:r>
-            <a:r>
-              <a:rPr lang="en-US" dirty="0" smtClean="0">
-                <a:latin typeface="Constantia" panose="02030602050306030303" pitchFamily="18" charset="0"/>
-              </a:rPr>
-              <a:t>weights 15</a:t>
+              <a:t>Architecture 4 is used with 4 hidden layers and weights 15</a:t>
             </a:r>
             <a:r>
               <a:rPr lang="ru-RU" dirty="0" smtClean="0">
@@ -9936,7 +9976,7 @@
         <p:spPr>
           <a:xfrm>
             <a:off x="727188" y="1242490"/>
-            <a:ext cx="10675879" cy="5155257"/>
+            <a:ext cx="10675879" cy="4493538"/>
           </a:xfrm>
           <a:prstGeom prst="rect">
             <a:avLst/>
@@ -9960,13 +10000,40 @@
               <a:buAutoNum type="arabicPeriod"/>
             </a:pPr>
             <a:r>
-              <a:rPr lang="en-US" sz="2800" b="1" i="1" dirty="0" smtClean="0">
+              <a:rPr lang="en-US" sz="2800" b="1" dirty="0" smtClean="0">
                 <a:solidFill>
                   <a:srgbClr val="3C74C1"/>
                 </a:solidFill>
                 <a:latin typeface="Constantia" panose="02030602050306030303" pitchFamily="18" charset="0"/>
               </a:rPr>
-              <a:t>Introduction</a:t>
+              <a:t>Design </a:t>
+            </a:r>
+            <a:r>
+              <a:rPr lang="en-US" sz="2800" b="1" dirty="0" smtClean="0">
+                <a:solidFill>
+                  <a:srgbClr val="3C74C1"/>
+                </a:solidFill>
+                <a:latin typeface="Constantia" panose="02030602050306030303" pitchFamily="18" charset="0"/>
+              </a:rPr>
+              <a:t>of </a:t>
+            </a:r>
+            <a:r>
+              <a:rPr lang="en-US" sz="2800" b="1" dirty="0" err="1" smtClean="0">
+                <a:solidFill>
+                  <a:srgbClr val="3C74C1"/>
+                </a:solidFill>
+                <a:latin typeface="Constantia" panose="02030602050306030303" pitchFamily="18" charset="0"/>
+              </a:rPr>
+              <a:t>nanophotonic</a:t>
+            </a:r>
+            <a:r>
+              <a:rPr lang="en-US" sz="2800" b="1" dirty="0" smtClean="0">
+                <a:solidFill>
+                  <a:srgbClr val="3C74C1"/>
+                </a:solidFill>
+                <a:latin typeface="Constantia" panose="02030602050306030303" pitchFamily="18" charset="0"/>
+              </a:rPr>
+              <a:t> structures</a:t>
             </a:r>
           </a:p>
           <a:p>
@@ -9987,25 +10054,7 @@
                 </a:solidFill>
                 <a:latin typeface="Constantia" panose="02030602050306030303" pitchFamily="18" charset="0"/>
               </a:rPr>
-              <a:t>Design of </a:t>
-            </a:r>
-            <a:r>
-              <a:rPr lang="en-US" sz="2800" b="1" dirty="0" err="1" smtClean="0">
-                <a:solidFill>
-                  <a:srgbClr val="3C74C1"/>
-                </a:solidFill>
-                <a:latin typeface="Constantia" panose="02030602050306030303" pitchFamily="18" charset="0"/>
-              </a:rPr>
-              <a:t>nanophotonic</a:t>
-            </a:r>
-            <a:r>
-              <a:rPr lang="en-US" sz="2800" b="1" dirty="0" smtClean="0">
-                <a:solidFill>
-                  <a:srgbClr val="3C74C1"/>
-                </a:solidFill>
-                <a:latin typeface="Constantia" panose="02030602050306030303" pitchFamily="18" charset="0"/>
-              </a:rPr>
-              <a:t> structures</a:t>
+              <a:t>Inverse design problem</a:t>
             </a:r>
           </a:p>
           <a:p>
@@ -10026,7 +10075,25 @@
                 </a:solidFill>
                 <a:latin typeface="Constantia" panose="02030602050306030303" pitchFamily="18" charset="0"/>
               </a:rPr>
-              <a:t>Inverse design problem</a:t>
+              <a:t>Tandem </a:t>
+            </a:r>
+            <a:r>
+              <a:rPr lang="en-US" sz="2800" b="1" dirty="0">
+                <a:solidFill>
+                  <a:srgbClr val="3C74C1"/>
+                </a:solidFill>
+                <a:latin typeface="Constantia" panose="02030602050306030303" pitchFamily="18" charset="0"/>
+              </a:rPr>
+              <a:t>n</a:t>
+            </a:r>
+            <a:r>
+              <a:rPr lang="en-US" sz="2800" b="1" dirty="0" smtClean="0">
+                <a:solidFill>
+                  <a:srgbClr val="3C74C1"/>
+                </a:solidFill>
+                <a:latin typeface="Constantia" panose="02030602050306030303" pitchFamily="18" charset="0"/>
+              </a:rPr>
+              <a:t>eural network</a:t>
             </a:r>
           </a:p>
           <a:p>
@@ -10047,25 +10114,7 @@
                 </a:solidFill>
                 <a:latin typeface="Constantia" panose="02030602050306030303" pitchFamily="18" charset="0"/>
               </a:rPr>
-              <a:t>Tandem </a:t>
-            </a:r>
-            <a:r>
-              <a:rPr lang="en-US" sz="2800" b="1" dirty="0">
-                <a:solidFill>
-                  <a:srgbClr val="3C74C1"/>
-                </a:solidFill>
-                <a:latin typeface="Constantia" panose="02030602050306030303" pitchFamily="18" charset="0"/>
-              </a:rPr>
-              <a:t>n</a:t>
-            </a:r>
-            <a:r>
-              <a:rPr lang="en-US" sz="2800" b="1" dirty="0" smtClean="0">
-                <a:solidFill>
-                  <a:srgbClr val="3C74C1"/>
-                </a:solidFill>
-                <a:latin typeface="Constantia" panose="02030602050306030303" pitchFamily="18" charset="0"/>
-              </a:rPr>
-              <a:t>eural network</a:t>
+              <a:t>Design of 1D multilayer structures</a:t>
             </a:r>
           </a:p>
           <a:p>
@@ -10080,14 +10129,29 @@
               <a:buAutoNum type="arabicPeriod"/>
             </a:pPr>
             <a:r>
+              <a:rPr lang="en-US" sz="2800" b="1" dirty="0">
+                <a:solidFill>
+                  <a:srgbClr val="3C74C1"/>
+                </a:solidFill>
+                <a:latin typeface="Constantia" panose="02030602050306030303" pitchFamily="18" charset="0"/>
+              </a:rPr>
+              <a:t>Design of </a:t>
+            </a:r>
+            <a:r>
               <a:rPr lang="en-US" sz="2800" b="1" dirty="0" smtClean="0">
                 <a:solidFill>
                   <a:srgbClr val="3C74C1"/>
                 </a:solidFill>
                 <a:latin typeface="Constantia" panose="02030602050306030303" pitchFamily="18" charset="0"/>
               </a:rPr>
-              <a:t>Design of 1D multilayer structures</a:t>
-            </a:r>
+              <a:t>2D structures</a:t>
+            </a:r>
+            <a:endParaRPr lang="en-US" sz="2800" b="1" dirty="0">
+              <a:solidFill>
+                <a:srgbClr val="3C74C1"/>
+              </a:solidFill>
+              <a:latin typeface="Constantia" panose="02030602050306030303" pitchFamily="18" charset="0"/>
+            </a:endParaRPr>
           </a:p>
           <a:p>
             <a:pPr marL="514350" indent="-514350">
@@ -10101,24 +10165,15 @@
               <a:buAutoNum type="arabicPeriod"/>
             </a:pPr>
             <a:r>
-              <a:rPr lang="en-US" sz="2800" b="1" dirty="0">
-                <a:solidFill>
-                  <a:srgbClr val="3C74C1"/>
-                </a:solidFill>
-                <a:latin typeface="Constantia" panose="02030602050306030303" pitchFamily="18" charset="0"/>
-              </a:rPr>
-              <a:t>Design of </a:t>
-            </a:r>
-            <a:r>
               <a:rPr lang="en-US" sz="2800" b="1" dirty="0" smtClean="0">
                 <a:solidFill>
                   <a:srgbClr val="3C74C1"/>
                 </a:solidFill>
                 <a:latin typeface="Constantia" panose="02030602050306030303" pitchFamily="18" charset="0"/>
               </a:rPr>
-              <a:t>2D structures</a:t>
-            </a:r>
-            <a:endParaRPr lang="en-US" sz="2800" b="1" dirty="0">
+              <a:t>Conclusion</a:t>
+            </a:r>
+            <a:endParaRPr lang="ru-RU" sz="2800" b="1" dirty="0" smtClean="0">
               <a:solidFill>
                 <a:srgbClr val="3C74C1"/>
               </a:solidFill>
@@ -10143,41 +10198,8 @@
                 </a:solidFill>
                 <a:latin typeface="Constantia" panose="02030602050306030303" pitchFamily="18" charset="0"/>
               </a:rPr>
-              <a:t>Conclusion</a:t>
-            </a:r>
-            <a:endParaRPr lang="ru-RU" sz="2800" b="1" dirty="0" smtClean="0">
-              <a:solidFill>
-                <a:srgbClr val="3C74C1"/>
-              </a:solidFill>
-              <a:latin typeface="Constantia" panose="02030602050306030303" pitchFamily="18" charset="0"/>
-            </a:endParaRPr>
-          </a:p>
-          <a:p>
-            <a:pPr marL="514350" indent="-514350">
-              <a:spcBef>
-                <a:spcPts val="1200"/>
-              </a:spcBef>
-              <a:spcAft>
-                <a:spcPts val="600"/>
-              </a:spcAft>
-              <a:buFont typeface="+mj-lt"/>
-              <a:buAutoNum type="arabicPeriod"/>
-            </a:pPr>
-            <a:r>
-              <a:rPr lang="en-US" sz="2800" b="1" dirty="0" smtClean="0">
-                <a:solidFill>
-                  <a:srgbClr val="3C74C1"/>
-                </a:solidFill>
-                <a:latin typeface="Constantia" panose="02030602050306030303" pitchFamily="18" charset="0"/>
-              </a:rPr>
               <a:t>Simulation results</a:t>
             </a:r>
-            <a:endParaRPr lang="en-US" sz="2800" b="1" dirty="0" smtClean="0">
-              <a:solidFill>
-                <a:srgbClr val="3C74C1"/>
-              </a:solidFill>
-              <a:latin typeface="Constantia" panose="02030602050306030303" pitchFamily="18" charset="0"/>
-            </a:endParaRPr>
           </a:p>
         </p:txBody>
       </p:sp>
@@ -10255,19 +10277,7 @@
               <a:rPr lang="en-US" sz="2000" b="1" dirty="0" smtClean="0">
                 <a:latin typeface="Constantia" panose="02030602050306030303" pitchFamily="18" charset="0"/>
               </a:rPr>
-              <a:t>Training a </a:t>
-            </a:r>
-            <a:r>
-              <a:rPr lang="en-US" sz="2000" b="1" dirty="0" smtClean="0">
-                <a:latin typeface="Constantia" panose="02030602050306030303" pitchFamily="18" charset="0"/>
-              </a:rPr>
-              <a:t>tandem </a:t>
-            </a:r>
-            <a:r>
-              <a:rPr lang="en-US" sz="2000" b="1" dirty="0" smtClean="0">
-                <a:latin typeface="Constantia" panose="02030602050306030303" pitchFamily="18" charset="0"/>
-              </a:rPr>
-              <a:t>network:</a:t>
+              <a:t>Training a tandem network:</a:t>
             </a:r>
           </a:p>
           <a:p>
@@ -10288,25 +10298,7 @@
               <a:rPr lang="en-US" dirty="0" smtClean="0">
                 <a:latin typeface="Constantia" panose="02030602050306030303" pitchFamily="18" charset="0"/>
               </a:rPr>
-              <a:t>Inverse-modeling NN a</a:t>
-            </a:r>
-            <a:r>
-              <a:rPr lang="en-US" dirty="0" smtClean="0">
-                <a:latin typeface="Constantia" panose="02030602050306030303" pitchFamily="18" charset="0"/>
-              </a:rPr>
-              <a:t>rchitecture: 2 </a:t>
-            </a:r>
-            <a:r>
-              <a:rPr lang="en-US" dirty="0" smtClean="0">
-                <a:latin typeface="Constantia" panose="02030602050306030303" pitchFamily="18" charset="0"/>
-              </a:rPr>
-              <a:t>hidden </a:t>
-            </a:r>
-            <a:r>
-              <a:rPr lang="en-US" dirty="0" smtClean="0">
-                <a:latin typeface="Constantia" panose="02030602050306030303" pitchFamily="18" charset="0"/>
-              </a:rPr>
-              <a:t>layers, weights 200</a:t>
+              <a:t>Inverse-modeling NN architecture: 2 hidden layers, weights 200</a:t>
             </a:r>
             <a:r>
               <a:rPr lang="ru-RU" dirty="0" smtClean="0">
@@ -10879,8 +10871,8 @@
           <a:chExt cx="0" cy="0"/>
         </a:xfrm>
       </p:grpSpPr>
-      <mc:AlternateContent xmlns:mc="http://schemas.openxmlformats.org/markup-compatibility/2006">
-        <mc:Choice xmlns:a14="http://schemas.microsoft.com/office/drawing/2010/main" Requires="a14">
+      <mc:AlternateContent xmlns:mc="http://schemas.openxmlformats.org/markup-compatibility/2006" xmlns:a14="http://schemas.microsoft.com/office/drawing/2010/main">
+        <mc:Choice Requires="a14">
           <p:sp>
             <p:nvSpPr>
               <p:cNvPr id="10" name="TextBox 9"/>
@@ -10951,19 +10943,7 @@
                   <a:rPr lang="en-US" dirty="0">
                     <a:latin typeface="Constantia" panose="02030602050306030303" pitchFamily="18" charset="0"/>
                   </a:rPr>
-                  <a:t>transmission spectra </a:t>
-                </a:r>
-                <a:r>
-                  <a:rPr lang="en-US" dirty="0">
-                    <a:latin typeface="Constantia" panose="02030602050306030303" pitchFamily="18" charset="0"/>
-                  </a:rPr>
-                  <a:t>of a Gaussian </a:t>
-                </a:r>
-                <a:r>
-                  <a:rPr lang="en-US" dirty="0">
-                    <a:latin typeface="Constantia" panose="02030602050306030303" pitchFamily="18" charset="0"/>
-                  </a:rPr>
-                  <a:t>shape: </a:t>
+                  <a:t>transmission spectra of a Gaussian shape: </a:t>
                 </a:r>
                 <a14:m>
                   <m:oMath xmlns:m="http://schemas.openxmlformats.org/officeDocument/2006/math">
@@ -11228,25 +11208,7 @@
                     </a:solidFill>
                     <a:latin typeface="Constantia" panose="02030602050306030303" pitchFamily="18" charset="0"/>
                   </a:rPr>
-                  <a:t>The </a:t>
-                </a:r>
-                <a:r>
-                  <a:rPr lang="en-US" dirty="0">
-                    <a:solidFill>
-                      <a:srgbClr val="FF0000"/>
-                    </a:solidFill>
-                    <a:latin typeface="Constantia" panose="02030602050306030303" pitchFamily="18" charset="0"/>
-                  </a:rPr>
-                  <a:t>maximum thickness of each layer </a:t>
-                </a:r>
-                <a:r>
-                  <a:rPr lang="en-US" dirty="0">
-                    <a:solidFill>
-                      <a:srgbClr val="FF0000"/>
-                    </a:solidFill>
-                    <a:latin typeface="Constantia" panose="02030602050306030303" pitchFamily="18" charset="0"/>
-                  </a:rPr>
-                  <a:t>is </a:t>
+                  <a:t>The maximum thickness of each layer is </a:t>
                 </a:r>
                 <a:r>
                   <a:rPr lang="en-US" i="1" dirty="0" smtClean="0">
@@ -11276,7 +11238,7 @@
             </p:txBody>
           </p:sp>
         </mc:Choice>
-        <mc:Fallback>
+        <mc:Fallback xmlns="">
           <p:sp>
             <p:nvSpPr>
               <p:cNvPr id="10" name="TextBox 9"/>
@@ -11511,380 +11473,376 @@
           <a:chExt cx="0" cy="0"/>
         </a:xfrm>
       </p:grpSpPr>
-      <p:sp>
-        <p:nvSpPr>
-          <p:cNvPr id="10" name="TextBox 9"/>
-          <p:cNvSpPr txBox="1"/>
-          <p:nvPr/>
-        </p:nvSpPr>
-        <p:spPr>
-          <a:xfrm>
-            <a:off x="727188" y="1027533"/>
-            <a:ext cx="10675879" cy="5062924"/>
-          </a:xfrm>
-          <a:prstGeom prst="rect">
-            <a:avLst/>
-          </a:prstGeom>
-          <a:noFill/>
-        </p:spPr>
-        <p:txBody>
-          <a:bodyPr wrap="square" rtlCol="0">
-            <a:spAutoFit/>
-          </a:bodyPr>
-          <a:lstStyle/>
-          <a:p>
-            <a:pPr>
-              <a:spcBef>
-                <a:spcPts val="1200"/>
-              </a:spcBef>
-              <a:spcAft>
-                <a:spcPts val="600"/>
-              </a:spcAft>
-              <a:buClr>
-                <a:srgbClr val="4500C0"/>
-              </a:buClr>
-            </a:pPr>
-            <a:r>
-              <a:rPr lang="en-US" sz="2000" b="1" dirty="0" smtClean="0">
-                <a:latin typeface="Constantia" panose="02030602050306030303" pitchFamily="18" charset="0"/>
-              </a:rPr>
-              <a:t>Approaches in </a:t>
-            </a:r>
-            <a:r>
-              <a:rPr lang="en-US" sz="2000" b="1" dirty="0" err="1" smtClean="0">
-                <a:latin typeface="Constantia" panose="02030602050306030303" pitchFamily="18" charset="0"/>
-              </a:rPr>
-              <a:t>nanophotonic</a:t>
-            </a:r>
-            <a:r>
-              <a:rPr lang="en-US" sz="2000" b="1" dirty="0" smtClean="0">
-                <a:latin typeface="Constantia" panose="02030602050306030303" pitchFamily="18" charset="0"/>
-              </a:rPr>
-              <a:t> structures design:</a:t>
-            </a:r>
-          </a:p>
-          <a:p>
-            <a:pPr marL="457200" indent="-457200">
-              <a:spcBef>
-                <a:spcPts val="1200"/>
-              </a:spcBef>
-              <a:spcAft>
-                <a:spcPts val="600"/>
-              </a:spcAft>
-              <a:buAutoNum type="arabicPeriod"/>
-            </a:pPr>
-            <a:r>
-              <a:rPr lang="en-US" sz="2000" dirty="0" smtClean="0">
-                <a:solidFill>
-                  <a:srgbClr val="3C74C1"/>
-                </a:solidFill>
-                <a:latin typeface="Constantia" panose="02030602050306030303" pitchFamily="18" charset="0"/>
-              </a:rPr>
-              <a:t>Conventional: </a:t>
-            </a:r>
-            <a:r>
-              <a:rPr lang="en-US" sz="2000" dirty="0" smtClean="0">
-                <a:latin typeface="Constantia" panose="02030602050306030303" pitchFamily="18" charset="0"/>
-              </a:rPr>
-              <a:t>iteratively performed </a:t>
-            </a:r>
-            <a:r>
-              <a:rPr lang="en-US" sz="2000" dirty="0">
-                <a:latin typeface="Constantia" panose="02030602050306030303" pitchFamily="18" charset="0"/>
-              </a:rPr>
-              <a:t>optimization </a:t>
-            </a:r>
-            <a:r>
-              <a:rPr lang="en-US" sz="2000" i="1" dirty="0">
-                <a:latin typeface="Constantia" panose="02030602050306030303" pitchFamily="18" charset="0"/>
-              </a:rPr>
-              <a:t>(</a:t>
-            </a:r>
-            <a:r>
-              <a:rPr lang="en-US" sz="2000" i="1" dirty="0" smtClean="0">
-                <a:latin typeface="Constantia" panose="02030602050306030303" pitchFamily="18" charset="0"/>
-              </a:rPr>
-              <a:t>evolutionary algorithms</a:t>
-            </a:r>
-            <a:r>
-              <a:rPr lang="en-US" sz="2000" i="1" dirty="0">
-                <a:latin typeface="Constantia" panose="02030602050306030303" pitchFamily="18" charset="0"/>
-              </a:rPr>
-              <a:t>, </a:t>
-            </a:r>
-            <a:r>
-              <a:rPr lang="en-US" sz="2000" i="1" dirty="0" smtClean="0">
-                <a:latin typeface="Constantia" panose="02030602050306030303" pitchFamily="18" charset="0"/>
-              </a:rPr>
-              <a:t>level </a:t>
-            </a:r>
-            <a:r>
-              <a:rPr lang="en-US" sz="2000" i="1" dirty="0">
-                <a:latin typeface="Constantia" panose="02030602050306030303" pitchFamily="18" charset="0"/>
-              </a:rPr>
-              <a:t>set </a:t>
-            </a:r>
-            <a:r>
-              <a:rPr lang="en-US" sz="2000" i="1" dirty="0" smtClean="0">
-                <a:latin typeface="Constantia" panose="02030602050306030303" pitchFamily="18" charset="0"/>
-              </a:rPr>
-              <a:t>methods, </a:t>
-            </a:r>
-            <a:r>
-              <a:rPr lang="en-US" sz="2000" i="1" dirty="0" err="1">
-                <a:latin typeface="Constantia" panose="02030602050306030303" pitchFamily="18" charset="0"/>
-              </a:rPr>
-              <a:t>adjoint</a:t>
-            </a:r>
-            <a:r>
-              <a:rPr lang="en-US" sz="2000" i="1" dirty="0">
-                <a:latin typeface="Constantia" panose="02030602050306030303" pitchFamily="18" charset="0"/>
-              </a:rPr>
-              <a:t> methods, </a:t>
-            </a:r>
-            <a:r>
-              <a:rPr lang="en-US" sz="2000" i="1" dirty="0" smtClean="0">
-                <a:latin typeface="Constantia" panose="02030602050306030303" pitchFamily="18" charset="0"/>
-              </a:rPr>
-              <a:t>optimization </a:t>
-            </a:r>
-            <a:r>
-              <a:rPr lang="en-US" sz="2000" i="1" dirty="0">
-                <a:latin typeface="Constantia" panose="02030602050306030303" pitchFamily="18" charset="0"/>
-              </a:rPr>
-              <a:t>of specific geometric </a:t>
-            </a:r>
-            <a:r>
-              <a:rPr lang="en-US" sz="2000" i="1" dirty="0" smtClean="0">
-                <a:latin typeface="Constantia" panose="02030602050306030303" pitchFamily="18" charset="0"/>
-              </a:rPr>
-              <a:t>parameters)</a:t>
-            </a:r>
-          </a:p>
-          <a:p>
-            <a:pPr marL="914400" lvl="1" indent="-457200">
-              <a:spcBef>
-                <a:spcPts val="1200"/>
-              </a:spcBef>
-              <a:spcAft>
-                <a:spcPts val="600"/>
-              </a:spcAft>
-              <a:buBlip>
+      <mc:AlternateContent xmlns:mc="http://schemas.openxmlformats.org/markup-compatibility/2006" xmlns:a14="http://schemas.microsoft.com/office/drawing/2010/main">
+        <mc:Choice Requires="a14">
+          <p:sp>
+            <p:nvSpPr>
+              <p:cNvPr id="10" name="TextBox 9"/>
+              <p:cNvSpPr txBox="1"/>
+              <p:nvPr/>
+            </p:nvSpPr>
+            <p:spPr>
+              <a:xfrm>
+                <a:off x="727188" y="1027533"/>
+                <a:ext cx="10841230" cy="2985433"/>
+              </a:xfrm>
+              <a:prstGeom prst="rect">
+                <a:avLst/>
+              </a:prstGeom>
+              <a:noFill/>
+            </p:spPr>
+            <p:txBody>
+              <a:bodyPr wrap="square" rtlCol="0">
+                <a:spAutoFit/>
+              </a:bodyPr>
+              <a:lstStyle/>
+              <a:p>
+                <a:pPr>
+                  <a:spcBef>
+                    <a:spcPts val="1200"/>
+                  </a:spcBef>
+                  <a:spcAft>
+                    <a:spcPts val="600"/>
+                  </a:spcAft>
+                  <a:buClr>
+                    <a:srgbClr val="3C74C1"/>
+                  </a:buClr>
+                </a:pPr>
+                <a:r>
+                  <a:rPr lang="en-US" sz="2000" b="1" dirty="0" smtClean="0">
+                    <a:latin typeface="Constantia" panose="02030602050306030303" pitchFamily="18" charset="0"/>
+                  </a:rPr>
+                  <a:t>Design:</a:t>
+                </a:r>
+              </a:p>
+              <a:p>
+                <a:pPr marL="342900" indent="-342900">
+                  <a:spcBef>
+                    <a:spcPts val="1200"/>
+                  </a:spcBef>
+                  <a:spcAft>
+                    <a:spcPts val="600"/>
+                  </a:spcAft>
+                  <a:buClr>
+                    <a:srgbClr val="3C74C1"/>
+                  </a:buClr>
+                  <a:buFont typeface="Arial" panose="020B0604020202020204" pitchFamily="34" charset="0"/>
+                  <a:buChar char="•"/>
+                </a:pPr>
+                <a:r>
+                  <a:rPr lang="en-US" dirty="0">
+                    <a:latin typeface="Constantia" panose="02030602050306030303" pitchFamily="18" charset="0"/>
+                  </a:rPr>
+                  <a:t>The goal is to generate a target transmission </a:t>
+                </a:r>
+                <a:r>
+                  <a:rPr lang="en-US" dirty="0" smtClean="0">
+                    <a:latin typeface="Constantia" panose="02030602050306030303" pitchFamily="18" charset="0"/>
+                  </a:rPr>
+                  <a:t>spectrum using a multilayer </a:t>
+                </a:r>
+                <a:r>
+                  <a:rPr lang="en-US" dirty="0">
+                    <a:latin typeface="Constantia" panose="02030602050306030303" pitchFamily="18" charset="0"/>
+                  </a:rPr>
+                  <a:t>film </a:t>
+                </a:r>
+                <a:r>
+                  <a:rPr lang="en-US" dirty="0" smtClean="0">
+                    <a:latin typeface="Constantia" panose="02030602050306030303" pitchFamily="18" charset="0"/>
+                  </a:rPr>
+                  <a:t>consisting of</a:t>
+                </a:r>
+                <a:r>
+                  <a:rPr lang="ru-RU" dirty="0" smtClean="0">
+                    <a:latin typeface="Constantia" panose="02030602050306030303" pitchFamily="18" charset="0"/>
+                  </a:rPr>
+                  <a:t> 20</a:t>
+                </a:r>
+                <a:r>
+                  <a:rPr lang="en-US" dirty="0" smtClean="0">
+                    <a:latin typeface="Constantia" panose="02030602050306030303" pitchFamily="18" charset="0"/>
+                  </a:rPr>
+                  <a:t> </a:t>
+                </a:r>
+                <a:r>
+                  <a:rPr lang="en-US" dirty="0">
+                    <a:latin typeface="Constantia" panose="02030602050306030303" pitchFamily="18" charset="0"/>
+                  </a:rPr>
+                  <a:t>alternating layers of </a:t>
+                </a:r>
+                <a:r>
+                  <a:rPr lang="en-US" dirty="0" smtClean="0">
+                    <a:latin typeface="Constantia" panose="02030602050306030303" pitchFamily="18" charset="0"/>
+                  </a:rPr>
+                  <a:t>SiO2 and Si3N4.</a:t>
+                </a:r>
+              </a:p>
+              <a:p>
+                <a:pPr marL="342900" indent="-342900">
+                  <a:spcBef>
+                    <a:spcPts val="1200"/>
+                  </a:spcBef>
+                  <a:spcAft>
+                    <a:spcPts val="600"/>
+                  </a:spcAft>
+                  <a:buClr>
+                    <a:srgbClr val="3C74C1"/>
+                  </a:buClr>
+                  <a:buFont typeface="Arial" panose="020B0604020202020204" pitchFamily="34" charset="0"/>
+                  <a:buChar char="•"/>
+                </a:pPr>
+                <a:r>
+                  <a:rPr lang="en-US" dirty="0">
+                    <a:latin typeface="Constantia" panose="02030602050306030303" pitchFamily="18" charset="0"/>
+                  </a:rPr>
+                  <a:t>T</a:t>
+                </a:r>
+                <a:r>
+                  <a:rPr lang="en-US" dirty="0" smtClean="0">
+                    <a:latin typeface="Constantia" panose="02030602050306030303" pitchFamily="18" charset="0"/>
+                  </a:rPr>
+                  <a:t>he </a:t>
+                </a:r>
+                <a:r>
+                  <a:rPr lang="en-US" dirty="0">
+                    <a:latin typeface="Constantia" panose="02030602050306030303" pitchFamily="18" charset="0"/>
+                  </a:rPr>
+                  <a:t>design space is the </a:t>
+                </a:r>
+                <a:r>
+                  <a:rPr lang="en-US" dirty="0" smtClean="0">
+                    <a:latin typeface="Constantia" panose="02030602050306030303" pitchFamily="18" charset="0"/>
+                  </a:rPr>
+                  <a:t>thickness </a:t>
+                </a:r>
+                <a:r>
+                  <a:rPr lang="en-US" dirty="0">
+                    <a:latin typeface="Constantia" panose="02030602050306030303" pitchFamily="18" charset="0"/>
+                  </a:rPr>
+                  <a:t>of each layer. </a:t>
+                </a:r>
+                <a:r>
+                  <a:rPr lang="en-US" dirty="0" smtClean="0">
+                    <a:latin typeface="Constantia" panose="02030602050306030303" pitchFamily="18" charset="0"/>
+                  </a:rPr>
+                  <a:t>The maximal </a:t>
+                </a:r>
+                <a:r>
+                  <a:rPr lang="en-US" dirty="0">
+                    <a:latin typeface="Constantia" panose="02030602050306030303" pitchFamily="18" charset="0"/>
+                  </a:rPr>
+                  <a:t>layer thickness </a:t>
+                </a:r>
+                <a:r>
+                  <a:rPr lang="en-US" dirty="0" smtClean="0">
+                    <a:latin typeface="Constantia" panose="02030602050306030303" pitchFamily="18" charset="0"/>
+                  </a:rPr>
+                  <a:t>is defined </a:t>
+                </a:r>
+                <a:r>
+                  <a:rPr lang="en-US" dirty="0">
+                    <a:latin typeface="Constantia" panose="02030602050306030303" pitchFamily="18" charset="0"/>
+                  </a:rPr>
+                  <a:t>by </a:t>
+                </a:r>
+                <a:r>
+                  <a:rPr lang="en-US" i="1" dirty="0" smtClean="0">
+                    <a:latin typeface="Constantia" panose="02030602050306030303" pitchFamily="18" charset="0"/>
+                  </a:rPr>
+                  <a:t>a.</a:t>
+                </a:r>
+                <a:endParaRPr lang="ru-RU" i="1" dirty="0" smtClean="0">
+                  <a:latin typeface="Constantia" panose="02030602050306030303" pitchFamily="18" charset="0"/>
+                </a:endParaRPr>
+              </a:p>
+              <a:p>
+                <a:pPr marL="342900" indent="-342900">
+                  <a:spcBef>
+                    <a:spcPts val="1200"/>
+                  </a:spcBef>
+                  <a:spcAft>
+                    <a:spcPts val="600"/>
+                  </a:spcAft>
+                  <a:buClr>
+                    <a:srgbClr val="3C74C1"/>
+                  </a:buClr>
+                  <a:buFont typeface="Arial" panose="020B0604020202020204" pitchFamily="34" charset="0"/>
+                  <a:buChar char="•"/>
+                </a:pPr>
+                <a:r>
+                  <a:rPr lang="en-US" dirty="0" smtClean="0">
+                    <a:latin typeface="Constantia" panose="02030602050306030303" pitchFamily="18" charset="0"/>
+                  </a:rPr>
+                  <a:t>Response is a </a:t>
+                </a:r>
+                <a:r>
+                  <a:rPr lang="en-US" dirty="0">
+                    <a:latin typeface="Constantia" panose="02030602050306030303" pitchFamily="18" charset="0"/>
+                  </a:rPr>
+                  <a:t>transmission spectrum of </a:t>
+                </a:r>
+                <a:r>
+                  <a:rPr lang="en-US" dirty="0" smtClean="0">
+                    <a:latin typeface="Constantia" panose="02030602050306030303" pitchFamily="18" charset="0"/>
+                  </a:rPr>
+                  <a:t>the multilayer film discretized </a:t>
+                </a:r>
+                <a:r>
+                  <a:rPr lang="en-US" dirty="0">
+                    <a:latin typeface="Constantia" panose="02030602050306030303" pitchFamily="18" charset="0"/>
+                  </a:rPr>
+                  <a:t>by </a:t>
+                </a:r>
+                <a:r>
+                  <a:rPr lang="en-US" dirty="0" smtClean="0">
+                    <a:latin typeface="Constantia" panose="02030602050306030303" pitchFamily="18" charset="0"/>
+                  </a:rPr>
+                  <a:t>200 points </a:t>
+                </a:r>
+                <a:r>
+                  <a:rPr lang="en-US" dirty="0">
+                    <a:latin typeface="Constantia" panose="02030602050306030303" pitchFamily="18" charset="0"/>
+                  </a:rPr>
+                  <a:t>(frequencies </a:t>
+                </a:r>
+                <a:r>
+                  <a:rPr lang="en-US" dirty="0" smtClean="0">
+                    <a:latin typeface="Constantia" panose="02030602050306030303" pitchFamily="18" charset="0"/>
+                  </a:rPr>
+                  <a:t>in the range </a:t>
+                </a:r>
+                <a14:m>
+                  <m:oMath xmlns:m="http://schemas.openxmlformats.org/officeDocument/2006/math">
+                    <m:r>
+                      <a:rPr lang="en-US" i="1" dirty="0" smtClean="0">
+                        <a:latin typeface="Cambria Math" panose="02040503050406030204" pitchFamily="18" charset="0"/>
+                      </a:rPr>
+                      <m:t>0.15</m:t>
+                    </m:r>
+                    <m:r>
+                      <a:rPr lang="en-US" i="1" dirty="0" smtClean="0">
+                        <a:latin typeface="Cambria Math" panose="02040503050406030204" pitchFamily="18" charset="0"/>
+                      </a:rPr>
+                      <m:t>𝑐</m:t>
+                    </m:r>
+                    <m:r>
+                      <a:rPr lang="en-US" i="1" dirty="0" smtClean="0">
+                        <a:latin typeface="Cambria Math" panose="02040503050406030204" pitchFamily="18" charset="0"/>
+                      </a:rPr>
+                      <m:t>/</m:t>
+                    </m:r>
+                    <m:r>
+                      <a:rPr lang="en-US" i="1" dirty="0" smtClean="0">
+                        <a:latin typeface="Cambria Math" panose="02040503050406030204" pitchFamily="18" charset="0"/>
+                      </a:rPr>
+                      <m:t>𝑎</m:t>
+                    </m:r>
+                    <m:r>
+                      <a:rPr lang="en-US" i="1" dirty="0" smtClean="0">
+                        <a:latin typeface="Cambria Math" panose="02040503050406030204" pitchFamily="18" charset="0"/>
+                      </a:rPr>
+                      <m:t> ≤ </m:t>
+                    </m:r>
+                    <m:r>
+                      <a:rPr lang="en-US" i="1" dirty="0">
+                        <a:latin typeface="Cambria Math" panose="02040503050406030204" pitchFamily="18" charset="0"/>
+                      </a:rPr>
+                      <m:t>𝑓</m:t>
+                    </m:r>
+                    <m:r>
+                      <a:rPr lang="en-US" i="1" dirty="0">
+                        <a:latin typeface="Cambria Math" panose="02040503050406030204" pitchFamily="18" charset="0"/>
+                      </a:rPr>
+                      <m:t> ≤ 0.25</m:t>
+                    </m:r>
+                    <m:r>
+                      <a:rPr lang="en-US" i="1" dirty="0">
+                        <a:latin typeface="Cambria Math" panose="02040503050406030204" pitchFamily="18" charset="0"/>
+                      </a:rPr>
+                      <m:t>𝑐</m:t>
+                    </m:r>
+                    <m:r>
+                      <a:rPr lang="en-US" i="1" dirty="0">
+                        <a:latin typeface="Cambria Math" panose="02040503050406030204" pitchFamily="18" charset="0"/>
+                      </a:rPr>
+                      <m:t>/</m:t>
+                    </m:r>
+                    <m:r>
+                      <a:rPr lang="en-US" i="1" dirty="0">
+                        <a:latin typeface="Cambria Math" panose="02040503050406030204" pitchFamily="18" charset="0"/>
+                      </a:rPr>
+                      <m:t>𝑎</m:t>
+                    </m:r>
+                  </m:oMath>
+                </a14:m>
+                <a:r>
+                  <a:rPr lang="en-US" dirty="0">
+                    <a:latin typeface="Constantia" panose="02030602050306030303" pitchFamily="18" charset="0"/>
+                  </a:rPr>
+                  <a:t>). </a:t>
+                </a:r>
+              </a:p>
+              <a:p>
+                <a:pPr marL="342900" indent="-342900">
+                  <a:spcBef>
+                    <a:spcPts val="1200"/>
+                  </a:spcBef>
+                  <a:spcAft>
+                    <a:spcPts val="600"/>
+                  </a:spcAft>
+                  <a:buClr>
+                    <a:srgbClr val="3C74C1"/>
+                  </a:buClr>
+                  <a:buFont typeface="Arial" panose="020B0604020202020204" pitchFamily="34" charset="0"/>
+                  <a:buChar char="•"/>
+                </a:pPr>
+                <a:endParaRPr lang="en-US" dirty="0" smtClean="0">
+                  <a:latin typeface="Constantia" panose="02030602050306030303" pitchFamily="18" charset="0"/>
+                </a:endParaRPr>
+              </a:p>
+            </p:txBody>
+          </p:sp>
+        </mc:Choice>
+        <mc:Fallback xmlns="">
+          <p:sp>
+            <p:nvSpPr>
+              <p:cNvPr id="10" name="TextBox 9"/>
+              <p:cNvSpPr txBox="1">
+                <a:spLocks noRot="1" noChangeAspect="1" noMove="1" noResize="1" noEditPoints="1" noAdjustHandles="1" noChangeArrowheads="1" noChangeShapeType="1" noTextEdit="1"/>
+              </p:cNvSpPr>
+              <p:nvPr/>
+            </p:nvSpPr>
+            <p:spPr>
+              <a:xfrm>
+                <a:off x="727188" y="1027533"/>
+                <a:ext cx="10841230" cy="2985433"/>
+              </a:xfrm>
+              <a:prstGeom prst="rect">
+                <a:avLst/>
+              </a:prstGeom>
+              <a:blipFill rotWithShape="0">
                 <a:blip r:embed="rId3"/>
-              </a:buBlip>
-            </a:pPr>
-            <a:r>
-              <a:rPr lang="en-US" dirty="0" smtClean="0">
-                <a:latin typeface="Constantia" panose="02030602050306030303" pitchFamily="18" charset="0"/>
-              </a:rPr>
-              <a:t>straightforward methods based </a:t>
-            </a:r>
-            <a:r>
-              <a:rPr lang="en-US" dirty="0">
-                <a:latin typeface="Constantia" panose="02030602050306030303" pitchFamily="18" charset="0"/>
-              </a:rPr>
-              <a:t>on </a:t>
-            </a:r>
-            <a:r>
-              <a:rPr lang="en-US" dirty="0" smtClean="0">
-                <a:latin typeface="Constantia" panose="02030602050306030303" pitchFamily="18" charset="0"/>
-              </a:rPr>
-              <a:t>electromagnetic </a:t>
-            </a:r>
-            <a:r>
-              <a:rPr lang="en-US" dirty="0">
-                <a:latin typeface="Constantia" panose="02030602050306030303" pitchFamily="18" charset="0"/>
-              </a:rPr>
-              <a:t>simulations</a:t>
-            </a:r>
-          </a:p>
-          <a:p>
-            <a:pPr marL="914400" lvl="1" indent="-457200">
-              <a:spcBef>
-                <a:spcPts val="1200"/>
-              </a:spcBef>
-              <a:spcAft>
-                <a:spcPts val="600"/>
-              </a:spcAft>
-              <a:buBlip>
-                <a:blip r:embed="rId4"/>
-              </a:buBlip>
-            </a:pPr>
-            <a:r>
-              <a:rPr lang="en-US" dirty="0" smtClean="0">
-                <a:latin typeface="Constantia" panose="02030602050306030303" pitchFamily="18" charset="0"/>
-              </a:rPr>
-              <a:t>computationally expensive and slow, as each design requires a large amount of simulations</a:t>
-            </a:r>
-          </a:p>
-          <a:p>
-            <a:pPr marL="457200" indent="-457200">
-              <a:spcBef>
-                <a:spcPts val="1800"/>
-              </a:spcBef>
-              <a:spcAft>
-                <a:spcPts val="600"/>
-              </a:spcAft>
-              <a:buAutoNum type="arabicPeriod"/>
-            </a:pPr>
-            <a:r>
-              <a:rPr lang="en-US" sz="2000" dirty="0" smtClean="0">
-                <a:solidFill>
-                  <a:srgbClr val="3C74C1"/>
-                </a:solidFill>
-                <a:latin typeface="Constantia" panose="02030602050306030303" pitchFamily="18" charset="0"/>
-              </a:rPr>
-              <a:t>Data-driven: </a:t>
-            </a:r>
-            <a:r>
-              <a:rPr lang="en-US" sz="2000" dirty="0" smtClean="0">
-                <a:latin typeface="Constantia" panose="02030602050306030303" pitchFamily="18" charset="0"/>
-              </a:rPr>
-              <a:t>based on machine learning </a:t>
-            </a:r>
-            <a:r>
-              <a:rPr lang="en-US" sz="2000" dirty="0">
-                <a:latin typeface="Constantia" panose="02030602050306030303" pitchFamily="18" charset="0"/>
-              </a:rPr>
-              <a:t>techniques </a:t>
-            </a:r>
-            <a:r>
-              <a:rPr lang="en-US" sz="2000" i="1" dirty="0">
-                <a:latin typeface="Constantia" panose="02030602050306030303" pitchFamily="18" charset="0"/>
-              </a:rPr>
-              <a:t>(</a:t>
-            </a:r>
-            <a:r>
-              <a:rPr lang="en-US" sz="2000" i="1" dirty="0" smtClean="0">
-                <a:latin typeface="Constantia" panose="02030602050306030303" pitchFamily="18" charset="0"/>
-              </a:rPr>
-              <a:t>NNs </a:t>
-            </a:r>
-            <a:r>
-              <a:rPr lang="en-US" sz="2000" i="1" dirty="0">
-                <a:latin typeface="Constantia" panose="02030602050306030303" pitchFamily="18" charset="0"/>
-              </a:rPr>
-              <a:t>are trained to </a:t>
-            </a:r>
-            <a:r>
-              <a:rPr lang="en-US" sz="2000" i="1" dirty="0" smtClean="0">
-                <a:latin typeface="Constantia" panose="02030602050306030303" pitchFamily="18" charset="0"/>
-              </a:rPr>
-              <a:t>assist in </a:t>
-            </a:r>
-            <a:r>
-              <a:rPr lang="en-US" sz="2000" i="1" dirty="0">
-                <a:latin typeface="Constantia" panose="02030602050306030303" pitchFamily="18" charset="0"/>
-              </a:rPr>
-              <a:t>the design </a:t>
-            </a:r>
-            <a:r>
-              <a:rPr lang="en-US" sz="2000" i="1" dirty="0" smtClean="0">
-                <a:latin typeface="Constantia" panose="02030602050306030303" pitchFamily="18" charset="0"/>
-              </a:rPr>
-              <a:t>process)</a:t>
-            </a:r>
-          </a:p>
-          <a:p>
-            <a:pPr marL="914400" lvl="1" indent="-457200">
-              <a:spcBef>
-                <a:spcPts val="1200"/>
-              </a:spcBef>
-              <a:spcAft>
-                <a:spcPts val="600"/>
-              </a:spcAft>
-              <a:buFont typeface="Arial" panose="020B0604020202020204" pitchFamily="34" charset="0"/>
-              <a:buChar char="•"/>
-            </a:pPr>
-            <a:r>
-              <a:rPr lang="en-US" i="1" dirty="0" smtClean="0">
-                <a:latin typeface="Constantia" panose="02030602050306030303" pitchFamily="18" charset="0"/>
-              </a:rPr>
-              <a:t>a large amount of training instances </a:t>
-            </a:r>
-            <a:r>
-              <a:rPr lang="en-US" i="1" dirty="0">
-                <a:latin typeface="Constantia" panose="02030602050306030303" pitchFamily="18" charset="0"/>
-              </a:rPr>
-              <a:t>is </a:t>
-            </a:r>
-            <a:r>
-              <a:rPr lang="en-US" i="1" dirty="0" smtClean="0">
-                <a:latin typeface="Constantia" panose="02030602050306030303" pitchFamily="18" charset="0"/>
-              </a:rPr>
-              <a:t>needed, which requires </a:t>
-            </a:r>
-            <a:r>
-              <a:rPr lang="en-US" i="1" dirty="0">
-                <a:latin typeface="Constantia" panose="02030602050306030303" pitchFamily="18" charset="0"/>
-              </a:rPr>
-              <a:t>significant amounts </a:t>
-            </a:r>
-            <a:r>
-              <a:rPr lang="en-US" i="1" dirty="0" smtClean="0">
-                <a:latin typeface="Constantia" panose="02030602050306030303" pitchFamily="18" charset="0"/>
-              </a:rPr>
-              <a:t>of computational </a:t>
-            </a:r>
-            <a:r>
-              <a:rPr lang="en-US" i="1" dirty="0">
-                <a:latin typeface="Constantia" panose="02030602050306030303" pitchFamily="18" charset="0"/>
-              </a:rPr>
-              <a:t>resources</a:t>
-            </a:r>
-          </a:p>
-          <a:p>
-            <a:pPr marL="914400" lvl="1" indent="-457200">
-              <a:spcBef>
-                <a:spcPts val="1200"/>
-              </a:spcBef>
-              <a:spcAft>
-                <a:spcPts val="600"/>
-              </a:spcAft>
-              <a:buBlip>
-                <a:blip r:embed="rId3"/>
-              </a:buBlip>
-            </a:pPr>
-            <a:r>
-              <a:rPr lang="en-US" dirty="0" smtClean="0">
-                <a:latin typeface="Constantia" panose="02030602050306030303" pitchFamily="18" charset="0"/>
-              </a:rPr>
-              <a:t>greatly reduced </a:t>
-            </a:r>
-            <a:r>
-              <a:rPr lang="en-US" dirty="0">
-                <a:latin typeface="Constantia" panose="02030602050306030303" pitchFamily="18" charset="0"/>
-              </a:rPr>
-              <a:t>design </a:t>
-            </a:r>
-            <a:r>
-              <a:rPr lang="en-US" dirty="0" smtClean="0">
-                <a:latin typeface="Constantia" panose="02030602050306030303" pitchFamily="18" charset="0"/>
-              </a:rPr>
-              <a:t>time, as simulations are performed only once before training the NN</a:t>
-            </a:r>
-          </a:p>
-          <a:p>
-            <a:pPr marL="914400" lvl="1" indent="-457200">
-              <a:spcBef>
-                <a:spcPts val="1200"/>
-              </a:spcBef>
-              <a:spcAft>
-                <a:spcPts val="600"/>
-              </a:spcAft>
-              <a:buBlip>
-                <a:blip r:embed="rId4"/>
-              </a:buBlip>
-            </a:pPr>
-            <a:r>
-              <a:rPr lang="en-US" dirty="0" smtClean="0">
-                <a:latin typeface="Constantia" panose="02030602050306030303" pitchFamily="18" charset="0"/>
-              </a:rPr>
-              <a:t>inverse design problem can lead to bad convergence of the NN</a:t>
-            </a:r>
-          </a:p>
-        </p:txBody>
-      </p:sp>
+                <a:stretch>
+                  <a:fillRect l="-562" t="-1227" r="-506"/>
+                </a:stretch>
+              </a:blipFill>
+            </p:spPr>
+            <p:txBody>
+              <a:bodyPr/>
+              <a:lstStyle/>
+              <a:p>
+                <a:r>
+                  <a:rPr lang="ru-RU">
+                    <a:noFill/>
+                  </a:rPr>
+                  <a:t> </a:t>
+                </a:r>
+              </a:p>
+            </p:txBody>
+          </p:sp>
+        </mc:Fallback>
+      </mc:AlternateContent>
       <p:sp>
         <p:nvSpPr>
           <p:cNvPr id="8" name="Прямоугольник 7"/>
@@ -11958,25 +11916,16 @@
           <a:lstStyle/>
           <a:p>
             <a:r>
-              <a:rPr lang="en-US" sz="4000" b="1" dirty="0" smtClean="0">
-                <a:solidFill>
-                  <a:schemeClr val="bg1"/>
-                </a:solidFill>
-                <a:latin typeface="Constantia" panose="02030602050306030303" pitchFamily="18" charset="0"/>
-              </a:rPr>
-              <a:t>Design </a:t>
-            </a:r>
-            <a:r>
               <a:rPr lang="en-US" sz="4000" b="1" dirty="0">
                 <a:solidFill>
                   <a:schemeClr val="bg1"/>
                 </a:solidFill>
                 <a:latin typeface="Constantia" panose="02030602050306030303" pitchFamily="18" charset="0"/>
               </a:rPr>
-              <a:t>of </a:t>
-            </a:r>
-            <a:r>
-              <a:rPr lang="en-US" sz="4000" b="1" dirty="0" err="1" smtClean="0">
+              <a:t>Design of </a:t>
+            </a:r>
+            <a:r>
+              <a:rPr lang="en-US" sz="4000" b="1" dirty="0" err="1">
                 <a:solidFill>
                   <a:schemeClr val="bg1"/>
                 </a:solidFill>
@@ -11985,7 +11934,7 @@
               <a:t>Nanophotonic</a:t>
             </a:r>
             <a:r>
-              <a:rPr lang="en-US" sz="4000" b="1" dirty="0" smtClean="0">
+              <a:rPr lang="en-US" sz="4000" b="1" dirty="0">
                 <a:solidFill>
                   <a:schemeClr val="bg1"/>
                 </a:solidFill>
@@ -12002,10 +11951,56 @@
           </a:p>
         </p:txBody>
       </p:sp>
+      <p:pic>
+        <p:nvPicPr>
+          <p:cNvPr id="3" name="Рисунок 2"/>
+          <p:cNvPicPr>
+            <a:picLocks noChangeAspect="1"/>
+          </p:cNvPicPr>
+          <p:nvPr/>
+        </p:nvPicPr>
+        <p:blipFill rotWithShape="1">
+          <a:blip r:embed="rId4"/>
+          <a:srcRect l="15846" t="5977" r="42108" b="30170"/>
+          <a:stretch/>
+        </p:blipFill>
+        <p:spPr>
+          <a:xfrm>
+            <a:off x="2205791" y="3903867"/>
+            <a:ext cx="3410464" cy="2306595"/>
+          </a:xfrm>
+          <a:prstGeom prst="rect">
+            <a:avLst/>
+          </a:prstGeom>
+        </p:spPr>
+      </p:pic>
+      <p:pic>
+        <p:nvPicPr>
+          <p:cNvPr id="6" name="Рисунок 5"/>
+          <p:cNvPicPr>
+            <a:picLocks noChangeAspect="1"/>
+          </p:cNvPicPr>
+          <p:nvPr/>
+        </p:nvPicPr>
+        <p:blipFill rotWithShape="1">
+          <a:blip r:embed="rId5"/>
+          <a:srcRect l="65065" r="3712" b="62110"/>
+          <a:stretch/>
+        </p:blipFill>
+        <p:spPr>
+          <a:xfrm>
+            <a:off x="6447099" y="3612717"/>
+            <a:ext cx="3418703" cy="2888893"/>
+          </a:xfrm>
+          <a:prstGeom prst="rect">
+            <a:avLst/>
+          </a:prstGeom>
+        </p:spPr>
+      </p:pic>
     </p:spTree>
     <p:extLst>
       <p:ext uri="{BB962C8B-B14F-4D97-AF65-F5344CB8AC3E}">
-        <p14:creationId xmlns:p14="http://schemas.microsoft.com/office/powerpoint/2010/main" val="2943710853"/>
+        <p14:creationId xmlns:p14="http://schemas.microsoft.com/office/powerpoint/2010/main" val="3753456380"/>
       </p:ext>
     </p:extLst>
   </p:cSld>
@@ -12048,7 +12043,7 @@
         <p:spPr>
           <a:xfrm>
             <a:off x="727188" y="1027533"/>
-            <a:ext cx="10675879" cy="1692771"/>
+            <a:ext cx="10675879" cy="5062924"/>
           </a:xfrm>
           <a:prstGeom prst="rect">
             <a:avLst/>
@@ -12076,213 +12071,339 @@
               <a:rPr lang="en-US" sz="2000" b="1" dirty="0" smtClean="0">
                 <a:latin typeface="Constantia" panose="02030602050306030303" pitchFamily="18" charset="0"/>
               </a:rPr>
-              <a:t>NNs </a:t>
-            </a:r>
-            <a:r>
-              <a:rPr lang="en-US" sz="2000" b="1" dirty="0">
-                <a:latin typeface="Constantia" panose="02030602050306030303" pitchFamily="18" charset="0"/>
-              </a:rPr>
-              <a:t>can be used in two different </a:t>
+              <a:t>Approaches in </a:t>
+            </a:r>
+            <a:r>
+              <a:rPr lang="en-US" sz="2000" b="1" dirty="0" err="1" smtClean="0">
+                <a:latin typeface="Constantia" panose="02030602050306030303" pitchFamily="18" charset="0"/>
+              </a:rPr>
+              <a:t>nanophotonic</a:t>
             </a:r>
             <a:r>
               <a:rPr lang="en-US" sz="2000" b="1" dirty="0" smtClean="0">
                 <a:latin typeface="Constantia" panose="02030602050306030303" pitchFamily="18" charset="0"/>
               </a:rPr>
-              <a:t>ways: </a:t>
-            </a:r>
-          </a:p>
-          <a:p>
-            <a:pPr>
+              <a:t> structures design:</a:t>
+            </a:r>
+          </a:p>
+          <a:p>
+            <a:pPr marL="457200" indent="-457200">
               <a:spcBef>
                 <a:spcPts val="1200"/>
               </a:spcBef>
               <a:spcAft>
                 <a:spcPts val="600"/>
               </a:spcAft>
-              <a:buClr>
-                <a:srgbClr val="3C74C1"/>
-              </a:buClr>
+              <a:buAutoNum type="arabicPeriod"/>
             </a:pPr>
             <a:r>
-              <a:rPr lang="en-US" dirty="0" smtClean="0">
-                <a:latin typeface="Constantia" panose="02030602050306030303" pitchFamily="18" charset="0"/>
-              </a:rPr>
-              <a:t>(a) </a:t>
-            </a:r>
-            <a:r>
-              <a:rPr lang="en-US" dirty="0" smtClean="0">
+              <a:rPr lang="en-US" sz="2000" dirty="0" smtClean="0">
                 <a:solidFill>
                   <a:srgbClr val="3C74C1"/>
                 </a:solidFill>
                 <a:latin typeface="Constantia" panose="02030602050306030303" pitchFamily="18" charset="0"/>
               </a:rPr>
-              <a:t>Forward-modeling networks: </a:t>
-            </a:r>
-            <a:r>
-              <a:rPr lang="en-US" dirty="0" smtClean="0">
-                <a:latin typeface="Constantia" panose="02030602050306030303" pitchFamily="18" charset="0"/>
-              </a:rPr>
-              <a:t>take </a:t>
-            </a:r>
-            <a:r>
-              <a:rPr lang="en-US" dirty="0">
-                <a:latin typeface="Constantia" panose="02030602050306030303" pitchFamily="18" charset="0"/>
-              </a:rPr>
-              <a:t>the input </a:t>
-            </a:r>
-            <a:r>
-              <a:rPr lang="en-US" dirty="0" smtClean="0">
-                <a:latin typeface="Constantia" panose="02030602050306030303" pitchFamily="18" charset="0"/>
-              </a:rPr>
-              <a:t>of the </a:t>
-            </a:r>
-            <a:r>
-              <a:rPr lang="en-US" dirty="0">
-                <a:latin typeface="Constantia" panose="02030602050306030303" pitchFamily="18" charset="0"/>
-              </a:rPr>
-              <a:t>structural parameter </a:t>
-            </a:r>
-            <a:r>
-              <a:rPr lang="en-US" i="1" dirty="0" smtClean="0">
-                <a:latin typeface="Constantia" panose="02030602050306030303" pitchFamily="18" charset="0"/>
-              </a:rPr>
-              <a:t>D</a:t>
-            </a:r>
-            <a:r>
-              <a:rPr lang="en-US" dirty="0" smtClean="0">
-                <a:latin typeface="Constantia" panose="02030602050306030303" pitchFamily="18" charset="0"/>
-              </a:rPr>
-              <a:t> (such </a:t>
-            </a:r>
-            <a:r>
-              <a:rPr lang="en-US" dirty="0">
-                <a:latin typeface="Constantia" panose="02030602050306030303" pitchFamily="18" charset="0"/>
-              </a:rPr>
-              <a:t>as the geometrical shape of </a:t>
-            </a:r>
-            <a:r>
-              <a:rPr lang="en-US" dirty="0" smtClean="0">
-                <a:latin typeface="Constantia" panose="02030602050306030303" pitchFamily="18" charset="0"/>
-              </a:rPr>
-              <a:t>a nanostructure</a:t>
-            </a:r>
-            <a:r>
-              <a:rPr lang="en-US" dirty="0">
-                <a:latin typeface="Constantia" panose="02030602050306030303" pitchFamily="18" charset="0"/>
-              </a:rPr>
-              <a:t>) and </a:t>
-            </a:r>
-            <a:r>
-              <a:rPr lang="en-US" dirty="0" smtClean="0">
-                <a:latin typeface="Constantia" panose="02030602050306030303" pitchFamily="18" charset="0"/>
-              </a:rPr>
-              <a:t>predict </a:t>
-            </a:r>
-            <a:r>
-              <a:rPr lang="en-US" dirty="0">
-                <a:latin typeface="Constantia" panose="02030602050306030303" pitchFamily="18" charset="0"/>
-              </a:rPr>
-              <a:t>the electromagnetic </a:t>
-            </a:r>
-            <a:r>
-              <a:rPr lang="en-US" dirty="0" smtClean="0">
-                <a:latin typeface="Constantia" panose="02030602050306030303" pitchFamily="18" charset="0"/>
-              </a:rPr>
-              <a:t>response </a:t>
-            </a:r>
-            <a:r>
-              <a:rPr lang="en-US" i="1" dirty="0" smtClean="0">
-                <a:latin typeface="Constantia" panose="02030602050306030303" pitchFamily="18" charset="0"/>
-              </a:rPr>
-              <a:t>R</a:t>
-            </a:r>
-            <a:r>
-              <a:rPr lang="en-US" dirty="0" smtClean="0">
-                <a:latin typeface="Constantia" panose="02030602050306030303" pitchFamily="18" charset="0"/>
-              </a:rPr>
-              <a:t> of the device.</a:t>
-            </a:r>
-          </a:p>
-          <a:p>
-            <a:pPr>
+              <a:t>Conventional: </a:t>
+            </a:r>
+            <a:r>
+              <a:rPr lang="en-US" sz="2000" dirty="0" smtClean="0">
+                <a:latin typeface="Constantia" panose="02030602050306030303" pitchFamily="18" charset="0"/>
+              </a:rPr>
+              <a:t>iteratively performed </a:t>
+            </a:r>
+            <a:r>
+              <a:rPr lang="en-US" sz="2000" dirty="0">
+                <a:latin typeface="Constantia" panose="02030602050306030303" pitchFamily="18" charset="0"/>
+              </a:rPr>
+              <a:t>optimization </a:t>
+            </a:r>
+            <a:r>
+              <a:rPr lang="en-US" sz="2000" i="1" dirty="0">
+                <a:latin typeface="Constantia" panose="02030602050306030303" pitchFamily="18" charset="0"/>
+              </a:rPr>
+              <a:t>(</a:t>
+            </a:r>
+            <a:r>
+              <a:rPr lang="en-US" sz="2000" i="1" dirty="0" smtClean="0">
+                <a:latin typeface="Constantia" panose="02030602050306030303" pitchFamily="18" charset="0"/>
+              </a:rPr>
+              <a:t>evolutionary algorithms</a:t>
+            </a:r>
+            <a:r>
+              <a:rPr lang="en-US" sz="2000" i="1" dirty="0">
+                <a:latin typeface="Constantia" panose="02030602050306030303" pitchFamily="18" charset="0"/>
+              </a:rPr>
+              <a:t>, </a:t>
+            </a:r>
+            <a:r>
+              <a:rPr lang="en-US" sz="2000" i="1" dirty="0" smtClean="0">
+                <a:latin typeface="Constantia" panose="02030602050306030303" pitchFamily="18" charset="0"/>
+              </a:rPr>
+              <a:t>level </a:t>
+            </a:r>
+            <a:r>
+              <a:rPr lang="en-US" sz="2000" i="1" dirty="0">
+                <a:latin typeface="Constantia" panose="02030602050306030303" pitchFamily="18" charset="0"/>
+              </a:rPr>
+              <a:t>set </a:t>
+            </a:r>
+            <a:r>
+              <a:rPr lang="en-US" sz="2000" i="1" dirty="0" smtClean="0">
+                <a:latin typeface="Constantia" panose="02030602050306030303" pitchFamily="18" charset="0"/>
+              </a:rPr>
+              <a:t>methods, </a:t>
+            </a:r>
+            <a:r>
+              <a:rPr lang="en-US" sz="2000" i="1" dirty="0" err="1">
+                <a:latin typeface="Constantia" panose="02030602050306030303" pitchFamily="18" charset="0"/>
+              </a:rPr>
+              <a:t>adjoint</a:t>
+            </a:r>
+            <a:r>
+              <a:rPr lang="en-US" sz="2000" i="1" dirty="0">
+                <a:latin typeface="Constantia" panose="02030602050306030303" pitchFamily="18" charset="0"/>
+              </a:rPr>
+              <a:t> methods, </a:t>
+            </a:r>
+            <a:r>
+              <a:rPr lang="en-US" sz="2000" i="1" dirty="0" smtClean="0">
+                <a:latin typeface="Constantia" panose="02030602050306030303" pitchFamily="18" charset="0"/>
+              </a:rPr>
+              <a:t>optimization </a:t>
+            </a:r>
+            <a:r>
+              <a:rPr lang="en-US" sz="2000" i="1" dirty="0">
+                <a:latin typeface="Constantia" panose="02030602050306030303" pitchFamily="18" charset="0"/>
+              </a:rPr>
+              <a:t>of specific geometric </a:t>
+            </a:r>
+            <a:r>
+              <a:rPr lang="en-US" sz="2000" i="1" dirty="0" smtClean="0">
+                <a:latin typeface="Constantia" panose="02030602050306030303" pitchFamily="18" charset="0"/>
+              </a:rPr>
+              <a:t>parameters)</a:t>
+            </a:r>
+          </a:p>
+          <a:p>
+            <a:pPr marL="914400" lvl="1" indent="-457200">
               <a:spcBef>
                 <a:spcPts val="1200"/>
               </a:spcBef>
               <a:spcAft>
                 <a:spcPts val="600"/>
               </a:spcAft>
-              <a:buClr>
-                <a:srgbClr val="3C74C1"/>
-              </a:buClr>
+              <a:buBlip>
+                <a:blip r:embed="rId3"/>
+              </a:buBlip>
             </a:pPr>
             <a:r>
               <a:rPr lang="en-US" dirty="0" smtClean="0">
                 <a:latin typeface="Constantia" panose="02030602050306030303" pitchFamily="18" charset="0"/>
               </a:rPr>
-              <a:t>(b) </a:t>
+              <a:t>straightforward methods based </a:t>
+            </a:r>
+            <a:r>
+              <a:rPr lang="en-US" dirty="0">
+                <a:latin typeface="Constantia" panose="02030602050306030303" pitchFamily="18" charset="0"/>
+              </a:rPr>
+              <a:t>on </a:t>
             </a:r>
             <a:r>
               <a:rPr lang="en-US" dirty="0" smtClean="0">
+                <a:latin typeface="Constantia" panose="02030602050306030303" pitchFamily="18" charset="0"/>
+              </a:rPr>
+              <a:t>electromagnetic </a:t>
+            </a:r>
+            <a:r>
+              <a:rPr lang="en-US" dirty="0">
+                <a:latin typeface="Constantia" panose="02030602050306030303" pitchFamily="18" charset="0"/>
+              </a:rPr>
+              <a:t>simulations</a:t>
+            </a:r>
+          </a:p>
+          <a:p>
+            <a:pPr marL="914400" lvl="1" indent="-457200">
+              <a:spcBef>
+                <a:spcPts val="1200"/>
+              </a:spcBef>
+              <a:spcAft>
+                <a:spcPts val="600"/>
+              </a:spcAft>
+              <a:buBlip>
+                <a:blip r:embed="rId4"/>
+              </a:buBlip>
+            </a:pPr>
+            <a:r>
+              <a:rPr lang="en-US" dirty="0" smtClean="0">
+                <a:latin typeface="Constantia" panose="02030602050306030303" pitchFamily="18" charset="0"/>
+              </a:rPr>
+              <a:t>computationally expensive and slow, as each design requires a large amount of simulations</a:t>
+            </a:r>
+          </a:p>
+          <a:p>
+            <a:pPr marL="457200" indent="-457200">
+              <a:spcBef>
+                <a:spcPts val="1800"/>
+              </a:spcBef>
+              <a:spcAft>
+                <a:spcPts val="600"/>
+              </a:spcAft>
+              <a:buAutoNum type="arabicPeriod"/>
+            </a:pPr>
+            <a:r>
+              <a:rPr lang="en-US" sz="2000" dirty="0" smtClean="0">
                 <a:solidFill>
                   <a:srgbClr val="3C74C1"/>
                 </a:solidFill>
                 <a:latin typeface="Constantia" panose="02030602050306030303" pitchFamily="18" charset="0"/>
               </a:rPr>
-              <a:t>Inverse-design networks: </a:t>
-            </a:r>
+              <a:t>Data-driven: </a:t>
+            </a:r>
+            <a:r>
+              <a:rPr lang="en-US" sz="2000" dirty="0" smtClean="0">
+                <a:latin typeface="Constantia" panose="02030602050306030303" pitchFamily="18" charset="0"/>
+              </a:rPr>
+              <a:t>based on machine learning </a:t>
+            </a:r>
+            <a:r>
+              <a:rPr lang="en-US" sz="2000" dirty="0">
+                <a:latin typeface="Constantia" panose="02030602050306030303" pitchFamily="18" charset="0"/>
+              </a:rPr>
+              <a:t>techniques </a:t>
+            </a:r>
+            <a:r>
+              <a:rPr lang="en-US" sz="2000" i="1" dirty="0">
+                <a:latin typeface="Constantia" panose="02030602050306030303" pitchFamily="18" charset="0"/>
+              </a:rPr>
+              <a:t>(</a:t>
+            </a:r>
+            <a:r>
+              <a:rPr lang="en-US" sz="2000" i="1" dirty="0" smtClean="0">
+                <a:latin typeface="Constantia" panose="02030602050306030303" pitchFamily="18" charset="0"/>
+              </a:rPr>
+              <a:t>NNs </a:t>
+            </a:r>
+            <a:r>
+              <a:rPr lang="en-US" sz="2000" i="1" dirty="0">
+                <a:latin typeface="Constantia" panose="02030602050306030303" pitchFamily="18" charset="0"/>
+              </a:rPr>
+              <a:t>are trained to </a:t>
+            </a:r>
+            <a:r>
+              <a:rPr lang="en-US" sz="2000" i="1" dirty="0" smtClean="0">
+                <a:latin typeface="Constantia" panose="02030602050306030303" pitchFamily="18" charset="0"/>
+              </a:rPr>
+              <a:t>assist in </a:t>
+            </a:r>
+            <a:r>
+              <a:rPr lang="en-US" sz="2000" i="1" dirty="0">
+                <a:latin typeface="Constantia" panose="02030602050306030303" pitchFamily="18" charset="0"/>
+              </a:rPr>
+              <a:t>the design </a:t>
+            </a:r>
+            <a:r>
+              <a:rPr lang="en-US" sz="2000" i="1" dirty="0" smtClean="0">
+                <a:latin typeface="Constantia" panose="02030602050306030303" pitchFamily="18" charset="0"/>
+              </a:rPr>
+              <a:t>process)</a:t>
+            </a:r>
+          </a:p>
+          <a:p>
+            <a:pPr marL="914400" lvl="1" indent="-457200">
+              <a:spcBef>
+                <a:spcPts val="1200"/>
+              </a:spcBef>
+              <a:spcAft>
+                <a:spcPts val="600"/>
+              </a:spcAft>
+              <a:buFont typeface="Arial" panose="020B0604020202020204" pitchFamily="34" charset="0"/>
+              <a:buChar char="•"/>
+            </a:pPr>
+            <a:r>
+              <a:rPr lang="en-US" i="1" dirty="0" smtClean="0">
+                <a:latin typeface="Constantia" panose="02030602050306030303" pitchFamily="18" charset="0"/>
+              </a:rPr>
+              <a:t>a large amount of training instances </a:t>
+            </a:r>
+            <a:r>
+              <a:rPr lang="en-US" i="1" dirty="0">
+                <a:latin typeface="Constantia" panose="02030602050306030303" pitchFamily="18" charset="0"/>
+              </a:rPr>
+              <a:t>is </a:t>
+            </a:r>
+            <a:r>
+              <a:rPr lang="en-US" i="1" dirty="0" smtClean="0">
+                <a:latin typeface="Constantia" panose="02030602050306030303" pitchFamily="18" charset="0"/>
+              </a:rPr>
+              <a:t>needed, which requires </a:t>
+            </a:r>
+            <a:r>
+              <a:rPr lang="en-US" i="1" dirty="0">
+                <a:latin typeface="Constantia" panose="02030602050306030303" pitchFamily="18" charset="0"/>
+              </a:rPr>
+              <a:t>significant amounts </a:t>
+            </a:r>
+            <a:r>
+              <a:rPr lang="en-US" i="1" dirty="0" smtClean="0">
+                <a:latin typeface="Constantia" panose="02030602050306030303" pitchFamily="18" charset="0"/>
+              </a:rPr>
+              <a:t>of computational </a:t>
+            </a:r>
+            <a:r>
+              <a:rPr lang="en-US" i="1" dirty="0">
+                <a:latin typeface="Constantia" panose="02030602050306030303" pitchFamily="18" charset="0"/>
+              </a:rPr>
+              <a:t>resources</a:t>
+            </a:r>
+          </a:p>
+          <a:p>
+            <a:pPr marL="914400" lvl="1" indent="-457200">
+              <a:spcBef>
+                <a:spcPts val="1200"/>
+              </a:spcBef>
+              <a:spcAft>
+                <a:spcPts val="600"/>
+              </a:spcAft>
+              <a:buBlip>
+                <a:blip r:embed="rId3"/>
+              </a:buBlip>
+            </a:pPr>
             <a:r>
               <a:rPr lang="en-US" dirty="0" smtClean="0">
                 <a:latin typeface="Constantia" panose="02030602050306030303" pitchFamily="18" charset="0"/>
               </a:rPr>
-              <a:t>take </a:t>
+              <a:t>greatly reduced </a:t>
             </a:r>
             <a:r>
               <a:rPr lang="en-US" dirty="0">
                 <a:latin typeface="Constantia" panose="02030602050306030303" pitchFamily="18" charset="0"/>
               </a:rPr>
-              <a:t>the EM response </a:t>
-            </a:r>
-            <a:r>
-              <a:rPr lang="en-US" i="1" dirty="0" smtClean="0">
-                <a:latin typeface="Constantia" panose="02030602050306030303" pitchFamily="18" charset="0"/>
-              </a:rPr>
-              <a:t>R </a:t>
+              <a:t>design </a:t>
             </a:r>
             <a:r>
               <a:rPr lang="en-US" dirty="0" smtClean="0">
                 <a:latin typeface="Constantia" panose="02030602050306030303" pitchFamily="18" charset="0"/>
               </a:rPr>
-              <a:t>as the input </a:t>
-            </a:r>
-            <a:r>
-              <a:rPr lang="en-US" dirty="0">
-                <a:latin typeface="Constantia" panose="02030602050306030303" pitchFamily="18" charset="0"/>
-              </a:rPr>
-              <a:t>and directly output the </a:t>
-            </a:r>
+              <a:t>time, as simulations are performed only once before training the NN</a:t>
+            </a:r>
+          </a:p>
+          <a:p>
+            <a:pPr marL="914400" lvl="1" indent="-457200">
+              <a:spcBef>
+                <a:spcPts val="1200"/>
+              </a:spcBef>
+              <a:spcAft>
+                <a:spcPts val="600"/>
+              </a:spcAft>
+              <a:buBlip>
+                <a:blip r:embed="rId4"/>
+              </a:buBlip>
+            </a:pPr>
             <a:r>
               <a:rPr lang="en-US" dirty="0" smtClean="0">
                 <a:latin typeface="Constantia" panose="02030602050306030303" pitchFamily="18" charset="0"/>
               </a:rPr>
-              <a:t>structure</a:t>
-            </a:r>
-            <a:r>
-              <a:rPr lang="ru-RU" dirty="0" smtClean="0">
-                <a:latin typeface="Constantia" panose="02030602050306030303" pitchFamily="18" charset="0"/>
-              </a:rPr>
-              <a:t> </a:t>
-            </a:r>
-            <a:r>
-              <a:rPr lang="en-US" i="1" dirty="0" smtClean="0">
-                <a:latin typeface="Constantia" panose="02030602050306030303" pitchFamily="18" charset="0"/>
-              </a:rPr>
-              <a:t>D</a:t>
-            </a:r>
-            <a:r>
-              <a:rPr lang="en-US" dirty="0" smtClean="0">
-                <a:latin typeface="Constantia" panose="02030602050306030303" pitchFamily="18" charset="0"/>
-              </a:rPr>
-              <a:t>.</a:t>
+              <a:t>inverse design problem can lead to bad convergence of the NN</a:t>
             </a:r>
           </a:p>
         </p:txBody>
@@ -12404,34 +12525,10 @@
           </a:p>
         </p:txBody>
       </p:sp>
-      <p:pic>
-        <p:nvPicPr>
-          <p:cNvPr id="2" name="Рисунок 1"/>
-          <p:cNvPicPr>
-            <a:picLocks noChangeAspect="1"/>
-          </p:cNvPicPr>
-          <p:nvPr/>
-        </p:nvPicPr>
-        <p:blipFill>
-          <a:blip r:embed="rId3"/>
-          <a:stretch>
-            <a:fillRect/>
-          </a:stretch>
-        </p:blipFill>
-        <p:spPr>
-          <a:xfrm>
-            <a:off x="2202065" y="3061982"/>
-            <a:ext cx="7715098" cy="3272234"/>
-          </a:xfrm>
-          <a:prstGeom prst="rect">
-            <a:avLst/>
-          </a:prstGeom>
-        </p:spPr>
-      </p:pic>
     </p:spTree>
     <p:extLst>
       <p:ext uri="{BB962C8B-B14F-4D97-AF65-F5344CB8AC3E}">
-        <p14:creationId xmlns:p14="http://schemas.microsoft.com/office/powerpoint/2010/main" val="2565550616"/>
+        <p14:creationId xmlns:p14="http://schemas.microsoft.com/office/powerpoint/2010/main" val="2943710853"/>
       </p:ext>
     </p:extLst>
   </p:cSld>
@@ -12474,7 +12571,7 @@
         <p:spPr>
           <a:xfrm>
             <a:off x="727188" y="1027533"/>
-            <a:ext cx="10841230" cy="2200602"/>
+            <a:ext cx="10675879" cy="1692771"/>
           </a:xfrm>
           <a:prstGeom prst="rect">
             <a:avLst/>
@@ -12486,6 +12583,37 @@
             <a:spAutoFit/>
           </a:bodyPr>
           <a:lstStyle/>
+          <a:p>
+            <a:pPr>
+              <a:spcBef>
+                <a:spcPts val="1200"/>
+              </a:spcBef>
+              <a:spcAft>
+                <a:spcPts val="600"/>
+              </a:spcAft>
+              <a:buClr>
+                <a:srgbClr val="4500C0"/>
+              </a:buClr>
+            </a:pPr>
+            <a:r>
+              <a:rPr lang="en-US" sz="2000" b="1" dirty="0" smtClean="0">
+                <a:latin typeface="Constantia" panose="02030602050306030303" pitchFamily="18" charset="0"/>
+              </a:rPr>
+              <a:t>NNs </a:t>
+            </a:r>
+            <a:r>
+              <a:rPr lang="en-US" sz="2000" b="1" dirty="0">
+                <a:latin typeface="Constantia" panose="02030602050306030303" pitchFamily="18" charset="0"/>
+              </a:rPr>
+              <a:t>can be used in two different </a:t>
+            </a:r>
+            <a:r>
+              <a:rPr lang="en-US" sz="2000" b="1" dirty="0" smtClean="0">
+                <a:latin typeface="Constantia" panose="02030602050306030303" pitchFamily="18" charset="0"/>
+              </a:rPr>
+              <a:t>ways: </a:t>
+            </a:r>
+          </a:p>
           <a:p>
             <a:pPr>
               <a:spcBef>
@@ -12499,14 +12627,107 @@
               </a:buClr>
             </a:pPr>
             <a:r>
-              <a:rPr lang="en-US" sz="2000" b="1" dirty="0" smtClean="0">
-                <a:latin typeface="Constantia" panose="02030602050306030303" pitchFamily="18" charset="0"/>
-              </a:rPr>
-              <a:t>Design:</a:t>
-            </a:r>
-          </a:p>
-          <a:p>
-            <a:pPr marL="342900" indent="-342900">
+              <a:rPr lang="en-US" dirty="0" smtClean="0">
+                <a:latin typeface="Constantia" panose="02030602050306030303" pitchFamily="18" charset="0"/>
+              </a:rPr>
+              <a:t>(a) </a:t>
+            </a:r>
+            <a:r>
+              <a:rPr lang="en-US" dirty="0" smtClean="0">
+                <a:solidFill>
+                  <a:srgbClr val="3C74C1"/>
+                </a:solidFill>
+                <a:latin typeface="Constantia" panose="02030602050306030303" pitchFamily="18" charset="0"/>
+              </a:rPr>
+              <a:t>Forward-modeling networks: </a:t>
+            </a:r>
+            <a:r>
+              <a:rPr lang="en-US" dirty="0" smtClean="0">
+                <a:latin typeface="Constantia" panose="02030602050306030303" pitchFamily="18" charset="0"/>
+              </a:rPr>
+              <a:t>take </a:t>
+            </a:r>
+            <a:r>
+              <a:rPr lang="en-US" dirty="0">
+                <a:latin typeface="Constantia" panose="02030602050306030303" pitchFamily="18" charset="0"/>
+              </a:rPr>
+              <a:t>the input </a:t>
+            </a:r>
+            <a:r>
+              <a:rPr lang="en-US" dirty="0" smtClean="0">
+                <a:latin typeface="Constantia" panose="02030602050306030303" pitchFamily="18" charset="0"/>
+              </a:rPr>
+              <a:t>of the </a:t>
+            </a:r>
+            <a:r>
+              <a:rPr lang="en-US" dirty="0">
+                <a:latin typeface="Constantia" panose="02030602050306030303" pitchFamily="18" charset="0"/>
+              </a:rPr>
+              <a:t>structural parameter </a:t>
+            </a:r>
+            <a:r>
+              <a:rPr lang="en-US" i="1" dirty="0" smtClean="0">
+                <a:latin typeface="Constantia" panose="02030602050306030303" pitchFamily="18" charset="0"/>
+              </a:rPr>
+              <a:t>D</a:t>
+            </a:r>
+            <a:r>
+              <a:rPr lang="en-US" dirty="0" smtClean="0">
+                <a:latin typeface="Constantia" panose="02030602050306030303" pitchFamily="18" charset="0"/>
+              </a:rPr>
+              <a:t> (such </a:t>
+            </a:r>
+            <a:r>
+              <a:rPr lang="en-US" dirty="0">
+                <a:latin typeface="Constantia" panose="02030602050306030303" pitchFamily="18" charset="0"/>
+              </a:rPr>
+              <a:t>as the geometrical shape of </a:t>
+            </a:r>
+            <a:r>
+              <a:rPr lang="en-US" dirty="0" smtClean="0">
+                <a:latin typeface="Constantia" panose="02030602050306030303" pitchFamily="18" charset="0"/>
+              </a:rPr>
+              <a:t>a nanostructure</a:t>
+            </a:r>
+            <a:r>
+              <a:rPr lang="en-US" dirty="0">
+                <a:latin typeface="Constantia" panose="02030602050306030303" pitchFamily="18" charset="0"/>
+              </a:rPr>
+              <a:t>) and </a:t>
+            </a:r>
+            <a:r>
+              <a:rPr lang="en-US" dirty="0" smtClean="0">
+                <a:latin typeface="Constantia" panose="02030602050306030303" pitchFamily="18" charset="0"/>
+              </a:rPr>
+              <a:t>predict </a:t>
+            </a:r>
+            <a:r>
+              <a:rPr lang="en-US" dirty="0">
+                <a:latin typeface="Constantia" panose="02030602050306030303" pitchFamily="18" charset="0"/>
+              </a:rPr>
+              <a:t>the electromagnetic </a:t>
+            </a:r>
+            <a:r>
+              <a:rPr lang="en-US" dirty="0" smtClean="0">
+                <a:latin typeface="Constantia" panose="02030602050306030303" pitchFamily="18" charset="0"/>
+              </a:rPr>
+              <a:t>response </a:t>
+            </a:r>
+            <a:r>
+              <a:rPr lang="en-US" i="1" dirty="0" smtClean="0">
+                <a:latin typeface="Constantia" panose="02030602050306030303" pitchFamily="18" charset="0"/>
+              </a:rPr>
+              <a:t>R</a:t>
+            </a:r>
+            <a:r>
+              <a:rPr lang="en-US" dirty="0" smtClean="0">
+                <a:latin typeface="Constantia" panose="02030602050306030303" pitchFamily="18" charset="0"/>
+              </a:rPr>
+              <a:t> of the device.</a:t>
+            </a:r>
+          </a:p>
+          <a:p>
+            <a:pPr>
               <a:spcBef>
                 <a:spcPts val="1200"/>
               </a:spcBef>
@@ -12516,108 +12737,76 @@
               <a:buClr>
                 <a:srgbClr val="3C74C1"/>
               </a:buClr>
-              <a:buFont typeface="Arial" panose="020B0604020202020204" pitchFamily="34" charset="0"/>
-              <a:buChar char="•"/>
             </a:pPr>
             <a:r>
+              <a:rPr lang="en-US" dirty="0" smtClean="0">
+                <a:latin typeface="Constantia" panose="02030602050306030303" pitchFamily="18" charset="0"/>
+              </a:rPr>
+              <a:t>(b) </a:t>
+            </a:r>
+            <a:r>
+              <a:rPr lang="en-US" dirty="0" smtClean="0">
+                <a:solidFill>
+                  <a:srgbClr val="3C74C1"/>
+                </a:solidFill>
+                <a:latin typeface="Constantia" panose="02030602050306030303" pitchFamily="18" charset="0"/>
+              </a:rPr>
+              <a:t>Inverse-design networks: </a:t>
+            </a:r>
+            <a:r>
+              <a:rPr lang="en-US" dirty="0" smtClean="0">
+                <a:latin typeface="Constantia" panose="02030602050306030303" pitchFamily="18" charset="0"/>
+              </a:rPr>
+              <a:t>take </a:t>
+            </a:r>
+            <a:r>
               <a:rPr lang="en-US" dirty="0">
                 <a:latin typeface="Constantia" panose="02030602050306030303" pitchFamily="18" charset="0"/>
               </a:rPr>
-              <a:t>The goal is to generate a target transmission </a:t>
+              <a:t>the EM response </a:t>
+            </a:r>
+            <a:r>
+              <a:rPr lang="en-US" i="1" dirty="0" smtClean="0">
+                <a:latin typeface="Constantia" panose="02030602050306030303" pitchFamily="18" charset="0"/>
+              </a:rPr>
+              <a:t>R </a:t>
             </a:r>
             <a:r>
               <a:rPr lang="en-US" dirty="0" smtClean="0">
                 <a:latin typeface="Constantia" panose="02030602050306030303" pitchFamily="18" charset="0"/>
               </a:rPr>
-              <a:t>spectrum using a multilayer </a:t>
+              <a:t>as the input </a:t>
             </a:r>
             <a:r>
               <a:rPr lang="en-US" dirty="0">
                 <a:latin typeface="Constantia" panose="02030602050306030303" pitchFamily="18" charset="0"/>
               </a:rPr>
-              <a:t>film </a:t>
+              <a:t>and directly output the </a:t>
             </a:r>
             <a:r>
               <a:rPr lang="en-US" dirty="0" smtClean="0">
                 <a:latin typeface="Constantia" panose="02030602050306030303" pitchFamily="18" charset="0"/>
               </a:rPr>
-              <a:t>consisting </a:t>
-            </a:r>
-            <a:r>
-              <a:rPr lang="en-US" dirty="0">
-                <a:latin typeface="Constantia" panose="02030602050306030303" pitchFamily="18" charset="0"/>
-              </a:rPr>
-              <a:t>of alternating layers of </a:t>
+              <a:t>structure</a:t>
+            </a:r>
+            <a:r>
+              <a:rPr lang="ru-RU" dirty="0" smtClean="0">
+                <a:latin typeface="Constantia" panose="02030602050306030303" pitchFamily="18" charset="0"/>
+              </a:rPr>
+              <a:t> </a:t>
+            </a:r>
+            <a:r>
+              <a:rPr lang="en-US" i="1" dirty="0" smtClean="0">
+                <a:latin typeface="Constantia" panose="02030602050306030303" pitchFamily="18" charset="0"/>
+              </a:rPr>
+              <a:t>D</a:t>
             </a:r>
             <a:r>
               <a:rPr lang="en-US" dirty="0" smtClean="0">
                 <a:latin typeface="Constantia" panose="02030602050306030303" pitchFamily="18" charset="0"/>
               </a:rPr>
-              <a:t>SiO2 and Si3 N4.</a:t>
-            </a:r>
-          </a:p>
-          <a:p>
-            <a:pPr marL="342900" indent="-342900">
-              <a:spcBef>
-                <a:spcPts val="1200"/>
-              </a:spcBef>
-              <a:spcAft>
-                <a:spcPts val="600"/>
-              </a:spcAft>
-              <a:buClr>
-                <a:srgbClr val="3C74C1"/>
-              </a:buClr>
-              <a:buFont typeface="Arial" panose="020B0604020202020204" pitchFamily="34" charset="0"/>
-              <a:buChar char="•"/>
-            </a:pPr>
-            <a:r>
-              <a:rPr lang="en-US" dirty="0">
-                <a:latin typeface="Constantia" panose="02030602050306030303" pitchFamily="18" charset="0"/>
-              </a:rPr>
-              <a:t>T</a:t>
-            </a:r>
-            <a:r>
-              <a:rPr lang="en-US" dirty="0" smtClean="0">
-                <a:latin typeface="Constantia" panose="02030602050306030303" pitchFamily="18" charset="0"/>
-              </a:rPr>
-              <a:t>he </a:t>
-            </a:r>
-            <a:r>
-              <a:rPr lang="en-US" dirty="0">
-                <a:latin typeface="Constantia" panose="02030602050306030303" pitchFamily="18" charset="0"/>
-              </a:rPr>
-              <a:t>design space is the </a:t>
-            </a:r>
-            <a:r>
-              <a:rPr lang="en-US" dirty="0" smtClean="0">
-                <a:latin typeface="Constantia" panose="02030602050306030303" pitchFamily="18" charset="0"/>
-              </a:rPr>
-              <a:t>thickness </a:t>
-            </a:r>
-            <a:r>
-              <a:rPr lang="en-US" dirty="0">
-                <a:latin typeface="Constantia" panose="02030602050306030303" pitchFamily="18" charset="0"/>
-              </a:rPr>
-              <a:t>of each layer.</a:t>
-            </a:r>
-          </a:p>
-          <a:p>
-            <a:pPr marL="342900" indent="-342900">
-              <a:spcBef>
-                <a:spcPts val="1200"/>
-              </a:spcBef>
-              <a:spcAft>
-                <a:spcPts val="600"/>
-              </a:spcAft>
-              <a:buClr>
-                <a:srgbClr val="3C74C1"/>
-              </a:buClr>
-              <a:buFont typeface="Arial" panose="020B0604020202020204" pitchFamily="34" charset="0"/>
-              <a:buChar char="•"/>
-            </a:pPr>
-            <a:endParaRPr lang="en-US" dirty="0" smtClean="0">
-              <a:latin typeface="Constantia" panose="02030602050306030303" pitchFamily="18" charset="0"/>
-            </a:endParaRPr>
+              <a:t>.</a:t>
+            </a:r>
           </a:p>
         </p:txBody>
       </p:sp>
@@ -12694,16 +12883,25 @@
           <a:lstStyle/>
           <a:p>
             <a:r>
+              <a:rPr lang="en-US" sz="4000" b="1" dirty="0" smtClean="0">
+                <a:solidFill>
+                  <a:schemeClr val="bg1"/>
+                </a:solidFill>
+                <a:latin typeface="Constantia" panose="02030602050306030303" pitchFamily="18" charset="0"/>
+              </a:rPr>
+              <a:t>Design </a:t>
+            </a:r>
+            <a:r>
               <a:rPr lang="en-US" sz="4000" b="1" dirty="0">
                 <a:solidFill>
                   <a:schemeClr val="bg1"/>
                 </a:solidFill>
                 <a:latin typeface="Constantia" panose="02030602050306030303" pitchFamily="18" charset="0"/>
               </a:rPr>
-              <a:t>Design of </a:t>
-            </a:r>
-            <a:r>
-              <a:rPr lang="en-US" sz="4000" b="1" dirty="0" err="1">
+              <a:t>of </a:t>
+            </a:r>
+            <a:r>
+              <a:rPr lang="en-US" sz="4000" b="1" dirty="0" err="1" smtClean="0">
                 <a:solidFill>
                   <a:schemeClr val="bg1"/>
                 </a:solidFill>
@@ -12712,7 +12910,7 @@
               <a:t>Nanophotonic</a:t>
             </a:r>
             <a:r>
-              <a:rPr lang="en-US" sz="4000" b="1" dirty="0">
+              <a:rPr lang="en-US" sz="4000" b="1" dirty="0" smtClean="0">
                 <a:solidFill>
                   <a:schemeClr val="bg1"/>
                 </a:solidFill>
@@ -12731,7 +12929,7 @@
       </p:sp>
       <p:pic>
         <p:nvPicPr>
-          <p:cNvPr id="3" name="Рисунок 2"/>
+          <p:cNvPr id="2" name="Рисунок 1"/>
           <p:cNvPicPr>
             <a:picLocks noChangeAspect="1"/>
           </p:cNvPicPr>
@@ -12745,8 +12943,8 @@
         </p:blipFill>
         <p:spPr>
           <a:xfrm>
-            <a:off x="2092179" y="2873279"/>
-            <a:ext cx="8111248" cy="3612273"/>
+            <a:off x="2202065" y="3061982"/>
+            <a:ext cx="7715098" cy="3272234"/>
           </a:xfrm>
           <a:prstGeom prst="rect">
             <a:avLst/>
@@ -12756,7 +12954,7 @@
     </p:spTree>
     <p:extLst>
       <p:ext uri="{BB962C8B-B14F-4D97-AF65-F5344CB8AC3E}">
-        <p14:creationId xmlns:p14="http://schemas.microsoft.com/office/powerpoint/2010/main" val="3753456380"/>
+        <p14:creationId xmlns:p14="http://schemas.microsoft.com/office/powerpoint/2010/main" val="2565550616"/>
       </p:ext>
     </p:extLst>
   </p:cSld>
@@ -13205,8 +13403,8 @@
           <a:chExt cx="0" cy="0"/>
         </a:xfrm>
       </p:grpSpPr>
-      <mc:AlternateContent xmlns:mc="http://schemas.openxmlformats.org/markup-compatibility/2006" xmlns:a14="http://schemas.microsoft.com/office/drawing/2010/main">
-        <mc:Choice Requires="a14">
+      <mc:AlternateContent xmlns:mc="http://schemas.openxmlformats.org/markup-compatibility/2006">
+        <mc:Choice xmlns:a14="http://schemas.microsoft.com/office/drawing/2010/main" Requires="a14">
           <p:sp>
             <p:nvSpPr>
               <p:cNvPr id="10" name="TextBox 9"/>
@@ -13216,7 +13414,7 @@
             <p:spPr>
               <a:xfrm>
                 <a:off x="727188" y="1027533"/>
-                <a:ext cx="10841230" cy="2339808"/>
+                <a:ext cx="10841230" cy="2198038"/>
               </a:xfrm>
               <a:prstGeom prst="rect">
                 <a:avLst/>
@@ -13562,6 +13760,9 @@
                   </a:rPr>
                   <a:t>.</a:t>
                 </a:r>
+                <a:endParaRPr lang="ru-RU" dirty="0" smtClean="0">
+                  <a:latin typeface="Constantia" panose="02030602050306030303" pitchFamily="18" charset="0"/>
+                </a:endParaRPr>
               </a:p>
               <a:p>
                 <a:pPr marL="342900" indent="-342900">
@@ -13581,70 +13782,203 @@
                   <a:rPr lang="en-US" dirty="0" smtClean="0">
                     <a:latin typeface="Constantia" panose="02030602050306030303" pitchFamily="18" charset="0"/>
                   </a:rPr>
-                  <a:t>The fully-connected NN had 4 layers with number of weights </a:t>
+                  <a:t>Filtering: removing instances </a:t>
+                </a:r>
+                <a:r>
+                  <a:rPr lang="en-US" dirty="0" smtClean="0">
+                    <a:latin typeface="Constantia" panose="02030602050306030303" pitchFamily="18" charset="0"/>
+                  </a:rPr>
+                  <a:t>for which the distance between the transmission spectra </a:t>
+                </a:r>
+                <a14:m>
+                  <m:oMath xmlns:m="http://schemas.openxmlformats.org/officeDocument/2006/math">
+                    <m:f>
+                      <m:fPr>
+                        <m:ctrlPr>
+                          <a:rPr lang="en-US" i="1">
+                            <a:latin typeface="Cambria Math" panose="02040503050406030204" pitchFamily="18" charset="0"/>
+                          </a:rPr>
+                        </m:ctrlPr>
+                      </m:fPr>
+                      <m:num>
+                        <m:r>
+                          <a:rPr lang="en-US" i="1">
+                            <a:latin typeface="Cambria Math" panose="02040503050406030204" pitchFamily="18" charset="0"/>
+                          </a:rPr>
+                          <m:t>1</m:t>
+                        </m:r>
+                      </m:num>
+                      <m:den>
+                        <m:r>
+                          <a:rPr lang="en-US" i="1">
+                            <a:latin typeface="Cambria Math" panose="02040503050406030204" pitchFamily="18" charset="0"/>
+                          </a:rPr>
+                          <m:t>2</m:t>
+                        </m:r>
+                      </m:den>
+                    </m:f>
+                    <m:nary>
+                      <m:naryPr>
+                        <m:chr m:val="∑"/>
+                        <m:supHide m:val="on"/>
+                        <m:ctrlPr>
+                          <a:rPr lang="en-US" i="1">
+                            <a:latin typeface="Cambria Math" panose="02040503050406030204" pitchFamily="18" charset="0"/>
+                          </a:rPr>
+                        </m:ctrlPr>
+                      </m:naryPr>
+                      <m:sub>
+                        <m:r>
+                          <m:rPr>
+                            <m:brk m:alnAt="7"/>
+                          </m:rPr>
+                          <a:rPr lang="en-US" i="1">
+                            <a:latin typeface="Cambria Math" panose="02040503050406030204" pitchFamily="18" charset="0"/>
+                          </a:rPr>
+                          <m:t>𝑖</m:t>
+                        </m:r>
+                      </m:sub>
+                      <m:sup/>
+                      <m:e>
+                        <m:sSup>
+                          <m:sSupPr>
+                            <m:ctrlPr>
+                              <a:rPr lang="en-US" i="1">
+                                <a:latin typeface="Cambria Math" panose="02040503050406030204" pitchFamily="18" charset="0"/>
+                              </a:rPr>
+                            </m:ctrlPr>
+                          </m:sSupPr>
+                          <m:e>
+                            <m:r>
+                              <a:rPr lang="en-US" i="1">
+                                <a:latin typeface="Cambria Math" panose="02040503050406030204" pitchFamily="18" charset="0"/>
+                              </a:rPr>
+                              <m:t>(</m:t>
+                            </m:r>
+                            <m:sSubSup>
+                              <m:sSubSupPr>
+                                <m:ctrlPr>
+                                  <a:rPr lang="en-US" i="1" smtClean="0">
+                                    <a:latin typeface="Cambria Math" panose="02040503050406030204" pitchFamily="18" charset="0"/>
+                                  </a:rPr>
+                                </m:ctrlPr>
+                              </m:sSubSupPr>
+                              <m:e>
+                                <m:r>
+                                  <a:rPr lang="en-US" b="0" i="1" smtClean="0">
+                                    <a:latin typeface="Cambria Math" panose="02040503050406030204" pitchFamily="18" charset="0"/>
+                                  </a:rPr>
+                                  <m:t>𝑅</m:t>
+                                </m:r>
+                              </m:e>
+                              <m:sub>
+                                <m:r>
+                                  <a:rPr lang="en-US" b="0" i="1" smtClean="0">
+                                    <a:latin typeface="Cambria Math" panose="02040503050406030204" pitchFamily="18" charset="0"/>
+                                  </a:rPr>
+                                  <m:t>𝑖</m:t>
+                                </m:r>
+                              </m:sub>
+                              <m:sup>
+                                <m:r>
+                                  <a:rPr lang="en-US" b="0" i="1" smtClean="0">
+                                    <a:latin typeface="Cambria Math" panose="02040503050406030204" pitchFamily="18" charset="0"/>
+                                  </a:rPr>
+                                  <m:t>(1)</m:t>
+                                </m:r>
+                              </m:sup>
+                            </m:sSubSup>
+                            <m:r>
+                              <a:rPr lang="en-US" i="1">
+                                <a:latin typeface="Cambria Math" panose="02040503050406030204" pitchFamily="18" charset="0"/>
+                              </a:rPr>
+                              <m:t>−</m:t>
+                            </m:r>
+                            <m:sSubSup>
+                              <m:sSubSupPr>
+                                <m:ctrlPr>
+                                  <a:rPr lang="en-US" i="1">
+                                    <a:latin typeface="Cambria Math" panose="02040503050406030204" pitchFamily="18" charset="0"/>
+                                  </a:rPr>
+                                </m:ctrlPr>
+                              </m:sSubSupPr>
+                              <m:e>
+                                <m:r>
+                                  <a:rPr lang="en-US" i="1">
+                                    <a:latin typeface="Cambria Math" panose="02040503050406030204" pitchFamily="18" charset="0"/>
+                                  </a:rPr>
+                                  <m:t>𝑅</m:t>
+                                </m:r>
+                              </m:e>
+                              <m:sub>
+                                <m:r>
+                                  <a:rPr lang="en-US" i="1">
+                                    <a:latin typeface="Cambria Math" panose="02040503050406030204" pitchFamily="18" charset="0"/>
+                                  </a:rPr>
+                                  <m:t>𝑖</m:t>
+                                </m:r>
+                              </m:sub>
+                              <m:sup>
+                                <m:r>
+                                  <a:rPr lang="en-US" i="1">
+                                    <a:latin typeface="Cambria Math" panose="02040503050406030204" pitchFamily="18" charset="0"/>
+                                  </a:rPr>
+                                  <m:t>(</m:t>
+                                </m:r>
+                                <m:r>
+                                  <a:rPr lang="en-US" b="0" i="1" smtClean="0">
+                                    <a:latin typeface="Cambria Math" panose="02040503050406030204" pitchFamily="18" charset="0"/>
+                                  </a:rPr>
+                                  <m:t>2</m:t>
+                                </m:r>
+                                <m:r>
+                                  <a:rPr lang="en-US" i="1">
+                                    <a:latin typeface="Cambria Math" panose="02040503050406030204" pitchFamily="18" charset="0"/>
+                                  </a:rPr>
+                                  <m:t>)</m:t>
+                                </m:r>
+                              </m:sup>
+                            </m:sSubSup>
+                            <m:r>
+                              <a:rPr lang="en-US" i="1">
+                                <a:latin typeface="Cambria Math" panose="02040503050406030204" pitchFamily="18" charset="0"/>
+                              </a:rPr>
+                              <m:t>)</m:t>
+                            </m:r>
+                          </m:e>
+                          <m:sup>
+                            <m:r>
+                              <a:rPr lang="en-US" i="1">
+                                <a:latin typeface="Cambria Math" panose="02040503050406030204" pitchFamily="18" charset="0"/>
+                              </a:rPr>
+                              <m:t>2</m:t>
+                            </m:r>
+                          </m:sup>
+                        </m:sSup>
+                      </m:e>
+                    </m:nary>
+                  </m:oMath>
+                </a14:m>
+                <a:r>
+                  <a:rPr lang="en-US" dirty="0" smtClean="0">
+                    <a:latin typeface="Constantia" panose="02030602050306030303" pitchFamily="18" charset="0"/>
+                  </a:rPr>
+                  <a:t> is below </a:t>
                 </a:r>
                 <a:r>
                   <a:rPr lang="en-US" dirty="0">
                     <a:latin typeface="Constantia" panose="02030602050306030303" pitchFamily="18" charset="0"/>
                   </a:rPr>
-                  <a:t>200−500</a:t>
+                  <a:t>a threshold.</a:t>
                 </a:r>
-                <a:r>
-                  <a:rPr lang="en-US" dirty="0" smtClean="0">
-                    <a:latin typeface="Constantia" panose="02030602050306030303" pitchFamily="18" charset="0"/>
-                  </a:rPr>
-                  <a:t>−200</a:t>
-                </a:r>
-                <a:r>
-                  <a:rPr lang="en-US" dirty="0">
-                    <a:latin typeface="Constantia" panose="02030602050306030303" pitchFamily="18" charset="0"/>
-                  </a:rPr>
-                  <a:t>−</a:t>
-                </a:r>
-                <a:r>
-                  <a:rPr lang="en-US" dirty="0" smtClean="0">
-                    <a:latin typeface="Constantia" panose="02030602050306030303" pitchFamily="18" charset="0"/>
-                  </a:rPr>
-                  <a:t>20.</a:t>
-                </a:r>
-              </a:p>
-              <a:p>
-                <a:pPr marL="342900" indent="-342900">
-                  <a:spcBef>
-                    <a:spcPts val="1200"/>
-                  </a:spcBef>
-                  <a:spcAft>
-                    <a:spcPts val="600"/>
-                  </a:spcAft>
-                  <a:buClr>
-                    <a:srgbClr val="3C74C1"/>
-                  </a:buClr>
-                  <a:buFont typeface="Arial" panose="020B0604020202020204" pitchFamily="34" charset="0"/>
-                  <a:buChar char="•"/>
-                </a:pPr>
-                <a:r>
-                  <a:rPr lang="en-US" i="1" dirty="0" smtClean="0">
-                    <a:latin typeface="Constantia" panose="02030602050306030303" pitchFamily="18" charset="0"/>
-                  </a:rPr>
-                  <a:t>Training set: </a:t>
-                </a:r>
-                <a:r>
-                  <a:rPr lang="en-US" i="1" dirty="0">
-                    <a:latin typeface="Constantia" panose="02030602050306030303" pitchFamily="18" charset="0"/>
-                  </a:rPr>
-                  <a:t>500 000 instances, </a:t>
-                </a:r>
-                <a:r>
-                  <a:rPr lang="en-US" i="1" dirty="0" smtClean="0">
-                    <a:latin typeface="Constantia" panose="02030602050306030303" pitchFamily="18" charset="0"/>
-                  </a:rPr>
-                  <a:t>test set: 50000 instances.</a:t>
-                </a:r>
+                <a:endParaRPr lang="en-US" dirty="0" smtClean="0">
+                  <a:latin typeface="Constantia" panose="02030602050306030303" pitchFamily="18" charset="0"/>
+                </a:endParaRPr>
               </a:p>
             </p:txBody>
           </p:sp>
         </mc:Choice>
-        <mc:Fallback xmlns="">
+        <mc:Fallback>
           <p:sp>
             <p:nvSpPr>
               <p:cNvPr id="10" name="TextBox 9"/>
@@ -13656,7 +13990,7 @@
             <p:spPr>
               <a:xfrm>
                 <a:off x="727188" y="1027533"/>
-                <a:ext cx="10841230" cy="2339808"/>
+                <a:ext cx="10841230" cy="2198038"/>
               </a:xfrm>
               <a:prstGeom prst="rect">
                 <a:avLst/>
@@ -13664,7 +13998,7 @@
               <a:blipFill rotWithShape="0">
                 <a:blip r:embed="rId3"/>
                 <a:stretch>
-                  <a:fillRect l="-562" t="-1567" b="-2350"/>
+                  <a:fillRect l="-562" t="-1667" b="-15556"/>
                 </a:stretch>
               </a:blipFill>
             </p:spPr>
@@ -13781,7 +14115,7 @@
         </p:nvGrpSpPr>
         <p:grpSpPr>
           <a:xfrm>
-            <a:off x="1658721" y="3398358"/>
+            <a:off x="1658721" y="3225571"/>
             <a:ext cx="8874557" cy="3986863"/>
             <a:chOff x="1658721" y="3398358"/>
             <a:chExt cx="8874557" cy="3986863"/>
@@ -13963,8 +14297,8 @@
           <a:chExt cx="0" cy="0"/>
         </a:xfrm>
       </p:grpSpPr>
-      <mc:AlternateContent xmlns:mc="http://schemas.openxmlformats.org/markup-compatibility/2006" xmlns:a14="http://schemas.microsoft.com/office/drawing/2010/main">
-        <mc:Choice Requires="a14">
+      <mc:AlternateContent xmlns:mc="http://schemas.openxmlformats.org/markup-compatibility/2006">
+        <mc:Choice xmlns:a14="http://schemas.microsoft.com/office/drawing/2010/main" Requires="a14">
           <p:sp>
             <p:nvSpPr>
               <p:cNvPr id="10" name="TextBox 9"/>
@@ -13999,7 +14333,7 @@
                   </a:buClr>
                 </a:pPr>
                 <a:r>
-                  <a:rPr lang="en-US" sz="2000" b="1" dirty="0" smtClean="0">
+                  <a:rPr lang="en-US" sz="2000" b="1" i="1" dirty="0" smtClean="0">
                     <a:latin typeface="Constantia" panose="02030602050306030303" pitchFamily="18" charset="0"/>
                   </a:rPr>
                   <a:t>Possible solution (ineffective):</a:t>
@@ -14020,25 +14354,25 @@
                   <a:buChar char="•"/>
                 </a:pPr>
                 <a:r>
-                  <a:rPr lang="en-US" dirty="0" smtClean="0">
+                  <a:rPr lang="en-US" i="1" dirty="0" smtClean="0">
                     <a:latin typeface="Constantia" panose="02030602050306030303" pitchFamily="18" charset="0"/>
                   </a:rPr>
                   <a:t>Divide the training </a:t>
                 </a:r>
                 <a:r>
-                  <a:rPr lang="en-US" dirty="0">
+                  <a:rPr lang="en-US" i="1" dirty="0">
                     <a:latin typeface="Constantia" panose="02030602050306030303" pitchFamily="18" charset="0"/>
                   </a:rPr>
                   <a:t>data set into distinct groups, so that within each </a:t>
                 </a:r>
                 <a:r>
-                  <a:rPr lang="en-US" dirty="0" smtClean="0">
+                  <a:rPr lang="en-US" i="1" dirty="0" smtClean="0">
                     <a:latin typeface="Constantia" panose="02030602050306030303" pitchFamily="18" charset="0"/>
                   </a:rPr>
                   <a:t>group there </a:t>
                 </a:r>
                 <a:r>
-                  <a:rPr lang="en-US" dirty="0">
+                  <a:rPr lang="en-US" i="1" dirty="0">
                     <a:latin typeface="Constantia" panose="02030602050306030303" pitchFamily="18" charset="0"/>
                   </a:rPr>
                   <a:t>is unique design </a:t>
@@ -14047,16 +14381,10 @@
                   <a:rPr lang="en-US" i="1" dirty="0" smtClean="0">
                     <a:latin typeface="Constantia" panose="02030602050306030303" pitchFamily="18" charset="0"/>
                   </a:rPr>
-                  <a:t>D</a:t>
+                  <a:t>D </a:t>
                 </a:r>
                 <a:r>
-                  <a:rPr lang="en-US" dirty="0" smtClean="0">
-                    <a:latin typeface="Constantia" panose="02030602050306030303" pitchFamily="18" charset="0"/>
-                  </a:rPr>
-                  <a:t> </a:t>
-                </a:r>
-                <a:r>
-                  <a:rPr lang="en-US" dirty="0">
+                  <a:rPr lang="en-US" i="1" dirty="0">
                     <a:latin typeface="Constantia" panose="02030602050306030303" pitchFamily="18" charset="0"/>
                   </a:rPr>
                   <a:t>corresponding to each response </a:t>
@@ -14083,30 +14411,30 @@
                   <a:buChar char="•"/>
                 </a:pPr>
                 <a:r>
-                  <a:rPr lang="en-US" dirty="0" smtClean="0">
+                  <a:rPr lang="en-US" i="1" dirty="0" smtClean="0">
                     <a:latin typeface="Constantia" panose="02030602050306030303" pitchFamily="18" charset="0"/>
                   </a:rPr>
                   <a:t>However, </a:t>
                 </a:r>
                 <a:r>
-                  <a:rPr lang="en-US" dirty="0">
+                  <a:rPr lang="en-US" i="1" dirty="0">
                     <a:latin typeface="Constantia" panose="02030602050306030303" pitchFamily="18" charset="0"/>
                   </a:rPr>
                   <a:t>there </a:t>
                 </a:r>
                 <a:r>
-                  <a:rPr lang="en-US" dirty="0" smtClean="0">
+                  <a:rPr lang="en-US" i="1" dirty="0" smtClean="0">
                     <a:latin typeface="Constantia" panose="02030602050306030303" pitchFamily="18" charset="0"/>
                   </a:rPr>
                   <a:t>may be implicit conflicting instances in the dataset. </a:t>
                 </a:r>
                 <a:br>
-                  <a:rPr lang="en-US" dirty="0" smtClean="0">
+                  <a:rPr lang="en-US" i="1" dirty="0" smtClean="0">
                     <a:latin typeface="Constantia" panose="02030602050306030303" pitchFamily="18" charset="0"/>
                   </a:rPr>
                 </a:br>
                 <a:r>
-                  <a:rPr lang="en-US" dirty="0" smtClean="0">
+                  <a:rPr lang="en-US" i="1" dirty="0" smtClean="0">
                     <a:latin typeface="Constantia" panose="02030602050306030303" pitchFamily="18" charset="0"/>
                   </a:rPr>
                   <a:t>For example, let </a:t>
@@ -14141,7 +14469,7 @@
                   </m:oMath>
                 </a14:m>
                 <a:r>
-                  <a:rPr lang="en-US" dirty="0" smtClean="0">
+                  <a:rPr lang="en-US" i="1" dirty="0" smtClean="0">
                     <a:latin typeface="Constantia" panose="02030602050306030303" pitchFamily="18" charset="0"/>
                   </a:rPr>
                   <a:t> and </a:t>
@@ -14176,7 +14504,7 @@
                   </m:oMath>
                 </a14:m>
                 <a:r>
-                  <a:rPr lang="en-US" dirty="0" smtClean="0">
+                  <a:rPr lang="en-US" i="1" dirty="0" smtClean="0">
                     <a:latin typeface="Constantia" panose="02030602050306030303" pitchFamily="18" charset="0"/>
                   </a:rPr>
                   <a:t> be self-consistent datasets generated using operators </a:t>
@@ -14231,7 +14559,7 @@
                   </m:oMath>
                 </a14:m>
                 <a:r>
-                  <a:rPr lang="en-US" dirty="0" smtClean="0">
+                  <a:rPr lang="en-US" i="1" dirty="0" smtClean="0">
                     <a:latin typeface="Constantia" panose="02030602050306030303" pitchFamily="18" charset="0"/>
                   </a:rPr>
                   <a:t> and </a:t>
@@ -14286,7 +14614,7 @@
                   </m:oMath>
                 </a14:m>
                 <a:r>
-                  <a:rPr lang="en-US" dirty="0" smtClean="0">
+                  <a:rPr lang="en-US" i="1" dirty="0" smtClean="0">
                     <a:latin typeface="Constantia" panose="02030602050306030303" pitchFamily="18" charset="0"/>
                   </a:rPr>
                   <a:t> that satisfy </a:t>
@@ -14388,7 +14716,7 @@
                   </m:oMath>
                 </a14:m>
                 <a:r>
-                  <a:rPr lang="en-US" dirty="0" smtClean="0">
+                  <a:rPr lang="en-US" i="1" dirty="0" smtClean="0">
                     <a:latin typeface="Constantia" panose="02030602050306030303" pitchFamily="18" charset="0"/>
                   </a:rPr>
                   <a:t> and </a:t>
@@ -14490,7 +14818,7 @@
                   </m:oMath>
                 </a14:m>
                 <a:r>
-                  <a:rPr lang="en-US" dirty="0" smtClean="0">
+                  <a:rPr lang="en-US" i="1" dirty="0" smtClean="0">
                     <a:latin typeface="Constantia" panose="02030602050306030303" pitchFamily="18" charset="0"/>
                   </a:rPr>
                   <a:t>. When </a:t>
@@ -14525,7 +14853,7 @@
                   </m:oMath>
                 </a14:m>
                 <a:r>
-                  <a:rPr lang="en-US" dirty="0">
+                  <a:rPr lang="en-US" i="1" dirty="0">
                     <a:latin typeface="Constantia" panose="02030602050306030303" pitchFamily="18" charset="0"/>
                   </a:rPr>
                   <a:t> and </a:t>
@@ -14560,7 +14888,7 @@
                   </m:oMath>
                 </a14:m>
                 <a:r>
-                  <a:rPr lang="en-US" dirty="0" smtClean="0">
+                  <a:rPr lang="en-US" i="1" dirty="0" smtClean="0">
                     <a:latin typeface="Constantia" panose="02030602050306030303" pitchFamily="18" charset="0"/>
                   </a:rPr>
                   <a:t> are combined to generate a new dataset </a:t>
@@ -14658,7 +14986,7 @@
                   </m:oMath>
                 </a14:m>
                 <a:r>
-                  <a:rPr lang="en-US" dirty="0" smtClean="0">
+                  <a:rPr lang="en-US" i="1" dirty="0" smtClean="0">
                     <a:latin typeface="Constantia" panose="02030602050306030303" pitchFamily="18" charset="0"/>
                   </a:rPr>
                   <a:t>, the dataset </a:t>
@@ -14693,7 +15021,7 @@
                   </m:oMath>
                 </a14:m>
                 <a:r>
-                  <a:rPr lang="en-US" dirty="0" smtClean="0">
+                  <a:rPr lang="en-US" i="1" dirty="0" smtClean="0">
                     <a:latin typeface="Constantia" panose="02030602050306030303" pitchFamily="18" charset="0"/>
                   </a:rPr>
                   <a:t> is not self-consistent.  </a:t>
@@ -14702,7 +15030,7 @@
             </p:txBody>
           </p:sp>
         </mc:Choice>
-        <mc:Fallback xmlns="">
+        <mc:Fallback>
           <p:sp>
             <p:nvSpPr>
               <p:cNvPr id="10" name="TextBox 9"/>

--- a/Training Deep Neural Networks for the Inverse Design of Nanophotonic Structures.pptx
+++ b/Training Deep Neural Networks for the Inverse Design of Nanophotonic Structures.pptx
@@ -5,7 +5,7 @@
     <p:sldMasterId id="2147483648" r:id="rId1"/>
   </p:sldMasterIdLst>
   <p:notesMasterIdLst>
-    <p:notesMasterId r:id="rId23"/>
+    <p:notesMasterId r:id="rId24"/>
   </p:notesMasterIdLst>
   <p:sldIdLst>
     <p:sldId id="256" r:id="rId2"/>
@@ -24,11 +24,12 @@
     <p:sldId id="350" r:id="rId15"/>
     <p:sldId id="351" r:id="rId16"/>
     <p:sldId id="356" r:id="rId17"/>
-    <p:sldId id="352" r:id="rId18"/>
-    <p:sldId id="357" r:id="rId19"/>
+    <p:sldId id="357" r:id="rId18"/>
+    <p:sldId id="362" r:id="rId19"/>
     <p:sldId id="358" r:id="rId20"/>
     <p:sldId id="359" r:id="rId21"/>
     <p:sldId id="361" r:id="rId22"/>
+    <p:sldId id="352" r:id="rId23"/>
   </p:sldIdLst>
   <p:sldSz cx="12192000" cy="6858000"/>
   <p:notesSz cx="6858000" cy="9144000"/>
@@ -281,38 +282,37 @@
           <a:p>
             <a:pPr lvl="0"/>
             <a:r>
-              <a:rPr lang="ru-RU" smtClean="0"/>
+              <a:rPr lang="ru-RU"/>
               <a:t>Образец текста</a:t>
             </a:r>
           </a:p>
           <a:p>
             <a:pPr lvl="1"/>
             <a:r>
-              <a:rPr lang="ru-RU" smtClean="0"/>
+              <a:rPr lang="ru-RU"/>
               <a:t>Второй уровень</a:t>
             </a:r>
           </a:p>
           <a:p>
             <a:pPr lvl="2"/>
             <a:r>
-              <a:rPr lang="ru-RU" smtClean="0"/>
+              <a:rPr lang="ru-RU"/>
               <a:t>Третий уровень</a:t>
             </a:r>
           </a:p>
           <a:p>
             <a:pPr lvl="3"/>
             <a:r>
-              <a:rPr lang="ru-RU" smtClean="0"/>
+              <a:rPr lang="ru-RU"/>
               <a:t>Четвертый уровень</a:t>
             </a:r>
           </a:p>
           <a:p>
             <a:pPr lvl="4"/>
             <a:r>
-              <a:rPr lang="ru-RU" smtClean="0"/>
+              <a:rPr lang="ru-RU"/>
               <a:t>Пятый уровень</a:t>
             </a:r>
-            <a:endParaRPr lang="ru-RU"/>
           </a:p>
         </p:txBody>
       </p:sp>
@@ -529,7 +529,7 @@
           <a:bodyPr/>
           <a:lstStyle/>
           <a:p>
-            <a:endParaRPr lang="ru-RU"/>
+            <a:endParaRPr lang="ru-RU" dirty="0"/>
           </a:p>
         </p:txBody>
       </p:sp>
@@ -1231,7 +1231,7 @@
     </p:spTree>
     <p:extLst>
       <p:ext uri="{BB962C8B-B14F-4D97-AF65-F5344CB8AC3E}">
-        <p14:creationId xmlns:p14="http://schemas.microsoft.com/office/powerpoint/2010/main" val="1275397531"/>
+        <p14:creationId xmlns:p14="http://schemas.microsoft.com/office/powerpoint/2010/main" val="1895023439"/>
       </p:ext>
     </p:extLst>
   </p:cSld>
@@ -1285,7 +1285,7 @@
           <a:bodyPr/>
           <a:lstStyle/>
           <a:p>
-            <a:endParaRPr lang="ru-RU"/>
+            <a:endParaRPr lang="ru-RU" dirty="0"/>
           </a:p>
         </p:txBody>
       </p:sp>
@@ -1315,7 +1315,7 @@
     </p:spTree>
     <p:extLst>
       <p:ext uri="{BB962C8B-B14F-4D97-AF65-F5344CB8AC3E}">
-        <p14:creationId xmlns:p14="http://schemas.microsoft.com/office/powerpoint/2010/main" val="1895023439"/>
+        <p14:creationId xmlns:p14="http://schemas.microsoft.com/office/powerpoint/2010/main" val="950976707"/>
       </p:ext>
     </p:extLst>
   </p:cSld>
@@ -1537,7 +1537,11 @@
           <a:bodyPr/>
           <a:lstStyle/>
           <a:p>
-            <a:endParaRPr lang="ru-RU"/>
+            <a:r>
+              <a:rPr lang="en-US" dirty="0"/>
+              <a:t>Predicted designs are not necessarily similar to actual ones but give similar performance.</a:t>
+            </a:r>
+            <a:endParaRPr lang="ru-RU" dirty="0"/>
           </a:p>
         </p:txBody>
       </p:sp>
@@ -1661,6 +1665,90 @@
 </p:notes>
 </file>
 
+<file path=ppt/notesSlides/notesSlide22.xml><?xml version="1.0" encoding="utf-8"?>
+<p:notes xmlns:a="http://schemas.openxmlformats.org/drawingml/2006/main" xmlns:r="http://schemas.openxmlformats.org/officeDocument/2006/relationships" xmlns:p="http://schemas.openxmlformats.org/presentationml/2006/main">
+  <p:cSld>
+    <p:spTree>
+      <p:nvGrpSpPr>
+        <p:cNvPr id="1" name=""/>
+        <p:cNvGrpSpPr/>
+        <p:nvPr/>
+      </p:nvGrpSpPr>
+      <p:grpSpPr>
+        <a:xfrm>
+          <a:off x="0" y="0"/>
+          <a:ext cx="0" cy="0"/>
+          <a:chOff x="0" y="0"/>
+          <a:chExt cx="0" cy="0"/>
+        </a:xfrm>
+      </p:grpSpPr>
+      <p:sp>
+        <p:nvSpPr>
+          <p:cNvPr id="2" name="Образ слайда 1"/>
+          <p:cNvSpPr>
+            <a:spLocks noGrp="1" noRot="1" noChangeAspect="1"/>
+          </p:cNvSpPr>
+          <p:nvPr>
+            <p:ph type="sldImg"/>
+          </p:nvPr>
+        </p:nvSpPr>
+        <p:spPr/>
+      </p:sp>
+      <p:sp>
+        <p:nvSpPr>
+          <p:cNvPr id="3" name="Заметки 2"/>
+          <p:cNvSpPr>
+            <a:spLocks noGrp="1"/>
+          </p:cNvSpPr>
+          <p:nvPr>
+            <p:ph type="body" idx="1"/>
+          </p:nvPr>
+        </p:nvSpPr>
+        <p:spPr/>
+        <p:txBody>
+          <a:bodyPr/>
+          <a:lstStyle/>
+          <a:p>
+            <a:endParaRPr lang="ru-RU"/>
+          </a:p>
+        </p:txBody>
+      </p:sp>
+      <p:sp>
+        <p:nvSpPr>
+          <p:cNvPr id="4" name="Номер слайда 3"/>
+          <p:cNvSpPr>
+            <a:spLocks noGrp="1"/>
+          </p:cNvSpPr>
+          <p:nvPr>
+            <p:ph type="sldNum" sz="quarter" idx="10"/>
+          </p:nvPr>
+        </p:nvSpPr>
+        <p:spPr/>
+        <p:txBody>
+          <a:bodyPr/>
+          <a:lstStyle/>
+          <a:p>
+            <a:fld id="{4FD013D3-B323-4505-ADAE-3B2D0E446B01}" type="slidenum">
+              <a:rPr lang="ru-RU" smtClean="0"/>
+              <a:t>22</a:t>
+            </a:fld>
+            <a:endParaRPr lang="ru-RU"/>
+          </a:p>
+        </p:txBody>
+      </p:sp>
+    </p:spTree>
+    <p:extLst>
+      <p:ext uri="{BB962C8B-B14F-4D97-AF65-F5344CB8AC3E}">
+        <p14:creationId xmlns:p14="http://schemas.microsoft.com/office/powerpoint/2010/main" val="1275397531"/>
+      </p:ext>
+    </p:extLst>
+  </p:cSld>
+  <p:clrMapOvr>
+    <a:masterClrMapping/>
+  </p:clrMapOvr>
+</p:notes>
+</file>
+
 <file path=ppt/notesSlides/notesSlide3.xml><?xml version="1.0" encoding="utf-8"?>
 <p:notes xmlns:a="http://schemas.openxmlformats.org/drawingml/2006/main" xmlns:r="http://schemas.openxmlformats.org/officeDocument/2006/relationships" xmlns:p="http://schemas.openxmlformats.org/presentationml/2006/main">
   <p:cSld>
@@ -1705,7 +1793,11 @@
           <a:bodyPr/>
           <a:lstStyle/>
           <a:p>
-            <a:endParaRPr lang="ru-RU"/>
+            <a:r>
+              <a:rPr lang="en-US" dirty="0" err="1"/>
+              <a:t>Roza</a:t>
+            </a:r>
+            <a:endParaRPr lang="ru-RU" dirty="0"/>
           </a:p>
         </p:txBody>
       </p:sp>
@@ -1789,7 +1881,11 @@
           <a:bodyPr/>
           <a:lstStyle/>
           <a:p>
-            <a:endParaRPr lang="ru-RU"/>
+            <a:r>
+              <a:rPr lang="en-US" dirty="0"/>
+              <a:t>Fyodor</a:t>
+            </a:r>
+            <a:endParaRPr lang="ru-RU" dirty="0"/>
           </a:p>
         </p:txBody>
       </p:sp>
@@ -1873,7 +1969,11 @@
           <a:bodyPr/>
           <a:lstStyle/>
           <a:p>
-            <a:endParaRPr lang="ru-RU"/>
+            <a:r>
+              <a:rPr lang="en-US" dirty="0" err="1"/>
+              <a:t>Roza</a:t>
+            </a:r>
+            <a:endParaRPr lang="ru-RU" dirty="0"/>
           </a:p>
         </p:txBody>
       </p:sp>
@@ -1957,7 +2057,11 @@
           <a:bodyPr/>
           <a:lstStyle/>
           <a:p>
-            <a:endParaRPr lang="ru-RU"/>
+            <a:r>
+              <a:rPr lang="en-US" dirty="0" err="1"/>
+              <a:t>Roza</a:t>
+            </a:r>
+            <a:endParaRPr lang="ru-RU" dirty="0"/>
           </a:p>
         </p:txBody>
       </p:sp>
@@ -2041,7 +2145,11 @@
           <a:bodyPr/>
           <a:lstStyle/>
           <a:p>
-            <a:endParaRPr lang="ru-RU"/>
+            <a:r>
+              <a:rPr lang="en-US" dirty="0" err="1"/>
+              <a:t>Roza</a:t>
+            </a:r>
+            <a:endParaRPr lang="ru-RU" dirty="0"/>
           </a:p>
         </p:txBody>
       </p:sp>
@@ -2209,7 +2317,77 @@
           <a:bodyPr/>
           <a:lstStyle/>
           <a:p>
-            <a:endParaRPr lang="ru-RU"/>
+            <a:pPr>
+              <a:spcBef>
+                <a:spcPts val="1200"/>
+              </a:spcBef>
+              <a:spcAft>
+                <a:spcPts val="600"/>
+              </a:spcAft>
+              <a:buClr>
+                <a:srgbClr val="3C74C1"/>
+              </a:buClr>
+            </a:pPr>
+            <a:r>
+              <a:rPr lang="en-US" sz="1400" b="1" dirty="0">
+                <a:latin typeface="Constantia" panose="02030602050306030303" pitchFamily="18" charset="0"/>
+              </a:rPr>
+              <a:t>Proposed solution:</a:t>
+            </a:r>
+          </a:p>
+          <a:p>
+            <a:pPr marL="342900" indent="-342900">
+              <a:spcBef>
+                <a:spcPts val="1200"/>
+              </a:spcBef>
+              <a:spcAft>
+                <a:spcPts val="600"/>
+              </a:spcAft>
+              <a:buClr>
+                <a:srgbClr val="3C74C1"/>
+              </a:buClr>
+              <a:buFont typeface="Arial" panose="020B0604020202020204" pitchFamily="34" charset="0"/>
+              <a:buChar char="•"/>
+            </a:pPr>
+            <a:r>
+              <a:rPr lang="en-US" i="1" dirty="0">
+                <a:latin typeface="Constantia" panose="02030602050306030303" pitchFamily="18" charset="0"/>
+              </a:rPr>
+              <a:t>This network structure overcomes the issue of </a:t>
+            </a:r>
+            <a:r>
+              <a:rPr lang="en-US" i="1" dirty="0" err="1">
+                <a:latin typeface="Constantia" panose="02030602050306030303" pitchFamily="18" charset="0"/>
+              </a:rPr>
+              <a:t>nonuniqueness</a:t>
+            </a:r>
+            <a:r>
+              <a:rPr lang="en-US" i="1" dirty="0">
+                <a:latin typeface="Constantia" panose="02030602050306030303" pitchFamily="18" charset="0"/>
+              </a:rPr>
+              <a:t> in the inverse scattering of electromagnetic waves because the design by the neural network is not required to be the same as the real design in training samples. </a:t>
+            </a:r>
+          </a:p>
+          <a:p>
+            <a:pPr marL="342900" indent="-342900">
+              <a:spcBef>
+                <a:spcPts val="1200"/>
+              </a:spcBef>
+              <a:spcAft>
+                <a:spcPts val="600"/>
+              </a:spcAft>
+              <a:buClr>
+                <a:srgbClr val="3C74C1"/>
+              </a:buClr>
+              <a:buFont typeface="Arial" panose="020B0604020202020204" pitchFamily="34" charset="0"/>
+              <a:buChar char="•"/>
+            </a:pPr>
+            <a:r>
+              <a:rPr lang="en-US" i="1" dirty="0">
+                <a:latin typeface="Constantia" panose="02030602050306030303" pitchFamily="18" charset="0"/>
+              </a:rPr>
+              <a:t>Instead, the cost function would be low as long as the generated design and the real design have similar response.</a:t>
+            </a:r>
           </a:p>
         </p:txBody>
       </p:sp>
@@ -2291,10 +2469,9 @@
           </a:lstStyle>
           <a:p>
             <a:r>
-              <a:rPr lang="ru-RU" smtClean="0"/>
+              <a:rPr lang="ru-RU"/>
               <a:t>Образец заголовка</a:t>
             </a:r>
-            <a:endParaRPr lang="ru-RU"/>
           </a:p>
         </p:txBody>
       </p:sp>
@@ -2356,10 +2533,9 @@
           </a:lstStyle>
           <a:p>
             <a:r>
-              <a:rPr lang="ru-RU" smtClean="0"/>
+              <a:rPr lang="ru-RU"/>
               <a:t>Образец подзаголовка</a:t>
             </a:r>
-            <a:endParaRPr lang="ru-RU"/>
           </a:p>
         </p:txBody>
       </p:sp>
@@ -2402,7 +2578,7 @@
           <a:lstStyle/>
           <a:p>
             <a:r>
-              <a:rPr lang="en-US" smtClean="0"/>
+              <a:rPr lang="en-US"/>
               <a:t>bla</a:t>
             </a:r>
             <a:endParaRPr lang="ru-RU"/>
@@ -2478,10 +2654,9 @@
           <a:lstStyle/>
           <a:p>
             <a:r>
-              <a:rPr lang="ru-RU" smtClean="0"/>
+              <a:rPr lang="ru-RU"/>
               <a:t>Образец заголовка</a:t>
             </a:r>
-            <a:endParaRPr lang="ru-RU"/>
           </a:p>
         </p:txBody>
       </p:sp>
@@ -2502,38 +2677,37 @@
           <a:p>
             <a:pPr lvl="0"/>
             <a:r>
-              <a:rPr lang="ru-RU" smtClean="0"/>
+              <a:rPr lang="ru-RU"/>
               <a:t>Образец текста</a:t>
             </a:r>
           </a:p>
           <a:p>
             <a:pPr lvl="1"/>
             <a:r>
-              <a:rPr lang="ru-RU" smtClean="0"/>
+              <a:rPr lang="ru-RU"/>
               <a:t>Второй уровень</a:t>
             </a:r>
           </a:p>
           <a:p>
             <a:pPr lvl="2"/>
             <a:r>
-              <a:rPr lang="ru-RU" smtClean="0"/>
+              <a:rPr lang="ru-RU"/>
               <a:t>Третий уровень</a:t>
             </a:r>
           </a:p>
           <a:p>
             <a:pPr lvl="3"/>
             <a:r>
-              <a:rPr lang="ru-RU" smtClean="0"/>
+              <a:rPr lang="ru-RU"/>
               <a:t>Четвертый уровень</a:t>
             </a:r>
           </a:p>
           <a:p>
             <a:pPr lvl="4"/>
             <a:r>
-              <a:rPr lang="ru-RU" smtClean="0"/>
+              <a:rPr lang="ru-RU"/>
               <a:t>Пятый уровень</a:t>
             </a:r>
-            <a:endParaRPr lang="ru-RU"/>
           </a:p>
         </p:txBody>
       </p:sp>
@@ -2576,7 +2750,7 @@
           <a:lstStyle/>
           <a:p>
             <a:r>
-              <a:rPr lang="en-US" smtClean="0"/>
+              <a:rPr lang="en-US"/>
               <a:t>bla</a:t>
             </a:r>
             <a:endParaRPr lang="ru-RU"/>
@@ -2657,10 +2831,9 @@
           <a:lstStyle/>
           <a:p>
             <a:r>
-              <a:rPr lang="ru-RU" smtClean="0"/>
+              <a:rPr lang="ru-RU"/>
               <a:t>Образец заголовка</a:t>
             </a:r>
-            <a:endParaRPr lang="ru-RU"/>
           </a:p>
         </p:txBody>
       </p:sp>
@@ -2686,38 +2859,37 @@
           <a:p>
             <a:pPr lvl="0"/>
             <a:r>
-              <a:rPr lang="ru-RU" smtClean="0"/>
+              <a:rPr lang="ru-RU"/>
               <a:t>Образец текста</a:t>
             </a:r>
           </a:p>
           <a:p>
             <a:pPr lvl="1"/>
             <a:r>
-              <a:rPr lang="ru-RU" smtClean="0"/>
+              <a:rPr lang="ru-RU"/>
               <a:t>Второй уровень</a:t>
             </a:r>
           </a:p>
           <a:p>
             <a:pPr lvl="2"/>
             <a:r>
-              <a:rPr lang="ru-RU" smtClean="0"/>
+              <a:rPr lang="ru-RU"/>
               <a:t>Третий уровень</a:t>
             </a:r>
           </a:p>
           <a:p>
             <a:pPr lvl="3"/>
             <a:r>
-              <a:rPr lang="ru-RU" smtClean="0"/>
+              <a:rPr lang="ru-RU"/>
               <a:t>Четвертый уровень</a:t>
             </a:r>
           </a:p>
           <a:p>
             <a:pPr lvl="4"/>
             <a:r>
-              <a:rPr lang="ru-RU" smtClean="0"/>
+              <a:rPr lang="ru-RU"/>
               <a:t>Пятый уровень</a:t>
             </a:r>
-            <a:endParaRPr lang="ru-RU"/>
           </a:p>
         </p:txBody>
       </p:sp>
@@ -2760,7 +2932,7 @@
           <a:lstStyle/>
           <a:p>
             <a:r>
-              <a:rPr lang="en-US" smtClean="0"/>
+              <a:rPr lang="en-US"/>
               <a:t>bla</a:t>
             </a:r>
             <a:endParaRPr lang="ru-RU"/>
@@ -2836,10 +3008,9 @@
           <a:lstStyle/>
           <a:p>
             <a:r>
-              <a:rPr lang="ru-RU" smtClean="0"/>
+              <a:rPr lang="ru-RU"/>
               <a:t>Образец заголовка</a:t>
             </a:r>
-            <a:endParaRPr lang="ru-RU"/>
           </a:p>
         </p:txBody>
       </p:sp>
@@ -2860,38 +3031,37 @@
           <a:p>
             <a:pPr lvl="0"/>
             <a:r>
-              <a:rPr lang="ru-RU" smtClean="0"/>
+              <a:rPr lang="ru-RU"/>
               <a:t>Образец текста</a:t>
             </a:r>
           </a:p>
           <a:p>
             <a:pPr lvl="1"/>
             <a:r>
-              <a:rPr lang="ru-RU" smtClean="0"/>
+              <a:rPr lang="ru-RU"/>
               <a:t>Второй уровень</a:t>
             </a:r>
           </a:p>
           <a:p>
             <a:pPr lvl="2"/>
             <a:r>
-              <a:rPr lang="ru-RU" smtClean="0"/>
+              <a:rPr lang="ru-RU"/>
               <a:t>Третий уровень</a:t>
             </a:r>
           </a:p>
           <a:p>
             <a:pPr lvl="3"/>
             <a:r>
-              <a:rPr lang="ru-RU" smtClean="0"/>
+              <a:rPr lang="ru-RU"/>
               <a:t>Четвертый уровень</a:t>
             </a:r>
           </a:p>
           <a:p>
             <a:pPr lvl="4"/>
             <a:r>
-              <a:rPr lang="ru-RU" smtClean="0"/>
+              <a:rPr lang="ru-RU"/>
               <a:t>Пятый уровень</a:t>
             </a:r>
-            <a:endParaRPr lang="ru-RU"/>
           </a:p>
         </p:txBody>
       </p:sp>
@@ -2934,7 +3104,7 @@
           <a:lstStyle/>
           <a:p>
             <a:r>
-              <a:rPr lang="en-US" smtClean="0"/>
+              <a:rPr lang="en-US"/>
               <a:t>bla</a:t>
             </a:r>
             <a:endParaRPr lang="ru-RU"/>
@@ -3019,10 +3189,9 @@
           </a:lstStyle>
           <a:p>
             <a:r>
-              <a:rPr lang="ru-RU" smtClean="0"/>
+              <a:rPr lang="ru-RU"/>
               <a:t>Образец заголовка</a:t>
             </a:r>
-            <a:endParaRPr lang="ru-RU"/>
           </a:p>
         </p:txBody>
       </p:sp>
@@ -3139,7 +3308,7 @@
           <a:p>
             <a:pPr lvl="0"/>
             <a:r>
-              <a:rPr lang="ru-RU" smtClean="0"/>
+              <a:rPr lang="ru-RU"/>
               <a:t>Образец текста</a:t>
             </a:r>
           </a:p>
@@ -3184,7 +3353,7 @@
           <a:lstStyle/>
           <a:p>
             <a:r>
-              <a:rPr lang="en-US" smtClean="0"/>
+              <a:rPr lang="en-US"/>
               <a:t>bla</a:t>
             </a:r>
             <a:endParaRPr lang="ru-RU"/>
@@ -3260,10 +3429,9 @@
           <a:lstStyle/>
           <a:p>
             <a:r>
-              <a:rPr lang="ru-RU" smtClean="0"/>
+              <a:rPr lang="ru-RU"/>
               <a:t>Образец заголовка</a:t>
             </a:r>
-            <a:endParaRPr lang="ru-RU"/>
           </a:p>
         </p:txBody>
       </p:sp>
@@ -3289,38 +3457,37 @@
           <a:p>
             <a:pPr lvl="0"/>
             <a:r>
-              <a:rPr lang="ru-RU" smtClean="0"/>
+              <a:rPr lang="ru-RU"/>
               <a:t>Образец текста</a:t>
             </a:r>
           </a:p>
           <a:p>
             <a:pPr lvl="1"/>
             <a:r>
-              <a:rPr lang="ru-RU" smtClean="0"/>
+              <a:rPr lang="ru-RU"/>
               <a:t>Второй уровень</a:t>
             </a:r>
           </a:p>
           <a:p>
             <a:pPr lvl="2"/>
             <a:r>
-              <a:rPr lang="ru-RU" smtClean="0"/>
+              <a:rPr lang="ru-RU"/>
               <a:t>Третий уровень</a:t>
             </a:r>
           </a:p>
           <a:p>
             <a:pPr lvl="3"/>
             <a:r>
-              <a:rPr lang="ru-RU" smtClean="0"/>
+              <a:rPr lang="ru-RU"/>
               <a:t>Четвертый уровень</a:t>
             </a:r>
           </a:p>
           <a:p>
             <a:pPr lvl="4"/>
             <a:r>
-              <a:rPr lang="ru-RU" smtClean="0"/>
+              <a:rPr lang="ru-RU"/>
               <a:t>Пятый уровень</a:t>
             </a:r>
-            <a:endParaRPr lang="ru-RU"/>
           </a:p>
         </p:txBody>
       </p:sp>
@@ -3346,38 +3513,37 @@
           <a:p>
             <a:pPr lvl="0"/>
             <a:r>
-              <a:rPr lang="ru-RU" smtClean="0"/>
+              <a:rPr lang="ru-RU"/>
               <a:t>Образец текста</a:t>
             </a:r>
           </a:p>
           <a:p>
             <a:pPr lvl="1"/>
             <a:r>
-              <a:rPr lang="ru-RU" smtClean="0"/>
+              <a:rPr lang="ru-RU"/>
               <a:t>Второй уровень</a:t>
             </a:r>
           </a:p>
           <a:p>
             <a:pPr lvl="2"/>
             <a:r>
-              <a:rPr lang="ru-RU" smtClean="0"/>
+              <a:rPr lang="ru-RU"/>
               <a:t>Третий уровень</a:t>
             </a:r>
           </a:p>
           <a:p>
             <a:pPr lvl="3"/>
             <a:r>
-              <a:rPr lang="ru-RU" smtClean="0"/>
+              <a:rPr lang="ru-RU"/>
               <a:t>Четвертый уровень</a:t>
             </a:r>
           </a:p>
           <a:p>
             <a:pPr lvl="4"/>
             <a:r>
-              <a:rPr lang="ru-RU" smtClean="0"/>
+              <a:rPr lang="ru-RU"/>
               <a:t>Пятый уровень</a:t>
             </a:r>
-            <a:endParaRPr lang="ru-RU"/>
           </a:p>
         </p:txBody>
       </p:sp>
@@ -3420,7 +3586,7 @@
           <a:lstStyle/>
           <a:p>
             <a:r>
-              <a:rPr lang="en-US" smtClean="0"/>
+              <a:rPr lang="en-US"/>
               <a:t>bla</a:t>
             </a:r>
             <a:endParaRPr lang="ru-RU"/>
@@ -3501,10 +3667,9 @@
           <a:lstStyle/>
           <a:p>
             <a:r>
-              <a:rPr lang="ru-RU" smtClean="0"/>
+              <a:rPr lang="ru-RU"/>
               <a:t>Образец заголовка</a:t>
             </a:r>
-            <a:endParaRPr lang="ru-RU"/>
           </a:p>
         </p:txBody>
       </p:sp>
@@ -3567,7 +3732,7 @@
           <a:p>
             <a:pPr lvl="0"/>
             <a:r>
-              <a:rPr lang="ru-RU" smtClean="0"/>
+              <a:rPr lang="ru-RU"/>
               <a:t>Образец текста</a:t>
             </a:r>
           </a:p>
@@ -3595,38 +3760,37 @@
           <a:p>
             <a:pPr lvl="0"/>
             <a:r>
-              <a:rPr lang="ru-RU" smtClean="0"/>
+              <a:rPr lang="ru-RU"/>
               <a:t>Образец текста</a:t>
             </a:r>
           </a:p>
           <a:p>
             <a:pPr lvl="1"/>
             <a:r>
-              <a:rPr lang="ru-RU" smtClean="0"/>
+              <a:rPr lang="ru-RU"/>
               <a:t>Второй уровень</a:t>
             </a:r>
           </a:p>
           <a:p>
             <a:pPr lvl="2"/>
             <a:r>
-              <a:rPr lang="ru-RU" smtClean="0"/>
+              <a:rPr lang="ru-RU"/>
               <a:t>Третий уровень</a:t>
             </a:r>
           </a:p>
           <a:p>
             <a:pPr lvl="3"/>
             <a:r>
-              <a:rPr lang="ru-RU" smtClean="0"/>
+              <a:rPr lang="ru-RU"/>
               <a:t>Четвертый уровень</a:t>
             </a:r>
           </a:p>
           <a:p>
             <a:pPr lvl="4"/>
             <a:r>
-              <a:rPr lang="ru-RU" smtClean="0"/>
+              <a:rPr lang="ru-RU"/>
               <a:t>Пятый уровень</a:t>
             </a:r>
-            <a:endParaRPr lang="ru-RU"/>
           </a:p>
         </p:txBody>
       </p:sp>
@@ -3689,7 +3853,7 @@
           <a:p>
             <a:pPr lvl="0"/>
             <a:r>
-              <a:rPr lang="ru-RU" smtClean="0"/>
+              <a:rPr lang="ru-RU"/>
               <a:t>Образец текста</a:t>
             </a:r>
           </a:p>
@@ -3717,38 +3881,37 @@
           <a:p>
             <a:pPr lvl="0"/>
             <a:r>
-              <a:rPr lang="ru-RU" smtClean="0"/>
+              <a:rPr lang="ru-RU"/>
               <a:t>Образец текста</a:t>
             </a:r>
           </a:p>
           <a:p>
             <a:pPr lvl="1"/>
             <a:r>
-              <a:rPr lang="ru-RU" smtClean="0"/>
+              <a:rPr lang="ru-RU"/>
               <a:t>Второй уровень</a:t>
             </a:r>
           </a:p>
           <a:p>
             <a:pPr lvl="2"/>
             <a:r>
-              <a:rPr lang="ru-RU" smtClean="0"/>
+              <a:rPr lang="ru-RU"/>
               <a:t>Третий уровень</a:t>
             </a:r>
           </a:p>
           <a:p>
             <a:pPr lvl="3"/>
             <a:r>
-              <a:rPr lang="ru-RU" smtClean="0"/>
+              <a:rPr lang="ru-RU"/>
               <a:t>Четвертый уровень</a:t>
             </a:r>
           </a:p>
           <a:p>
             <a:pPr lvl="4"/>
             <a:r>
-              <a:rPr lang="ru-RU" smtClean="0"/>
+              <a:rPr lang="ru-RU"/>
               <a:t>Пятый уровень</a:t>
             </a:r>
-            <a:endParaRPr lang="ru-RU"/>
           </a:p>
         </p:txBody>
       </p:sp>
@@ -3791,7 +3954,7 @@
           <a:lstStyle/>
           <a:p>
             <a:r>
-              <a:rPr lang="en-US" smtClean="0"/>
+              <a:rPr lang="en-US"/>
               <a:t>bla</a:t>
             </a:r>
             <a:endParaRPr lang="ru-RU"/>
@@ -3867,10 +4030,9 @@
           <a:lstStyle/>
           <a:p>
             <a:r>
-              <a:rPr lang="ru-RU" smtClean="0"/>
+              <a:rPr lang="ru-RU"/>
               <a:t>Образец заголовка</a:t>
             </a:r>
-            <a:endParaRPr lang="ru-RU"/>
           </a:p>
         </p:txBody>
       </p:sp>
@@ -3913,7 +4075,7 @@
           <a:lstStyle/>
           <a:p>
             <a:r>
-              <a:rPr lang="en-US" smtClean="0"/>
+              <a:rPr lang="en-US"/>
               <a:t>bla</a:t>
             </a:r>
             <a:endParaRPr lang="ru-RU"/>
@@ -4012,7 +4174,7 @@
           <a:lstStyle/>
           <a:p>
             <a:r>
-              <a:rPr lang="en-US" smtClean="0"/>
+              <a:rPr lang="en-US"/>
               <a:t>bla</a:t>
             </a:r>
             <a:endParaRPr lang="ru-RU"/>
@@ -4097,10 +4259,9 @@
           </a:lstStyle>
           <a:p>
             <a:r>
-              <a:rPr lang="ru-RU" smtClean="0"/>
+              <a:rPr lang="ru-RU"/>
               <a:t>Образец заголовка</a:t>
             </a:r>
-            <a:endParaRPr lang="ru-RU"/>
           </a:p>
         </p:txBody>
       </p:sp>
@@ -4154,38 +4315,37 @@
           <a:p>
             <a:pPr lvl="0"/>
             <a:r>
-              <a:rPr lang="ru-RU" smtClean="0"/>
+              <a:rPr lang="ru-RU"/>
               <a:t>Образец текста</a:t>
             </a:r>
           </a:p>
           <a:p>
             <a:pPr lvl="1"/>
             <a:r>
-              <a:rPr lang="ru-RU" smtClean="0"/>
+              <a:rPr lang="ru-RU"/>
               <a:t>Второй уровень</a:t>
             </a:r>
           </a:p>
           <a:p>
             <a:pPr lvl="2"/>
             <a:r>
-              <a:rPr lang="ru-RU" smtClean="0"/>
+              <a:rPr lang="ru-RU"/>
               <a:t>Третий уровень</a:t>
             </a:r>
           </a:p>
           <a:p>
             <a:pPr lvl="3"/>
             <a:r>
-              <a:rPr lang="ru-RU" smtClean="0"/>
+              <a:rPr lang="ru-RU"/>
               <a:t>Четвертый уровень</a:t>
             </a:r>
           </a:p>
           <a:p>
             <a:pPr lvl="4"/>
             <a:r>
-              <a:rPr lang="ru-RU" smtClean="0"/>
+              <a:rPr lang="ru-RU"/>
               <a:t>Пятый уровень</a:t>
             </a:r>
-            <a:endParaRPr lang="ru-RU"/>
           </a:p>
         </p:txBody>
       </p:sp>
@@ -4248,7 +4408,7 @@
           <a:p>
             <a:pPr lvl="0"/>
             <a:r>
-              <a:rPr lang="ru-RU" smtClean="0"/>
+              <a:rPr lang="ru-RU"/>
               <a:t>Образец текста</a:t>
             </a:r>
           </a:p>
@@ -4293,7 +4453,7 @@
           <a:lstStyle/>
           <a:p>
             <a:r>
-              <a:rPr lang="en-US" smtClean="0"/>
+              <a:rPr lang="en-US"/>
               <a:t>bla</a:t>
             </a:r>
             <a:endParaRPr lang="ru-RU"/>
@@ -4378,10 +4538,9 @@
           </a:lstStyle>
           <a:p>
             <a:r>
-              <a:rPr lang="ru-RU" smtClean="0"/>
+              <a:rPr lang="ru-RU"/>
               <a:t>Образец заголовка</a:t>
             </a:r>
-            <a:endParaRPr lang="ru-RU"/>
           </a:p>
         </p:txBody>
       </p:sp>
@@ -4505,7 +4664,7 @@
           <a:p>
             <a:pPr lvl="0"/>
             <a:r>
-              <a:rPr lang="ru-RU" smtClean="0"/>
+              <a:rPr lang="ru-RU"/>
               <a:t>Образец текста</a:t>
             </a:r>
           </a:p>
@@ -4550,7 +4709,7 @@
           <a:lstStyle/>
           <a:p>
             <a:r>
-              <a:rPr lang="en-US" smtClean="0"/>
+              <a:rPr lang="en-US"/>
               <a:t>bla</a:t>
             </a:r>
             <a:endParaRPr lang="ru-RU"/>
@@ -4641,10 +4800,9 @@
           <a:lstStyle/>
           <a:p>
             <a:r>
-              <a:rPr lang="ru-RU" smtClean="0"/>
+              <a:rPr lang="ru-RU"/>
               <a:t>Образец заголовка</a:t>
             </a:r>
-            <a:endParaRPr lang="ru-RU"/>
           </a:p>
         </p:txBody>
       </p:sp>
@@ -4675,38 +4833,37 @@
           <a:p>
             <a:pPr lvl="0"/>
             <a:r>
-              <a:rPr lang="ru-RU" smtClean="0"/>
+              <a:rPr lang="ru-RU"/>
               <a:t>Образец текста</a:t>
             </a:r>
           </a:p>
           <a:p>
             <a:pPr lvl="1"/>
             <a:r>
-              <a:rPr lang="ru-RU" smtClean="0"/>
+              <a:rPr lang="ru-RU"/>
               <a:t>Второй уровень</a:t>
             </a:r>
           </a:p>
           <a:p>
             <a:pPr lvl="2"/>
             <a:r>
-              <a:rPr lang="ru-RU" smtClean="0"/>
+              <a:rPr lang="ru-RU"/>
               <a:t>Третий уровень</a:t>
             </a:r>
           </a:p>
           <a:p>
             <a:pPr lvl="3"/>
             <a:r>
-              <a:rPr lang="ru-RU" smtClean="0"/>
+              <a:rPr lang="ru-RU"/>
               <a:t>Четвертый уровень</a:t>
             </a:r>
           </a:p>
           <a:p>
             <a:pPr lvl="4"/>
             <a:r>
-              <a:rPr lang="ru-RU" smtClean="0"/>
+              <a:rPr lang="ru-RU"/>
               <a:t>Пятый уровень</a:t>
             </a:r>
-            <a:endParaRPr lang="ru-RU"/>
           </a:p>
         </p:txBody>
       </p:sp>
@@ -4785,7 +4942,7 @@
           </a:lstStyle>
           <a:p>
             <a:r>
-              <a:rPr lang="en-US" smtClean="0"/>
+              <a:rPr lang="en-US"/>
               <a:t>bla</a:t>
             </a:r>
             <a:endParaRPr lang="ru-RU"/>
@@ -5186,7 +5343,7 @@
           <a:lstStyle/>
           <a:p>
             <a:r>
-              <a:rPr lang="en-US" sz="2000" b="1" u="sng" dirty="0" smtClean="0">
+              <a:rPr lang="en-US" sz="2000" b="1" u="sng" dirty="0">
                 <a:latin typeface="Constantia" panose="02030602050306030303" pitchFamily="18" charset="0"/>
                 <a:cs typeface="Calibri" panose="020F0502020204030204" pitchFamily="34" charset="0"/>
               </a:rPr>
@@ -5195,41 +5352,41 @@
           </a:p>
           <a:p>
             <a:r>
-              <a:rPr lang="en-US" sz="2000" b="1" dirty="0" smtClean="0">
+              <a:rPr lang="en-US" sz="2000" b="1" dirty="0">
                 <a:latin typeface="Constantia" panose="02030602050306030303" pitchFamily="18" charset="0"/>
                 <a:cs typeface="Calibri" panose="020F0502020204030204" pitchFamily="34" charset="0"/>
               </a:rPr>
               <a:t>Fyodor </a:t>
             </a:r>
             <a:r>
-              <a:rPr lang="en-US" sz="2000" b="1" dirty="0" err="1" smtClean="0">
+              <a:rPr lang="en-US" sz="2000" b="1" dirty="0" err="1">
                 <a:latin typeface="Constantia" panose="02030602050306030303" pitchFamily="18" charset="0"/>
                 <a:cs typeface="Calibri" panose="020F0502020204030204" pitchFamily="34" charset="0"/>
               </a:rPr>
               <a:t>Morozko</a:t>
             </a:r>
-            <a:endParaRPr lang="en-US" sz="2000" b="1" dirty="0" smtClean="0">
+            <a:endParaRPr lang="en-US" sz="2000" b="1" dirty="0">
               <a:latin typeface="Constantia" panose="02030602050306030303" pitchFamily="18" charset="0"/>
               <a:cs typeface="Calibri" panose="020F0502020204030204" pitchFamily="34" charset="0"/>
             </a:endParaRPr>
           </a:p>
           <a:p>
             <a:r>
-              <a:rPr lang="en-US" sz="2000" b="1" dirty="0" err="1" smtClean="0">
+              <a:rPr lang="en-US" sz="2000" b="1" dirty="0" err="1">
                 <a:latin typeface="Constantia" panose="02030602050306030303" pitchFamily="18" charset="0"/>
                 <a:cs typeface="Calibri" panose="020F0502020204030204" pitchFamily="34" charset="0"/>
               </a:rPr>
               <a:t>Roza</a:t>
             </a:r>
             <a:r>
-              <a:rPr lang="en-US" sz="2000" b="1" dirty="0" smtClean="0">
+              <a:rPr lang="en-US" sz="2000" b="1" dirty="0">
                 <a:latin typeface="Constantia" panose="02030602050306030303" pitchFamily="18" charset="0"/>
                 <a:cs typeface="Calibri" panose="020F0502020204030204" pitchFamily="34" charset="0"/>
               </a:rPr>
               <a:t> </a:t>
             </a:r>
             <a:r>
-              <a:rPr lang="en-US" sz="2000" b="1" dirty="0" err="1" smtClean="0">
+              <a:rPr lang="en-US" sz="2000" b="1" dirty="0" err="1">
                 <a:latin typeface="Constantia" panose="02030602050306030303" pitchFamily="18" charset="0"/>
                 <a:cs typeface="Calibri" panose="020F0502020204030204" pitchFamily="34" charset="0"/>
               </a:rPr>
@@ -5348,18 +5505,11 @@
   <p:clrMapOvr>
     <a:masterClrMapping/>
   </p:clrMapOvr>
-  <p:timing>
-    <p:tnLst>
-      <p:par>
-        <p:cTn id="1" dur="indefinite" restart="never" nodeType="tmRoot"/>
-      </p:par>
-    </p:tnLst>
-  </p:timing>
 </p:sld>
 </file>
 
 <file path=ppt/slides/slide10.xml><?xml version="1.0" encoding="utf-8"?>
-<p:sld xmlns:a="http://schemas.openxmlformats.org/drawingml/2006/main" xmlns:r="http://schemas.openxmlformats.org/officeDocument/2006/relationships" xmlns:p="http://schemas.openxmlformats.org/presentationml/2006/main">
+<p:sld xmlns:a="http://schemas.openxmlformats.org/drawingml/2006/main" xmlns:r="http://schemas.openxmlformats.org/officeDocument/2006/relationships" xmlns:p="http://schemas.openxmlformats.org/presentationml/2006/main" show="0">
   <p:cSld>
     <p:spTree>
       <p:nvGrpSpPr>
@@ -5430,68 +5580,23 @@
               <a:buChar char="•"/>
             </a:pPr>
             <a:r>
-              <a:rPr lang="en-US" i="1" dirty="0" smtClean="0">
-                <a:latin typeface="Constantia" panose="02030602050306030303" pitchFamily="18" charset="0"/>
-              </a:rPr>
-              <a:t>This </a:t>
-            </a:r>
-            <a:r>
               <a:rPr lang="en-US" i="1" dirty="0">
                 <a:latin typeface="Constantia" panose="02030602050306030303" pitchFamily="18" charset="0"/>
               </a:rPr>
-              <a:t>network structure overcomes the issue </a:t>
-            </a:r>
-            <a:r>
-              <a:rPr lang="en-US" i="1" dirty="0" smtClean="0">
-                <a:latin typeface="Constantia" panose="02030602050306030303" pitchFamily="18" charset="0"/>
-              </a:rPr>
-              <a:t>of </a:t>
-            </a:r>
-            <a:r>
-              <a:rPr lang="en-US" i="1" dirty="0" err="1" smtClean="0">
+              <a:t>This network structure overcomes the issue of </a:t>
+            </a:r>
+            <a:r>
+              <a:rPr lang="en-US" i="1" dirty="0" err="1">
                 <a:latin typeface="Constantia" panose="02030602050306030303" pitchFamily="18" charset="0"/>
               </a:rPr>
               <a:t>nonuniqueness</a:t>
             </a:r>
             <a:r>
-              <a:rPr lang="en-US" i="1" dirty="0" smtClean="0">
-                <a:latin typeface="Constantia" panose="02030602050306030303" pitchFamily="18" charset="0"/>
-              </a:rPr>
-              <a:t> </a:t>
-            </a:r>
-            <a:r>
               <a:rPr lang="en-US" i="1" dirty="0">
                 <a:latin typeface="Constantia" panose="02030602050306030303" pitchFamily="18" charset="0"/>
               </a:rPr>
-              <a:t>in the inverse scattering of </a:t>
-            </a:r>
-            <a:r>
-              <a:rPr lang="en-US" i="1" dirty="0" smtClean="0">
-                <a:latin typeface="Constantia" panose="02030602050306030303" pitchFamily="18" charset="0"/>
-              </a:rPr>
-              <a:t>electromagnetic waves </a:t>
-            </a:r>
-            <a:r>
-              <a:rPr lang="en-US" i="1" dirty="0">
-                <a:latin typeface="Constantia" panose="02030602050306030303" pitchFamily="18" charset="0"/>
-              </a:rPr>
-              <a:t>because the design by the neural network is not </a:t>
-            </a:r>
-            <a:r>
-              <a:rPr lang="en-US" i="1" dirty="0" smtClean="0">
-                <a:latin typeface="Constantia" panose="02030602050306030303" pitchFamily="18" charset="0"/>
-              </a:rPr>
-              <a:t>required to </a:t>
-            </a:r>
-            <a:r>
-              <a:rPr lang="en-US" i="1" dirty="0">
-                <a:latin typeface="Constantia" panose="02030602050306030303" pitchFamily="18" charset="0"/>
-              </a:rPr>
-              <a:t>be the same as the real design in training samples. </a:t>
-            </a:r>
-            <a:endParaRPr lang="en-US" i="1" dirty="0" smtClean="0">
-              <a:latin typeface="Constantia" panose="02030602050306030303" pitchFamily="18" charset="0"/>
-            </a:endParaRPr>
+              <a:t> in the inverse scattering of electromagnetic waves because the design by the neural network is not required to be the same as the real design in training samples. </a:t>
+            </a:r>
           </a:p>
           <a:p>
             <a:pPr marL="342900" indent="-342900">
@@ -5508,32 +5613,11 @@
               <a:buChar char="•"/>
             </a:pPr>
             <a:r>
-              <a:rPr lang="en-US" i="1" dirty="0" smtClean="0">
-                <a:latin typeface="Constantia" panose="02030602050306030303" pitchFamily="18" charset="0"/>
-              </a:rPr>
-              <a:t>Instead, the </a:t>
-            </a:r>
-            <a:r>
               <a:rPr lang="en-US" i="1" dirty="0">
                 <a:latin typeface="Constantia" panose="02030602050306030303" pitchFamily="18" charset="0"/>
               </a:rPr>
-              <a:t>cost function would be low as long as the generated </a:t>
-            </a:r>
-            <a:r>
-              <a:rPr lang="en-US" i="1" dirty="0" smtClean="0">
-                <a:latin typeface="Constantia" panose="02030602050306030303" pitchFamily="18" charset="0"/>
-              </a:rPr>
-              <a:t>design and </a:t>
-            </a:r>
-            <a:r>
-              <a:rPr lang="en-US" i="1" dirty="0">
-                <a:latin typeface="Constantia" panose="02030602050306030303" pitchFamily="18" charset="0"/>
-              </a:rPr>
-              <a:t>the real design have similar response.</a:t>
-            </a:r>
-            <a:endParaRPr lang="en-US" i="1" dirty="0" smtClean="0">
-              <a:latin typeface="Constantia" panose="02030602050306030303" pitchFamily="18" charset="0"/>
-            </a:endParaRPr>
+              <a:t>Instead, the cost function would be low as long as the generated design and the real design have similar response.</a:t>
+            </a:r>
           </a:p>
         </p:txBody>
       </p:sp>
@@ -5610,7 +5694,7 @@
           <a:lstStyle/>
           <a:p>
             <a:r>
-              <a:rPr lang="en-US" sz="4000" b="1" dirty="0" smtClean="0">
+              <a:rPr lang="en-US" sz="4000" b="1" dirty="0">
                 <a:solidFill>
                   <a:schemeClr val="bg1"/>
                 </a:solidFill>
@@ -5661,13 +5745,6 @@
   <p:clrMapOvr>
     <a:masterClrMapping/>
   </p:clrMapOvr>
-  <p:timing>
-    <p:tnLst>
-      <p:par>
-        <p:cTn id="1" dur="indefinite" restart="never" nodeType="tmRoot"/>
-      </p:par>
-    </p:tnLst>
-  </p:timing>
 </p:sld>
 </file>
 
@@ -5722,7 +5799,7 @@
               </a:buClr>
             </a:pPr>
             <a:r>
-              <a:rPr lang="en-US" sz="2000" b="1" dirty="0" smtClean="0">
+              <a:rPr lang="en-US" sz="2000" b="1" dirty="0">
                 <a:latin typeface="Constantia" panose="02030602050306030303" pitchFamily="18" charset="0"/>
               </a:rPr>
               <a:t>Training a tandem network:</a:t>
@@ -5746,39 +5823,9 @@
               <a:rPr lang="en-US" dirty="0">
                 <a:latin typeface="Constantia" panose="02030602050306030303" pitchFamily="18" charset="0"/>
               </a:rPr>
-              <a:t>The </a:t>
-            </a:r>
-            <a:r>
-              <a:rPr lang="en-US" dirty="0" smtClean="0">
-                <a:latin typeface="Constantia" panose="02030602050306030303" pitchFamily="18" charset="0"/>
-              </a:rPr>
-              <a:t>inverse network </a:t>
-            </a:r>
-            <a:r>
-              <a:rPr lang="en-US" dirty="0">
-                <a:latin typeface="Constantia" panose="02030602050306030303" pitchFamily="18" charset="0"/>
-              </a:rPr>
-              <a:t>architecture is set to have four layers with each </a:t>
-            </a:r>
-            <a:r>
-              <a:rPr lang="en-US" dirty="0" smtClean="0">
-                <a:latin typeface="Constantia" panose="02030602050306030303" pitchFamily="18" charset="0"/>
-              </a:rPr>
-              <a:t>layer having </a:t>
-            </a:r>
-            <a:r>
-              <a:rPr lang="en-US" dirty="0">
-                <a:latin typeface="Constantia" panose="02030602050306030303" pitchFamily="18" charset="0"/>
-              </a:rPr>
-              <a:t>200−500−200−20 units</a:t>
-            </a:r>
-            <a:r>
-              <a:rPr lang="en-US" dirty="0" smtClean="0">
-                <a:latin typeface="Constantia" panose="02030602050306030303" pitchFamily="18" charset="0"/>
-              </a:rPr>
-              <a:t>.</a:t>
-            </a:r>
-            <a:endParaRPr lang="ru-RU" dirty="0" smtClean="0">
+              <a:t>The inverse network architecture is set to have four layers with each layer having 200−500−200−20 units.</a:t>
+            </a:r>
+            <a:endParaRPr lang="ru-RU" dirty="0">
               <a:latin typeface="Constantia" panose="02030602050306030303" pitchFamily="18" charset="0"/>
             </a:endParaRPr>
           </a:p>
@@ -5817,7 +5864,7 @@
               <a:buFont typeface="Arial" panose="020B0604020202020204" pitchFamily="34" charset="0"/>
               <a:buChar char="•"/>
             </a:pPr>
-            <a:endParaRPr lang="en-US" dirty="0" smtClean="0">
+            <a:endParaRPr lang="en-US" dirty="0">
               <a:latin typeface="Constantia" panose="02030602050306030303" pitchFamily="18" charset="0"/>
             </a:endParaRPr>
           </a:p>
@@ -5946,13 +5993,6 @@
   <p:clrMapOvr>
     <a:masterClrMapping/>
   </p:clrMapOvr>
-  <p:timing>
-    <p:tnLst>
-      <p:par>
-        <p:cTn id="1" dur="indefinite" restart="never" nodeType="tmRoot"/>
-      </p:par>
-    </p:tnLst>
-  </p:timing>
 </p:sld>
 </file>
 
@@ -6007,7 +6047,7 @@
               </a:buClr>
             </a:pPr>
             <a:r>
-              <a:rPr lang="en-US" sz="2000" b="1" dirty="0" smtClean="0">
+              <a:rPr lang="en-US" sz="2000" b="1" dirty="0">
                 <a:latin typeface="Constantia" panose="02030602050306030303" pitchFamily="18" charset="0"/>
               </a:rPr>
               <a:t>Training a forward-modeling network:</a:t>
@@ -6028,18 +6068,18 @@
               <a:buChar char="•"/>
             </a:pPr>
             <a:r>
-              <a:rPr lang="en-US" dirty="0" smtClean="0">
+              <a:rPr lang="en-US" dirty="0">
                 <a:latin typeface="Constantia" panose="02030602050306030303" pitchFamily="18" charset="0"/>
               </a:rPr>
               <a:t>The number of hidden layers and weights in them can be varied</a:t>
             </a:r>
             <a:r>
-              <a:rPr lang="en-US" i="1" dirty="0" smtClean="0">
+              <a:rPr lang="en-US" i="1" dirty="0">
                 <a:latin typeface="Constantia" panose="02030602050306030303" pitchFamily="18" charset="0"/>
               </a:rPr>
               <a:t>.</a:t>
             </a:r>
-            <a:endParaRPr lang="en-US" sz="2000" b="1" dirty="0" smtClean="0">
+            <a:endParaRPr lang="en-US" sz="2000" b="1" dirty="0">
               <a:latin typeface="Constantia" panose="02030602050306030303" pitchFamily="18" charset="0"/>
             </a:endParaRPr>
           </a:p>
@@ -6157,13 +6197,13 @@
           <a:lstStyle/>
           <a:p>
             <a:r>
-              <a:rPr lang="ru-RU" dirty="0" err="1" smtClean="0">
+              <a:rPr lang="ru-RU" dirty="0" err="1">
                 <a:latin typeface="Constantia" panose="02030602050306030303" pitchFamily="18" charset="0"/>
               </a:rPr>
               <a:t>Architecture</a:t>
             </a:r>
             <a:r>
-              <a:rPr lang="ru-RU" dirty="0" smtClean="0">
+              <a:rPr lang="ru-RU" dirty="0">
                 <a:latin typeface="Constantia" panose="02030602050306030303" pitchFamily="18" charset="0"/>
               </a:rPr>
               <a:t> 1: 20 − 500 − 200</a:t>
@@ -6171,13 +6211,13 @@
           </a:p>
           <a:p>
             <a:r>
-              <a:rPr lang="ru-RU" dirty="0" err="1" smtClean="0">
+              <a:rPr lang="ru-RU" dirty="0" err="1">
                 <a:latin typeface="Constantia" panose="02030602050306030303" pitchFamily="18" charset="0"/>
               </a:rPr>
               <a:t>Architecture</a:t>
             </a:r>
             <a:r>
-              <a:rPr lang="ru-RU" dirty="0" smtClean="0">
+              <a:rPr lang="ru-RU" dirty="0">
                 <a:latin typeface="Constantia" panose="02030602050306030303" pitchFamily="18" charset="0"/>
               </a:rPr>
               <a:t> 2: 20 − 500 − 200 − 200</a:t>
@@ -6185,13 +6225,13 @@
           </a:p>
           <a:p>
             <a:r>
-              <a:rPr lang="ru-RU" dirty="0" err="1" smtClean="0">
+              <a:rPr lang="ru-RU" dirty="0" err="1">
                 <a:latin typeface="Constantia" panose="02030602050306030303" pitchFamily="18" charset="0"/>
               </a:rPr>
               <a:t>Architecture</a:t>
             </a:r>
             <a:r>
-              <a:rPr lang="ru-RU" dirty="0" smtClean="0">
+              <a:rPr lang="ru-RU" dirty="0">
                 <a:latin typeface="Constantia" panose="02030602050306030303" pitchFamily="18" charset="0"/>
               </a:rPr>
               <a:t> 3: 20 − 500 − 200 − 200 − 200</a:t>
@@ -6199,20 +6239,17 @@
           </a:p>
           <a:p>
             <a:r>
-              <a:rPr lang="ru-RU" dirty="0" err="1" smtClean="0">
+              <a:rPr lang="ru-RU" dirty="0" err="1">
                 <a:latin typeface="Constantia" panose="02030602050306030303" pitchFamily="18" charset="0"/>
               </a:rPr>
               <a:t>Architecture</a:t>
             </a:r>
             <a:r>
-              <a:rPr lang="ru-RU" dirty="0" smtClean="0">
+              <a:rPr lang="ru-RU" dirty="0">
                 <a:latin typeface="Constantia" panose="02030602050306030303" pitchFamily="18" charset="0"/>
               </a:rPr>
               <a:t> 4: 20 − 500 − 200 − 200 − 200 − 200</a:t>
             </a:r>
-            <a:endParaRPr lang="ru-RU" dirty="0">
-              <a:latin typeface="Constantia" panose="02030602050306030303" pitchFamily="18" charset="0"/>
-            </a:endParaRPr>
           </a:p>
         </p:txBody>
       </p:sp>
@@ -6247,17 +6284,8 @@
               <a:rPr lang="ru-RU" dirty="0">
                 <a:latin typeface="Constantia" panose="02030602050306030303" pitchFamily="18" charset="0"/>
               </a:rPr>
-              <a:t> 4: 20 − 500 − 200 − 200 − 200 − </a:t>
-            </a:r>
-            <a:r>
-              <a:rPr lang="ru-RU" dirty="0" smtClean="0">
-                <a:latin typeface="Constantia" panose="02030602050306030303" pitchFamily="18" charset="0"/>
-              </a:rPr>
-              <a:t>200</a:t>
-            </a:r>
-            <a:endParaRPr lang="ru-RU" dirty="0">
-              <a:latin typeface="Constantia" panose="02030602050306030303" pitchFamily="18" charset="0"/>
-            </a:endParaRPr>
+              <a:t> 4: 20 − 500 − 200 − 200 − 200 − 200</a:t>
+            </a:r>
           </a:p>
           <a:p>
             <a:r>
@@ -6270,17 +6298,8 @@
               <a:rPr lang="ru-RU" dirty="0">
                 <a:latin typeface="Constantia" panose="02030602050306030303" pitchFamily="18" charset="0"/>
               </a:rPr>
-              <a:t> 5: 20 − 500 − 500 − 200 − 200 − </a:t>
-            </a:r>
-            <a:r>
-              <a:rPr lang="ru-RU" dirty="0" smtClean="0">
-                <a:latin typeface="Constantia" panose="02030602050306030303" pitchFamily="18" charset="0"/>
-              </a:rPr>
-              <a:t>200</a:t>
-            </a:r>
-            <a:endParaRPr lang="ru-RU" dirty="0">
-              <a:latin typeface="Constantia" panose="02030602050306030303" pitchFamily="18" charset="0"/>
-            </a:endParaRPr>
+              <a:t> 5: 20 − 500 − 500 − 200 − 200 − 200</a:t>
+            </a:r>
           </a:p>
           <a:p>
             <a:r>
@@ -6332,13 +6351,6 @@
   <p:clrMapOvr>
     <a:masterClrMapping/>
   </p:clrMapOvr>
-  <p:timing>
-    <p:tnLst>
-      <p:par>
-        <p:cTn id="1" dur="indefinite" restart="never" nodeType="tmRoot"/>
-      </p:par>
-    </p:tnLst>
-  </p:timing>
 </p:sld>
 </file>
 
@@ -6432,7 +6444,7 @@
           <a:lstStyle/>
           <a:p>
             <a:r>
-              <a:rPr lang="en-US" sz="4000" b="1" dirty="0" smtClean="0">
+              <a:rPr lang="en-US" sz="4000" b="1" dirty="0">
                 <a:solidFill>
                   <a:schemeClr val="bg1"/>
                 </a:solidFill>
@@ -6485,7 +6497,7 @@
                   </a:buClr>
                 </a:pPr>
                 <a:r>
-                  <a:rPr lang="en-US" sz="2000" b="1" dirty="0" smtClean="0">
+                  <a:rPr lang="en-US" sz="2000" b="1" dirty="0">
                     <a:latin typeface="Constantia" panose="02030602050306030303" pitchFamily="18" charset="0"/>
                   </a:rPr>
                   <a:t>Design of 1D multilayer structures:</a:t>
@@ -6506,70 +6518,10 @@
                   <a:buChar char="•"/>
                 </a:pPr>
                 <a:r>
-                  <a:rPr lang="en-US" dirty="0" smtClean="0">
-                    <a:latin typeface="Constantia" panose="02030602050306030303" pitchFamily="18" charset="0"/>
-                  </a:rPr>
-                  <a:t>Designing </a:t>
-                </a:r>
-                <a:r>
                   <a:rPr lang="en-US" dirty="0">
                     <a:latin typeface="Constantia" panose="02030602050306030303" pitchFamily="18" charset="0"/>
                   </a:rPr>
-                  <a:t>the </a:t>
-                </a:r>
-                <a:r>
-                  <a:rPr lang="en-US" dirty="0" smtClean="0">
-                    <a:latin typeface="Constantia" panose="02030602050306030303" pitchFamily="18" charset="0"/>
-                  </a:rPr>
-                  <a:t>structure of </a:t>
-                </a:r>
-                <a:r>
-                  <a:rPr lang="en-US" dirty="0">
-                    <a:latin typeface="Constantia" panose="02030602050306030303" pitchFamily="18" charset="0"/>
-                  </a:rPr>
-                  <a:t>16-layer </a:t>
-                </a:r>
-                <a:r>
-                  <a:rPr lang="en-US" dirty="0" smtClean="0">
-                    <a:latin typeface="Constantia" panose="02030602050306030303" pitchFamily="18" charset="0"/>
-                  </a:rPr>
-                  <a:t>SiO2 </a:t>
-                </a:r>
-                <a:r>
-                  <a:rPr lang="en-US" dirty="0">
-                    <a:latin typeface="Constantia" panose="02030602050306030303" pitchFamily="18" charset="0"/>
-                  </a:rPr>
-                  <a:t>and </a:t>
-                </a:r>
-                <a:r>
-                  <a:rPr lang="en-US" dirty="0" smtClean="0">
-                    <a:latin typeface="Constantia" panose="02030602050306030303" pitchFamily="18" charset="0"/>
-                  </a:rPr>
-                  <a:t>Si3N4 </a:t>
-                </a:r>
-                <a:r>
-                  <a:rPr lang="en-US" dirty="0">
-                    <a:latin typeface="Constantia" panose="02030602050306030303" pitchFamily="18" charset="0"/>
-                  </a:rPr>
-                  <a:t>thin film for </a:t>
-                </a:r>
-                <a:r>
-                  <a:rPr lang="en-US" dirty="0" smtClean="0">
-                    <a:latin typeface="Constantia" panose="02030602050306030303" pitchFamily="18" charset="0"/>
-                  </a:rPr>
-                  <a:t>target transmission spectra </a:t>
-                </a:r>
-                <a:r>
-                  <a:rPr lang="en-US" dirty="0">
-                    <a:latin typeface="Constantia" panose="02030602050306030303" pitchFamily="18" charset="0"/>
-                  </a:rPr>
-                  <a:t>of a Gaussian </a:t>
-                </a:r>
-                <a:r>
-                  <a:rPr lang="en-US" dirty="0" smtClean="0">
-                    <a:latin typeface="Constantia" panose="02030602050306030303" pitchFamily="18" charset="0"/>
-                  </a:rPr>
-                  <a:t>shape: </a:t>
+                  <a:t>Designing the structure of 16-layer SiO2 and Si3N4 thin film for target transmission spectra of a Gaussian shape: </a:t>
                 </a:r>
                 <a14:m>
                   <m:oMath xmlns:m="http://schemas.openxmlformats.org/officeDocument/2006/math">
@@ -6760,7 +6712,7 @@
                     </m:d>
                   </m:oMath>
                 </a14:m>
-                <a:endParaRPr lang="en-US" dirty="0" smtClean="0">
+                <a:endParaRPr lang="en-US" dirty="0">
                   <a:latin typeface="Constantia" panose="02030602050306030303" pitchFamily="18" charset="0"/>
                 </a:endParaRPr>
               </a:p>
@@ -6779,50 +6731,11 @@
                   <a:buChar char="•"/>
                 </a:pPr>
                 <a:r>
-                  <a:rPr lang="en-US" dirty="0" smtClean="0">
-                    <a:latin typeface="Constantia" panose="02030602050306030303" pitchFamily="18" charset="0"/>
-                  </a:rPr>
-                  <a:t>The </a:t>
-                </a:r>
-                <a:r>
                   <a:rPr lang="en-US" dirty="0">
                     <a:latin typeface="Constantia" panose="02030602050306030303" pitchFamily="18" charset="0"/>
                   </a:rPr>
-                  <a:t>maximum thickness of each layer </a:t>
+                  <a:t>The maximum thickness of each layer is set to be 150 nm. The response is the transmission spectrum within the range of 300 to 750 THz.</a:t>
                 </a:r>
-                <a:r>
-                  <a:rPr lang="en-US" dirty="0" smtClean="0">
-                    <a:latin typeface="Constantia" panose="02030602050306030303" pitchFamily="18" charset="0"/>
-                  </a:rPr>
-                  <a:t>is set </a:t>
-                </a:r>
-                <a:r>
-                  <a:rPr lang="en-US" dirty="0">
-                    <a:latin typeface="Constantia" panose="02030602050306030303" pitchFamily="18" charset="0"/>
-                  </a:rPr>
-                  <a:t>to be 150 nm. The response is the transmission </a:t>
-                </a:r>
-                <a:r>
-                  <a:rPr lang="en-US" dirty="0" smtClean="0">
-                    <a:latin typeface="Constantia" panose="02030602050306030303" pitchFamily="18" charset="0"/>
-                  </a:rPr>
-                  <a:t>spectrum within </a:t>
-                </a:r>
-                <a:r>
-                  <a:rPr lang="en-US" dirty="0">
-                    <a:latin typeface="Constantia" panose="02030602050306030303" pitchFamily="18" charset="0"/>
-                  </a:rPr>
-                  <a:t>the range of 300 to 750 </a:t>
-                </a:r>
-                <a:r>
-                  <a:rPr lang="en-US" dirty="0" smtClean="0">
-                    <a:latin typeface="Constantia" panose="02030602050306030303" pitchFamily="18" charset="0"/>
-                  </a:rPr>
-                  <a:t>THz.</a:t>
-                </a:r>
-                <a:endParaRPr lang="en-US" dirty="0">
-                  <a:latin typeface="Constantia" panose="02030602050306030303" pitchFamily="18" charset="0"/>
-                </a:endParaRPr>
               </a:p>
             </p:txBody>
           </p:sp>
@@ -7208,18 +7121,11 @@
   <p:clrMapOvr>
     <a:masterClrMapping/>
   </p:clrMapOvr>
-  <p:timing>
-    <p:tnLst>
-      <p:par>
-        <p:cTn id="1" dur="indefinite" restart="never" nodeType="tmRoot"/>
-      </p:par>
-    </p:tnLst>
-  </p:timing>
 </p:sld>
 </file>
 
 <file path=ppt/slides/slide14.xml><?xml version="1.0" encoding="utf-8"?>
-<p:sld xmlns:a="http://schemas.openxmlformats.org/drawingml/2006/main" xmlns:r="http://schemas.openxmlformats.org/officeDocument/2006/relationships" xmlns:p="http://schemas.openxmlformats.org/presentationml/2006/main">
+<p:sld xmlns:a="http://schemas.openxmlformats.org/drawingml/2006/main" xmlns:r="http://schemas.openxmlformats.org/officeDocument/2006/relationships" xmlns:p="http://schemas.openxmlformats.org/presentationml/2006/main" show="0">
   <p:cSld>
     <p:spTree>
       <p:nvGrpSpPr>
@@ -7314,16 +7220,7 @@
                 </a:solidFill>
                 <a:latin typeface="Constantia" panose="02030602050306030303" pitchFamily="18" charset="0"/>
               </a:rPr>
-              <a:t>Design of </a:t>
-            </a:r>
-            <a:r>
-              <a:rPr lang="en-US" sz="4000" b="1" dirty="0" smtClean="0">
-                <a:solidFill>
-                  <a:schemeClr val="bg1"/>
-                </a:solidFill>
-                <a:latin typeface="Constantia" panose="02030602050306030303" pitchFamily="18" charset="0"/>
-              </a:rPr>
-              <a:t>2D Structures</a:t>
+              <a:t>Design of 2D Structures</a:t>
             </a:r>
             <a:endParaRPr lang="en-GB" sz="4000" b="1" dirty="0">
               <a:solidFill>
@@ -7371,13 +7268,7 @@
               <a:rPr lang="en-US" sz="2000" b="1" dirty="0">
                 <a:latin typeface="Constantia" panose="02030602050306030303" pitchFamily="18" charset="0"/>
               </a:rPr>
-              <a:t>Design of 2D </a:t>
-            </a:r>
-            <a:r>
-              <a:rPr lang="en-US" sz="2000" b="1" dirty="0" smtClean="0">
-                <a:latin typeface="Constantia" panose="02030602050306030303" pitchFamily="18" charset="0"/>
-              </a:rPr>
-              <a:t>structures:</a:t>
+              <a:t>Design of 2D structures:</a:t>
             </a:r>
           </a:p>
           <a:p>
@@ -7395,34 +7286,10 @@
               <a:buChar char="•"/>
             </a:pPr>
             <a:r>
-              <a:rPr lang="en-US" dirty="0" smtClean="0">
-                <a:latin typeface="Constantia" panose="02030602050306030303" pitchFamily="18" charset="0"/>
-              </a:rPr>
-              <a:t>Designing 2D structures </a:t>
-            </a:r>
-            <a:r>
               <a:rPr lang="en-US" dirty="0">
                 <a:latin typeface="Constantia" panose="02030602050306030303" pitchFamily="18" charset="0"/>
               </a:rPr>
-              <a:t>to modulate transmission phase delay </a:t>
-            </a:r>
-            <a:r>
-              <a:rPr lang="en-US" dirty="0" smtClean="0">
-                <a:latin typeface="Constantia" panose="02030602050306030303" pitchFamily="18" charset="0"/>
-              </a:rPr>
-              <a:t>independently at </a:t>
-            </a:r>
-            <a:r>
-              <a:rPr lang="en-US" dirty="0">
-                <a:latin typeface="Constantia" panose="02030602050306030303" pitchFamily="18" charset="0"/>
-              </a:rPr>
-              <a:t>three wavelengths: R (470 nm), G (540 nm), B (667.5 nm</a:t>
-            </a:r>
-            <a:r>
-              <a:rPr lang="en-US" dirty="0" smtClean="0">
-                <a:latin typeface="Constantia" panose="02030602050306030303" pitchFamily="18" charset="0"/>
-              </a:rPr>
-              <a:t>).</a:t>
+              <a:t>Designing 2D structures to modulate transmission phase delay independently at three wavelengths: R (470 nm), G (540 nm), B (667.5 nm).</a:t>
             </a:r>
           </a:p>
           <a:p>
@@ -7443,197 +7310,110 @@
               <a:rPr lang="en-US" dirty="0">
                 <a:latin typeface="Constantia" panose="02030602050306030303" pitchFamily="18" charset="0"/>
               </a:rPr>
-              <a:t>The designed units </a:t>
-            </a:r>
-            <a:r>
-              <a:rPr lang="en-US" dirty="0" smtClean="0">
-                <a:latin typeface="Constantia" panose="02030602050306030303" pitchFamily="18" charset="0"/>
-              </a:rPr>
-              <a:t>are composed </a:t>
+              <a:t>The designed units are composed of 3 layers of Si and SiO2. </a:t>
+            </a:r>
+            <a:r>
+              <a:rPr lang="en-US" i="1" dirty="0">
+                <a:latin typeface="Constantia" panose="02030602050306030303" pitchFamily="18" charset="0"/>
+              </a:rPr>
+              <a:t>Within each layer, part of Si or SiO2 is removed to form a rectangular slot. </a:t>
             </a:r>
             <a:r>
               <a:rPr lang="en-US" dirty="0">
                 <a:latin typeface="Constantia" panose="02030602050306030303" pitchFamily="18" charset="0"/>
               </a:rPr>
-              <a:t>of 3 layers of Si and </a:t>
-            </a:r>
-            <a:r>
-              <a:rPr lang="en-US" dirty="0" smtClean="0">
-                <a:latin typeface="Constantia" panose="02030602050306030303" pitchFamily="18" charset="0"/>
-              </a:rPr>
-              <a:t>SiO2. </a:t>
-            </a:r>
-            <a:r>
-              <a:rPr lang="en-US" i="1" dirty="0" smtClean="0">
-                <a:latin typeface="Constantia" panose="02030602050306030303" pitchFamily="18" charset="0"/>
-              </a:rPr>
-              <a:t>Within </a:t>
+              <a:t>The design parameters are thicknesses of the 3 layers </a:t>
             </a:r>
             <a:r>
               <a:rPr lang="en-US" i="1" dirty="0">
                 <a:latin typeface="Constantia" panose="02030602050306030303" pitchFamily="18" charset="0"/>
               </a:rPr>
-              <a:t>each layer, part of Si or </a:t>
-            </a:r>
-            <a:r>
-              <a:rPr lang="en-US" i="1" dirty="0" smtClean="0">
-                <a:latin typeface="Constantia" panose="02030602050306030303" pitchFamily="18" charset="0"/>
-              </a:rPr>
-              <a:t>SiO2 </a:t>
+              <a:t>d</a:t>
+            </a:r>
+            <a:r>
+              <a:rPr lang="en-US" i="1" baseline="-25000" dirty="0">
+                <a:latin typeface="Constantia" panose="02030602050306030303" pitchFamily="18" charset="0"/>
+              </a:rPr>
+              <a:t>i</a:t>
+            </a:r>
+            <a:r>
+              <a:rPr lang="en-US" dirty="0">
+                <a:latin typeface="Constantia" panose="02030602050306030303" pitchFamily="18" charset="0"/>
+              </a:rPr>
+              <a:t> (</a:t>
+            </a:r>
+            <a:r>
+              <a:rPr lang="en-US" dirty="0" err="1">
+                <a:latin typeface="Constantia" panose="02030602050306030303" pitchFamily="18" charset="0"/>
+              </a:rPr>
+              <a:t>i</a:t>
+            </a:r>
+            <a:r>
+              <a:rPr lang="en-US" dirty="0">
+                <a:latin typeface="Constantia" panose="02030602050306030303" pitchFamily="18" charset="0"/>
+              </a:rPr>
+              <a:t> = 1, 2, 3), the location </a:t>
             </a:r>
             <a:r>
               <a:rPr lang="en-US" i="1" dirty="0">
                 <a:latin typeface="Constantia" panose="02030602050306030303" pitchFamily="18" charset="0"/>
               </a:rPr>
-              <a:t>is removed to form </a:t>
-            </a:r>
-            <a:r>
-              <a:rPr lang="en-US" i="1" dirty="0" smtClean="0">
-                <a:latin typeface="Constantia" panose="02030602050306030303" pitchFamily="18" charset="0"/>
-              </a:rPr>
-              <a:t>a rectangular </a:t>
+              <a:t>x</a:t>
+            </a:r>
+            <a:r>
+              <a:rPr lang="en-US" i="1" baseline="-25000" dirty="0">
+                <a:latin typeface="Constantia" panose="02030602050306030303" pitchFamily="18" charset="0"/>
+              </a:rPr>
+              <a:t>i</a:t>
+            </a:r>
+            <a:r>
+              <a:rPr lang="en-US" dirty="0">
+                <a:latin typeface="Constantia" panose="02030602050306030303" pitchFamily="18" charset="0"/>
+              </a:rPr>
+              <a:t> and width </a:t>
             </a:r>
             <a:r>
               <a:rPr lang="en-US" i="1" dirty="0">
                 <a:latin typeface="Constantia" panose="02030602050306030303" pitchFamily="18" charset="0"/>
               </a:rPr>
-              <a:t>slot. </a:t>
+              <a:t>w</a:t>
+            </a:r>
+            <a:r>
+              <a:rPr lang="en-US" i="1" baseline="-25000" dirty="0">
+                <a:latin typeface="Constantia" panose="02030602050306030303" pitchFamily="18" charset="0"/>
+              </a:rPr>
+              <a:t>i</a:t>
             </a:r>
             <a:r>
               <a:rPr lang="en-US" dirty="0">
                 <a:latin typeface="Constantia" panose="02030602050306030303" pitchFamily="18" charset="0"/>
               </a:rPr>
-              <a:t>The design parameters are thicknesses of the </a:t>
-            </a:r>
-            <a:r>
-              <a:rPr lang="en-US" dirty="0" smtClean="0">
-                <a:latin typeface="Constantia" panose="02030602050306030303" pitchFamily="18" charset="0"/>
-              </a:rPr>
-              <a:t>3 layers </a:t>
-            </a:r>
-            <a:r>
-              <a:rPr lang="en-US" i="1" dirty="0" smtClean="0">
-                <a:latin typeface="Constantia" panose="02030602050306030303" pitchFamily="18" charset="0"/>
-              </a:rPr>
-              <a:t>d</a:t>
-            </a:r>
-            <a:r>
-              <a:rPr lang="en-US" i="1" baseline="-25000" dirty="0" smtClean="0">
+              <a:t> of the vacuum slot in the </a:t>
+            </a:r>
+            <a:r>
+              <a:rPr lang="en-US" dirty="0" err="1">
+                <a:latin typeface="Constantia" panose="02030602050306030303" pitchFamily="18" charset="0"/>
+              </a:rPr>
+              <a:t>ith</a:t>
+            </a:r>
+            <a:r>
+              <a:rPr lang="en-US" dirty="0">
+                <a:latin typeface="Constantia" panose="02030602050306030303" pitchFamily="18" charset="0"/>
+              </a:rPr>
+              <a:t> layer (</a:t>
+            </a:r>
+            <a:r>
+              <a:rPr lang="en-US" dirty="0" err="1">
                 <a:latin typeface="Constantia" panose="02030602050306030303" pitchFamily="18" charset="0"/>
               </a:rPr>
               <a:t>i</a:t>
             </a:r>
             <a:r>
-              <a:rPr lang="en-US" dirty="0" smtClean="0">
-                <a:latin typeface="Constantia" panose="02030602050306030303" pitchFamily="18" charset="0"/>
-              </a:rPr>
-              <a:t> </a:t>
-            </a:r>
-            <a:r>
               <a:rPr lang="en-US" dirty="0">
                 <a:latin typeface="Constantia" panose="02030602050306030303" pitchFamily="18" charset="0"/>
               </a:rPr>
-              <a:t>(</a:t>
-            </a:r>
-            <a:r>
-              <a:rPr lang="en-US" dirty="0" err="1">
-                <a:latin typeface="Constantia" panose="02030602050306030303" pitchFamily="18" charset="0"/>
-              </a:rPr>
-              <a:t>i</a:t>
-            </a:r>
-            <a:r>
-              <a:rPr lang="en-US" dirty="0">
-                <a:latin typeface="Constantia" panose="02030602050306030303" pitchFamily="18" charset="0"/>
-              </a:rPr>
-              <a:t> = 1, 2, 3), the location </a:t>
-            </a:r>
-            <a:r>
-              <a:rPr lang="en-US" i="1" dirty="0" smtClean="0">
-                <a:latin typeface="Constantia" panose="02030602050306030303" pitchFamily="18" charset="0"/>
-              </a:rPr>
-              <a:t>x</a:t>
-            </a:r>
-            <a:r>
-              <a:rPr lang="en-US" i="1" baseline="-25000" dirty="0" smtClean="0">
-                <a:latin typeface="Constantia" panose="02030602050306030303" pitchFamily="18" charset="0"/>
-              </a:rPr>
-              <a:t>i</a:t>
-            </a:r>
-            <a:r>
-              <a:rPr lang="en-US" dirty="0" smtClean="0">
-                <a:latin typeface="Constantia" panose="02030602050306030303" pitchFamily="18" charset="0"/>
-              </a:rPr>
-              <a:t> </a:t>
-            </a:r>
-            <a:r>
-              <a:rPr lang="en-US" dirty="0">
-                <a:latin typeface="Constantia" panose="02030602050306030303" pitchFamily="18" charset="0"/>
-              </a:rPr>
-              <a:t>and width </a:t>
-            </a:r>
-            <a:r>
-              <a:rPr lang="en-US" i="1" dirty="0" smtClean="0">
-                <a:latin typeface="Constantia" panose="02030602050306030303" pitchFamily="18" charset="0"/>
-              </a:rPr>
-              <a:t>w</a:t>
-            </a:r>
-            <a:r>
-              <a:rPr lang="en-US" i="1" baseline="-25000" dirty="0" smtClean="0">
-                <a:latin typeface="Constantia" panose="02030602050306030303" pitchFamily="18" charset="0"/>
-              </a:rPr>
-              <a:t>i</a:t>
-            </a:r>
-            <a:r>
-              <a:rPr lang="en-US" dirty="0" smtClean="0">
-                <a:latin typeface="Constantia" panose="02030602050306030303" pitchFamily="18" charset="0"/>
-              </a:rPr>
-              <a:t> </a:t>
-            </a:r>
-            <a:r>
-              <a:rPr lang="en-US" dirty="0">
-                <a:latin typeface="Constantia" panose="02030602050306030303" pitchFamily="18" charset="0"/>
-              </a:rPr>
-              <a:t>of the </a:t>
-            </a:r>
-            <a:r>
-              <a:rPr lang="en-US" dirty="0" smtClean="0">
-                <a:latin typeface="Constantia" panose="02030602050306030303" pitchFamily="18" charset="0"/>
-              </a:rPr>
-              <a:t>vacuum slot </a:t>
-            </a:r>
-            <a:r>
-              <a:rPr lang="en-US" dirty="0">
-                <a:latin typeface="Constantia" panose="02030602050306030303" pitchFamily="18" charset="0"/>
-              </a:rPr>
-              <a:t>in the </a:t>
-            </a:r>
-            <a:r>
-              <a:rPr lang="en-US" dirty="0" err="1">
-                <a:latin typeface="Constantia" panose="02030602050306030303" pitchFamily="18" charset="0"/>
-              </a:rPr>
-              <a:t>ith</a:t>
-            </a:r>
-            <a:r>
-              <a:rPr lang="en-US" dirty="0">
-                <a:latin typeface="Constantia" panose="02030602050306030303" pitchFamily="18" charset="0"/>
-              </a:rPr>
-              <a:t> layer (</a:t>
-            </a:r>
-            <a:r>
-              <a:rPr lang="en-US" dirty="0" err="1">
-                <a:latin typeface="Constantia" panose="02030602050306030303" pitchFamily="18" charset="0"/>
-              </a:rPr>
-              <a:t>i</a:t>
-            </a:r>
-            <a:r>
-              <a:rPr lang="en-US" dirty="0">
-                <a:latin typeface="Constantia" panose="02030602050306030303" pitchFamily="18" charset="0"/>
-              </a:rPr>
               <a:t> = 1, 2, 3). </a:t>
             </a:r>
-            <a:endParaRPr lang="en-US" dirty="0" smtClean="0">
-              <a:latin typeface="Constantia" panose="02030602050306030303" pitchFamily="18" charset="0"/>
-            </a:endParaRPr>
           </a:p>
           <a:p>
             <a:pPr marL="342900" indent="-342900">
@@ -7650,16 +7430,10 @@
               <a:buChar char="•"/>
             </a:pPr>
             <a:r>
-              <a:rPr lang="en-US" dirty="0" smtClean="0">
-                <a:latin typeface="Constantia" panose="02030602050306030303" pitchFamily="18" charset="0"/>
-              </a:rPr>
-              <a:t>This meta </a:t>
-            </a:r>
-            <a:r>
               <a:rPr lang="en-US" dirty="0">
                 <a:latin typeface="Constantia" panose="02030602050306030303" pitchFamily="18" charset="0"/>
               </a:rPr>
-              <a:t>unit can be used in a </a:t>
+              <a:t>This meta unit can be used in a </a:t>
             </a:r>
             <a:r>
               <a:rPr lang="en-US" dirty="0" err="1">
@@ -7671,19 +7445,7 @@
               <a:rPr lang="en-US" dirty="0">
                 <a:latin typeface="Constantia" panose="02030602050306030303" pitchFamily="18" charset="0"/>
               </a:rPr>
-              <a:t> to create </a:t>
-            </a:r>
-            <a:r>
-              <a:rPr lang="en-US" dirty="0" smtClean="0">
-                <a:latin typeface="Constantia" panose="02030602050306030303" pitchFamily="18" charset="0"/>
-              </a:rPr>
-              <a:t>three-color holograms</a:t>
-            </a:r>
-            <a:r>
-              <a:rPr lang="en-US" dirty="0">
-                <a:latin typeface="Constantia" panose="02030602050306030303" pitchFamily="18" charset="0"/>
-              </a:rPr>
-              <a:t>.</a:t>
+              <a:t> to create three-color holograms.</a:t>
             </a:r>
           </a:p>
         </p:txBody>
@@ -7722,18 +7484,11 @@
   <p:clrMapOvr>
     <a:masterClrMapping/>
   </p:clrMapOvr>
-  <p:timing>
-    <p:tnLst>
-      <p:par>
-        <p:cTn id="1" dur="indefinite" restart="never" nodeType="tmRoot"/>
-      </p:par>
-    </p:tnLst>
-  </p:timing>
 </p:sld>
 </file>
 
 <file path=ppt/slides/slide15.xml><?xml version="1.0" encoding="utf-8"?>
-<p:sld xmlns:a="http://schemas.openxmlformats.org/drawingml/2006/main" xmlns:r="http://schemas.openxmlformats.org/officeDocument/2006/relationships" xmlns:p="http://schemas.openxmlformats.org/presentationml/2006/main">
+<p:sld xmlns:a="http://schemas.openxmlformats.org/drawingml/2006/main" xmlns:r="http://schemas.openxmlformats.org/officeDocument/2006/relationships" xmlns:p="http://schemas.openxmlformats.org/presentationml/2006/main" show="0">
   <p:cSld>
     <p:spTree>
       <p:nvGrpSpPr>
@@ -7894,34 +7649,10 @@
               <a:buChar char="•"/>
             </a:pPr>
             <a:r>
-              <a:rPr lang="en-US" dirty="0" smtClean="0">
-                <a:latin typeface="Constantia" panose="02030602050306030303" pitchFamily="18" charset="0"/>
-              </a:rPr>
-              <a:t>The training data </a:t>
-            </a:r>
-            <a:r>
               <a:rPr lang="en-US" dirty="0">
                 <a:latin typeface="Constantia" panose="02030602050306030303" pitchFamily="18" charset="0"/>
               </a:rPr>
-              <a:t>set includes 750 000 instances and test data set </a:t>
-            </a:r>
-            <a:r>
-              <a:rPr lang="en-US" dirty="0" smtClean="0">
-                <a:latin typeface="Constantia" panose="02030602050306030303" pitchFamily="18" charset="0"/>
-              </a:rPr>
-              <a:t>includes 5000 </a:t>
-            </a:r>
-            <a:r>
-              <a:rPr lang="en-US" dirty="0">
-                <a:latin typeface="Constantia" panose="02030602050306030303" pitchFamily="18" charset="0"/>
-              </a:rPr>
-              <a:t>instances</a:t>
-            </a:r>
-            <a:r>
-              <a:rPr lang="en-US" dirty="0" smtClean="0">
-                <a:latin typeface="Constantia" panose="02030602050306030303" pitchFamily="18" charset="0"/>
-              </a:rPr>
-              <a:t>.</a:t>
+              <a:t>The training data set includes 750 000 instances and test data set includes 5000 instances.</a:t>
             </a:r>
           </a:p>
           <a:p>
@@ -7942,19 +7673,7 @@
               <a:rPr lang="en-US" dirty="0">
                 <a:latin typeface="Constantia" panose="02030602050306030303" pitchFamily="18" charset="0"/>
               </a:rPr>
-              <a:t>The phase delay of the designed structure has an </a:t>
-            </a:r>
-            <a:r>
-              <a:rPr lang="en-US" dirty="0" smtClean="0">
-                <a:latin typeface="Constantia" panose="02030602050306030303" pitchFamily="18" charset="0"/>
-              </a:rPr>
-              <a:t>average error </a:t>
-            </a:r>
-            <a:r>
-              <a:rPr lang="en-US" dirty="0">
-                <a:latin typeface="Constantia" panose="02030602050306030303" pitchFamily="18" charset="0"/>
-              </a:rPr>
-              <a:t>of 16.0°.</a:t>
+              <a:t>The phase delay of the designed structure has an average error of 16.0°.</a:t>
             </a:r>
           </a:p>
         </p:txBody>
@@ -8017,18 +7736,11 @@
   <p:clrMapOvr>
     <a:masterClrMapping/>
   </p:clrMapOvr>
-  <p:timing>
-    <p:tnLst>
-      <p:par>
-        <p:cTn id="1" dur="indefinite" restart="never" nodeType="tmRoot"/>
-      </p:par>
-    </p:tnLst>
-  </p:timing>
 </p:sld>
 </file>
 
 <file path=ppt/slides/slide16.xml><?xml version="1.0" encoding="utf-8"?>
-<p:sld xmlns:a="http://schemas.openxmlformats.org/drawingml/2006/main" xmlns:r="http://schemas.openxmlformats.org/officeDocument/2006/relationships" xmlns:p="http://schemas.openxmlformats.org/presentationml/2006/main">
+<p:sld xmlns:a="http://schemas.openxmlformats.org/drawingml/2006/main" xmlns:r="http://schemas.openxmlformats.org/officeDocument/2006/relationships" xmlns:p="http://schemas.openxmlformats.org/presentationml/2006/main" show="0">
   <p:cSld>
     <p:spTree>
       <p:nvGrpSpPr>
@@ -8189,44 +7901,11 @@
               <a:buChar char="•"/>
             </a:pPr>
             <a:r>
-              <a:rPr lang="en-US" i="1" dirty="0" smtClean="0">
-                <a:latin typeface="Constantia" panose="02030602050306030303" pitchFamily="18" charset="0"/>
-              </a:rPr>
-              <a:t>The </a:t>
-            </a:r>
-            <a:r>
               <a:rPr lang="en-US" i="1" dirty="0">
                 <a:latin typeface="Constantia" panose="02030602050306030303" pitchFamily="18" charset="0"/>
               </a:rPr>
-              <a:t>forward </a:t>
-            </a:r>
-            <a:r>
-              <a:rPr lang="en-US" i="1" dirty="0" smtClean="0">
-                <a:latin typeface="Constantia" panose="02030602050306030303" pitchFamily="18" charset="0"/>
-              </a:rPr>
-              <a:t>modeling neural </a:t>
-            </a:r>
-            <a:r>
-              <a:rPr lang="en-US" i="1" dirty="0">
-                <a:latin typeface="Constantia" panose="02030602050306030303" pitchFamily="18" charset="0"/>
-              </a:rPr>
-              <a:t>network has 6 hidden layers with each layer having 1024 – 512 – 512 – 256 – 256 – </a:t>
-            </a:r>
-            <a:r>
-              <a:rPr lang="en-US" i="1" dirty="0" smtClean="0">
-                <a:latin typeface="Constantia" panose="02030602050306030303" pitchFamily="18" charset="0"/>
-              </a:rPr>
-              <a:t>128 hidden </a:t>
-            </a:r>
-            <a:r>
-              <a:rPr lang="en-US" i="1" dirty="0">
-                <a:latin typeface="Constantia" panose="02030602050306030303" pitchFamily="18" charset="0"/>
-              </a:rPr>
-              <a:t>units. </a:t>
-            </a:r>
-            <a:endParaRPr lang="en-US" i="1" dirty="0" smtClean="0">
-              <a:latin typeface="Constantia" panose="02030602050306030303" pitchFamily="18" charset="0"/>
-            </a:endParaRPr>
+              <a:t>The forward modeling neural network has 6 hidden layers with each layer having 1024 – 512 – 512 – 256 – 256 – 128 hidden units. </a:t>
+            </a:r>
           </a:p>
           <a:p>
             <a:pPr marL="342900" indent="-342900">
@@ -8243,16 +7922,10 @@
               <a:buChar char="•"/>
             </a:pPr>
             <a:r>
-              <a:rPr lang="en-US" i="1" dirty="0" smtClean="0">
-                <a:latin typeface="Constantia" panose="02030602050306030303" pitchFamily="18" charset="0"/>
-              </a:rPr>
-              <a:t>The </a:t>
-            </a:r>
-            <a:r>
               <a:rPr lang="en-US" i="1" dirty="0">
                 <a:latin typeface="Constantia" panose="02030602050306030303" pitchFamily="18" charset="0"/>
               </a:rPr>
-              <a:t>inverse design network has 2 hidden layers with 512 and 256 hidden units. </a:t>
+              <a:t>The inverse design network has 2 hidden layers with 512 and 256 hidden units. </a:t>
             </a:r>
           </a:p>
         </p:txBody>
@@ -8291,13 +7964,6 @@
   <p:clrMapOvr>
     <a:masterClrMapping/>
   </p:clrMapOvr>
-  <p:timing>
-    <p:tnLst>
-      <p:par>
-        <p:cTn id="1" dur="indefinite" restart="never" nodeType="tmRoot"/>
-      </p:par>
-    </p:tnLst>
-  </p:timing>
 </p:sld>
 </file>
 
@@ -8318,6 +7984,195 @@
           <a:chExt cx="0" cy="0"/>
         </a:xfrm>
       </p:grpSpPr>
+      <p:sp>
+        <p:nvSpPr>
+          <p:cNvPr id="10" name="TextBox 9"/>
+          <p:cNvSpPr txBox="1"/>
+          <p:nvPr/>
+        </p:nvSpPr>
+        <p:spPr>
+          <a:xfrm>
+            <a:off x="727188" y="1027533"/>
+            <a:ext cx="10838736" cy="2477601"/>
+          </a:xfrm>
+          <a:prstGeom prst="rect">
+            <a:avLst/>
+          </a:prstGeom>
+          <a:noFill/>
+        </p:spPr>
+        <p:txBody>
+          <a:bodyPr wrap="square" rtlCol="0">
+            <a:spAutoFit/>
+          </a:bodyPr>
+          <a:lstStyle/>
+          <a:p>
+            <a:pPr>
+              <a:spcBef>
+                <a:spcPts val="1200"/>
+              </a:spcBef>
+              <a:spcAft>
+                <a:spcPts val="600"/>
+              </a:spcAft>
+              <a:buClr>
+                <a:srgbClr val="3C74C1"/>
+              </a:buClr>
+            </a:pPr>
+            <a:r>
+              <a:rPr lang="en-US" sz="2000" b="1" dirty="0">
+                <a:latin typeface="Constantia" panose="02030602050306030303" pitchFamily="18" charset="0"/>
+              </a:rPr>
+              <a:t>Our model:</a:t>
+            </a:r>
+          </a:p>
+          <a:p>
+            <a:pPr marL="342900" indent="-342900">
+              <a:spcBef>
+                <a:spcPts val="1200"/>
+              </a:spcBef>
+              <a:spcAft>
+                <a:spcPts val="600"/>
+              </a:spcAft>
+              <a:buClr>
+                <a:srgbClr val="3C74C1"/>
+              </a:buClr>
+              <a:buFont typeface="Arial" panose="020B0604020202020204" pitchFamily="34" charset="0"/>
+              <a:buChar char="•"/>
+            </a:pPr>
+            <a:r>
+              <a:rPr lang="en-US" dirty="0">
+                <a:latin typeface="Constantia" panose="02030602050306030303" pitchFamily="18" charset="0"/>
+              </a:rPr>
+              <a:t>Nanophotonic structures: multilayer films consisting of 15 alternating layers of SiO2 and Si. The thicknesses of layers are uniformly distributed from 0 to </a:t>
+            </a:r>
+            <a:r>
+              <a:rPr lang="en-US" i="1" dirty="0">
+                <a:latin typeface="Constantia" panose="02030602050306030303" pitchFamily="18" charset="0"/>
+              </a:rPr>
+              <a:t>a</a:t>
+            </a:r>
+            <a:r>
+              <a:rPr lang="en-US" dirty="0">
+                <a:latin typeface="Constantia" panose="02030602050306030303" pitchFamily="18" charset="0"/>
+              </a:rPr>
+              <a:t>.</a:t>
+            </a:r>
+          </a:p>
+          <a:p>
+            <a:pPr marL="342900" indent="-342900">
+              <a:spcBef>
+                <a:spcPts val="1200"/>
+              </a:spcBef>
+              <a:spcAft>
+                <a:spcPts val="600"/>
+              </a:spcAft>
+              <a:buClr>
+                <a:srgbClr val="3C74C1"/>
+              </a:buClr>
+              <a:buFont typeface="Arial" panose="020B0604020202020204" pitchFamily="34" charset="0"/>
+              <a:buChar char="•"/>
+            </a:pPr>
+            <a:r>
+              <a:rPr lang="en-US" dirty="0">
+                <a:latin typeface="Constantia" panose="02030602050306030303" pitchFamily="18" charset="0"/>
+              </a:rPr>
+              <a:t>Responses: transmission spectra at 200 frequencies from 0.15 </a:t>
+            </a:r>
+            <a:r>
+              <a:rPr lang="en-US" i="1" dirty="0">
+                <a:latin typeface="Constantia" panose="02030602050306030303" pitchFamily="18" charset="0"/>
+              </a:rPr>
+              <a:t>c</a:t>
+            </a:r>
+            <a:r>
+              <a:rPr lang="en-US" dirty="0">
+                <a:latin typeface="Constantia" panose="02030602050306030303" pitchFamily="18" charset="0"/>
+              </a:rPr>
+              <a:t>/</a:t>
+            </a:r>
+            <a:r>
+              <a:rPr lang="en-US" i="1" dirty="0">
+                <a:latin typeface="Constantia" panose="02030602050306030303" pitchFamily="18" charset="0"/>
+              </a:rPr>
+              <a:t>a</a:t>
+            </a:r>
+            <a:r>
+              <a:rPr lang="en-US" dirty="0">
+                <a:latin typeface="Constantia" panose="02030602050306030303" pitchFamily="18" charset="0"/>
+              </a:rPr>
+              <a:t> to 0.25 </a:t>
+            </a:r>
+            <a:r>
+              <a:rPr lang="en-US" i="1" dirty="0">
+                <a:latin typeface="Constantia" panose="02030602050306030303" pitchFamily="18" charset="0"/>
+              </a:rPr>
+              <a:t>c</a:t>
+            </a:r>
+            <a:r>
+              <a:rPr lang="en-US" dirty="0">
+                <a:latin typeface="Constantia" panose="02030602050306030303" pitchFamily="18" charset="0"/>
+              </a:rPr>
+              <a:t>/</a:t>
+            </a:r>
+            <a:r>
+              <a:rPr lang="en-US" i="1" dirty="0">
+                <a:latin typeface="Constantia" panose="02030602050306030303" pitchFamily="18" charset="0"/>
+              </a:rPr>
+              <a:t>a</a:t>
+            </a:r>
+            <a:r>
+              <a:rPr lang="en-US" dirty="0">
+                <a:latin typeface="Constantia" panose="02030602050306030303" pitchFamily="18" charset="0"/>
+              </a:rPr>
+              <a:t>.</a:t>
+            </a:r>
+          </a:p>
+          <a:p>
+            <a:pPr marL="342900" indent="-342900">
+              <a:spcBef>
+                <a:spcPts val="1200"/>
+              </a:spcBef>
+              <a:spcAft>
+                <a:spcPts val="600"/>
+              </a:spcAft>
+              <a:buClr>
+                <a:srgbClr val="3C74C1"/>
+              </a:buClr>
+              <a:buFont typeface="Arial" panose="020B0604020202020204" pitchFamily="34" charset="0"/>
+              <a:buChar char="•"/>
+            </a:pPr>
+            <a:r>
+              <a:rPr lang="en-US" dirty="0">
+                <a:latin typeface="Constantia" panose="02030602050306030303" pitchFamily="18" charset="0"/>
+              </a:rPr>
+              <a:t>The responses are calculated analytically using </a:t>
+            </a:r>
+            <a:r>
+              <a:rPr lang="en-US" b="1" dirty="0">
+                <a:latin typeface="Constantia" panose="02030602050306030303" pitchFamily="18" charset="0"/>
+              </a:rPr>
+              <a:t>evolution operator approach</a:t>
+            </a:r>
+            <a:r>
+              <a:rPr lang="en-US" dirty="0">
+                <a:latin typeface="Constantia" panose="02030602050306030303" pitchFamily="18" charset="0"/>
+              </a:rPr>
+              <a:t> a.k.a. </a:t>
+            </a:r>
+            <a:r>
+              <a:rPr lang="en-US" b="1" dirty="0">
+                <a:latin typeface="Constantia" panose="02030602050306030303" pitchFamily="18" charset="0"/>
+              </a:rPr>
+              <a:t>transfer matrix method</a:t>
+            </a:r>
+            <a:r>
+              <a:rPr lang="en-US" dirty="0">
+                <a:latin typeface="Constantia" panose="02030602050306030303" pitchFamily="18" charset="0"/>
+              </a:rPr>
+              <a:t> (TMM)*.</a:t>
+            </a:r>
+          </a:p>
+        </p:txBody>
+      </p:sp>
       <p:sp>
         <p:nvSpPr>
           <p:cNvPr id="8" name="Прямоугольник 7"/>
@@ -8391,565 +8246,13 @@
           <a:lstStyle/>
           <a:p>
             <a:r>
-              <a:rPr lang="en-US" sz="4000" b="1" dirty="0" smtClean="0">
+              <a:rPr lang="en-US" sz="4000" b="1" dirty="0">
                 <a:solidFill>
                   <a:schemeClr val="bg1"/>
                 </a:solidFill>
                 <a:latin typeface="Constantia" panose="02030602050306030303" pitchFamily="18" charset="0"/>
               </a:rPr>
-              <a:t>Conclusion</a:t>
-            </a:r>
-            <a:endParaRPr lang="en-GB" sz="4000" b="1" dirty="0">
-              <a:solidFill>
-                <a:schemeClr val="bg1"/>
-              </a:solidFill>
-              <a:latin typeface="Constantia" panose="02030602050306030303" pitchFamily="18" charset="0"/>
-            </a:endParaRPr>
-          </a:p>
-        </p:txBody>
-      </p:sp>
-      <p:sp>
-        <p:nvSpPr>
-          <p:cNvPr id="6" name="TextBox 5"/>
-          <p:cNvSpPr txBox="1"/>
-          <p:nvPr/>
-        </p:nvSpPr>
-        <p:spPr>
-          <a:xfrm>
-            <a:off x="727188" y="1027533"/>
-            <a:ext cx="10841230" cy="2708434"/>
-          </a:xfrm>
-          <a:prstGeom prst="rect">
-            <a:avLst/>
-          </a:prstGeom>
-          <a:noFill/>
-        </p:spPr>
-        <p:txBody>
-          <a:bodyPr wrap="square" rtlCol="0">
-            <a:spAutoFit/>
-          </a:bodyPr>
-          <a:lstStyle/>
-          <a:p>
-            <a:pPr marL="342900" indent="-342900">
-              <a:spcBef>
-                <a:spcPts val="1200"/>
-              </a:spcBef>
-              <a:spcAft>
-                <a:spcPts val="600"/>
-              </a:spcAft>
-              <a:buClr>
-                <a:srgbClr val="3C74C1"/>
-              </a:buClr>
-              <a:buFont typeface="Arial" panose="020B0604020202020204" pitchFamily="34" charset="0"/>
-              <a:buChar char="•"/>
-            </a:pPr>
-            <a:r>
-              <a:rPr lang="en-US" sz="2000" dirty="0" smtClean="0">
-                <a:latin typeface="Constantia" panose="02030602050306030303" pitchFamily="18" charset="0"/>
-              </a:rPr>
-              <a:t>Shown that </a:t>
-            </a:r>
-            <a:r>
-              <a:rPr lang="en-US" sz="2000" dirty="0">
-                <a:latin typeface="Constantia" panose="02030602050306030303" pitchFamily="18" charset="0"/>
-              </a:rPr>
-              <a:t>using neural networks for </a:t>
-            </a:r>
-            <a:r>
-              <a:rPr lang="en-US" sz="2000" dirty="0" smtClean="0">
-                <a:latin typeface="Constantia" panose="02030602050306030303" pitchFamily="18" charset="0"/>
-              </a:rPr>
-              <a:t>the inverse </a:t>
-            </a:r>
-            <a:r>
-              <a:rPr lang="en-US" sz="2000" dirty="0">
-                <a:latin typeface="Constantia" panose="02030602050306030303" pitchFamily="18" charset="0"/>
-              </a:rPr>
-              <a:t>design suffers from the problem of </a:t>
-            </a:r>
-            <a:r>
-              <a:rPr lang="en-US" sz="2000" dirty="0" err="1" smtClean="0">
-                <a:latin typeface="Constantia" panose="02030602050306030303" pitchFamily="18" charset="0"/>
-              </a:rPr>
-              <a:t>nonuniqueness</a:t>
-            </a:r>
-            <a:r>
-              <a:rPr lang="en-US" sz="2000" i="1" dirty="0" smtClean="0">
-                <a:latin typeface="Constantia" panose="02030602050306030303" pitchFamily="18" charset="0"/>
-              </a:rPr>
-              <a:t>, </a:t>
-            </a:r>
-            <a:r>
-              <a:rPr lang="en-US" sz="2000" dirty="0" smtClean="0">
-                <a:latin typeface="Constantia" panose="02030602050306030303" pitchFamily="18" charset="0"/>
-              </a:rPr>
-              <a:t>a typical issue in the inverse scattering problem. </a:t>
-            </a:r>
-          </a:p>
-          <a:p>
-            <a:pPr marL="342900" indent="-342900">
-              <a:spcBef>
-                <a:spcPts val="1200"/>
-              </a:spcBef>
-              <a:spcAft>
-                <a:spcPts val="600"/>
-              </a:spcAft>
-              <a:buClr>
-                <a:srgbClr val="3C74C1"/>
-              </a:buClr>
-              <a:buFont typeface="Arial" panose="020B0604020202020204" pitchFamily="34" charset="0"/>
-              <a:buChar char="•"/>
-            </a:pPr>
-            <a:r>
-              <a:rPr lang="en-US" sz="2000" dirty="0" smtClean="0">
-                <a:latin typeface="Constantia" panose="02030602050306030303" pitchFamily="18" charset="0"/>
-              </a:rPr>
-              <a:t>This </a:t>
-            </a:r>
-            <a:r>
-              <a:rPr lang="en-US" sz="2000" dirty="0">
-                <a:latin typeface="Constantia" panose="02030602050306030303" pitchFamily="18" charset="0"/>
-              </a:rPr>
-              <a:t>issue </a:t>
-            </a:r>
-            <a:r>
-              <a:rPr lang="en-US" sz="2000" dirty="0" smtClean="0">
-                <a:latin typeface="Constantia" panose="02030602050306030303" pitchFamily="18" charset="0"/>
-              </a:rPr>
-              <a:t>makes it </a:t>
-            </a:r>
-            <a:r>
-              <a:rPr lang="en-US" sz="2000" dirty="0">
-                <a:latin typeface="Constantia" panose="02030602050306030303" pitchFamily="18" charset="0"/>
-              </a:rPr>
-              <a:t>very difficult to train neural networks on a large training </a:t>
-            </a:r>
-            <a:r>
-              <a:rPr lang="en-US" sz="2000" dirty="0" smtClean="0">
-                <a:latin typeface="Constantia" panose="02030602050306030303" pitchFamily="18" charset="0"/>
-              </a:rPr>
-              <a:t>data set</a:t>
-            </a:r>
-            <a:r>
-              <a:rPr lang="en-US" sz="2000" dirty="0">
-                <a:latin typeface="Constantia" panose="02030602050306030303" pitchFamily="18" charset="0"/>
-              </a:rPr>
-              <a:t>, which is often needed to model complex </a:t>
-            </a:r>
-            <a:r>
-              <a:rPr lang="en-US" sz="2000" dirty="0" smtClean="0">
-                <a:latin typeface="Constantia" panose="02030602050306030303" pitchFamily="18" charset="0"/>
-              </a:rPr>
-              <a:t>photonic structures</a:t>
-            </a:r>
-            <a:r>
-              <a:rPr lang="en-US" sz="2000" dirty="0">
-                <a:latin typeface="Constantia" panose="02030602050306030303" pitchFamily="18" charset="0"/>
-              </a:rPr>
-              <a:t>. </a:t>
-            </a:r>
-            <a:endParaRPr lang="en-US" sz="2000" dirty="0" smtClean="0">
-              <a:latin typeface="Constantia" panose="02030602050306030303" pitchFamily="18" charset="0"/>
-            </a:endParaRPr>
-          </a:p>
-          <a:p>
-            <a:pPr marL="342900" indent="-342900">
-              <a:spcBef>
-                <a:spcPts val="1200"/>
-              </a:spcBef>
-              <a:spcAft>
-                <a:spcPts val="600"/>
-              </a:spcAft>
-              <a:buClr>
-                <a:srgbClr val="3C74C1"/>
-              </a:buClr>
-              <a:buFont typeface="Arial" panose="020B0604020202020204" pitchFamily="34" charset="0"/>
-              <a:buChar char="•"/>
-            </a:pPr>
-            <a:r>
-              <a:rPr lang="en-US" sz="2000" dirty="0" smtClean="0">
-                <a:latin typeface="Constantia" panose="02030602050306030303" pitchFamily="18" charset="0"/>
-              </a:rPr>
-              <a:t>Demonstrated </a:t>
-            </a:r>
-            <a:r>
-              <a:rPr lang="en-US" sz="2000" dirty="0">
-                <a:latin typeface="Constantia" panose="02030602050306030303" pitchFamily="18" charset="0"/>
-              </a:rPr>
-              <a:t>a tandem architecture </a:t>
-            </a:r>
-            <a:r>
-              <a:rPr lang="en-US" sz="2000" dirty="0" smtClean="0">
-                <a:latin typeface="Constantia" panose="02030602050306030303" pitchFamily="18" charset="0"/>
-              </a:rPr>
-              <a:t>that tolerates </a:t>
-            </a:r>
-            <a:r>
-              <a:rPr lang="en-US" sz="2000" dirty="0">
-                <a:latin typeface="Constantia" panose="02030602050306030303" pitchFamily="18" charset="0"/>
-              </a:rPr>
-              <a:t>both explicit and implicit </a:t>
-            </a:r>
-            <a:r>
-              <a:rPr lang="en-US" sz="2000" dirty="0" err="1">
-                <a:latin typeface="Constantia" panose="02030602050306030303" pitchFamily="18" charset="0"/>
-              </a:rPr>
-              <a:t>nonunique</a:t>
-            </a:r>
-            <a:r>
-              <a:rPr lang="en-US" sz="2000" dirty="0">
-                <a:latin typeface="Constantia" panose="02030602050306030303" pitchFamily="18" charset="0"/>
-              </a:rPr>
-              <a:t> </a:t>
-            </a:r>
-            <a:r>
-              <a:rPr lang="en-US" sz="2000" dirty="0" smtClean="0">
-                <a:latin typeface="Constantia" panose="02030602050306030303" pitchFamily="18" charset="0"/>
-              </a:rPr>
-              <a:t>training instances</a:t>
-            </a:r>
-            <a:r>
-              <a:rPr lang="en-US" sz="2000" dirty="0">
-                <a:latin typeface="Constantia" panose="02030602050306030303" pitchFamily="18" charset="0"/>
-              </a:rPr>
-              <a:t>. </a:t>
-            </a:r>
-            <a:r>
-              <a:rPr lang="en-US" sz="2000" dirty="0" smtClean="0">
-                <a:latin typeface="Constantia" panose="02030602050306030303" pitchFamily="18" charset="0"/>
-              </a:rPr>
-              <a:t>It </a:t>
-            </a:r>
-            <a:r>
-              <a:rPr lang="en-US" sz="2000" dirty="0">
-                <a:latin typeface="Constantia" panose="02030602050306030303" pitchFamily="18" charset="0"/>
-              </a:rPr>
-              <a:t>provides a way to train large neural networks </a:t>
-            </a:r>
-            <a:r>
-              <a:rPr lang="en-US" sz="2000" dirty="0" smtClean="0">
-                <a:latin typeface="Constantia" panose="02030602050306030303" pitchFamily="18" charset="0"/>
-              </a:rPr>
-              <a:t>for the </a:t>
-            </a:r>
-            <a:r>
-              <a:rPr lang="en-US" sz="2000" dirty="0">
-                <a:latin typeface="Constantia" panose="02030602050306030303" pitchFamily="18" charset="0"/>
-              </a:rPr>
-              <a:t>inverse design of complex photonic structures.</a:t>
-            </a:r>
-          </a:p>
-        </p:txBody>
-      </p:sp>
-    </p:spTree>
-    <p:extLst>
-      <p:ext uri="{BB962C8B-B14F-4D97-AF65-F5344CB8AC3E}">
-        <p14:creationId xmlns:p14="http://schemas.microsoft.com/office/powerpoint/2010/main" val="2841030051"/>
-      </p:ext>
-    </p:extLst>
-  </p:cSld>
-  <p:clrMapOvr>
-    <a:masterClrMapping/>
-  </p:clrMapOvr>
-  <p:timing>
-    <p:tnLst>
-      <p:par>
-        <p:cTn id="1" dur="indefinite" restart="never" nodeType="tmRoot"/>
-      </p:par>
-    </p:tnLst>
-  </p:timing>
-</p:sld>
-</file>
-
-<file path=ppt/slides/slide18.xml><?xml version="1.0" encoding="utf-8"?>
-<p:sld xmlns:a="http://schemas.openxmlformats.org/drawingml/2006/main" xmlns:r="http://schemas.openxmlformats.org/officeDocument/2006/relationships" xmlns:p="http://schemas.openxmlformats.org/presentationml/2006/main">
-  <p:cSld>
-    <p:spTree>
-      <p:nvGrpSpPr>
-        <p:cNvPr id="1" name=""/>
-        <p:cNvGrpSpPr/>
-        <p:nvPr/>
-      </p:nvGrpSpPr>
-      <p:grpSpPr>
-        <a:xfrm>
-          <a:off x="0" y="0"/>
-          <a:ext cx="0" cy="0"/>
-          <a:chOff x="0" y="0"/>
-          <a:chExt cx="0" cy="0"/>
-        </a:xfrm>
-      </p:grpSpPr>
-      <p:sp>
-        <p:nvSpPr>
-          <p:cNvPr id="10" name="TextBox 9"/>
-          <p:cNvSpPr txBox="1"/>
-          <p:nvPr/>
-        </p:nvSpPr>
-        <p:spPr>
-          <a:xfrm>
-            <a:off x="727188" y="1027533"/>
-            <a:ext cx="10838736" cy="2477601"/>
-          </a:xfrm>
-          <a:prstGeom prst="rect">
-            <a:avLst/>
-          </a:prstGeom>
-          <a:noFill/>
-        </p:spPr>
-        <p:txBody>
-          <a:bodyPr wrap="square" rtlCol="0">
-            <a:spAutoFit/>
-          </a:bodyPr>
-          <a:lstStyle/>
-          <a:p>
-            <a:pPr>
-              <a:spcBef>
-                <a:spcPts val="1200"/>
-              </a:spcBef>
-              <a:spcAft>
-                <a:spcPts val="600"/>
-              </a:spcAft>
-              <a:buClr>
-                <a:srgbClr val="3C74C1"/>
-              </a:buClr>
-            </a:pPr>
-            <a:r>
-              <a:rPr lang="en-US" sz="2000" b="1" dirty="0">
-                <a:latin typeface="Constantia" panose="02030602050306030303" pitchFamily="18" charset="0"/>
-              </a:rPr>
-              <a:t>O</a:t>
-            </a:r>
-            <a:r>
-              <a:rPr lang="en-US" sz="2000" b="1" dirty="0" smtClean="0">
-                <a:latin typeface="Constantia" panose="02030602050306030303" pitchFamily="18" charset="0"/>
-              </a:rPr>
-              <a:t>ur model:</a:t>
-            </a:r>
-          </a:p>
-          <a:p>
-            <a:pPr marL="342900" indent="-342900">
-              <a:spcBef>
-                <a:spcPts val="1200"/>
-              </a:spcBef>
-              <a:spcAft>
-                <a:spcPts val="600"/>
-              </a:spcAft>
-              <a:buClr>
-                <a:srgbClr val="3C74C1"/>
-              </a:buClr>
-              <a:buFont typeface="Arial" panose="020B0604020202020204" pitchFamily="34" charset="0"/>
-              <a:buChar char="•"/>
-            </a:pPr>
-            <a:r>
-              <a:rPr lang="en-US" dirty="0" err="1" smtClean="0">
-                <a:latin typeface="Constantia" panose="02030602050306030303" pitchFamily="18" charset="0"/>
-              </a:rPr>
-              <a:t>Nanophotonic</a:t>
-            </a:r>
-            <a:r>
-              <a:rPr lang="en-US" dirty="0" smtClean="0">
-                <a:latin typeface="Constantia" panose="02030602050306030303" pitchFamily="18" charset="0"/>
-              </a:rPr>
-              <a:t> structures: multilayer films </a:t>
-            </a:r>
-            <a:r>
-              <a:rPr lang="en-US" dirty="0">
-                <a:latin typeface="Constantia" panose="02030602050306030303" pitchFamily="18" charset="0"/>
-              </a:rPr>
-              <a:t>consisting of </a:t>
-            </a:r>
-            <a:r>
-              <a:rPr lang="en-US" dirty="0" smtClean="0">
-                <a:latin typeface="Constantia" panose="02030602050306030303" pitchFamily="18" charset="0"/>
-              </a:rPr>
-              <a:t>15 alternating </a:t>
-            </a:r>
-            <a:r>
-              <a:rPr lang="en-US" dirty="0">
-                <a:latin typeface="Constantia" panose="02030602050306030303" pitchFamily="18" charset="0"/>
-              </a:rPr>
-              <a:t>layers of SiO2 and </a:t>
-            </a:r>
-            <a:r>
-              <a:rPr lang="en-US" dirty="0" smtClean="0">
-                <a:latin typeface="Constantia" panose="02030602050306030303" pitchFamily="18" charset="0"/>
-              </a:rPr>
-              <a:t>Si. </a:t>
-            </a:r>
-            <a:r>
-              <a:rPr lang="en-US" dirty="0" smtClean="0">
-                <a:solidFill>
-                  <a:srgbClr val="FF0000"/>
-                </a:solidFill>
-                <a:latin typeface="Constantia" panose="02030602050306030303" pitchFamily="18" charset="0"/>
-              </a:rPr>
-              <a:t>The thicknesses of layers are random from 0 to </a:t>
-            </a:r>
-            <a:r>
-              <a:rPr lang="en-US" i="1" dirty="0" smtClean="0">
-                <a:solidFill>
-                  <a:srgbClr val="FF0000"/>
-                </a:solidFill>
-                <a:latin typeface="Constantia" panose="02030602050306030303" pitchFamily="18" charset="0"/>
-              </a:rPr>
-              <a:t>a</a:t>
-            </a:r>
-            <a:r>
-              <a:rPr lang="en-US" dirty="0" smtClean="0">
-                <a:solidFill>
-                  <a:srgbClr val="FF0000"/>
-                </a:solidFill>
-                <a:latin typeface="Constantia" panose="02030602050306030303" pitchFamily="18" charset="0"/>
-              </a:rPr>
-              <a:t>=1 (um?).</a:t>
-            </a:r>
-          </a:p>
-          <a:p>
-            <a:pPr marL="342900" indent="-342900">
-              <a:spcBef>
-                <a:spcPts val="1200"/>
-              </a:spcBef>
-              <a:spcAft>
-                <a:spcPts val="600"/>
-              </a:spcAft>
-              <a:buClr>
-                <a:srgbClr val="3C74C1"/>
-              </a:buClr>
-              <a:buFont typeface="Arial" panose="020B0604020202020204" pitchFamily="34" charset="0"/>
-              <a:buChar char="•"/>
-            </a:pPr>
-            <a:r>
-              <a:rPr lang="en-US" dirty="0" smtClean="0">
-                <a:latin typeface="Constantia" panose="02030602050306030303" pitchFamily="18" charset="0"/>
-              </a:rPr>
-              <a:t>Responses: transmission spectra at 200 frequencies from 0.15/</a:t>
-            </a:r>
-            <a:r>
-              <a:rPr lang="en-US" i="1" dirty="0" smtClean="0">
-                <a:latin typeface="Constantia" panose="02030602050306030303" pitchFamily="18" charset="0"/>
-              </a:rPr>
-              <a:t>a</a:t>
-            </a:r>
-            <a:r>
-              <a:rPr lang="en-US" dirty="0" smtClean="0">
-                <a:latin typeface="Constantia" panose="02030602050306030303" pitchFamily="18" charset="0"/>
-              </a:rPr>
-              <a:t> to 0.25/</a:t>
-            </a:r>
-            <a:r>
-              <a:rPr lang="en-US" i="1" dirty="0" smtClean="0">
-                <a:latin typeface="Constantia" panose="02030602050306030303" pitchFamily="18" charset="0"/>
-              </a:rPr>
-              <a:t>a</a:t>
-            </a:r>
-            <a:r>
-              <a:rPr lang="en-US" dirty="0" smtClean="0">
-                <a:latin typeface="Constantia" panose="02030602050306030303" pitchFamily="18" charset="0"/>
-              </a:rPr>
-              <a:t>.</a:t>
-            </a:r>
-          </a:p>
-          <a:p>
-            <a:pPr marL="342900" indent="-342900">
-              <a:spcBef>
-                <a:spcPts val="1200"/>
-              </a:spcBef>
-              <a:spcAft>
-                <a:spcPts val="600"/>
-              </a:spcAft>
-              <a:buClr>
-                <a:srgbClr val="3C74C1"/>
-              </a:buClr>
-              <a:buFont typeface="Arial" panose="020B0604020202020204" pitchFamily="34" charset="0"/>
-              <a:buChar char="•"/>
-            </a:pPr>
-            <a:r>
-              <a:rPr lang="en-US" dirty="0" smtClean="0">
-                <a:latin typeface="Constantia" panose="02030602050306030303" pitchFamily="18" charset="0"/>
-              </a:rPr>
-              <a:t>The responses are calculated analytically using equations describing the plain wave propagation through a multilayer film.</a:t>
-            </a:r>
-          </a:p>
-        </p:txBody>
-      </p:sp>
-      <p:sp>
-        <p:nvSpPr>
-          <p:cNvPr id="8" name="Прямоугольник 7"/>
-          <p:cNvSpPr/>
-          <p:nvPr/>
-        </p:nvSpPr>
-        <p:spPr>
-          <a:xfrm>
-            <a:off x="0" y="0"/>
-            <a:ext cx="12192000" cy="843295"/>
-          </a:xfrm>
-          <a:prstGeom prst="rect">
-            <a:avLst/>
-          </a:prstGeom>
-          <a:solidFill>
-            <a:srgbClr val="3C74C1"/>
-          </a:solidFill>
-          <a:ln>
-            <a:noFill/>
-          </a:ln>
-        </p:spPr>
-        <p:style>
-          <a:lnRef idx="2">
-            <a:schemeClr val="accent1">
-              <a:shade val="50000"/>
-            </a:schemeClr>
-          </a:lnRef>
-          <a:fillRef idx="1">
-            <a:schemeClr val="accent1"/>
-          </a:fillRef>
-          <a:effectRef idx="0">
-            <a:schemeClr val="accent1"/>
-          </a:effectRef>
-          <a:fontRef idx="minor">
-            <a:schemeClr val="lt1"/>
-          </a:fontRef>
-        </p:style>
-        <p:txBody>
-          <a:bodyPr rtlCol="0" anchor="ctr"/>
-          <a:lstStyle/>
-          <a:p>
-            <a:pPr algn="ctr"/>
-            <a:endParaRPr lang="ru-RU">
-              <a:solidFill>
-                <a:srgbClr val="4500C0"/>
-              </a:solidFill>
-            </a:endParaRPr>
-          </a:p>
-        </p:txBody>
-      </p:sp>
-      <p:sp>
-        <p:nvSpPr>
-          <p:cNvPr id="9" name="Заголовок 1"/>
-          <p:cNvSpPr>
-            <a:spLocks noGrp="1"/>
-          </p:cNvSpPr>
-          <p:nvPr>
-            <p:ph type="ctrTitle"/>
-          </p:nvPr>
-        </p:nvSpPr>
-        <p:spPr>
-          <a:xfrm>
-            <a:off x="727188" y="189645"/>
-            <a:ext cx="10684297" cy="592949"/>
-          </a:xfrm>
-        </p:spPr>
-        <p:txBody>
-          <a:bodyPr>
-            <a:noAutofit/>
-          </a:bodyPr>
-          <a:lstStyle/>
-          <a:p>
-            <a:r>
-              <a:rPr lang="en-US" sz="4000" b="1" dirty="0" smtClean="0">
-                <a:solidFill>
-                  <a:schemeClr val="bg1"/>
-                </a:solidFill>
-                <a:latin typeface="Constantia" panose="02030602050306030303" pitchFamily="18" charset="0"/>
-              </a:rPr>
-              <a:t>Simulation Results</a:t>
+              <a:t>Our Model</a:t>
             </a:r>
             <a:endParaRPr lang="en-GB" sz="4000" b="1" dirty="0">
               <a:solidFill>
@@ -8968,8 +8271,8 @@
         </p:nvGrpSpPr>
         <p:grpSpPr>
           <a:xfrm>
-            <a:off x="3798375" y="3571036"/>
-            <a:ext cx="3898319" cy="3017214"/>
+            <a:off x="4244623" y="3429000"/>
+            <a:ext cx="3571689" cy="2894074"/>
             <a:chOff x="3608904" y="3677326"/>
             <a:chExt cx="3898319" cy="3017214"/>
           </a:xfrm>
@@ -9020,7 +8323,7 @@
             <a:lstStyle/>
             <a:p>
               <a:r>
-                <a:rPr lang="en-US" sz="1600" b="1" dirty="0" smtClean="0">
+                <a:rPr lang="en-US" sz="1600" b="1" dirty="0">
                   <a:latin typeface="Constantia" panose="02030602050306030303" pitchFamily="18" charset="0"/>
                 </a:rPr>
                 <a:t>Si</a:t>
@@ -9054,7 +8357,7 @@
             <a:lstStyle/>
             <a:p>
               <a:r>
-                <a:rPr lang="en-US" sz="1600" b="1" dirty="0" smtClean="0">
+                <a:rPr lang="en-US" sz="1600" b="1" dirty="0">
                   <a:latin typeface="Constantia" panose="02030602050306030303" pitchFamily="18" charset="0"/>
                 </a:rPr>
                 <a:t>SiO2</a:t>
@@ -9284,6 +8587,68 @@
           </mc:Fallback>
         </mc:AlternateContent>
       </p:grpSp>
+      <p:sp>
+        <p:nvSpPr>
+          <p:cNvPr id="2" name="TextBox 1">
+            <a:extLst>
+              <a:ext uri="{FF2B5EF4-FFF2-40B4-BE49-F238E27FC236}">
+                <a16:creationId xmlns:a16="http://schemas.microsoft.com/office/drawing/2014/main" id="{3F1CCD5A-7648-174B-BEE0-CB830E17CC6D}"/>
+              </a:ext>
+            </a:extLst>
+          </p:cNvPr>
+          <p:cNvSpPr txBox="1"/>
+          <p:nvPr/>
+        </p:nvSpPr>
+        <p:spPr>
+          <a:xfrm>
+            <a:off x="576072" y="6455664"/>
+            <a:ext cx="10908792" cy="276999"/>
+          </a:xfrm>
+          <a:prstGeom prst="rect">
+            <a:avLst/>
+          </a:prstGeom>
+          <a:noFill/>
+        </p:spPr>
+        <p:txBody>
+          <a:bodyPr wrap="square" rtlCol="0">
+            <a:spAutoFit/>
+          </a:bodyPr>
+          <a:lstStyle/>
+          <a:p>
+            <a:pPr algn="r"/>
+            <a:r>
+              <a:rPr lang="en-US" sz="1200" dirty="0">
+                <a:latin typeface="Constantia" panose="02030602050306030303" pitchFamily="18" charset="0"/>
+              </a:rPr>
+              <a:t>* G. N. </a:t>
+            </a:r>
+            <a:r>
+              <a:rPr lang="en-US" sz="1200" dirty="0" err="1">
+                <a:latin typeface="Constantia" panose="02030602050306030303" pitchFamily="18" charset="0"/>
+              </a:rPr>
+              <a:t>Borzdov</a:t>
+            </a:r>
+            <a:r>
+              <a:rPr lang="en-US" sz="1200" dirty="0">
+                <a:latin typeface="Constantia" panose="02030602050306030303" pitchFamily="18" charset="0"/>
+              </a:rPr>
+              <a:t>, Frequency Domain Wave-Splitting Techniques for Plane Stratified </a:t>
+            </a:r>
+            <a:r>
+              <a:rPr lang="en-US" sz="1200" dirty="0" err="1">
+                <a:latin typeface="Constantia" panose="02030602050306030303" pitchFamily="18" charset="0"/>
+              </a:rPr>
+              <a:t>Bianisotropic</a:t>
+            </a:r>
+            <a:r>
+              <a:rPr lang="en-US" sz="1200" dirty="0">
+                <a:latin typeface="Constantia" panose="02030602050306030303" pitchFamily="18" charset="0"/>
+              </a:rPr>
+              <a:t> Media, Journal of Mathematical Physics 38, 6328 (1997).</a:t>
+            </a:r>
+          </a:p>
+        </p:txBody>
+      </p:sp>
     </p:spTree>
     <p:extLst>
       <p:ext uri="{BB962C8B-B14F-4D97-AF65-F5344CB8AC3E}">
@@ -9294,17 +8659,10 @@
   <p:clrMapOvr>
     <a:masterClrMapping/>
   </p:clrMapOvr>
-  <p:timing>
-    <p:tnLst>
-      <p:par>
-        <p:cTn id="1" dur="indefinite" restart="never" nodeType="tmRoot"/>
-      </p:par>
-    </p:tnLst>
-  </p:timing>
 </p:sld>
 </file>
 
-<file path=ppt/slides/slide19.xml><?xml version="1.0" encoding="utf-8"?>
+<file path=ppt/slides/slide18.xml><?xml version="1.0" encoding="utf-8"?>
 <p:sld xmlns:a="http://schemas.openxmlformats.org/drawingml/2006/main" xmlns:r="http://schemas.openxmlformats.org/officeDocument/2006/relationships" xmlns:p="http://schemas.openxmlformats.org/presentationml/2006/main">
   <p:cSld>
     <p:spTree>
@@ -9321,162 +8679,6 @@
           <a:chExt cx="0" cy="0"/>
         </a:xfrm>
       </p:grpSpPr>
-      <p:sp>
-        <p:nvSpPr>
-          <p:cNvPr id="10" name="TextBox 9"/>
-          <p:cNvSpPr txBox="1"/>
-          <p:nvPr/>
-        </p:nvSpPr>
-        <p:spPr>
-          <a:xfrm>
-            <a:off x="727188" y="1027533"/>
-            <a:ext cx="10838736" cy="1923604"/>
-          </a:xfrm>
-          <a:prstGeom prst="rect">
-            <a:avLst/>
-          </a:prstGeom>
-          <a:noFill/>
-        </p:spPr>
-        <p:txBody>
-          <a:bodyPr wrap="square" rtlCol="0">
-            <a:spAutoFit/>
-          </a:bodyPr>
-          <a:lstStyle/>
-          <a:p>
-            <a:pPr>
-              <a:spcBef>
-                <a:spcPts val="1200"/>
-              </a:spcBef>
-              <a:spcAft>
-                <a:spcPts val="600"/>
-              </a:spcAft>
-              <a:buClr>
-                <a:srgbClr val="3C74C1"/>
-              </a:buClr>
-            </a:pPr>
-            <a:r>
-              <a:rPr lang="en-US" sz="2000" b="1" dirty="0" smtClean="0">
-                <a:latin typeface="Constantia" panose="02030602050306030303" pitchFamily="18" charset="0"/>
-              </a:rPr>
-              <a:t>Training a forward-modeling network:</a:t>
-            </a:r>
-          </a:p>
-          <a:p>
-            <a:pPr marL="342900" indent="-342900">
-              <a:spcBef>
-                <a:spcPts val="1200"/>
-              </a:spcBef>
-              <a:spcAft>
-                <a:spcPts val="600"/>
-              </a:spcAft>
-              <a:buClr>
-                <a:srgbClr val="3C74C1"/>
-              </a:buClr>
-              <a:buFont typeface="Arial" panose="020B0604020202020204" pitchFamily="34" charset="0"/>
-              <a:buChar char="•"/>
-            </a:pPr>
-            <a:r>
-              <a:rPr lang="en-US" dirty="0" smtClean="0">
-                <a:latin typeface="Constantia" panose="02030602050306030303" pitchFamily="18" charset="0"/>
-              </a:rPr>
-              <a:t>Architecture 4 is used with 4 hidden layers and weights 15</a:t>
-            </a:r>
-            <a:r>
-              <a:rPr lang="ru-RU" dirty="0" smtClean="0">
-                <a:latin typeface="Constantia" panose="02030602050306030303" pitchFamily="18" charset="0"/>
-              </a:rPr>
-              <a:t> </a:t>
-            </a:r>
-            <a:r>
-              <a:rPr lang="ru-RU" dirty="0">
-                <a:latin typeface="Constantia" panose="02030602050306030303" pitchFamily="18" charset="0"/>
-              </a:rPr>
-              <a:t>− 500 − 200 − 200 − 200 − </a:t>
-            </a:r>
-            <a:r>
-              <a:rPr lang="ru-RU" dirty="0" smtClean="0">
-                <a:latin typeface="Constantia" panose="02030602050306030303" pitchFamily="18" charset="0"/>
-              </a:rPr>
-              <a:t>200</a:t>
-            </a:r>
-            <a:r>
-              <a:rPr lang="en-US" dirty="0" smtClean="0">
-                <a:latin typeface="Constantia" panose="02030602050306030303" pitchFamily="18" charset="0"/>
-              </a:rPr>
-              <a:t>.</a:t>
-            </a:r>
-          </a:p>
-          <a:p>
-            <a:pPr marL="342900" indent="-342900">
-              <a:spcBef>
-                <a:spcPts val="1200"/>
-              </a:spcBef>
-              <a:spcAft>
-                <a:spcPts val="600"/>
-              </a:spcAft>
-              <a:buClr>
-                <a:srgbClr val="3C74C1"/>
-              </a:buClr>
-              <a:buFont typeface="Arial" panose="020B0604020202020204" pitchFamily="34" charset="0"/>
-              <a:buChar char="•"/>
-            </a:pPr>
-            <a:r>
-              <a:rPr lang="en-US" dirty="0" smtClean="0">
-                <a:latin typeface="Constantia" panose="02030602050306030303" pitchFamily="18" charset="0"/>
-              </a:rPr>
-              <a:t>Activation function: sigmoid.</a:t>
-            </a:r>
-          </a:p>
-          <a:p>
-            <a:pPr marL="342900" indent="-342900">
-              <a:spcBef>
-                <a:spcPts val="1200"/>
-              </a:spcBef>
-              <a:spcAft>
-                <a:spcPts val="600"/>
-              </a:spcAft>
-              <a:buClr>
-                <a:srgbClr val="3C74C1"/>
-              </a:buClr>
-              <a:buFont typeface="Arial" panose="020B0604020202020204" pitchFamily="34" charset="0"/>
-              <a:buChar char="•"/>
-            </a:pPr>
-            <a:r>
-              <a:rPr lang="en-US" dirty="0" smtClean="0">
-                <a:latin typeface="Constantia" panose="02030602050306030303" pitchFamily="18" charset="0"/>
-              </a:rPr>
-              <a:t>Number of designs: training set = </a:t>
-            </a:r>
-            <a:r>
-              <a:rPr lang="ru-RU" dirty="0">
-                <a:latin typeface="Constantia" panose="02030602050306030303" pitchFamily="18" charset="0"/>
-              </a:rPr>
-              <a:t>588429</a:t>
-            </a:r>
-            <a:r>
-              <a:rPr lang="en-US" dirty="0" smtClean="0">
-                <a:latin typeface="Constantia" panose="02030602050306030303" pitchFamily="18" charset="0"/>
-              </a:rPr>
-              <a:t>, testing set = </a:t>
-            </a:r>
-            <a:r>
-              <a:rPr lang="ru-RU" dirty="0">
-                <a:latin typeface="Constantia" panose="02030602050306030303" pitchFamily="18" charset="0"/>
-              </a:rPr>
-              <a:t>65381</a:t>
-            </a:r>
-            <a:r>
-              <a:rPr lang="en-US" dirty="0" smtClean="0">
-                <a:latin typeface="Constantia" panose="02030602050306030303" pitchFamily="18" charset="0"/>
-              </a:rPr>
-              <a:t> (0.1 of all data)</a:t>
-            </a:r>
-            <a:endParaRPr lang="ru-RU" dirty="0">
-              <a:latin typeface="Constantia" panose="02030602050306030303" pitchFamily="18" charset="0"/>
-            </a:endParaRPr>
-          </a:p>
-        </p:txBody>
-      </p:sp>
       <p:sp>
         <p:nvSpPr>
           <p:cNvPr id="8" name="Прямоугольник 7"/>
@@ -9550,7 +8752,731 @@
           <a:lstStyle/>
           <a:p>
             <a:r>
-              <a:rPr lang="en-US" sz="4000" b="1" dirty="0" smtClean="0">
+              <a:rPr lang="en-US" sz="4000" b="1" dirty="0">
+                <a:solidFill>
+                  <a:schemeClr val="bg1"/>
+                </a:solidFill>
+                <a:latin typeface="Constantia" panose="02030602050306030303" pitchFamily="18" charset="0"/>
+              </a:rPr>
+              <a:t>Implementation</a:t>
+            </a:r>
+            <a:endParaRPr lang="en-GB" sz="4000" b="1" dirty="0">
+              <a:solidFill>
+                <a:schemeClr val="bg1"/>
+              </a:solidFill>
+              <a:latin typeface="Constantia" panose="02030602050306030303" pitchFamily="18" charset="0"/>
+            </a:endParaRPr>
+          </a:p>
+        </p:txBody>
+      </p:sp>
+      <mc:AlternateContent xmlns:mc="http://schemas.openxmlformats.org/markup-compatibility/2006">
+        <mc:Choice xmlns:a14="http://schemas.microsoft.com/office/drawing/2010/main" Requires="a14">
+          <p:sp>
+            <p:nvSpPr>
+              <p:cNvPr id="14" name="TextBox 13">
+                <a:extLst>
+                  <a:ext uri="{FF2B5EF4-FFF2-40B4-BE49-F238E27FC236}">
+                    <a16:creationId xmlns:a16="http://schemas.microsoft.com/office/drawing/2014/main" id="{2688551F-751F-4343-A42C-9F305CEDB0A4}"/>
+                  </a:ext>
+                </a:extLst>
+              </p:cNvPr>
+              <p:cNvSpPr txBox="1"/>
+              <p:nvPr/>
+            </p:nvSpPr>
+            <p:spPr>
+              <a:xfrm>
+                <a:off x="718044" y="1027533"/>
+                <a:ext cx="10838736" cy="6232475"/>
+              </a:xfrm>
+              <a:prstGeom prst="rect">
+                <a:avLst/>
+              </a:prstGeom>
+              <a:noFill/>
+            </p:spPr>
+            <p:txBody>
+              <a:bodyPr wrap="square" rtlCol="0">
+                <a:spAutoFit/>
+              </a:bodyPr>
+              <a:lstStyle/>
+              <a:p>
+                <a:pPr>
+                  <a:spcBef>
+                    <a:spcPts val="1200"/>
+                  </a:spcBef>
+                  <a:spcAft>
+                    <a:spcPts val="600"/>
+                  </a:spcAft>
+                  <a:buClr>
+                    <a:srgbClr val="3C74C1"/>
+                  </a:buClr>
+                </a:pPr>
+                <a:r>
+                  <a:rPr lang="en-US" b="1" dirty="0">
+                    <a:latin typeface="Constantia" panose="02030602050306030303" pitchFamily="18" charset="0"/>
+                  </a:rPr>
+                  <a:t>Physical Model:</a:t>
+                </a:r>
+              </a:p>
+              <a:p>
+                <a:pPr marL="342900" indent="-342900">
+                  <a:spcBef>
+                    <a:spcPts val="1200"/>
+                  </a:spcBef>
+                  <a:spcAft>
+                    <a:spcPts val="600"/>
+                  </a:spcAft>
+                  <a:buClr>
+                    <a:srgbClr val="3C74C1"/>
+                  </a:buClr>
+                  <a:buFont typeface="Arial" panose="020B0604020202020204" pitchFamily="34" charset="0"/>
+                  <a:buChar char="•"/>
+                </a:pPr>
+                <a:r>
+                  <a:rPr lang="en-US" dirty="0">
+                    <a:latin typeface="Constantia" panose="02030602050306030303" pitchFamily="18" charset="0"/>
+                  </a:rPr>
+                  <a:t>Python implementation: </a:t>
+                </a:r>
+                <a:r>
+                  <a:rPr lang="en-US" b="1" dirty="0">
+                    <a:latin typeface="Constantia" panose="02030602050306030303" pitchFamily="18" charset="0"/>
+                  </a:rPr>
+                  <a:t>1 day</a:t>
+                </a:r>
+                <a:r>
+                  <a:rPr lang="en-US" dirty="0">
+                    <a:latin typeface="Constantia" panose="02030602050306030303" pitchFamily="18" charset="0"/>
+                  </a:rPr>
+                  <a:t>. At start performance was about 5 s / sample (28 days for 500 000 samples)</a:t>
+                </a:r>
+                <a:r>
+                  <a:rPr lang="en-US" b="1" dirty="0">
+                    <a:latin typeface="Constantia" panose="02030602050306030303" pitchFamily="18" charset="0"/>
+                  </a:rPr>
+                  <a:t>;</a:t>
+                </a:r>
+                <a:endParaRPr lang="en-US" dirty="0">
+                  <a:latin typeface="Constantia" panose="02030602050306030303" pitchFamily="18" charset="0"/>
+                </a:endParaRPr>
+              </a:p>
+              <a:p>
+                <a:pPr marL="342900" indent="-342900">
+                  <a:spcBef>
+                    <a:spcPts val="1200"/>
+                  </a:spcBef>
+                  <a:spcAft>
+                    <a:spcPts val="600"/>
+                  </a:spcAft>
+                  <a:buClr>
+                    <a:srgbClr val="3C74C1"/>
+                  </a:buClr>
+                  <a:buFont typeface="Arial" panose="020B0604020202020204" pitchFamily="34" charset="0"/>
+                  <a:buChar char="•"/>
+                </a:pPr>
+                <a:r>
+                  <a:rPr lang="en-US" dirty="0">
+                    <a:latin typeface="Constantia" panose="02030602050306030303" pitchFamily="18" charset="0"/>
+                  </a:rPr>
+                  <a:t>Performance optimization: </a:t>
+                </a:r>
+                <a:r>
+                  <a:rPr lang="en-US" b="1" dirty="0">
+                    <a:latin typeface="Constantia" panose="02030602050306030303" pitchFamily="18" charset="0"/>
+                  </a:rPr>
+                  <a:t>1 day. </a:t>
+                </a:r>
+                <a:r>
+                  <a:rPr lang="en-US" dirty="0">
+                    <a:latin typeface="Constantia" panose="02030602050306030303" pitchFamily="18" charset="0"/>
+                  </a:rPr>
+                  <a:t>We have reached </a:t>
+                </a:r>
+                <a14:m>
+                  <m:oMath xmlns:m="http://schemas.openxmlformats.org/officeDocument/2006/math">
+                    <m:r>
+                      <a:rPr lang="en-US" b="0" i="1" smtClean="0">
+                        <a:latin typeface="Cambria Math" panose="02040503050406030204" pitchFamily="18" charset="0"/>
+                      </a:rPr>
+                      <m:t>×40</m:t>
+                    </m:r>
+                  </m:oMath>
+                </a14:m>
+                <a:r>
+                  <a:rPr lang="en-US" dirty="0">
+                    <a:latin typeface="Constantia" panose="02030602050306030303" pitchFamily="18" charset="0"/>
+                  </a:rPr>
+                  <a:t> times speedup.</a:t>
+                </a:r>
+              </a:p>
+              <a:p>
+                <a:pPr>
+                  <a:spcBef>
+                    <a:spcPts val="1200"/>
+                  </a:spcBef>
+                  <a:spcAft>
+                    <a:spcPts val="600"/>
+                  </a:spcAft>
+                  <a:buClr>
+                    <a:srgbClr val="3C74C1"/>
+                  </a:buClr>
+                </a:pPr>
+                <a:r>
+                  <a:rPr lang="en-US" b="1" dirty="0">
+                    <a:latin typeface="Constantia" panose="02030602050306030303" pitchFamily="18" charset="0"/>
+                  </a:rPr>
+                  <a:t>Dataset:</a:t>
+                </a:r>
+              </a:p>
+              <a:p>
+                <a:pPr marL="342900" indent="-342900">
+                  <a:spcBef>
+                    <a:spcPts val="1200"/>
+                  </a:spcBef>
+                  <a:spcAft>
+                    <a:spcPts val="600"/>
+                  </a:spcAft>
+                  <a:buClr>
+                    <a:srgbClr val="3C74C1"/>
+                  </a:buClr>
+                  <a:buFont typeface="Arial" panose="020B0604020202020204" pitchFamily="34" charset="0"/>
+                  <a:buChar char="•"/>
+                </a:pPr>
+                <a:r>
+                  <a:rPr lang="en-US" dirty="0">
+                    <a:latin typeface="Constantia" panose="02030602050306030303" pitchFamily="18" charset="0"/>
+                  </a:rPr>
+                  <a:t>Generating ~660 000 samples: </a:t>
+                </a:r>
+                <a:r>
+                  <a:rPr lang="en-US" b="1" dirty="0">
+                    <a:latin typeface="Constantia" panose="02030602050306030303" pitchFamily="18" charset="0"/>
+                  </a:rPr>
+                  <a:t>~20 hours</a:t>
+                </a:r>
+                <a:r>
+                  <a:rPr lang="en-US" dirty="0">
+                    <a:latin typeface="Constantia" panose="02030602050306030303" pitchFamily="18" charset="0"/>
+                  </a:rPr>
+                  <a:t> of simulations;</a:t>
+                </a:r>
+              </a:p>
+              <a:p>
+                <a:pPr>
+                  <a:spcBef>
+                    <a:spcPts val="1200"/>
+                  </a:spcBef>
+                  <a:spcAft>
+                    <a:spcPts val="600"/>
+                  </a:spcAft>
+                  <a:buClr>
+                    <a:srgbClr val="3C74C1"/>
+                  </a:buClr>
+                </a:pPr>
+                <a:r>
+                  <a:rPr lang="en-US" b="1" dirty="0">
+                    <a:latin typeface="Constantia" panose="02030602050306030303" pitchFamily="18" charset="0"/>
+                  </a:rPr>
+                  <a:t>Neural Networks:</a:t>
+                </a:r>
+              </a:p>
+              <a:p>
+                <a:pPr marL="342900" indent="-342900">
+                  <a:spcBef>
+                    <a:spcPts val="1200"/>
+                  </a:spcBef>
+                  <a:spcAft>
+                    <a:spcPts val="600"/>
+                  </a:spcAft>
+                  <a:buClr>
+                    <a:srgbClr val="3C74C1"/>
+                  </a:buClr>
+                  <a:buFont typeface="Arial" panose="020B0604020202020204" pitchFamily="34" charset="0"/>
+                  <a:buChar char="•"/>
+                </a:pPr>
+                <a:r>
+                  <a:rPr lang="en-US" dirty="0">
+                    <a:latin typeface="Constantia" panose="02030602050306030303" pitchFamily="18" charset="0"/>
+                  </a:rPr>
+                  <a:t>Implementing models in </a:t>
+                </a:r>
+                <a:r>
+                  <a:rPr lang="en-US" b="1" dirty="0">
+                    <a:latin typeface="Constantia" panose="02030602050306030303" pitchFamily="18" charset="0"/>
+                  </a:rPr>
+                  <a:t>Tensorflow</a:t>
+                </a:r>
+                <a:r>
+                  <a:rPr lang="en-US" dirty="0">
+                    <a:latin typeface="Constantia" panose="02030602050306030303" pitchFamily="18" charset="0"/>
+                  </a:rPr>
+                  <a:t> </a:t>
+                </a:r>
+                <a:r>
+                  <a:rPr lang="en-US" b="1" dirty="0">
+                    <a:latin typeface="Constantia" panose="02030602050306030303" pitchFamily="18" charset="0"/>
+                  </a:rPr>
+                  <a:t>2.0</a:t>
+                </a:r>
+                <a:r>
+                  <a:rPr lang="en-US" dirty="0">
+                    <a:latin typeface="Constantia" panose="02030602050306030303" pitchFamily="18" charset="0"/>
+                  </a:rPr>
+                  <a:t> with </a:t>
+                </a:r>
+                <a:r>
+                  <a:rPr lang="en-US" b="1" dirty="0">
+                    <a:latin typeface="Constantia" panose="02030602050306030303" pitchFamily="18" charset="0"/>
+                  </a:rPr>
+                  <a:t>Keras</a:t>
+                </a:r>
+                <a:r>
+                  <a:rPr lang="en-US" dirty="0">
+                    <a:latin typeface="Constantia" panose="02030602050306030303" pitchFamily="18" charset="0"/>
+                  </a:rPr>
+                  <a:t>: </a:t>
+                </a:r>
+                <a:r>
+                  <a:rPr lang="en-US" b="1" dirty="0">
+                    <a:latin typeface="Constantia" panose="02030602050306030303" pitchFamily="18" charset="0"/>
+                  </a:rPr>
+                  <a:t>~1 day;</a:t>
+                </a:r>
+              </a:p>
+              <a:p>
+                <a:pPr marL="342900" indent="-342900">
+                  <a:spcBef>
+                    <a:spcPts val="1200"/>
+                  </a:spcBef>
+                  <a:spcAft>
+                    <a:spcPts val="600"/>
+                  </a:spcAft>
+                  <a:buClr>
+                    <a:srgbClr val="3C74C1"/>
+                  </a:buClr>
+                  <a:buFont typeface="Arial" panose="020B0604020202020204" pitchFamily="34" charset="0"/>
+                  <a:buChar char="•"/>
+                </a:pPr>
+                <a:r>
+                  <a:rPr lang="en-US" dirty="0">
+                    <a:latin typeface="Constantia" panose="02030602050306030303" pitchFamily="18" charset="0"/>
+                  </a:rPr>
+                  <a:t>Training forward model: </a:t>
+                </a:r>
+                <a:r>
+                  <a:rPr lang="en-US" b="1" dirty="0">
+                    <a:latin typeface="Constantia" panose="02030602050306030303" pitchFamily="18" charset="0"/>
+                  </a:rPr>
+                  <a:t>~20 hours </a:t>
+                </a:r>
+                <a:r>
+                  <a:rPr lang="en-US" dirty="0">
+                    <a:latin typeface="Constantia" panose="02030602050306030303" pitchFamily="18" charset="0"/>
+                  </a:rPr>
+                  <a:t>of simulations</a:t>
+                </a:r>
+                <a:r>
+                  <a:rPr lang="en-US" b="1" dirty="0">
+                    <a:latin typeface="Constantia" panose="02030602050306030303" pitchFamily="18" charset="0"/>
+                  </a:rPr>
+                  <a:t>;</a:t>
+                </a:r>
+                <a:endParaRPr lang="en-US" dirty="0">
+                  <a:latin typeface="Constantia" panose="02030602050306030303" pitchFamily="18" charset="0"/>
+                </a:endParaRPr>
+              </a:p>
+              <a:p>
+                <a:pPr marL="342900" indent="-342900">
+                  <a:spcBef>
+                    <a:spcPts val="1200"/>
+                  </a:spcBef>
+                  <a:spcAft>
+                    <a:spcPts val="600"/>
+                  </a:spcAft>
+                  <a:buClr>
+                    <a:srgbClr val="3C74C1"/>
+                  </a:buClr>
+                  <a:buFont typeface="Arial" panose="020B0604020202020204" pitchFamily="34" charset="0"/>
+                  <a:buChar char="•"/>
+                </a:pPr>
+                <a:r>
+                  <a:rPr lang="en-US" dirty="0">
+                    <a:latin typeface="Constantia" panose="02030602050306030303" pitchFamily="18" charset="0"/>
+                  </a:rPr>
+                  <a:t>Training inverse model: </a:t>
+                </a:r>
+                <a:r>
+                  <a:rPr lang="en-US" b="1" dirty="0">
+                    <a:latin typeface="Constantia" panose="02030602050306030303" pitchFamily="18" charset="0"/>
+                  </a:rPr>
+                  <a:t>~6 hours;</a:t>
+                </a:r>
+              </a:p>
+              <a:p>
+                <a:pPr>
+                  <a:spcBef>
+                    <a:spcPts val="1200"/>
+                  </a:spcBef>
+                  <a:spcAft>
+                    <a:spcPts val="600"/>
+                  </a:spcAft>
+                  <a:buClr>
+                    <a:srgbClr val="3C74C1"/>
+                  </a:buClr>
+                </a:pPr>
+                <a:r>
+                  <a:rPr lang="en-US" b="1" dirty="0">
+                    <a:latin typeface="Constantia" panose="02030602050306030303" pitchFamily="18" charset="0"/>
+                  </a:rPr>
+                  <a:t>Results:</a:t>
+                </a:r>
+                <a:endParaRPr lang="en-US" dirty="0">
+                  <a:latin typeface="Constantia" panose="02030602050306030303" pitchFamily="18" charset="0"/>
+                </a:endParaRPr>
+              </a:p>
+              <a:p>
+                <a:pPr marL="342900" indent="-342900">
+                  <a:spcBef>
+                    <a:spcPts val="1200"/>
+                  </a:spcBef>
+                  <a:spcAft>
+                    <a:spcPts val="600"/>
+                  </a:spcAft>
+                  <a:buClr>
+                    <a:srgbClr val="3C74C1"/>
+                  </a:buClr>
+                  <a:buFont typeface="Arial" panose="020B0604020202020204" pitchFamily="34" charset="0"/>
+                  <a:buChar char="•"/>
+                </a:pPr>
+                <a:r>
+                  <a:rPr lang="en-US" dirty="0">
+                    <a:latin typeface="Constantia" panose="02030602050306030303" pitchFamily="18" charset="0"/>
+                  </a:rPr>
+                  <a:t>Analysis of obtained results </a:t>
+                </a:r>
+                <a:r>
+                  <a:rPr lang="en-US" b="1" dirty="0">
+                    <a:latin typeface="Constantia" panose="02030602050306030303" pitchFamily="18" charset="0"/>
+                  </a:rPr>
+                  <a:t>~1 day</a:t>
+                </a:r>
+                <a:r>
+                  <a:rPr lang="en-US" dirty="0">
+                    <a:latin typeface="Constantia" panose="02030602050306030303" pitchFamily="18" charset="0"/>
+                  </a:rPr>
+                  <a:t>.</a:t>
+                </a:r>
+              </a:p>
+              <a:p>
+                <a:pPr marL="342900" indent="-342900">
+                  <a:spcBef>
+                    <a:spcPts val="1200"/>
+                  </a:spcBef>
+                  <a:spcAft>
+                    <a:spcPts val="600"/>
+                  </a:spcAft>
+                  <a:buClr>
+                    <a:srgbClr val="3C74C1"/>
+                  </a:buClr>
+                  <a:buFont typeface="Arial" panose="020B0604020202020204" pitchFamily="34" charset="0"/>
+                  <a:buChar char="•"/>
+                </a:pPr>
+                <a:endParaRPr lang="en-US" dirty="0">
+                  <a:latin typeface="Constantia" panose="02030602050306030303" pitchFamily="18" charset="0"/>
+                </a:endParaRPr>
+              </a:p>
+            </p:txBody>
+          </p:sp>
+        </mc:Choice>
+        <mc:Fallback>
+          <p:sp>
+            <p:nvSpPr>
+              <p:cNvPr id="14" name="TextBox 13">
+                <a:extLst>
+                  <a:ext uri="{FF2B5EF4-FFF2-40B4-BE49-F238E27FC236}">
+                    <a16:creationId xmlns:a16="http://schemas.microsoft.com/office/drawing/2014/main" id="{2688551F-751F-4343-A42C-9F305CEDB0A4}"/>
+                  </a:ext>
+                </a:extLst>
+              </p:cNvPr>
+              <p:cNvSpPr txBox="1">
+                <a:spLocks noRot="1" noChangeAspect="1" noMove="1" noResize="1" noEditPoints="1" noAdjustHandles="1" noChangeArrowheads="1" noChangeShapeType="1" noTextEdit="1"/>
+              </p:cNvSpPr>
+              <p:nvPr/>
+            </p:nvSpPr>
+            <p:spPr>
+              <a:xfrm>
+                <a:off x="718044" y="1027533"/>
+                <a:ext cx="10838736" cy="6232475"/>
+              </a:xfrm>
+              <a:prstGeom prst="rect">
+                <a:avLst/>
+              </a:prstGeom>
+              <a:blipFill>
+                <a:blip r:embed="rId3"/>
+                <a:stretch>
+                  <a:fillRect l="-468" t="-611"/>
+                </a:stretch>
+              </a:blipFill>
+            </p:spPr>
+            <p:txBody>
+              <a:bodyPr/>
+              <a:lstStyle/>
+              <a:p>
+                <a:r>
+                  <a:rPr lang="en-BY">
+                    <a:noFill/>
+                  </a:rPr>
+                  <a:t> </a:t>
+                </a:r>
+              </a:p>
+            </p:txBody>
+          </p:sp>
+        </mc:Fallback>
+      </mc:AlternateContent>
+    </p:spTree>
+    <p:extLst>
+      <p:ext uri="{BB962C8B-B14F-4D97-AF65-F5344CB8AC3E}">
+        <p14:creationId xmlns:p14="http://schemas.microsoft.com/office/powerpoint/2010/main" val="2152717470"/>
+      </p:ext>
+    </p:extLst>
+  </p:cSld>
+  <p:clrMapOvr>
+    <a:masterClrMapping/>
+  </p:clrMapOvr>
+</p:sld>
+</file>
+
+<file path=ppt/slides/slide19.xml><?xml version="1.0" encoding="utf-8"?>
+<p:sld xmlns:a="http://schemas.openxmlformats.org/drawingml/2006/main" xmlns:r="http://schemas.openxmlformats.org/officeDocument/2006/relationships" xmlns:p="http://schemas.openxmlformats.org/presentationml/2006/main">
+  <p:cSld>
+    <p:spTree>
+      <p:nvGrpSpPr>
+        <p:cNvPr id="1" name=""/>
+        <p:cNvGrpSpPr/>
+        <p:nvPr/>
+      </p:nvGrpSpPr>
+      <p:grpSpPr>
+        <a:xfrm>
+          <a:off x="0" y="0"/>
+          <a:ext cx="0" cy="0"/>
+          <a:chOff x="0" y="0"/>
+          <a:chExt cx="0" cy="0"/>
+        </a:xfrm>
+      </p:grpSpPr>
+      <p:sp>
+        <p:nvSpPr>
+          <p:cNvPr id="10" name="TextBox 9"/>
+          <p:cNvSpPr txBox="1"/>
+          <p:nvPr/>
+        </p:nvSpPr>
+        <p:spPr>
+          <a:xfrm>
+            <a:off x="727188" y="1027533"/>
+            <a:ext cx="10838736" cy="1923604"/>
+          </a:xfrm>
+          <a:prstGeom prst="rect">
+            <a:avLst/>
+          </a:prstGeom>
+          <a:noFill/>
+        </p:spPr>
+        <p:txBody>
+          <a:bodyPr wrap="square" rtlCol="0">
+            <a:spAutoFit/>
+          </a:bodyPr>
+          <a:lstStyle/>
+          <a:p>
+            <a:pPr>
+              <a:spcBef>
+                <a:spcPts val="1200"/>
+              </a:spcBef>
+              <a:spcAft>
+                <a:spcPts val="600"/>
+              </a:spcAft>
+              <a:buClr>
+                <a:srgbClr val="3C74C1"/>
+              </a:buClr>
+            </a:pPr>
+            <a:r>
+              <a:rPr lang="en-US" sz="2000" b="1" dirty="0">
+                <a:latin typeface="Constantia" panose="02030602050306030303" pitchFamily="18" charset="0"/>
+              </a:rPr>
+              <a:t>Training a forward-modeling network:</a:t>
+            </a:r>
+          </a:p>
+          <a:p>
+            <a:pPr marL="342900" indent="-342900">
+              <a:spcBef>
+                <a:spcPts val="1200"/>
+              </a:spcBef>
+              <a:spcAft>
+                <a:spcPts val="600"/>
+              </a:spcAft>
+              <a:buClr>
+                <a:srgbClr val="3C74C1"/>
+              </a:buClr>
+              <a:buFont typeface="Arial" panose="020B0604020202020204" pitchFamily="34" charset="0"/>
+              <a:buChar char="•"/>
+            </a:pPr>
+            <a:r>
+              <a:rPr lang="en-US" dirty="0">
+                <a:latin typeface="Constantia" panose="02030602050306030303" pitchFamily="18" charset="0"/>
+              </a:rPr>
+              <a:t>Architecture 4 is used with 4 hidden layers 15</a:t>
+            </a:r>
+            <a:r>
+              <a:rPr lang="ru-RU" dirty="0">
+                <a:latin typeface="Constantia" panose="02030602050306030303" pitchFamily="18" charset="0"/>
+              </a:rPr>
+              <a:t> − 500 − 200 − 200 − 200 − 200</a:t>
+            </a:r>
+            <a:r>
+              <a:rPr lang="en-US" dirty="0">
+                <a:latin typeface="Constantia" panose="02030602050306030303" pitchFamily="18" charset="0"/>
+              </a:rPr>
+              <a:t>.</a:t>
+            </a:r>
+          </a:p>
+          <a:p>
+            <a:pPr marL="342900" indent="-342900">
+              <a:spcBef>
+                <a:spcPts val="1200"/>
+              </a:spcBef>
+              <a:spcAft>
+                <a:spcPts val="600"/>
+              </a:spcAft>
+              <a:buClr>
+                <a:srgbClr val="3C74C1"/>
+              </a:buClr>
+              <a:buFont typeface="Arial" panose="020B0604020202020204" pitchFamily="34" charset="0"/>
+              <a:buChar char="•"/>
+            </a:pPr>
+            <a:r>
+              <a:rPr lang="en-US" dirty="0">
+                <a:latin typeface="Constantia" panose="02030602050306030303" pitchFamily="18" charset="0"/>
+              </a:rPr>
+              <a:t>Activation function: sigmoid.</a:t>
+            </a:r>
+          </a:p>
+          <a:p>
+            <a:pPr marL="342900" indent="-342900">
+              <a:spcBef>
+                <a:spcPts val="1200"/>
+              </a:spcBef>
+              <a:spcAft>
+                <a:spcPts val="600"/>
+              </a:spcAft>
+              <a:buClr>
+                <a:srgbClr val="3C74C1"/>
+              </a:buClr>
+              <a:buFont typeface="Arial" panose="020B0604020202020204" pitchFamily="34" charset="0"/>
+              <a:buChar char="•"/>
+            </a:pPr>
+            <a:r>
+              <a:rPr lang="en-US" dirty="0">
+                <a:latin typeface="Constantia" panose="02030602050306030303" pitchFamily="18" charset="0"/>
+              </a:rPr>
+              <a:t>Training set = </a:t>
+            </a:r>
+            <a:r>
+              <a:rPr lang="ru-RU" dirty="0">
+                <a:latin typeface="Constantia" panose="02030602050306030303" pitchFamily="18" charset="0"/>
+              </a:rPr>
+              <a:t>588429</a:t>
+            </a:r>
+            <a:r>
+              <a:rPr lang="en-US" dirty="0">
+                <a:latin typeface="Constantia" panose="02030602050306030303" pitchFamily="18" charset="0"/>
+              </a:rPr>
+              <a:t> samples, validation set = </a:t>
+            </a:r>
+            <a:r>
+              <a:rPr lang="ru-RU" dirty="0">
+                <a:latin typeface="Constantia" panose="02030602050306030303" pitchFamily="18" charset="0"/>
+              </a:rPr>
+              <a:t>65381</a:t>
+            </a:r>
+            <a:r>
+              <a:rPr lang="en-US" dirty="0">
+                <a:latin typeface="Constantia" panose="02030602050306030303" pitchFamily="18" charset="0"/>
+              </a:rPr>
+              <a:t> samples (10% of all data)</a:t>
+            </a:r>
+          </a:p>
+        </p:txBody>
+      </p:sp>
+      <p:sp>
+        <p:nvSpPr>
+          <p:cNvPr id="8" name="Прямоугольник 7"/>
+          <p:cNvSpPr/>
+          <p:nvPr/>
+        </p:nvSpPr>
+        <p:spPr>
+          <a:xfrm>
+            <a:off x="0" y="0"/>
+            <a:ext cx="12192000" cy="843295"/>
+          </a:xfrm>
+          <a:prstGeom prst="rect">
+            <a:avLst/>
+          </a:prstGeom>
+          <a:solidFill>
+            <a:srgbClr val="3C74C1"/>
+          </a:solidFill>
+          <a:ln>
+            <a:noFill/>
+          </a:ln>
+        </p:spPr>
+        <p:style>
+          <a:lnRef idx="2">
+            <a:schemeClr val="accent1">
+              <a:shade val="50000"/>
+            </a:schemeClr>
+          </a:lnRef>
+          <a:fillRef idx="1">
+            <a:schemeClr val="accent1"/>
+          </a:fillRef>
+          <a:effectRef idx="0">
+            <a:schemeClr val="accent1"/>
+          </a:effectRef>
+          <a:fontRef idx="minor">
+            <a:schemeClr val="lt1"/>
+          </a:fontRef>
+        </p:style>
+        <p:txBody>
+          <a:bodyPr rtlCol="0" anchor="ctr"/>
+          <a:lstStyle/>
+          <a:p>
+            <a:pPr algn="ctr"/>
+            <a:endParaRPr lang="ru-RU">
+              <a:solidFill>
+                <a:srgbClr val="4500C0"/>
+              </a:solidFill>
+            </a:endParaRPr>
+          </a:p>
+        </p:txBody>
+      </p:sp>
+      <p:sp>
+        <p:nvSpPr>
+          <p:cNvPr id="9" name="Заголовок 1"/>
+          <p:cNvSpPr>
+            <a:spLocks noGrp="1"/>
+          </p:cNvSpPr>
+          <p:nvPr>
+            <p:ph type="ctrTitle"/>
+          </p:nvPr>
+        </p:nvSpPr>
+        <p:spPr>
+          <a:xfrm>
+            <a:off x="727188" y="189645"/>
+            <a:ext cx="10684297" cy="592949"/>
+          </a:xfrm>
+        </p:spPr>
+        <p:txBody>
+          <a:bodyPr>
+            <a:noAutofit/>
+          </a:bodyPr>
+          <a:lstStyle/>
+          <a:p>
+            <a:r>
+              <a:rPr lang="en-US" sz="4000" b="1" dirty="0">
                 <a:solidFill>
                   <a:schemeClr val="bg1"/>
                 </a:solidFill>
@@ -9664,7 +9590,7 @@
               <a:lstStyle/>
               <a:p>
                 <a:r>
-                  <a:rPr lang="en-US" sz="1400" dirty="0" smtClean="0">
+                  <a:rPr lang="en-US" sz="1400" dirty="0">
                     <a:latin typeface="Constantia" panose="02030602050306030303" pitchFamily="18" charset="0"/>
                   </a:rPr>
                   <a:t>Grating design</a:t>
@@ -9699,7 +9625,7 @@
             <a:lstStyle/>
             <a:p>
               <a:r>
-                <a:rPr lang="en-US" sz="1400" i="1" dirty="0" smtClean="0">
+                <a:rPr lang="en-US" sz="1400" i="1" dirty="0">
                   <a:latin typeface="Constantia" panose="02030602050306030303" pitchFamily="18" charset="0"/>
                 </a:rPr>
                 <a:t>Random seed = 18</a:t>
@@ -9794,7 +9720,7 @@
             <a:lstStyle/>
             <a:p>
               <a:r>
-                <a:rPr lang="en-US" sz="1400" dirty="0" smtClean="0">
+                <a:rPr lang="en-US" sz="1400" dirty="0">
                   <a:latin typeface="Constantia" panose="02030602050306030303" pitchFamily="18" charset="0"/>
                 </a:rPr>
                 <a:t>Grating design</a:t>
@@ -9828,7 +9754,7 @@
             <a:lstStyle/>
             <a:p>
               <a:r>
-                <a:rPr lang="en-US" sz="1400" i="1" dirty="0" smtClean="0">
+                <a:rPr lang="en-US" sz="1400" i="1" dirty="0">
                   <a:latin typeface="Constantia" panose="02030602050306030303" pitchFamily="18" charset="0"/>
                 </a:rPr>
                 <a:t>Random seed = 8</a:t>
@@ -9850,13 +9776,6 @@
   <p:clrMapOvr>
     <a:masterClrMapping/>
   </p:clrMapOvr>
-  <p:timing>
-    <p:tnLst>
-      <p:par>
-        <p:cTn id="1" dur="indefinite" restart="never" nodeType="tmRoot"/>
-      </p:par>
-    </p:tnLst>
-  </p:timing>
 </p:sld>
 </file>
 
@@ -9950,7 +9869,7 @@
           <a:lstStyle/>
           <a:p>
             <a:r>
-              <a:rPr lang="en-US" sz="4000" b="1" dirty="0" smtClean="0">
+              <a:rPr lang="en-US" sz="4000" b="1" dirty="0">
                 <a:solidFill>
                   <a:schemeClr val="bg1"/>
                 </a:solidFill>
@@ -9976,7 +9895,7 @@
         <p:spPr>
           <a:xfrm>
             <a:off x="727188" y="1242490"/>
-            <a:ext cx="10675879" cy="4493538"/>
+            <a:ext cx="10675879" cy="3831818"/>
           </a:xfrm>
           <a:prstGeom prst="rect">
             <a:avLst/>
@@ -10000,34 +9919,25 @@
               <a:buAutoNum type="arabicPeriod"/>
             </a:pPr>
             <a:r>
-              <a:rPr lang="en-US" sz="2800" b="1" dirty="0" smtClean="0">
+              <a:rPr lang="en-US" sz="2800" b="1" dirty="0">
                 <a:solidFill>
                   <a:srgbClr val="3C74C1"/>
                 </a:solidFill>
                 <a:latin typeface="Constantia" panose="02030602050306030303" pitchFamily="18" charset="0"/>
               </a:rPr>
-              <a:t>Design </a:t>
-            </a:r>
-            <a:r>
-              <a:rPr lang="en-US" sz="2800" b="1" dirty="0" smtClean="0">
+              <a:t>Design of </a:t>
+            </a:r>
+            <a:r>
+              <a:rPr lang="en-US" sz="2800" b="1" dirty="0" err="1">
                 <a:solidFill>
                   <a:srgbClr val="3C74C1"/>
                 </a:solidFill>
                 <a:latin typeface="Constantia" panose="02030602050306030303" pitchFamily="18" charset="0"/>
               </a:rPr>
-              <a:t>of </a:t>
-            </a:r>
-            <a:r>
-              <a:rPr lang="en-US" sz="2800" b="1" dirty="0" err="1" smtClean="0">
-                <a:solidFill>
-                  <a:srgbClr val="3C74C1"/>
-                </a:solidFill>
-                <a:latin typeface="Constantia" panose="02030602050306030303" pitchFamily="18" charset="0"/>
-              </a:rPr>
               <a:t>nanophotonic</a:t>
             </a:r>
             <a:r>
-              <a:rPr lang="en-US" sz="2800" b="1" dirty="0" smtClean="0">
+              <a:rPr lang="en-US" sz="2800" b="1" dirty="0">
                 <a:solidFill>
                   <a:srgbClr val="3C74C1"/>
                 </a:solidFill>
@@ -10048,7 +9958,7 @@
               <a:buAutoNum type="arabicPeriod"/>
             </a:pPr>
             <a:r>
-              <a:rPr lang="en-US" sz="2800" b="1" dirty="0" smtClean="0">
+              <a:rPr lang="en-US" sz="2800" b="1" dirty="0">
                 <a:solidFill>
                   <a:srgbClr val="3C74C1"/>
                 </a:solidFill>
@@ -10069,31 +9979,13 @@
               <a:buAutoNum type="arabicPeriod"/>
             </a:pPr>
             <a:r>
-              <a:rPr lang="en-US" sz="2800" b="1" dirty="0" smtClean="0">
-                <a:solidFill>
-                  <a:srgbClr val="3C74C1"/>
-                </a:solidFill>
-                <a:latin typeface="Constantia" panose="02030602050306030303" pitchFamily="18" charset="0"/>
-              </a:rPr>
-              <a:t>Tandem </a:t>
-            </a:r>
-            <a:r>
               <a:rPr lang="en-US" sz="2800" b="1" dirty="0">
                 <a:solidFill>
                   <a:srgbClr val="3C74C1"/>
                 </a:solidFill>
                 <a:latin typeface="Constantia" panose="02030602050306030303" pitchFamily="18" charset="0"/>
               </a:rPr>
-              <a:t>n</a:t>
-            </a:r>
-            <a:r>
-              <a:rPr lang="en-US" sz="2800" b="1" dirty="0" smtClean="0">
-                <a:solidFill>
-                  <a:srgbClr val="3C74C1"/>
-                </a:solidFill>
-                <a:latin typeface="Constantia" panose="02030602050306030303" pitchFamily="18" charset="0"/>
-              </a:rPr>
-              <a:t>eural network</a:t>
+              <a:t>Tandem neural network</a:t>
             </a:r>
           </a:p>
           <a:p>
@@ -10108,14 +10000,20 @@
               <a:buAutoNum type="arabicPeriod"/>
             </a:pPr>
             <a:r>
-              <a:rPr lang="en-US" sz="2800" b="1" dirty="0" smtClean="0">
+              <a:rPr lang="en-US" sz="2800" b="1" dirty="0">
                 <a:solidFill>
                   <a:srgbClr val="3C74C1"/>
                 </a:solidFill>
                 <a:latin typeface="Constantia" panose="02030602050306030303" pitchFamily="18" charset="0"/>
               </a:rPr>
-              <a:t>Design of 1D multilayer structures</a:t>
-            </a:r>
+              <a:t>Design of multilayer structures</a:t>
+            </a:r>
+            <a:endParaRPr lang="ru-RU" sz="2800" b="1" dirty="0">
+              <a:solidFill>
+                <a:srgbClr val="3C74C1"/>
+              </a:solidFill>
+              <a:latin typeface="Constantia" panose="02030602050306030303" pitchFamily="18" charset="0"/>
+            </a:endParaRPr>
           </a:p>
           <a:p>
             <a:pPr marL="514350" indent="-514350">
@@ -10135,23 +10033,8 @@
                 </a:solidFill>
                 <a:latin typeface="Constantia" panose="02030602050306030303" pitchFamily="18" charset="0"/>
               </a:rPr>
-              <a:t>Design of </a:t>
-            </a:r>
-            <a:r>
-              <a:rPr lang="en-US" sz="2800" b="1" dirty="0" smtClean="0">
-                <a:solidFill>
-                  <a:srgbClr val="3C74C1"/>
-                </a:solidFill>
-                <a:latin typeface="Constantia" panose="02030602050306030303" pitchFamily="18" charset="0"/>
-              </a:rPr>
-              <a:t>2D structures</a:t>
-            </a:r>
-            <a:endParaRPr lang="en-US" sz="2800" b="1" dirty="0">
-              <a:solidFill>
-                <a:srgbClr val="3C74C1"/>
-              </a:solidFill>
-              <a:latin typeface="Constantia" panose="02030602050306030303" pitchFamily="18" charset="0"/>
-            </a:endParaRPr>
+              <a:t>Our simulation results</a:t>
+            </a:r>
           </a:p>
           <a:p>
             <a:pPr marL="514350" indent="-514350">
@@ -10165,40 +10048,13 @@
               <a:buAutoNum type="arabicPeriod"/>
             </a:pPr>
             <a:r>
-              <a:rPr lang="en-US" sz="2800" b="1" dirty="0" smtClean="0">
+              <a:rPr lang="en-US" sz="2800" b="1" dirty="0">
                 <a:solidFill>
                   <a:srgbClr val="3C74C1"/>
                 </a:solidFill>
                 <a:latin typeface="Constantia" panose="02030602050306030303" pitchFamily="18" charset="0"/>
               </a:rPr>
               <a:t>Conclusion</a:t>
-            </a:r>
-            <a:endParaRPr lang="ru-RU" sz="2800" b="1" dirty="0" smtClean="0">
-              <a:solidFill>
-                <a:srgbClr val="3C74C1"/>
-              </a:solidFill>
-              <a:latin typeface="Constantia" panose="02030602050306030303" pitchFamily="18" charset="0"/>
-            </a:endParaRPr>
-          </a:p>
-          <a:p>
-            <a:pPr marL="514350" indent="-514350">
-              <a:spcBef>
-                <a:spcPts val="1200"/>
-              </a:spcBef>
-              <a:spcAft>
-                <a:spcPts val="600"/>
-              </a:spcAft>
-              <a:buFont typeface="+mj-lt"/>
-              <a:buAutoNum type="arabicPeriod"/>
-            </a:pPr>
-            <a:r>
-              <a:rPr lang="en-US" sz="2800" b="1" dirty="0" smtClean="0">
-                <a:solidFill>
-                  <a:srgbClr val="3C74C1"/>
-                </a:solidFill>
-                <a:latin typeface="Constantia" panose="02030602050306030303" pitchFamily="18" charset="0"/>
-              </a:rPr>
-              <a:t>Simulation results</a:t>
             </a:r>
           </a:p>
         </p:txBody>
@@ -10213,13 +10069,6 @@
   <p:clrMapOvr>
     <a:masterClrMapping/>
   </p:clrMapOvr>
-  <p:timing>
-    <p:tnLst>
-      <p:par>
-        <p:cTn id="1" dur="indefinite" restart="never" nodeType="tmRoot"/>
-      </p:par>
-    </p:tnLst>
-  </p:timing>
 </p:sld>
 </file>
 
@@ -10274,7 +10123,7 @@
               </a:buClr>
             </a:pPr>
             <a:r>
-              <a:rPr lang="en-US" sz="2000" b="1" dirty="0" smtClean="0">
+              <a:rPr lang="en-US" sz="2000" b="1" dirty="0">
                 <a:latin typeface="Constantia" panose="02030602050306030303" pitchFamily="18" charset="0"/>
               </a:rPr>
               <a:t>Training a tandem network:</a:t>
@@ -10295,25 +10144,19 @@
               <a:buChar char="•"/>
             </a:pPr>
             <a:r>
-              <a:rPr lang="en-US" dirty="0" smtClean="0">
-                <a:latin typeface="Constantia" panose="02030602050306030303" pitchFamily="18" charset="0"/>
-              </a:rPr>
-              <a:t>Inverse-modeling NN architecture: 2 hidden layers, weights 200</a:t>
-            </a:r>
-            <a:r>
-              <a:rPr lang="ru-RU" dirty="0" smtClean="0">
-                <a:latin typeface="Constantia" panose="02030602050306030303" pitchFamily="18" charset="0"/>
-              </a:rPr>
-              <a:t> </a:t>
+              <a:rPr lang="en-US" dirty="0">
+                <a:latin typeface="Constantia" panose="02030602050306030303" pitchFamily="18" charset="0"/>
+              </a:rPr>
+              <a:t>Inverse-modeling NN architecture: 2 hidden layers, neurons 200</a:t>
             </a:r>
             <a:r>
               <a:rPr lang="ru-RU" dirty="0">
                 <a:latin typeface="Constantia" panose="02030602050306030303" pitchFamily="18" charset="0"/>
               </a:rPr>
-              <a:t>− 500 − 200 − </a:t>
-            </a:r>
-            <a:r>
-              <a:rPr lang="en-US" dirty="0" smtClean="0">
+              <a:t> − 500 − 200 − </a:t>
+            </a:r>
+            <a:r>
+              <a:rPr lang="en-US" dirty="0">
                 <a:latin typeface="Constantia" panose="02030602050306030303" pitchFamily="18" charset="0"/>
               </a:rPr>
               <a:t>15. </a:t>
@@ -10334,10 +10177,10 @@
               <a:buChar char="•"/>
             </a:pPr>
             <a:r>
-              <a:rPr lang="en-US" dirty="0" smtClean="0">
-                <a:latin typeface="Constantia" panose="02030602050306030303" pitchFamily="18" charset="0"/>
-              </a:rPr>
-              <a:t>Epochs: 400. </a:t>
+              <a:rPr lang="en-US" dirty="0">
+                <a:latin typeface="Constantia" panose="02030602050306030303" pitchFamily="18" charset="0"/>
+              </a:rPr>
+              <a:t>Trained with 400 epochs. </a:t>
             </a:r>
           </a:p>
         </p:txBody>
@@ -10415,7 +10258,7 @@
           <a:lstStyle/>
           <a:p>
             <a:r>
-              <a:rPr lang="en-US" sz="4000" b="1" dirty="0" smtClean="0">
+              <a:rPr lang="en-US" sz="4000" b="1" dirty="0">
                 <a:solidFill>
                   <a:schemeClr val="bg1"/>
                 </a:solidFill>
@@ -10497,7 +10340,7 @@
                 <a:lstStyle/>
                 <a:p>
                   <a:r>
-                    <a:rPr lang="en-US" sz="1400" dirty="0" smtClean="0">
+                    <a:rPr lang="en-US" sz="1400" dirty="0">
                       <a:latin typeface="Constantia" panose="02030602050306030303" pitchFamily="18" charset="0"/>
                     </a:rPr>
                     <a:t>True design</a:t>
@@ -10531,7 +10374,7 @@
                 <a:lstStyle/>
                 <a:p>
                   <a:r>
-                    <a:rPr lang="en-US" sz="1400" i="1" dirty="0" smtClean="0">
+                    <a:rPr lang="en-US" sz="1400" i="1" dirty="0">
                       <a:latin typeface="Constantia" panose="02030602050306030303" pitchFamily="18" charset="0"/>
                     </a:rPr>
                     <a:t>Random seed = 8</a:t>
@@ -10589,7 +10432,7 @@
               <a:lstStyle/>
               <a:p>
                 <a:r>
-                  <a:rPr lang="en-US" sz="1400" dirty="0" smtClean="0">
+                  <a:rPr lang="en-US" sz="1400" dirty="0">
                     <a:latin typeface="Constantia" panose="02030602050306030303" pitchFamily="18" charset="0"/>
                   </a:rPr>
                   <a:t>Predicted design</a:t>
@@ -10685,7 +10528,7 @@
             <a:lstStyle/>
             <a:p>
               <a:r>
-                <a:rPr lang="en-US" sz="1400" i="1" dirty="0" smtClean="0">
+                <a:rPr lang="en-US" sz="1400" i="1" dirty="0">
                   <a:latin typeface="Constantia" panose="02030602050306030303" pitchFamily="18" charset="0"/>
                 </a:rPr>
                 <a:t>Random seed = 33</a:t>
@@ -10742,7 +10585,7 @@
             <a:lstStyle/>
             <a:p>
               <a:r>
-                <a:rPr lang="en-US" sz="1400" dirty="0" smtClean="0">
+                <a:rPr lang="en-US" sz="1400" dirty="0">
                   <a:latin typeface="Constantia" panose="02030602050306030303" pitchFamily="18" charset="0"/>
                 </a:rPr>
                 <a:t>Predicted design</a:t>
@@ -10799,7 +10642,7 @@
             <a:lstStyle/>
             <a:p>
               <a:r>
-                <a:rPr lang="en-US" sz="1400" dirty="0" smtClean="0">
+                <a:rPr lang="en-US" sz="1400" dirty="0">
                   <a:latin typeface="Constantia" panose="02030602050306030303" pitchFamily="18" charset="0"/>
                 </a:rPr>
                 <a:t>True design</a:t>
@@ -10844,13 +10687,6 @@
   <p:clrMapOvr>
     <a:masterClrMapping/>
   </p:clrMapOvr>
-  <p:timing>
-    <p:tnLst>
-      <p:par>
-        <p:cTn id="1" dur="indefinite" restart="never" nodeType="tmRoot"/>
-      </p:par>
-    </p:tnLst>
-  </p:timing>
 </p:sld>
 </file>
 
@@ -10871,8 +10707,8 @@
           <a:chExt cx="0" cy="0"/>
         </a:xfrm>
       </p:grpSpPr>
-      <mc:AlternateContent xmlns:mc="http://schemas.openxmlformats.org/markup-compatibility/2006" xmlns:a14="http://schemas.microsoft.com/office/drawing/2010/main">
-        <mc:Choice Requires="a14">
+      <mc:AlternateContent xmlns:mc="http://schemas.openxmlformats.org/markup-compatibility/2006">
+        <mc:Choice xmlns:a14="http://schemas.microsoft.com/office/drawing/2010/main" Requires="a14">
           <p:sp>
             <p:nvSpPr>
               <p:cNvPr id="10" name="TextBox 9"/>
@@ -10907,16 +10743,10 @@
                   </a:buClr>
                 </a:pPr>
                 <a:r>
-                  <a:rPr lang="en-US" sz="2000" b="1" dirty="0" smtClean="0">
-                    <a:latin typeface="Constantia" panose="02030602050306030303" pitchFamily="18" charset="0"/>
-                  </a:rPr>
-                  <a:t>Design of multilayer structures</a:t>
-                </a:r>
-                <a:r>
                   <a:rPr lang="en-US" sz="2000" b="1" dirty="0">
                     <a:latin typeface="Constantia" panose="02030602050306030303" pitchFamily="18" charset="0"/>
                   </a:rPr>
-                  <a:t>:</a:t>
+                  <a:t>Design of multilayer structures:</a:t>
                 </a:r>
               </a:p>
               <a:p>
@@ -10934,16 +10764,10 @@
                   <a:buChar char="•"/>
                 </a:pPr>
                 <a:r>
-                  <a:rPr lang="en-US" dirty="0" smtClean="0">
-                    <a:latin typeface="Constantia" panose="02030602050306030303" pitchFamily="18" charset="0"/>
-                  </a:rPr>
-                  <a:t>Target </a:t>
-                </a:r>
-                <a:r>
                   <a:rPr lang="en-US" dirty="0">
                     <a:latin typeface="Constantia" panose="02030602050306030303" pitchFamily="18" charset="0"/>
                   </a:rPr>
-                  <a:t>transmission spectra of a Gaussian shape: </a:t>
+                  <a:t>Target transmission spectra of a Gaussian shape: </a:t>
                 </a:r>
                 <a14:m>
                   <m:oMath xmlns:m="http://schemas.openxmlformats.org/officeDocument/2006/math">
@@ -11173,6 +10997,12 @@
                       <a:rPr lang="en-US" b="0" i="1" smtClean="0">
                         <a:latin typeface="Cambria Math" panose="02040503050406030204" pitchFamily="18" charset="0"/>
                       </a:rPr>
+                      <m:t>/</m:t>
+                    </m:r>
+                    <m:r>
+                      <a:rPr lang="en-US" b="0" i="1" smtClean="0">
+                        <a:latin typeface="Cambria Math" panose="02040503050406030204" pitchFamily="18" charset="0"/>
+                      </a:rPr>
                       <m:t>𝑎</m:t>
                     </m:r>
                     <m:r>
@@ -11183,7 +11013,7 @@
                     </m:r>
                   </m:oMath>
                 </a14:m>
-                <a:endParaRPr lang="en-US" dirty="0" smtClean="0">
+                <a:endParaRPr lang="en-US" dirty="0">
                   <a:latin typeface="Constantia" panose="02030602050306030303" pitchFamily="18" charset="0"/>
                 </a:endParaRPr>
               </a:p>
@@ -11203,42 +11033,24 @@
                 </a:pPr>
                 <a:r>
                   <a:rPr lang="en-US" dirty="0">
-                    <a:solidFill>
-                      <a:srgbClr val="FF0000"/>
-                    </a:solidFill>
                     <a:latin typeface="Constantia" panose="02030602050306030303" pitchFamily="18" charset="0"/>
                   </a:rPr>
                   <a:t>The maximum thickness of each layer is </a:t>
                 </a:r>
                 <a:r>
-                  <a:rPr lang="en-US" i="1" dirty="0" smtClean="0">
-                    <a:solidFill>
-                      <a:srgbClr val="FF0000"/>
-                    </a:solidFill>
+                  <a:rPr lang="en-US" i="1" dirty="0">
                     <a:latin typeface="Constantia" panose="02030602050306030303" pitchFamily="18" charset="0"/>
                   </a:rPr>
-                  <a:t>a</a:t>
-                </a:r>
-                <a:r>
-                  <a:rPr lang="en-US" dirty="0" smtClean="0">
-                    <a:solidFill>
-                      <a:srgbClr val="FF0000"/>
-                    </a:solidFill>
-                    <a:latin typeface="Constantia" panose="02030602050306030303" pitchFamily="18" charset="0"/>
-                  </a:rPr>
-                  <a:t>=1 um.</a:t>
+                  <a:t>a.</a:t>
                 </a:r>
                 <a:endParaRPr lang="en-US" dirty="0">
-                  <a:solidFill>
-                    <a:srgbClr val="FF0000"/>
-                  </a:solidFill>
                   <a:latin typeface="Constantia" panose="02030602050306030303" pitchFamily="18" charset="0"/>
                 </a:endParaRPr>
               </a:p>
             </p:txBody>
           </p:sp>
         </mc:Choice>
-        <mc:Fallback xmlns="">
+        <mc:Fallback>
           <p:sp>
             <p:nvSpPr>
               <p:cNvPr id="10" name="TextBox 9"/>
@@ -11255,10 +11067,10 @@
               <a:prstGeom prst="rect">
                 <a:avLst/>
               </a:prstGeom>
-              <a:blipFill rotWithShape="0">
+              <a:blipFill>
                 <a:blip r:embed="rId3"/>
                 <a:stretch>
-                  <a:fillRect l="-562" t="-2326" b="-5426"/>
+                  <a:fillRect l="-585" t="-2419" b="-5645"/>
                 </a:stretch>
               </a:blipFill>
             </p:spPr>
@@ -11267,7 +11079,7 @@
               <a:lstStyle/>
               <a:p>
                 <a:r>
-                  <a:rPr lang="ru-RU">
+                  <a:rPr lang="en-BY">
                     <a:noFill/>
                   </a:rPr>
                   <a:t> </a:t>
@@ -11350,7 +11162,7 @@
           <a:lstStyle/>
           <a:p>
             <a:r>
-              <a:rPr lang="en-US" sz="4000" b="1" dirty="0" smtClean="0">
+              <a:rPr lang="en-US" sz="4000" b="1" dirty="0">
                 <a:solidFill>
                   <a:schemeClr val="bg1"/>
                 </a:solidFill>
@@ -11446,13 +11258,288 @@
   <p:clrMapOvr>
     <a:masterClrMapping/>
   </p:clrMapOvr>
-  <p:timing>
-    <p:tnLst>
-      <p:par>
-        <p:cTn id="1" dur="indefinite" restart="never" nodeType="tmRoot"/>
-      </p:par>
-    </p:tnLst>
-  </p:timing>
+</p:sld>
+</file>
+
+<file path=ppt/slides/slide22.xml><?xml version="1.0" encoding="utf-8"?>
+<p:sld xmlns:a="http://schemas.openxmlformats.org/drawingml/2006/main" xmlns:r="http://schemas.openxmlformats.org/officeDocument/2006/relationships" xmlns:p="http://schemas.openxmlformats.org/presentationml/2006/main">
+  <p:cSld>
+    <p:spTree>
+      <p:nvGrpSpPr>
+        <p:cNvPr id="1" name=""/>
+        <p:cNvGrpSpPr/>
+        <p:nvPr/>
+      </p:nvGrpSpPr>
+      <p:grpSpPr>
+        <a:xfrm>
+          <a:off x="0" y="0"/>
+          <a:ext cx="0" cy="0"/>
+          <a:chOff x="0" y="0"/>
+          <a:chExt cx="0" cy="0"/>
+        </a:xfrm>
+      </p:grpSpPr>
+      <p:sp>
+        <p:nvSpPr>
+          <p:cNvPr id="8" name="Прямоугольник 7"/>
+          <p:cNvSpPr/>
+          <p:nvPr/>
+        </p:nvSpPr>
+        <p:spPr>
+          <a:xfrm>
+            <a:off x="0" y="0"/>
+            <a:ext cx="12192000" cy="843295"/>
+          </a:xfrm>
+          <a:prstGeom prst="rect">
+            <a:avLst/>
+          </a:prstGeom>
+          <a:solidFill>
+            <a:srgbClr val="3C74C1"/>
+          </a:solidFill>
+          <a:ln>
+            <a:noFill/>
+          </a:ln>
+        </p:spPr>
+        <p:style>
+          <a:lnRef idx="2">
+            <a:schemeClr val="accent1">
+              <a:shade val="50000"/>
+            </a:schemeClr>
+          </a:lnRef>
+          <a:fillRef idx="1">
+            <a:schemeClr val="accent1"/>
+          </a:fillRef>
+          <a:effectRef idx="0">
+            <a:schemeClr val="accent1"/>
+          </a:effectRef>
+          <a:fontRef idx="minor">
+            <a:schemeClr val="lt1"/>
+          </a:fontRef>
+        </p:style>
+        <p:txBody>
+          <a:bodyPr rtlCol="0" anchor="ctr"/>
+          <a:lstStyle/>
+          <a:p>
+            <a:pPr algn="ctr"/>
+            <a:endParaRPr lang="ru-RU">
+              <a:solidFill>
+                <a:srgbClr val="4500C0"/>
+              </a:solidFill>
+            </a:endParaRPr>
+          </a:p>
+        </p:txBody>
+      </p:sp>
+      <p:sp>
+        <p:nvSpPr>
+          <p:cNvPr id="9" name="Заголовок 1"/>
+          <p:cNvSpPr>
+            <a:spLocks noGrp="1"/>
+          </p:cNvSpPr>
+          <p:nvPr>
+            <p:ph type="ctrTitle"/>
+          </p:nvPr>
+        </p:nvSpPr>
+        <p:spPr>
+          <a:xfrm>
+            <a:off x="727188" y="189645"/>
+            <a:ext cx="10684297" cy="592949"/>
+          </a:xfrm>
+        </p:spPr>
+        <p:txBody>
+          <a:bodyPr>
+            <a:noAutofit/>
+          </a:bodyPr>
+          <a:lstStyle/>
+          <a:p>
+            <a:r>
+              <a:rPr lang="en-US" sz="4000" b="1" dirty="0">
+                <a:solidFill>
+                  <a:schemeClr val="bg1"/>
+                </a:solidFill>
+                <a:latin typeface="Constantia" panose="02030602050306030303" pitchFamily="18" charset="0"/>
+              </a:rPr>
+              <a:t>Conclusion</a:t>
+            </a:r>
+            <a:endParaRPr lang="en-GB" sz="4000" b="1" dirty="0">
+              <a:solidFill>
+                <a:schemeClr val="bg1"/>
+              </a:solidFill>
+              <a:latin typeface="Constantia" panose="02030602050306030303" pitchFamily="18" charset="0"/>
+            </a:endParaRPr>
+          </a:p>
+        </p:txBody>
+      </p:sp>
+      <p:sp>
+        <p:nvSpPr>
+          <p:cNvPr id="6" name="TextBox 5"/>
+          <p:cNvSpPr txBox="1"/>
+          <p:nvPr/>
+        </p:nvSpPr>
+        <p:spPr>
+          <a:xfrm>
+            <a:off x="727188" y="1027533"/>
+            <a:ext cx="10841230" cy="3477875"/>
+          </a:xfrm>
+          <a:prstGeom prst="rect">
+            <a:avLst/>
+          </a:prstGeom>
+          <a:noFill/>
+        </p:spPr>
+        <p:txBody>
+          <a:bodyPr wrap="square" rtlCol="0">
+            <a:spAutoFit/>
+          </a:bodyPr>
+          <a:lstStyle/>
+          <a:p>
+            <a:pPr marL="342900" indent="-342900">
+              <a:spcBef>
+                <a:spcPts val="1200"/>
+              </a:spcBef>
+              <a:spcAft>
+                <a:spcPts val="600"/>
+              </a:spcAft>
+              <a:buClr>
+                <a:srgbClr val="3C74C1"/>
+              </a:buClr>
+              <a:buFont typeface="Arial" panose="020B0604020202020204" pitchFamily="34" charset="0"/>
+              <a:buChar char="•"/>
+            </a:pPr>
+            <a:r>
+              <a:rPr lang="en-US" sz="2000" dirty="0">
+                <a:latin typeface="Constantia" panose="02030602050306030303" pitchFamily="18" charset="0"/>
+              </a:rPr>
+              <a:t>Using neural networks for the inverse design suffers from the problem of </a:t>
+            </a:r>
+            <a:r>
+              <a:rPr lang="en-US" sz="2000" dirty="0" err="1">
+                <a:latin typeface="Constantia" panose="02030602050306030303" pitchFamily="18" charset="0"/>
+              </a:rPr>
+              <a:t>nonuniqueness</a:t>
+            </a:r>
+            <a:r>
+              <a:rPr lang="en-US" sz="2000" i="1" dirty="0">
+                <a:latin typeface="Constantia" panose="02030602050306030303" pitchFamily="18" charset="0"/>
+              </a:rPr>
+              <a:t>, </a:t>
+            </a:r>
+            <a:r>
+              <a:rPr lang="en-US" sz="2000" dirty="0">
+                <a:latin typeface="Constantia" panose="02030602050306030303" pitchFamily="18" charset="0"/>
+              </a:rPr>
+              <a:t>a typical issue in the inverse scattering problem.</a:t>
+            </a:r>
+          </a:p>
+          <a:p>
+            <a:pPr marL="342900" indent="-342900">
+              <a:spcBef>
+                <a:spcPts val="1200"/>
+              </a:spcBef>
+              <a:spcAft>
+                <a:spcPts val="600"/>
+              </a:spcAft>
+              <a:buClr>
+                <a:srgbClr val="3C74C1"/>
+              </a:buClr>
+              <a:buFont typeface="Arial" panose="020B0604020202020204" pitchFamily="34" charset="0"/>
+              <a:buChar char="•"/>
+            </a:pPr>
+            <a:r>
+              <a:rPr lang="en-US" sz="2000" dirty="0">
+                <a:latin typeface="Constantia" panose="02030602050306030303" pitchFamily="18" charset="0"/>
+              </a:rPr>
+              <a:t>This issue makes it very difficult to train neural networks on a large training data set, which is often needed to model complex photonic structures.</a:t>
+            </a:r>
+          </a:p>
+          <a:p>
+            <a:pPr marL="342900" indent="-342900">
+              <a:spcBef>
+                <a:spcPts val="1200"/>
+              </a:spcBef>
+              <a:spcAft>
+                <a:spcPts val="600"/>
+              </a:spcAft>
+              <a:buClr>
+                <a:srgbClr val="3C74C1"/>
+              </a:buClr>
+              <a:buFont typeface="Arial" panose="020B0604020202020204" pitchFamily="34" charset="0"/>
+              <a:buChar char="•"/>
+            </a:pPr>
+            <a:r>
+              <a:rPr lang="en-US" sz="2000" dirty="0">
+                <a:latin typeface="Constantia" panose="02030602050306030303" pitchFamily="18" charset="0"/>
+              </a:rPr>
+              <a:t>Tandem architecture is proposed. It overcomes inverse design problem and provides a way to train large neural networks for the inverse design of complex photonic structures.</a:t>
+            </a:r>
+          </a:p>
+          <a:p>
+            <a:pPr marL="342900" indent="-342900">
+              <a:spcBef>
+                <a:spcPts val="1200"/>
+              </a:spcBef>
+              <a:spcAft>
+                <a:spcPts val="600"/>
+              </a:spcAft>
+              <a:buClr>
+                <a:srgbClr val="3C74C1"/>
+              </a:buClr>
+              <a:buFont typeface="Arial" panose="020B0604020202020204" pitchFamily="34" charset="0"/>
+              <a:buChar char="•"/>
+            </a:pPr>
+            <a:r>
+              <a:rPr lang="en-US" sz="2000" dirty="0">
+                <a:latin typeface="Constantia" panose="02030602050306030303" pitchFamily="18" charset="0"/>
+              </a:rPr>
+              <a:t>We built our inverse design network using the proposed approach.</a:t>
+            </a:r>
+          </a:p>
+          <a:p>
+            <a:pPr marL="342900" indent="-342900">
+              <a:spcBef>
+                <a:spcPts val="1200"/>
+              </a:spcBef>
+              <a:spcAft>
+                <a:spcPts val="600"/>
+              </a:spcAft>
+              <a:buClr>
+                <a:srgbClr val="3C74C1"/>
+              </a:buClr>
+              <a:buFont typeface="Arial" panose="020B0604020202020204" pitchFamily="34" charset="0"/>
+              <a:buChar char="•"/>
+            </a:pPr>
+            <a:r>
+              <a:rPr lang="en-US" sz="2000" dirty="0">
+                <a:latin typeface="Constantia" panose="02030602050306030303" pitchFamily="18" charset="0"/>
+              </a:rPr>
+              <a:t>We created a project on GitHub </a:t>
+            </a:r>
+            <a:r>
+              <a:rPr lang="en-US" sz="2000" dirty="0">
+                <a:latin typeface="Constantia" panose="02030602050306030303" pitchFamily="18" charset="0"/>
+                <a:hlinkClick r:id="rId3"/>
+              </a:rPr>
+              <a:t>https://github.com/FiodarM/InvDesignNet</a:t>
+            </a:r>
+            <a:r>
+              <a:rPr lang="ru-RU" sz="2000" dirty="0">
+                <a:latin typeface="Constantia" panose="02030602050306030303" pitchFamily="18" charset="0"/>
+              </a:rPr>
+              <a:t>.</a:t>
+            </a:r>
+            <a:endParaRPr lang="en-US" sz="2000" dirty="0">
+              <a:latin typeface="Constantia" panose="02030602050306030303" pitchFamily="18" charset="0"/>
+            </a:endParaRPr>
+          </a:p>
+        </p:txBody>
+      </p:sp>
+    </p:spTree>
+    <p:extLst>
+      <p:ext uri="{BB962C8B-B14F-4D97-AF65-F5344CB8AC3E}">
+        <p14:creationId xmlns:p14="http://schemas.microsoft.com/office/powerpoint/2010/main" val="2841030051"/>
+      </p:ext>
+    </p:extLst>
+  </p:cSld>
+  <p:clrMapOvr>
+    <a:masterClrMapping/>
+  </p:clrMapOvr>
 </p:sld>
 </file>
 
@@ -11473,8 +11560,8 @@
           <a:chExt cx="0" cy="0"/>
         </a:xfrm>
       </p:grpSpPr>
-      <mc:AlternateContent xmlns:mc="http://schemas.openxmlformats.org/markup-compatibility/2006" xmlns:a14="http://schemas.microsoft.com/office/drawing/2010/main">
-        <mc:Choice Requires="a14">
+      <mc:AlternateContent xmlns:mc="http://schemas.openxmlformats.org/markup-compatibility/2006">
+        <mc:Choice xmlns:a14="http://schemas.microsoft.com/office/drawing/2010/main" Requires="a14">
           <p:sp>
             <p:nvSpPr>
               <p:cNvPr id="10" name="TextBox 9"/>
@@ -11509,10 +11596,10 @@
                   </a:buClr>
                 </a:pPr>
                 <a:r>
-                  <a:rPr lang="en-US" sz="2000" b="1" dirty="0" smtClean="0">
+                  <a:rPr lang="en-US" sz="2000" b="1" dirty="0">
                     <a:latin typeface="Constantia" panose="02030602050306030303" pitchFamily="18" charset="0"/>
                   </a:rPr>
-                  <a:t>Design:</a:t>
+                  <a:t>Design Problem:</a:t>
                 </a:r>
               </a:p>
               <a:p>
@@ -11533,49 +11620,19 @@
                   <a:rPr lang="en-US" dirty="0">
                     <a:latin typeface="Constantia" panose="02030602050306030303" pitchFamily="18" charset="0"/>
                   </a:rPr>
-                  <a:t>The goal is to generate a target transmission </a:t>
+                  <a:t>Design a multilayer film consisting of</a:t>
                 </a:r>
                 <a:r>
-                  <a:rPr lang="en-US" dirty="0" smtClean="0">
+                  <a:rPr lang="ru-RU" dirty="0">
                     <a:latin typeface="Constantia" panose="02030602050306030303" pitchFamily="18" charset="0"/>
                   </a:rPr>
-                  <a:t>spectrum using a multilayer </a:t>
+                  <a:t> 20</a:t>
                 </a:r>
                 <a:r>
                   <a:rPr lang="en-US" dirty="0">
                     <a:latin typeface="Constantia" panose="02030602050306030303" pitchFamily="18" charset="0"/>
                   </a:rPr>
-                  <a:t>film </a:t>
-                </a:r>
-                <a:r>
-                  <a:rPr lang="en-US" dirty="0" smtClean="0">
-                    <a:latin typeface="Constantia" panose="02030602050306030303" pitchFamily="18" charset="0"/>
-                  </a:rPr>
-                  <a:t>consisting of</a:t>
-                </a:r>
-                <a:r>
-                  <a:rPr lang="ru-RU" dirty="0" smtClean="0">
-                    <a:latin typeface="Constantia" panose="02030602050306030303" pitchFamily="18" charset="0"/>
-                  </a:rPr>
-                  <a:t> 20</a:t>
-                </a:r>
-                <a:r>
-                  <a:rPr lang="en-US" dirty="0" smtClean="0">
-                    <a:latin typeface="Constantia" panose="02030602050306030303" pitchFamily="18" charset="0"/>
-                  </a:rPr>
-                  <a:t> </a:t>
-                </a:r>
-                <a:r>
-                  <a:rPr lang="en-US" dirty="0">
-                    <a:latin typeface="Constantia" panose="02030602050306030303" pitchFamily="18" charset="0"/>
-                  </a:rPr>
-                  <a:t>alternating layers of </a:t>
-                </a:r>
-                <a:r>
-                  <a:rPr lang="en-US" dirty="0" smtClean="0">
-                    <a:latin typeface="Constantia" panose="02030602050306030303" pitchFamily="18" charset="0"/>
-                  </a:rPr>
-                  <a:t>SiO2 and Si3N4.</a:t>
+                  <a:t> alternating layers of SiO2 and Si3N4 with a target transmission spectrum.</a:t>
                 </a:r>
               </a:p>
               <a:p>
@@ -11596,63 +11653,15 @@
                   <a:rPr lang="en-US" dirty="0">
                     <a:latin typeface="Constantia" panose="02030602050306030303" pitchFamily="18" charset="0"/>
                   </a:rPr>
-                  <a:t>T</a:t>
+                  <a:t>The design space is the thickness of each layer. The maximal layer thickness is </a:t>
                 </a:r>
                 <a:r>
-                  <a:rPr lang="en-US" dirty="0" smtClean="0">
-                    <a:latin typeface="Constantia" panose="02030602050306030303" pitchFamily="18" charset="0"/>
-                  </a:rPr>
-                  <a:t>he </a:t>
-                </a:r>
-                <a:r>
-                  <a:rPr lang="en-US" dirty="0">
-                    <a:latin typeface="Constantia" panose="02030602050306030303" pitchFamily="18" charset="0"/>
-                  </a:rPr>
-                  <a:t>design space is the </a:t>
-                </a:r>
-                <a:r>
-                  <a:rPr lang="en-US" dirty="0" smtClean="0">
-                    <a:latin typeface="Constantia" panose="02030602050306030303" pitchFamily="18" charset="0"/>
-                  </a:rPr>
-                  <a:t>thickness </a:t>
-                </a:r>
-                <a:r>
-                  <a:rPr lang="en-US" dirty="0">
-                    <a:latin typeface="Constantia" panose="02030602050306030303" pitchFamily="18" charset="0"/>
-                  </a:rPr>
-                  <a:t>of each layer. </a:t>
-                </a:r>
-                <a:r>
-                  <a:rPr lang="en-US" dirty="0" smtClean="0">
-                    <a:latin typeface="Constantia" panose="02030602050306030303" pitchFamily="18" charset="0"/>
-                  </a:rPr>
-                  <a:t>The maximal </a:t>
-                </a:r>
-                <a:r>
-                  <a:rPr lang="en-US" dirty="0">
-                    <a:latin typeface="Constantia" panose="02030602050306030303" pitchFamily="18" charset="0"/>
-                  </a:rPr>
-                  <a:t>layer thickness </a:t>
-                </a:r>
-                <a:r>
-                  <a:rPr lang="en-US" dirty="0" smtClean="0">
-                    <a:latin typeface="Constantia" panose="02030602050306030303" pitchFamily="18" charset="0"/>
-                  </a:rPr>
-                  <a:t>is defined </a:t>
-                </a:r>
-                <a:r>
-                  <a:rPr lang="en-US" dirty="0">
-                    <a:latin typeface="Constantia" panose="02030602050306030303" pitchFamily="18" charset="0"/>
-                  </a:rPr>
-                  <a:t>by </a:t>
-                </a:r>
-                <a:r>
-                  <a:rPr lang="en-US" i="1" dirty="0" smtClean="0">
+                  <a:rPr lang="en-US" i="1" dirty="0">
                     <a:latin typeface="Constantia" panose="02030602050306030303" pitchFamily="18" charset="0"/>
                   </a:rPr>
                   <a:t>a.</a:t>
                 </a:r>
-                <a:endParaRPr lang="ru-RU" i="1" dirty="0" smtClean="0">
+                <a:endParaRPr lang="ru-RU" i="1" dirty="0">
                   <a:latin typeface="Constantia" panose="02030602050306030303" pitchFamily="18" charset="0"/>
                 </a:endParaRPr>
               </a:p>
@@ -11671,46 +11680,10 @@
                   <a:buChar char="•"/>
                 </a:pPr>
                 <a:r>
-                  <a:rPr lang="en-US" dirty="0" smtClean="0">
-                    <a:latin typeface="Constantia" panose="02030602050306030303" pitchFamily="18" charset="0"/>
-                  </a:rPr>
-                  <a:t>Response is a </a:t>
-                </a:r>
-                <a:r>
                   <a:rPr lang="en-US" dirty="0">
                     <a:latin typeface="Constantia" panose="02030602050306030303" pitchFamily="18" charset="0"/>
                   </a:rPr>
-                  <a:t>transmission spectrum of </a:t>
-                </a:r>
-                <a:r>
-                  <a:rPr lang="en-US" dirty="0" smtClean="0">
-                    <a:latin typeface="Constantia" panose="02030602050306030303" pitchFamily="18" charset="0"/>
-                  </a:rPr>
-                  <a:t>the multilayer film discretized </a:t>
-                </a:r>
-                <a:r>
-                  <a:rPr lang="en-US" dirty="0">
-                    <a:latin typeface="Constantia" panose="02030602050306030303" pitchFamily="18" charset="0"/>
-                  </a:rPr>
-                  <a:t>by </a:t>
-                </a:r>
-                <a:r>
-                  <a:rPr lang="en-US" dirty="0" smtClean="0">
-                    <a:latin typeface="Constantia" panose="02030602050306030303" pitchFamily="18" charset="0"/>
-                  </a:rPr>
-                  <a:t>200 points </a:t>
-                </a:r>
-                <a:r>
-                  <a:rPr lang="en-US" dirty="0">
-                    <a:latin typeface="Constantia" panose="02030602050306030303" pitchFamily="18" charset="0"/>
-                  </a:rPr>
-                  <a:t>(frequencies </a:t>
-                </a:r>
-                <a:r>
-                  <a:rPr lang="en-US" dirty="0" smtClean="0">
-                    <a:latin typeface="Constantia" panose="02030602050306030303" pitchFamily="18" charset="0"/>
-                  </a:rPr>
-                  <a:t>in the range </a:t>
+                  <a:t>Transmission spectrum of the multilayer film is discretized by 200 points (frequencies in the range </a:t>
                 </a:r>
                 <a14:m>
                   <m:oMath xmlns:m="http://schemas.openxmlformats.org/officeDocument/2006/math">
@@ -11797,14 +11770,14 @@
                   <a:buFont typeface="Arial" panose="020B0604020202020204" pitchFamily="34" charset="0"/>
                   <a:buChar char="•"/>
                 </a:pPr>
-                <a:endParaRPr lang="en-US" dirty="0" smtClean="0">
+                <a:endParaRPr lang="en-US" dirty="0">
                   <a:latin typeface="Constantia" panose="02030602050306030303" pitchFamily="18" charset="0"/>
                 </a:endParaRPr>
               </a:p>
             </p:txBody>
           </p:sp>
         </mc:Choice>
-        <mc:Fallback xmlns="">
+        <mc:Fallback>
           <p:sp>
             <p:nvSpPr>
               <p:cNvPr id="10" name="TextBox 9"/>
@@ -11821,10 +11794,10 @@
               <a:prstGeom prst="rect">
                 <a:avLst/>
               </a:prstGeom>
-              <a:blipFill rotWithShape="0">
+              <a:blipFill>
                 <a:blip r:embed="rId3"/>
                 <a:stretch>
-                  <a:fillRect l="-562" t="-1227" r="-506"/>
+                  <a:fillRect l="-585" t="-1277"/>
                 </a:stretch>
               </a:blipFill>
             </p:spPr>
@@ -11833,7 +11806,7 @@
               <a:lstStyle/>
               <a:p>
                 <a:r>
-                  <a:rPr lang="ru-RU">
+                  <a:rPr lang="en-BY">
                     <a:noFill/>
                   </a:rPr>
                   <a:t> </a:t>
@@ -12007,13 +11980,6 @@
   <p:clrMapOvr>
     <a:masterClrMapping/>
   </p:clrMapOvr>
-  <p:timing>
-    <p:tnLst>
-      <p:par>
-        <p:cTn id="1" dur="indefinite" restart="never" nodeType="tmRoot"/>
-      </p:par>
-    </p:tnLst>
-  </p:timing>
 </p:sld>
 </file>
 
@@ -12043,7 +12009,7 @@
         <p:spPr>
           <a:xfrm>
             <a:off x="727188" y="1027533"/>
-            <a:ext cx="10675879" cy="5062924"/>
+            <a:ext cx="10675879" cy="4201150"/>
           </a:xfrm>
           <a:prstGeom prst="rect">
             <a:avLst/>
@@ -12068,19 +12034,19 @@
               </a:buClr>
             </a:pPr>
             <a:r>
-              <a:rPr lang="en-US" sz="2000" b="1" dirty="0" smtClean="0">
+              <a:rPr lang="en-US" sz="2000" b="1" dirty="0">
                 <a:latin typeface="Constantia" panose="02030602050306030303" pitchFamily="18" charset="0"/>
               </a:rPr>
               <a:t>Approaches in </a:t>
             </a:r>
             <a:r>
-              <a:rPr lang="en-US" sz="2000" b="1" dirty="0" err="1" smtClean="0">
+              <a:rPr lang="en-US" sz="2000" b="1" dirty="0" err="1">
                 <a:latin typeface="Constantia" panose="02030602050306030303" pitchFamily="18" charset="0"/>
               </a:rPr>
               <a:t>nanophotonic</a:t>
             </a:r>
             <a:r>
-              <a:rPr lang="en-US" sz="2000" b="1" dirty="0" smtClean="0">
+              <a:rPr lang="en-US" sz="2000" b="1" dirty="0">
                 <a:latin typeface="Constantia" panose="02030602050306030303" pitchFamily="18" charset="0"/>
               </a:rPr>
               <a:t> structures design:</a:t>
@@ -12097,7 +12063,7 @@
               <a:buAutoNum type="arabicPeriod"/>
             </a:pPr>
             <a:r>
-              <a:rPr lang="en-US" sz="2000" dirty="0" smtClean="0">
+              <a:rPr lang="en-US" sz="2000" dirty="0">
                 <a:solidFill>
                   <a:srgbClr val="3C74C1"/>
                 </a:solidFill>
@@ -12106,82 +12072,16 @@
               <a:t>Conventional: </a:t>
             </a:r>
             <a:r>
-              <a:rPr lang="en-US" sz="2000" dirty="0" smtClean="0">
-                <a:latin typeface="Constantia" panose="02030602050306030303" pitchFamily="18" charset="0"/>
-              </a:rPr>
-              <a:t>iteratively performed </a:t>
-            </a:r>
-            <a:r>
               <a:rPr lang="en-US" sz="2000" dirty="0">
                 <a:latin typeface="Constantia" panose="02030602050306030303" pitchFamily="18" charset="0"/>
               </a:rPr>
-              <a:t>optimization </a:t>
+              <a:t>iteratively performed optimization </a:t>
             </a:r>
             <a:r>
               <a:rPr lang="en-US" sz="2000" i="1" dirty="0">
                 <a:latin typeface="Constantia" panose="02030602050306030303" pitchFamily="18" charset="0"/>
               </a:rPr>
-              <a:t>(</a:t>
-            </a:r>
-            <a:r>
-              <a:rPr lang="en-US" sz="2000" i="1" dirty="0" smtClean="0">
-                <a:latin typeface="Constantia" panose="02030602050306030303" pitchFamily="18" charset="0"/>
-              </a:rPr>
-              <a:t>evolutionary algorithms</a:t>
-            </a:r>
-            <a:r>
-              <a:rPr lang="en-US" sz="2000" i="1" dirty="0">
-                <a:latin typeface="Constantia" panose="02030602050306030303" pitchFamily="18" charset="0"/>
-              </a:rPr>
-              <a:t>, </a:t>
-            </a:r>
-            <a:r>
-              <a:rPr lang="en-US" sz="2000" i="1" dirty="0" smtClean="0">
-                <a:latin typeface="Constantia" panose="02030602050306030303" pitchFamily="18" charset="0"/>
-              </a:rPr>
-              <a:t>level </a:t>
-            </a:r>
-            <a:r>
-              <a:rPr lang="en-US" sz="2000" i="1" dirty="0">
-                <a:latin typeface="Constantia" panose="02030602050306030303" pitchFamily="18" charset="0"/>
-              </a:rPr>
-              <a:t>set </a:t>
-            </a:r>
-            <a:r>
-              <a:rPr lang="en-US" sz="2000" i="1" dirty="0" smtClean="0">
-                <a:latin typeface="Constantia" panose="02030602050306030303" pitchFamily="18" charset="0"/>
-              </a:rPr>
-              <a:t>methods, </a:t>
-            </a:r>
-            <a:r>
-              <a:rPr lang="en-US" sz="2000" i="1" dirty="0" err="1">
-                <a:latin typeface="Constantia" panose="02030602050306030303" pitchFamily="18" charset="0"/>
-              </a:rPr>
-              <a:t>adjoint</a:t>
-            </a:r>
-            <a:r>
-              <a:rPr lang="en-US" sz="2000" i="1" dirty="0">
-                <a:latin typeface="Constantia" panose="02030602050306030303" pitchFamily="18" charset="0"/>
-              </a:rPr>
-              <a:t> methods, </a:t>
-            </a:r>
-            <a:r>
-              <a:rPr lang="en-US" sz="2000" i="1" dirty="0" smtClean="0">
-                <a:latin typeface="Constantia" panose="02030602050306030303" pitchFamily="18" charset="0"/>
-              </a:rPr>
-              <a:t>optimization </a:t>
-            </a:r>
-            <a:r>
-              <a:rPr lang="en-US" sz="2000" i="1" dirty="0">
-                <a:latin typeface="Constantia" panose="02030602050306030303" pitchFamily="18" charset="0"/>
-              </a:rPr>
-              <a:t>of specific geometric </a:t>
-            </a:r>
-            <a:r>
-              <a:rPr lang="en-US" sz="2000" i="1" dirty="0" smtClean="0">
-                <a:latin typeface="Constantia" panose="02030602050306030303" pitchFamily="18" charset="0"/>
-              </a:rPr>
-              <a:t>parameters)</a:t>
+              <a:t>(evolutionary algorithms, adjoint methods, optimization of specific geometric parameters)</a:t>
             </a:r>
           </a:p>
           <a:p>
@@ -12197,28 +12097,10 @@
               </a:buBlip>
             </a:pPr>
             <a:r>
-              <a:rPr lang="en-US" dirty="0" smtClean="0">
-                <a:latin typeface="Constantia" panose="02030602050306030303" pitchFamily="18" charset="0"/>
-              </a:rPr>
-              <a:t>straightforward methods based </a:t>
-            </a:r>
-            <a:r>
               <a:rPr lang="en-US" dirty="0">
                 <a:latin typeface="Constantia" panose="02030602050306030303" pitchFamily="18" charset="0"/>
               </a:rPr>
-              <a:t>on </a:t>
-            </a:r>
-            <a:r>
-              <a:rPr lang="en-US" dirty="0" smtClean="0">
-                <a:latin typeface="Constantia" panose="02030602050306030303" pitchFamily="18" charset="0"/>
-              </a:rPr>
-              <a:t>electromagnetic </a:t>
-            </a:r>
-            <a:r>
-              <a:rPr lang="en-US" dirty="0">
-                <a:latin typeface="Constantia" panose="02030602050306030303" pitchFamily="18" charset="0"/>
-              </a:rPr>
-              <a:t>simulations</a:t>
+              <a:t>straightforward methods based on electromagnetic simulations</a:t>
             </a:r>
           </a:p>
           <a:p>
@@ -12234,10 +12116,10 @@
               </a:buBlip>
             </a:pPr>
             <a:r>
-              <a:rPr lang="en-US" dirty="0" smtClean="0">
-                <a:latin typeface="Constantia" panose="02030602050306030303" pitchFamily="18" charset="0"/>
-              </a:rPr>
-              <a:t>computationally expensive and slow, as each design requires a large amount of simulations</a:t>
+              <a:rPr lang="en-US" dirty="0">
+                <a:latin typeface="Constantia" panose="02030602050306030303" pitchFamily="18" charset="0"/>
+              </a:rPr>
+              <a:t>can be computationally expensive and slow, as each design requires a large amount of simulations</a:t>
             </a:r>
           </a:p>
           <a:p>
@@ -12251,7 +12133,7 @@
               <a:buAutoNum type="arabicPeriod"/>
             </a:pPr>
             <a:r>
-              <a:rPr lang="en-US" sz="2000" dirty="0" smtClean="0">
+              <a:rPr lang="en-US" sz="2000" dirty="0">
                 <a:solidFill>
                   <a:srgbClr val="3C74C1"/>
                 </a:solidFill>
@@ -12260,101 +12142,20 @@
               <a:t>Data-driven: </a:t>
             </a:r>
             <a:r>
-              <a:rPr lang="en-US" sz="2000" dirty="0" smtClean="0">
-                <a:latin typeface="Constantia" panose="02030602050306030303" pitchFamily="18" charset="0"/>
-              </a:rPr>
-              <a:t>based on machine learning </a:t>
-            </a:r>
-            <a:r>
               <a:rPr lang="en-US" sz="2000" dirty="0">
                 <a:latin typeface="Constantia" panose="02030602050306030303" pitchFamily="18" charset="0"/>
               </a:rPr>
-              <a:t>techniques </a:t>
+              <a:t>based on machine learning techniques </a:t>
             </a:r>
             <a:r>
               <a:rPr lang="en-US" sz="2000" i="1" dirty="0">
                 <a:latin typeface="Constantia" panose="02030602050306030303" pitchFamily="18" charset="0"/>
               </a:rPr>
-              <a:t>(</a:t>
-            </a:r>
-            <a:r>
-              <a:rPr lang="en-US" sz="2000" i="1" dirty="0" smtClean="0">
-                <a:latin typeface="Constantia" panose="02030602050306030303" pitchFamily="18" charset="0"/>
-              </a:rPr>
-              <a:t>NNs </a:t>
-            </a:r>
-            <a:r>
-              <a:rPr lang="en-US" sz="2000" i="1" dirty="0">
-                <a:latin typeface="Constantia" panose="02030602050306030303" pitchFamily="18" charset="0"/>
-              </a:rPr>
-              <a:t>are trained to </a:t>
-            </a:r>
-            <a:r>
-              <a:rPr lang="en-US" sz="2000" i="1" dirty="0" smtClean="0">
-                <a:latin typeface="Constantia" panose="02030602050306030303" pitchFamily="18" charset="0"/>
-              </a:rPr>
-              <a:t>assist in </a:t>
-            </a:r>
-            <a:r>
-              <a:rPr lang="en-US" sz="2000" i="1" dirty="0">
-                <a:latin typeface="Constantia" panose="02030602050306030303" pitchFamily="18" charset="0"/>
-              </a:rPr>
-              <a:t>the design </a:t>
-            </a:r>
-            <a:r>
-              <a:rPr lang="en-US" sz="2000" i="1" dirty="0" smtClean="0">
-                <a:latin typeface="Constantia" panose="02030602050306030303" pitchFamily="18" charset="0"/>
-              </a:rPr>
-              <a:t>process)</a:t>
-            </a:r>
-          </a:p>
-          <a:p>
-            <a:pPr marL="914400" lvl="1" indent="-457200">
-              <a:spcBef>
-                <a:spcPts val="1200"/>
-              </a:spcBef>
-              <a:spcAft>
-                <a:spcPts val="600"/>
-              </a:spcAft>
-              <a:buFont typeface="Arial" panose="020B0604020202020204" pitchFamily="34" charset="0"/>
-              <a:buChar char="•"/>
-            </a:pPr>
-            <a:r>
-              <a:rPr lang="en-US" i="1" dirty="0" smtClean="0">
-                <a:latin typeface="Constantia" panose="02030602050306030303" pitchFamily="18" charset="0"/>
-              </a:rPr>
-              <a:t>a large amount of training instances </a:t>
-            </a:r>
-            <a:r>
-              <a:rPr lang="en-US" i="1" dirty="0">
-                <a:latin typeface="Constantia" panose="02030602050306030303" pitchFamily="18" charset="0"/>
-              </a:rPr>
-              <a:t>is </a:t>
-            </a:r>
-            <a:r>
-              <a:rPr lang="en-US" i="1" dirty="0" smtClean="0">
-                <a:latin typeface="Constantia" panose="02030602050306030303" pitchFamily="18" charset="0"/>
-              </a:rPr>
-              <a:t>needed, which requires </a:t>
-            </a:r>
-            <a:r>
-              <a:rPr lang="en-US" i="1" dirty="0">
-                <a:latin typeface="Constantia" panose="02030602050306030303" pitchFamily="18" charset="0"/>
-              </a:rPr>
-              <a:t>significant amounts </a:t>
-            </a:r>
-            <a:r>
-              <a:rPr lang="en-US" i="1" dirty="0" smtClean="0">
-                <a:latin typeface="Constantia" panose="02030602050306030303" pitchFamily="18" charset="0"/>
-              </a:rPr>
-              <a:t>of computational </a:t>
-            </a:r>
-            <a:r>
-              <a:rPr lang="en-US" i="1" dirty="0">
-                <a:latin typeface="Constantia" panose="02030602050306030303" pitchFamily="18" charset="0"/>
-              </a:rPr>
-              <a:t>resources</a:t>
-            </a:r>
+              <a:t>(NNs are trained to assist in the design process)</a:t>
+            </a:r>
+            <a:endParaRPr lang="en-US" i="1" dirty="0">
+              <a:latin typeface="Constantia" panose="02030602050306030303" pitchFamily="18" charset="0"/>
+            </a:endParaRPr>
           </a:p>
           <a:p>
             <a:pPr marL="914400" lvl="1" indent="-457200">
@@ -12369,22 +12170,10 @@
               </a:buBlip>
             </a:pPr>
             <a:r>
-              <a:rPr lang="en-US" dirty="0" smtClean="0">
-                <a:latin typeface="Constantia" panose="02030602050306030303" pitchFamily="18" charset="0"/>
-              </a:rPr>
-              <a:t>greatly reduced </a:t>
-            </a:r>
-            <a:r>
               <a:rPr lang="en-US" dirty="0">
                 <a:latin typeface="Constantia" panose="02030602050306030303" pitchFamily="18" charset="0"/>
               </a:rPr>
-              <a:t>design </a:t>
-            </a:r>
-            <a:r>
-              <a:rPr lang="en-US" dirty="0" smtClean="0">
-                <a:latin typeface="Constantia" panose="02030602050306030303" pitchFamily="18" charset="0"/>
-              </a:rPr>
-              <a:t>time, as simulations are performed only once before training the NN</a:t>
+              <a:t>greatly reduced design time, as simulations are performed only once before training the NN</a:t>
             </a:r>
           </a:p>
           <a:p>
@@ -12400,7 +12189,7 @@
               </a:buBlip>
             </a:pPr>
             <a:r>
-              <a:rPr lang="en-US" dirty="0" smtClean="0">
+              <a:rPr lang="en-US" dirty="0">
                 <a:latin typeface="Constantia" panose="02030602050306030303" pitchFamily="18" charset="0"/>
               </a:rPr>
               <a:t>inverse design problem can lead to bad convergence of the NN</a:t>
@@ -12481,25 +12270,16 @@
           <a:lstStyle/>
           <a:p>
             <a:r>
-              <a:rPr lang="en-US" sz="4000" b="1" dirty="0" smtClean="0">
-                <a:solidFill>
-                  <a:schemeClr val="bg1"/>
-                </a:solidFill>
-                <a:latin typeface="Constantia" panose="02030602050306030303" pitchFamily="18" charset="0"/>
-              </a:rPr>
-              <a:t>Design </a:t>
-            </a:r>
-            <a:r>
               <a:rPr lang="en-US" sz="4000" b="1" dirty="0">
                 <a:solidFill>
                   <a:schemeClr val="bg1"/>
                 </a:solidFill>
                 <a:latin typeface="Constantia" panose="02030602050306030303" pitchFamily="18" charset="0"/>
               </a:rPr>
-              <a:t>of </a:t>
-            </a:r>
-            <a:r>
-              <a:rPr lang="en-US" sz="4000" b="1" dirty="0" err="1" smtClean="0">
+              <a:t>Design of </a:t>
+            </a:r>
+            <a:r>
+              <a:rPr lang="en-US" sz="4000" b="1" dirty="0" err="1">
                 <a:solidFill>
                   <a:schemeClr val="bg1"/>
                 </a:solidFill>
@@ -12508,7 +12288,7 @@
               <a:t>Nanophotonic</a:t>
             </a:r>
             <a:r>
-              <a:rPr lang="en-US" sz="4000" b="1" dirty="0" smtClean="0">
+              <a:rPr lang="en-US" sz="4000" b="1" dirty="0">
                 <a:solidFill>
                   <a:schemeClr val="bg1"/>
                 </a:solidFill>
@@ -12535,13 +12315,6 @@
   <p:clrMapOvr>
     <a:masterClrMapping/>
   </p:clrMapOvr>
-  <p:timing>
-    <p:tnLst>
-      <p:par>
-        <p:cTn id="1" dur="indefinite" restart="never" nodeType="tmRoot"/>
-      </p:par>
-    </p:tnLst>
-  </p:timing>
 </p:sld>
 </file>
 
@@ -12596,22 +12369,10 @@
               </a:buClr>
             </a:pPr>
             <a:r>
-              <a:rPr lang="en-US" sz="2000" b="1" dirty="0" smtClean="0">
-                <a:latin typeface="Constantia" panose="02030602050306030303" pitchFamily="18" charset="0"/>
-              </a:rPr>
-              <a:t>NNs </a:t>
-            </a:r>
-            <a:r>
               <a:rPr lang="en-US" sz="2000" b="1" dirty="0">
                 <a:latin typeface="Constantia" panose="02030602050306030303" pitchFamily="18" charset="0"/>
               </a:rPr>
-              <a:t>can be used in two different </a:t>
-            </a:r>
-            <a:r>
-              <a:rPr lang="en-US" sz="2000" b="1" dirty="0" smtClean="0">
-                <a:latin typeface="Constantia" panose="02030602050306030303" pitchFamily="18" charset="0"/>
-              </a:rPr>
-              <a:t>ways: </a:t>
+              <a:t>NNs can be used in two different ways: </a:t>
             </a:r>
           </a:p>
           <a:p>
@@ -12627,13 +12388,13 @@
               </a:buClr>
             </a:pPr>
             <a:r>
-              <a:rPr lang="en-US" dirty="0" smtClean="0">
+              <a:rPr lang="en-US" dirty="0">
                 <a:latin typeface="Constantia" panose="02030602050306030303" pitchFamily="18" charset="0"/>
               </a:rPr>
               <a:t>(a) </a:t>
             </a:r>
             <a:r>
-              <a:rPr lang="en-US" dirty="0" smtClean="0">
+              <a:rPr lang="en-US" dirty="0">
                 <a:solidFill>
                   <a:srgbClr val="3C74C1"/>
                 </a:solidFill>
@@ -12642,85 +12403,31 @@
               <a:t>Forward-modeling networks: </a:t>
             </a:r>
             <a:r>
-              <a:rPr lang="en-US" dirty="0" smtClean="0">
-                <a:latin typeface="Constantia" panose="02030602050306030303" pitchFamily="18" charset="0"/>
-              </a:rPr>
-              <a:t>take </a:t>
-            </a:r>
-            <a:r>
               <a:rPr lang="en-US" dirty="0">
                 <a:latin typeface="Constantia" panose="02030602050306030303" pitchFamily="18" charset="0"/>
               </a:rPr>
-              <a:t>the input </a:t>
-            </a:r>
-            <a:r>
-              <a:rPr lang="en-US" dirty="0" smtClean="0">
-                <a:latin typeface="Constantia" panose="02030602050306030303" pitchFamily="18" charset="0"/>
-              </a:rPr>
-              <a:t>of the </a:t>
+              <a:t>take the input of the structural parameter </a:t>
+            </a:r>
+            <a:r>
+              <a:rPr lang="en-US" i="1" dirty="0">
+                <a:latin typeface="Constantia" panose="02030602050306030303" pitchFamily="18" charset="0"/>
+              </a:rPr>
+              <a:t>D</a:t>
             </a:r>
             <a:r>
               <a:rPr lang="en-US" dirty="0">
                 <a:latin typeface="Constantia" panose="02030602050306030303" pitchFamily="18" charset="0"/>
               </a:rPr>
-              <a:t>structural parameter </a:t>
-            </a:r>
-            <a:r>
-              <a:rPr lang="en-US" i="1" dirty="0" smtClean="0">
-                <a:latin typeface="Constantia" panose="02030602050306030303" pitchFamily="18" charset="0"/>
-              </a:rPr>
-              <a:t>D</a:t>
-            </a:r>
-            <a:r>
-              <a:rPr lang="en-US" dirty="0" smtClean="0">
-                <a:latin typeface="Constantia" panose="02030602050306030303" pitchFamily="18" charset="0"/>
-              </a:rPr>
-              <a:t> (such </a:t>
+              <a:t> (such as the geometrical shape of a nanostructure) and predict the electromagnetic response </a:t>
+            </a:r>
+            <a:r>
+              <a:rPr lang="en-US" i="1" dirty="0">
+                <a:latin typeface="Constantia" panose="02030602050306030303" pitchFamily="18" charset="0"/>
+              </a:rPr>
+              <a:t>R</a:t>
             </a:r>
             <a:r>
               <a:rPr lang="en-US" dirty="0">
-                <a:latin typeface="Constantia" panose="02030602050306030303" pitchFamily="18" charset="0"/>
-              </a:rPr>
-              <a:t>as the geometrical shape of </a:t>
-            </a:r>
-            <a:r>
-              <a:rPr lang="en-US" dirty="0" smtClean="0">
-                <a:latin typeface="Constantia" panose="02030602050306030303" pitchFamily="18" charset="0"/>
-              </a:rPr>
-              <a:t>a nanostructure</a:t>
-            </a:r>
-            <a:r>
-              <a:rPr lang="en-US" dirty="0">
-                <a:latin typeface="Constantia" panose="02030602050306030303" pitchFamily="18" charset="0"/>
-              </a:rPr>
-              <a:t>) and </a:t>
-            </a:r>
-            <a:r>
-              <a:rPr lang="en-US" dirty="0" smtClean="0">
-                <a:latin typeface="Constantia" panose="02030602050306030303" pitchFamily="18" charset="0"/>
-              </a:rPr>
-              <a:t>predict </a:t>
-            </a:r>
-            <a:r>
-              <a:rPr lang="en-US" dirty="0">
-                <a:latin typeface="Constantia" panose="02030602050306030303" pitchFamily="18" charset="0"/>
-              </a:rPr>
-              <a:t>the electromagnetic </a:t>
-            </a:r>
-            <a:r>
-              <a:rPr lang="en-US" dirty="0" smtClean="0">
-                <a:latin typeface="Constantia" panose="02030602050306030303" pitchFamily="18" charset="0"/>
-              </a:rPr>
-              <a:t>response </a:t>
-            </a:r>
-            <a:r>
-              <a:rPr lang="en-US" i="1" dirty="0" smtClean="0">
-                <a:latin typeface="Constantia" panose="02030602050306030303" pitchFamily="18" charset="0"/>
-              </a:rPr>
-              <a:t>R</a:t>
-            </a:r>
-            <a:r>
-              <a:rPr lang="en-US" dirty="0" smtClean="0">
                 <a:latin typeface="Constantia" panose="02030602050306030303" pitchFamily="18" charset="0"/>
               </a:rPr>
               <a:t> of the device.</a:t>
@@ -12739,13 +12446,13 @@
               </a:buClr>
             </a:pPr>
             <a:r>
-              <a:rPr lang="en-US" dirty="0" smtClean="0">
+              <a:rPr lang="en-US" dirty="0">
                 <a:latin typeface="Constantia" panose="02030602050306030303" pitchFamily="18" charset="0"/>
               </a:rPr>
               <a:t>(b) </a:t>
             </a:r>
             <a:r>
-              <a:rPr lang="en-US" dirty="0" smtClean="0">
+              <a:rPr lang="en-US" dirty="0">
                 <a:solidFill>
                   <a:srgbClr val="3C74C1"/>
                 </a:solidFill>
@@ -12754,55 +12461,37 @@
               <a:t>Inverse-design networks: </a:t>
             </a:r>
             <a:r>
-              <a:rPr lang="en-US" dirty="0" smtClean="0">
-                <a:latin typeface="Constantia" panose="02030602050306030303" pitchFamily="18" charset="0"/>
-              </a:rPr>
-              <a:t>take </a:t>
-            </a:r>
-            <a:r>
               <a:rPr lang="en-US" dirty="0">
                 <a:latin typeface="Constantia" panose="02030602050306030303" pitchFamily="18" charset="0"/>
               </a:rPr>
-              <a:t>the EM response </a:t>
-            </a:r>
-            <a:r>
-              <a:rPr lang="en-US" i="1" dirty="0" smtClean="0">
+              <a:t>take the EM response </a:t>
+            </a:r>
+            <a:r>
+              <a:rPr lang="en-US" i="1" dirty="0">
                 <a:latin typeface="Constantia" panose="02030602050306030303" pitchFamily="18" charset="0"/>
               </a:rPr>
               <a:t>R </a:t>
             </a:r>
             <a:r>
-              <a:rPr lang="en-US" dirty="0" smtClean="0">
-                <a:latin typeface="Constantia" panose="02030602050306030303" pitchFamily="18" charset="0"/>
-              </a:rPr>
-              <a:t>as the input </a:t>
-            </a:r>
-            <a:r>
               <a:rPr lang="en-US" dirty="0">
                 <a:latin typeface="Constantia" panose="02030602050306030303" pitchFamily="18" charset="0"/>
               </a:rPr>
-              <a:t>and directly output the </a:t>
-            </a:r>
-            <a:r>
-              <a:rPr lang="en-US" dirty="0" smtClean="0">
-                <a:latin typeface="Constantia" panose="02030602050306030303" pitchFamily="18" charset="0"/>
-              </a:rPr>
-              <a:t>structure</a:t>
-            </a:r>
-            <a:r>
-              <a:rPr lang="ru-RU" dirty="0" smtClean="0">
+              <a:t>as the input and directly output the structure</a:t>
+            </a:r>
+            <a:r>
+              <a:rPr lang="ru-RU" dirty="0">
                 <a:latin typeface="Constantia" panose="02030602050306030303" pitchFamily="18" charset="0"/>
               </a:rPr>
               <a:t> </a:t>
             </a:r>
             <a:r>
-              <a:rPr lang="en-US" i="1" dirty="0" smtClean="0">
+              <a:rPr lang="en-US" i="1" dirty="0">
                 <a:latin typeface="Constantia" panose="02030602050306030303" pitchFamily="18" charset="0"/>
               </a:rPr>
               <a:t>D</a:t>
             </a:r>
             <a:r>
-              <a:rPr lang="en-US" dirty="0" smtClean="0">
+              <a:rPr lang="en-US" dirty="0">
                 <a:latin typeface="Constantia" panose="02030602050306030303" pitchFamily="18" charset="0"/>
               </a:rPr>
               <a:t>.</a:t>
@@ -12883,25 +12572,16 @@
           <a:lstStyle/>
           <a:p>
             <a:r>
-              <a:rPr lang="en-US" sz="4000" b="1" dirty="0" smtClean="0">
-                <a:solidFill>
-                  <a:schemeClr val="bg1"/>
-                </a:solidFill>
-                <a:latin typeface="Constantia" panose="02030602050306030303" pitchFamily="18" charset="0"/>
-              </a:rPr>
-              <a:t>Design </a:t>
-            </a:r>
-            <a:r>
               <a:rPr lang="en-US" sz="4000" b="1" dirty="0">
                 <a:solidFill>
                   <a:schemeClr val="bg1"/>
                 </a:solidFill>
                 <a:latin typeface="Constantia" panose="02030602050306030303" pitchFamily="18" charset="0"/>
               </a:rPr>
-              <a:t>of </a:t>
-            </a:r>
-            <a:r>
-              <a:rPr lang="en-US" sz="4000" b="1" dirty="0" err="1" smtClean="0">
+              <a:t>Design of </a:t>
+            </a:r>
+            <a:r>
+              <a:rPr lang="en-US" sz="4000" b="1" dirty="0" err="1">
                 <a:solidFill>
                   <a:schemeClr val="bg1"/>
                 </a:solidFill>
@@ -12910,7 +12590,7 @@
               <a:t>Nanophotonic</a:t>
             </a:r>
             <a:r>
-              <a:rPr lang="en-US" sz="4000" b="1" dirty="0" smtClean="0">
+              <a:rPr lang="en-US" sz="4000" b="1" dirty="0">
                 <a:solidFill>
                   <a:schemeClr val="bg1"/>
                 </a:solidFill>
@@ -12961,13 +12641,6 @@
   <p:clrMapOvr>
     <a:masterClrMapping/>
   </p:clrMapOvr>
-  <p:timing>
-    <p:tnLst>
-      <p:par>
-        <p:cTn id="1" dur="indefinite" restart="never" nodeType="tmRoot"/>
-      </p:par>
-    </p:tnLst>
-  </p:timing>
 </p:sld>
 </file>
 
@@ -13022,10 +12695,10 @@
               </a:buClr>
             </a:pPr>
             <a:r>
-              <a:rPr lang="en-US" sz="2000" b="1" dirty="0" smtClean="0">
-                <a:latin typeface="Constantia" panose="02030602050306030303" pitchFamily="18" charset="0"/>
-              </a:rPr>
-              <a:t>Inverse Design Problem:</a:t>
+              <a:rPr lang="en-US" sz="2000" b="1" dirty="0">
+                <a:latin typeface="Constantia" panose="02030602050306030303" pitchFamily="18" charset="0"/>
+              </a:rPr>
+              <a:t>Inverse Design Problem is Ill Posed:</a:t>
             </a:r>
           </a:p>
           <a:p>
@@ -13043,151 +12716,109 @@
               <a:buChar char="•"/>
             </a:pPr>
             <a:r>
-              <a:rPr lang="en-US" dirty="0" smtClean="0">
-                <a:latin typeface="Constantia" panose="02030602050306030303" pitchFamily="18" charset="0"/>
-              </a:rPr>
-              <a:t>The </a:t>
+              <a:rPr lang="en-US" b="1" dirty="0">
+                <a:latin typeface="Constantia" panose="02030602050306030303" pitchFamily="18" charset="0"/>
+              </a:rPr>
+              <a:t>The same EM response </a:t>
+            </a:r>
+            <a:r>
+              <a:rPr lang="en-US" b="1" i="1" dirty="0">
+                <a:latin typeface="Constantia" panose="02030602050306030303" pitchFamily="18" charset="0"/>
+              </a:rPr>
+              <a:t>R </a:t>
+            </a:r>
+            <a:r>
+              <a:rPr lang="en-US" b="1" dirty="0">
+                <a:latin typeface="Constantia" panose="02030602050306030303" pitchFamily="18" charset="0"/>
+              </a:rPr>
+              <a:t>can be created by many different designs </a:t>
+            </a:r>
+            <a:r>
+              <a:rPr lang="en-US" b="1" i="1" dirty="0">
+                <a:latin typeface="Constantia" panose="02030602050306030303" pitchFamily="18" charset="0"/>
+              </a:rPr>
+              <a:t>D</a:t>
+            </a:r>
+            <a:r>
+              <a:rPr lang="en-US" b="1" dirty="0">
+                <a:latin typeface="Constantia" panose="02030602050306030303" pitchFamily="18" charset="0"/>
+              </a:rPr>
+              <a:t>. </a:t>
             </a:r>
             <a:r>
               <a:rPr lang="en-US" dirty="0">
                 <a:latin typeface="Constantia" panose="02030602050306030303" pitchFamily="18" charset="0"/>
               </a:rPr>
-              <a:t>same EM response </a:t>
-            </a:r>
-            <a:r>
-              <a:rPr lang="en-US" i="1" dirty="0" smtClean="0">
-                <a:latin typeface="Constantia" panose="02030602050306030303" pitchFamily="18" charset="0"/>
-              </a:rPr>
-              <a:t>R </a:t>
+              <a:t>This </a:t>
+            </a:r>
+            <a:r>
+              <a:rPr lang="en-US" b="1" dirty="0" err="1">
+                <a:latin typeface="Constantia" panose="02030602050306030303" pitchFamily="18" charset="0"/>
+              </a:rPr>
+              <a:t>nonunique</a:t>
             </a:r>
             <a:r>
               <a:rPr lang="en-US" dirty="0">
                 <a:latin typeface="Constantia" panose="02030602050306030303" pitchFamily="18" charset="0"/>
               </a:rPr>
-              <a:t>can be </a:t>
-            </a:r>
-            <a:r>
-              <a:rPr lang="en-US" dirty="0" smtClean="0">
-                <a:latin typeface="Constantia" panose="02030602050306030303" pitchFamily="18" charset="0"/>
-              </a:rPr>
-              <a:t>created by </a:t>
+              <a:t> response-to-design mapping creates conflicting training instances, such as (</a:t>
+            </a:r>
+            <a:r>
+              <a:rPr lang="en-US" i="1" dirty="0">
+                <a:latin typeface="Constantia" panose="02030602050306030303" pitchFamily="18" charset="0"/>
+              </a:rPr>
+              <a:t>R</a:t>
             </a:r>
             <a:r>
               <a:rPr lang="en-US" dirty="0">
                 <a:latin typeface="Constantia" panose="02030602050306030303" pitchFamily="18" charset="0"/>
               </a:rPr>
-              <a:t>many different designs </a:t>
-            </a:r>
-            <a:r>
-              <a:rPr lang="en-US" i="1" dirty="0" smtClean="0">
+              <a:t>, </a:t>
+            </a:r>
+            <a:r>
+              <a:rPr lang="en-US" i="1" dirty="0">
                 <a:latin typeface="Constantia" panose="02030602050306030303" pitchFamily="18" charset="0"/>
               </a:rPr>
               <a:t>D</a:t>
             </a:r>
             <a:r>
-              <a:rPr lang="en-US" dirty="0" smtClean="0">
-                <a:latin typeface="Constantia" panose="02030602050306030303" pitchFamily="18" charset="0"/>
-              </a:rPr>
-              <a:t>. This </a:t>
-            </a:r>
-            <a:r>
-              <a:rPr lang="en-US" dirty="0" err="1">
-                <a:latin typeface="Constantia" panose="02030602050306030303" pitchFamily="18" charset="0"/>
-              </a:rPr>
-              <a:t>nonunique</a:t>
+              <a:rPr lang="en-US" i="1" baseline="30000" dirty="0">
+                <a:latin typeface="Constantia" panose="02030602050306030303" pitchFamily="18" charset="0"/>
+              </a:rPr>
+              <a:t>A</a:t>
             </a:r>
             <a:r>
               <a:rPr lang="en-US" dirty="0">
                 <a:latin typeface="Constantia" panose="02030602050306030303" pitchFamily="18" charset="0"/>
               </a:rPr>
-              <a:t> </a:t>
-            </a:r>
-            <a:r>
-              <a:rPr lang="en-US" dirty="0" smtClean="0">
-                <a:latin typeface="Constantia" panose="02030602050306030303" pitchFamily="18" charset="0"/>
-              </a:rPr>
-              <a:t>response-to-design </a:t>
+              <a:t>) and (</a:t>
+            </a:r>
+            <a:r>
+              <a:rPr lang="en-US" i="1" dirty="0">
+                <a:latin typeface="Constantia" panose="02030602050306030303" pitchFamily="18" charset="0"/>
+              </a:rPr>
+              <a:t>R</a:t>
             </a:r>
             <a:r>
               <a:rPr lang="en-US" dirty="0">
                 <a:latin typeface="Constantia" panose="02030602050306030303" pitchFamily="18" charset="0"/>
               </a:rPr>
-              <a:t>mapping creates conflicting training instances, such </a:t>
-            </a:r>
-            <a:r>
-              <a:rPr lang="en-US" dirty="0" smtClean="0">
-                <a:latin typeface="Constantia" panose="02030602050306030303" pitchFamily="18" charset="0"/>
-              </a:rPr>
-              <a:t>as (</a:t>
-            </a:r>
-            <a:r>
-              <a:rPr lang="en-US" i="1" dirty="0" smtClean="0">
-                <a:latin typeface="Constantia" panose="02030602050306030303" pitchFamily="18" charset="0"/>
-              </a:rPr>
-              <a:t>R</a:t>
-            </a:r>
-            <a:r>
-              <a:rPr lang="en-US" dirty="0" smtClean="0">
-                <a:latin typeface="Constantia" panose="02030602050306030303" pitchFamily="18" charset="0"/>
-              </a:rPr>
               <a:t>, </a:t>
             </a:r>
             <a:r>
-              <a:rPr lang="en-US" i="1" dirty="0" smtClean="0">
+              <a:rPr lang="en-US" i="1" dirty="0">
                 <a:latin typeface="Constantia" panose="02030602050306030303" pitchFamily="18" charset="0"/>
               </a:rPr>
               <a:t>D</a:t>
             </a:r>
             <a:r>
-              <a:rPr lang="en-US" i="1" baseline="30000" dirty="0" smtClean="0">
-                <a:latin typeface="Constantia" panose="02030602050306030303" pitchFamily="18" charset="0"/>
-              </a:rPr>
-              <a:t>A</a:t>
-            </a:r>
-            <a:r>
-              <a:rPr lang="en-US" dirty="0" smtClean="0">
-                <a:latin typeface="Constantia" panose="02030602050306030303" pitchFamily="18" charset="0"/>
-              </a:rPr>
-              <a:t>) </a:t>
+              <a:rPr lang="en-US" i="1" baseline="30000" dirty="0">
+                <a:latin typeface="Constantia" panose="02030602050306030303" pitchFamily="18" charset="0"/>
+              </a:rPr>
+              <a:t>B</a:t>
             </a:r>
             <a:r>
               <a:rPr lang="en-US" dirty="0">
-                <a:latin typeface="Constantia" panose="02030602050306030303" pitchFamily="18" charset="0"/>
-              </a:rPr>
-              <a:t>and </a:t>
-            </a:r>
-            <a:r>
-              <a:rPr lang="en-US" dirty="0" smtClean="0">
-                <a:latin typeface="Constantia" panose="02030602050306030303" pitchFamily="18" charset="0"/>
-              </a:rPr>
-              <a:t>(</a:t>
-            </a:r>
-            <a:r>
-              <a:rPr lang="en-US" i="1" dirty="0" smtClean="0">
-                <a:latin typeface="Constantia" panose="02030602050306030303" pitchFamily="18" charset="0"/>
-              </a:rPr>
-              <a:t>R</a:t>
-            </a:r>
-            <a:r>
-              <a:rPr lang="en-US" dirty="0" smtClean="0">
-                <a:latin typeface="Constantia" panose="02030602050306030303" pitchFamily="18" charset="0"/>
-              </a:rPr>
-              <a:t>, </a:t>
-            </a:r>
-            <a:r>
-              <a:rPr lang="en-US" i="1" dirty="0" smtClean="0">
-                <a:latin typeface="Constantia" panose="02030602050306030303" pitchFamily="18" charset="0"/>
-              </a:rPr>
-              <a:t>D</a:t>
-            </a:r>
-            <a:r>
-              <a:rPr lang="en-US" i="1" baseline="30000" dirty="0" smtClean="0">
-                <a:latin typeface="Constantia" panose="02030602050306030303" pitchFamily="18" charset="0"/>
-              </a:rPr>
-              <a:t>B</a:t>
-            </a:r>
-            <a:r>
-              <a:rPr lang="en-US" dirty="0" smtClean="0">
                 <a:latin typeface="Constantia" panose="02030602050306030303" pitchFamily="18" charset="0"/>
               </a:rPr>
               <a:t>). </a:t>
@@ -13208,46 +12839,10 @@
               <a:buChar char="•"/>
             </a:pPr>
             <a:r>
-              <a:rPr lang="en-US" dirty="0" smtClean="0">
-                <a:latin typeface="Constantia" panose="02030602050306030303" pitchFamily="18" charset="0"/>
-              </a:rPr>
-              <a:t>When </a:t>
-            </a:r>
-            <a:r>
               <a:rPr lang="en-US" dirty="0">
                 <a:latin typeface="Constantia" panose="02030602050306030303" pitchFamily="18" charset="0"/>
               </a:rPr>
-              <a:t>such conflicting instances </a:t>
-            </a:r>
-            <a:r>
-              <a:rPr lang="en-US" dirty="0" smtClean="0">
-                <a:latin typeface="Constantia" panose="02030602050306030303" pitchFamily="18" charset="0"/>
-              </a:rPr>
-              <a:t>with the </a:t>
-            </a:r>
-            <a:r>
-              <a:rPr lang="en-US" dirty="0">
-                <a:latin typeface="Constantia" panose="02030602050306030303" pitchFamily="18" charset="0"/>
-              </a:rPr>
-              <a:t>same input but different output labels exist in the </a:t>
-            </a:r>
-            <a:r>
-              <a:rPr lang="en-US" dirty="0" smtClean="0">
-                <a:latin typeface="Constantia" panose="02030602050306030303" pitchFamily="18" charset="0"/>
-              </a:rPr>
-              <a:t>training data </a:t>
-            </a:r>
-            <a:r>
-              <a:rPr lang="en-US" dirty="0">
-                <a:latin typeface="Constantia" panose="02030602050306030303" pitchFamily="18" charset="0"/>
-              </a:rPr>
-              <a:t>set, the neural network would be hard to converge</a:t>
-            </a:r>
-            <a:r>
-              <a:rPr lang="en-US" dirty="0" smtClean="0">
-                <a:latin typeface="Constantia" panose="02030602050306030303" pitchFamily="18" charset="0"/>
-              </a:rPr>
-              <a:t>.</a:t>
+              <a:t>When such conflicting instances with the same input but different output labels exist in the training data set, the neural network would be hard to converge.</a:t>
             </a:r>
           </a:p>
         </p:txBody>
@@ -13325,7 +12920,7 @@
           <a:lstStyle/>
           <a:p>
             <a:r>
-              <a:rPr lang="en-US" sz="4000" b="1" dirty="0" smtClean="0">
+              <a:rPr lang="en-US" sz="4000" b="1" dirty="0">
                 <a:solidFill>
                   <a:schemeClr val="bg1"/>
                 </a:solidFill>
@@ -13376,13 +12971,6 @@
   <p:clrMapOvr>
     <a:masterClrMapping/>
   </p:clrMapOvr>
-  <p:timing>
-    <p:tnLst>
-      <p:par>
-        <p:cTn id="1" dur="indefinite" restart="never" nodeType="tmRoot"/>
-      </p:par>
-    </p:tnLst>
-  </p:timing>
 </p:sld>
 </file>
 
@@ -13403,8 +12991,8 @@
           <a:chExt cx="0" cy="0"/>
         </a:xfrm>
       </p:grpSpPr>
-      <mc:AlternateContent xmlns:mc="http://schemas.openxmlformats.org/markup-compatibility/2006">
-        <mc:Choice xmlns:a14="http://schemas.microsoft.com/office/drawing/2010/main" Requires="a14">
+      <mc:AlternateContent xmlns:mc="http://schemas.openxmlformats.org/markup-compatibility/2006" xmlns:a14="http://schemas.microsoft.com/office/drawing/2010/main">
+        <mc:Choice Requires="a14">
           <p:sp>
             <p:nvSpPr>
               <p:cNvPr id="10" name="TextBox 9"/>
@@ -13439,7 +13027,7 @@
                   </a:buClr>
                 </a:pPr>
                 <a:r>
-                  <a:rPr lang="en-US" sz="2000" b="1" dirty="0" smtClean="0">
+                  <a:rPr lang="en-US" sz="2000" b="1" dirty="0">
                     <a:latin typeface="Constantia" panose="02030602050306030303" pitchFamily="18" charset="0"/>
                   </a:rPr>
                   <a:t>Example of an inverse-design network training:</a:t>
@@ -13463,13 +13051,7 @@
                   <a:rPr lang="en-US" dirty="0">
                     <a:latin typeface="Constantia" panose="02030602050306030303" pitchFamily="18" charset="0"/>
                   </a:rPr>
-                  <a:t>Training is done by minimizing a cost </a:t>
-                </a:r>
-                <a:r>
-                  <a:rPr lang="en-US" dirty="0" smtClean="0">
-                    <a:latin typeface="Constantia" panose="02030602050306030303" pitchFamily="18" charset="0"/>
-                  </a:rPr>
-                  <a:t>function: </a:t>
+                  <a:t>Training is done by minimizing a cost function: </a:t>
                 </a:r>
                 <a14:m>
                   <m:oMath xmlns:m="http://schemas.openxmlformats.org/officeDocument/2006/math">
@@ -13625,16 +13207,10 @@
                   </m:oMath>
                 </a14:m>
                 <a:r>
-                  <a:rPr lang="en-US" dirty="0" smtClean="0">
-                    <a:latin typeface="Constantia" panose="02030602050306030303" pitchFamily="18" charset="0"/>
-                  </a:rPr>
-                  <a:t>, </a:t>
-                </a:r>
-                <a:r>
                   <a:rPr lang="en-US" dirty="0">
                     <a:latin typeface="Constantia" panose="02030602050306030303" pitchFamily="18" charset="0"/>
                   </a:rPr>
-                  <a:t>where </a:t>
+                  <a:t>, where </a:t>
                 </a:r>
                 <a14:m>
                   <m:oMath xmlns:m="http://schemas.openxmlformats.org/officeDocument/2006/math">
@@ -13666,46 +13242,22 @@
                   </m:oMath>
                 </a14:m>
                 <a:r>
-                  <a:rPr lang="en-US" dirty="0" smtClean="0">
+                  <a:rPr lang="en-US" dirty="0">
                     <a:latin typeface="Constantia" panose="02030602050306030303" pitchFamily="18" charset="0"/>
                   </a:rPr>
-                  <a:t> is </a:t>
+                  <a:t> is the layer thickness designed by the neural network given the input </a:t>
+                </a:r>
+                <a:r>
+                  <a:rPr lang="en-US" i="1" dirty="0">
+                    <a:latin typeface="Constantia" panose="02030602050306030303" pitchFamily="18" charset="0"/>
+                  </a:rPr>
+                  <a:t>R</a:t>
                 </a:r>
                 <a:r>
                   <a:rPr lang="en-US" dirty="0">
                     <a:latin typeface="Constantia" panose="02030602050306030303" pitchFamily="18" charset="0"/>
                   </a:rPr>
-                  <a:t>the layer </a:t>
-                </a:r>
-                <a:r>
-                  <a:rPr lang="en-US" dirty="0" smtClean="0">
-                    <a:latin typeface="Constantia" panose="02030602050306030303" pitchFamily="18" charset="0"/>
-                  </a:rPr>
-                  <a:t>thickness designed </a:t>
-                </a:r>
-                <a:r>
-                  <a:rPr lang="en-US" dirty="0">
-                    <a:latin typeface="Constantia" panose="02030602050306030303" pitchFamily="18" charset="0"/>
-                  </a:rPr>
-                  <a:t>by the neural network given the input </a:t>
-                </a:r>
-                <a:r>
-                  <a:rPr lang="en-US" i="1" dirty="0" smtClean="0">
-                    <a:latin typeface="Constantia" panose="02030602050306030303" pitchFamily="18" charset="0"/>
-                  </a:rPr>
-                  <a:t>R</a:t>
-                </a:r>
-                <a:r>
-                  <a:rPr lang="en-US" dirty="0" smtClean="0">
-                    <a:latin typeface="Constantia" panose="02030602050306030303" pitchFamily="18" charset="0"/>
-                  </a:rPr>
-                  <a:t>, </a:t>
-                </a:r>
-                <a:r>
-                  <a:rPr lang="en-US" dirty="0">
-                    <a:latin typeface="Constantia" panose="02030602050306030303" pitchFamily="18" charset="0"/>
-                  </a:rPr>
-                  <a:t>and </a:t>
+                  <a:t>, and </a:t>
                 </a:r>
                 <a14:m>
                   <m:oMath xmlns:m="http://schemas.openxmlformats.org/officeDocument/2006/math">
@@ -13740,27 +13292,9 @@
                   <a:rPr lang="en-US" dirty="0">
                     <a:latin typeface="Constantia" panose="02030602050306030303" pitchFamily="18" charset="0"/>
                   </a:rPr>
-                  <a:t> is </a:t>
+                  <a:t> is the ground truth of the layer thickness.</a:t>
                 </a:r>
-                <a:r>
-                  <a:rPr lang="en-US" dirty="0" smtClean="0">
-                    <a:latin typeface="Constantia" panose="02030602050306030303" pitchFamily="18" charset="0"/>
-                  </a:rPr>
-                  <a:t>the ground </a:t>
-                </a:r>
-                <a:r>
-                  <a:rPr lang="en-US" dirty="0">
-                    <a:latin typeface="Constantia" panose="02030602050306030303" pitchFamily="18" charset="0"/>
-                  </a:rPr>
-                  <a:t>truth of the layer thickness</a:t>
-                </a:r>
-                <a:r>
-                  <a:rPr lang="en-US" dirty="0" smtClean="0">
-                    <a:latin typeface="Constantia" panose="02030602050306030303" pitchFamily="18" charset="0"/>
-                  </a:rPr>
-                  <a:t>.</a:t>
-                </a:r>
-                <a:endParaRPr lang="ru-RU" dirty="0" smtClean="0">
+                <a:endParaRPr lang="ru-RU" dirty="0">
                   <a:latin typeface="Constantia" panose="02030602050306030303" pitchFamily="18" charset="0"/>
                 </a:endParaRPr>
               </a:p>
@@ -13779,16 +13313,10 @@
                   <a:buChar char="•"/>
                 </a:pPr>
                 <a:r>
-                  <a:rPr lang="en-US" dirty="0" smtClean="0">
+                  <a:rPr lang="en-US" dirty="0">
                     <a:latin typeface="Constantia" panose="02030602050306030303" pitchFamily="18" charset="0"/>
                   </a:rPr>
-                  <a:t>Filtering: removing instances </a:t>
-                </a:r>
-                <a:r>
-                  <a:rPr lang="en-US" dirty="0" smtClean="0">
-                    <a:latin typeface="Constantia" panose="02030602050306030303" pitchFamily="18" charset="0"/>
-                  </a:rPr>
-                  <a:t>for which the distance between the transmission spectra </a:t>
+                  <a:t>Filtering: removing instances for which the distance between the transmission spectra </a:t>
                 </a:r>
                 <a14:m>
                   <m:oMath xmlns:m="http://schemas.openxmlformats.org/officeDocument/2006/math">
@@ -13960,25 +13488,16 @@
                   </m:oMath>
                 </a14:m>
                 <a:r>
-                  <a:rPr lang="en-US" dirty="0" smtClean="0">
-                    <a:latin typeface="Constantia" panose="02030602050306030303" pitchFamily="18" charset="0"/>
-                  </a:rPr>
-                  <a:t> is below </a:t>
-                </a:r>
-                <a:r>
                   <a:rPr lang="en-US" dirty="0">
                     <a:latin typeface="Constantia" panose="02030602050306030303" pitchFamily="18" charset="0"/>
                   </a:rPr>
-                  <a:t>a threshold.</a:t>
+                  <a:t> is below a threshold.</a:t>
                 </a:r>
-                <a:endParaRPr lang="en-US" dirty="0" smtClean="0">
-                  <a:latin typeface="Constantia" panose="02030602050306030303" pitchFamily="18" charset="0"/>
-                </a:endParaRPr>
               </a:p>
             </p:txBody>
           </p:sp>
         </mc:Choice>
-        <mc:Fallback>
+        <mc:Fallback xmlns="">
           <p:sp>
             <p:nvSpPr>
               <p:cNvPr id="10" name="TextBox 9"/>
@@ -14090,7 +13609,7 @@
           <a:lstStyle/>
           <a:p>
             <a:r>
-              <a:rPr lang="en-US" sz="4000" b="1" dirty="0" smtClean="0">
+              <a:rPr lang="en-US" sz="4000" b="1" dirty="0">
                 <a:solidFill>
                   <a:schemeClr val="bg1"/>
                 </a:solidFill>
@@ -14173,25 +13692,25 @@
                 <a:t>N</a:t>
               </a:r>
               <a:r>
-                <a:rPr lang="ru-RU" sz="1400" dirty="0" err="1" smtClean="0">
+                <a:rPr lang="ru-RU" sz="1400" dirty="0" err="1">
                   <a:latin typeface="Constantia" panose="02030602050306030303" pitchFamily="18" charset="0"/>
                 </a:rPr>
                 <a:t>onunique</a:t>
               </a:r>
               <a:r>
-                <a:rPr lang="ru-RU" sz="1400" dirty="0" smtClean="0">
+                <a:rPr lang="ru-RU" sz="1400" dirty="0">
                   <a:latin typeface="Constantia" panose="02030602050306030303" pitchFamily="18" charset="0"/>
                 </a:rPr>
                 <a:t> </a:t>
               </a:r>
               <a:r>
-                <a:rPr lang="ru-RU" sz="1400" dirty="0" err="1" smtClean="0">
+                <a:rPr lang="ru-RU" sz="1400" dirty="0" err="1">
                   <a:latin typeface="Constantia" panose="02030602050306030303" pitchFamily="18" charset="0"/>
                 </a:rPr>
                 <a:t>instances</a:t>
               </a:r>
               <a:r>
-                <a:rPr lang="en-US" sz="1400" dirty="0" smtClean="0">
+                <a:rPr lang="en-US" sz="1400" dirty="0">
                   <a:latin typeface="Constantia" panose="02030602050306030303" pitchFamily="18" charset="0"/>
                 </a:rPr>
                 <a:t> are eliminated (filtered data)</a:t>
@@ -14230,25 +13749,25 @@
                 <a:t>N</a:t>
               </a:r>
               <a:r>
-                <a:rPr lang="ru-RU" sz="1400" dirty="0" err="1" smtClean="0">
+                <a:rPr lang="ru-RU" sz="1400" dirty="0" err="1">
                   <a:latin typeface="Constantia" panose="02030602050306030303" pitchFamily="18" charset="0"/>
                 </a:rPr>
                 <a:t>onunique</a:t>
               </a:r>
               <a:r>
-                <a:rPr lang="ru-RU" sz="1400" dirty="0" smtClean="0">
+                <a:rPr lang="ru-RU" sz="1400" dirty="0">
                   <a:latin typeface="Constantia" panose="02030602050306030303" pitchFamily="18" charset="0"/>
                 </a:rPr>
                 <a:t> </a:t>
               </a:r>
               <a:r>
-                <a:rPr lang="ru-RU" sz="1400" dirty="0" err="1" smtClean="0">
+                <a:rPr lang="ru-RU" sz="1400" dirty="0" err="1">
                   <a:latin typeface="Constantia" panose="02030602050306030303" pitchFamily="18" charset="0"/>
                 </a:rPr>
                 <a:t>instances</a:t>
               </a:r>
               <a:r>
-                <a:rPr lang="en-US" sz="1400" dirty="0" smtClean="0">
+                <a:rPr lang="en-US" sz="1400" dirty="0">
                   <a:latin typeface="Constantia" panose="02030602050306030303" pitchFamily="18" charset="0"/>
                 </a:rPr>
                 <a:t> are present (unfiltered data)</a:t>
@@ -14270,18 +13789,11 @@
   <p:clrMapOvr>
     <a:masterClrMapping/>
   </p:clrMapOvr>
-  <p:timing>
-    <p:tnLst>
-      <p:par>
-        <p:cTn id="1" dur="indefinite" restart="never" nodeType="tmRoot"/>
-      </p:par>
-    </p:tnLst>
-  </p:timing>
 </p:sld>
 </file>
 
 <file path=ppt/slides/slide8.xml><?xml version="1.0" encoding="utf-8"?>
-<p:sld xmlns:a="http://schemas.openxmlformats.org/drawingml/2006/main" xmlns:r="http://schemas.openxmlformats.org/officeDocument/2006/relationships" xmlns:p="http://schemas.openxmlformats.org/presentationml/2006/main">
+<p:sld xmlns:a="http://schemas.openxmlformats.org/drawingml/2006/main" xmlns:r="http://schemas.openxmlformats.org/officeDocument/2006/relationships" xmlns:p="http://schemas.openxmlformats.org/presentationml/2006/main" show="0">
   <p:cSld>
     <p:spTree>
       <p:nvGrpSpPr>
@@ -14297,8 +13809,8 @@
           <a:chExt cx="0" cy="0"/>
         </a:xfrm>
       </p:grpSpPr>
-      <mc:AlternateContent xmlns:mc="http://schemas.openxmlformats.org/markup-compatibility/2006">
-        <mc:Choice xmlns:a14="http://schemas.microsoft.com/office/drawing/2010/main" Requires="a14">
+      <mc:AlternateContent xmlns:mc="http://schemas.openxmlformats.org/markup-compatibility/2006" xmlns:a14="http://schemas.microsoft.com/office/drawing/2010/main">
+        <mc:Choice Requires="a14">
           <p:sp>
             <p:nvSpPr>
               <p:cNvPr id="10" name="TextBox 9"/>
@@ -14333,7 +13845,7 @@
                   </a:buClr>
                 </a:pPr>
                 <a:r>
-                  <a:rPr lang="en-US" sz="2000" b="1" i="1" dirty="0" smtClean="0">
+                  <a:rPr lang="en-US" sz="2000" b="1" i="1" dirty="0">
                     <a:latin typeface="Constantia" panose="02030602050306030303" pitchFamily="18" charset="0"/>
                   </a:rPr>
                   <a:t>Possible solution (ineffective):</a:t>
@@ -14354,46 +13866,10 @@
                   <a:buChar char="•"/>
                 </a:pPr>
                 <a:r>
-                  <a:rPr lang="en-US" i="1" dirty="0" smtClean="0">
-                    <a:latin typeface="Constantia" panose="02030602050306030303" pitchFamily="18" charset="0"/>
-                  </a:rPr>
-                  <a:t>Divide the training </a:t>
-                </a:r>
-                <a:r>
                   <a:rPr lang="en-US" i="1" dirty="0">
                     <a:latin typeface="Constantia" panose="02030602050306030303" pitchFamily="18" charset="0"/>
                   </a:rPr>
-                  <a:t>data set into distinct groups, so that within each </a:t>
-                </a:r>
-                <a:r>
-                  <a:rPr lang="en-US" i="1" dirty="0" smtClean="0">
-                    <a:latin typeface="Constantia" panose="02030602050306030303" pitchFamily="18" charset="0"/>
-                  </a:rPr>
-                  <a:t>group there </a:t>
-                </a:r>
-                <a:r>
-                  <a:rPr lang="en-US" i="1" dirty="0">
-                    <a:latin typeface="Constantia" panose="02030602050306030303" pitchFamily="18" charset="0"/>
-                  </a:rPr>
-                  <a:t>is unique design </a:t>
-                </a:r>
-                <a:r>
-                  <a:rPr lang="en-US" i="1" dirty="0" smtClean="0">
-                    <a:latin typeface="Constantia" panose="02030602050306030303" pitchFamily="18" charset="0"/>
-                  </a:rPr>
-                  <a:t>D </a:t>
-                </a:r>
-                <a:r>
-                  <a:rPr lang="en-US" i="1" dirty="0">
-                    <a:latin typeface="Constantia" panose="02030602050306030303" pitchFamily="18" charset="0"/>
-                  </a:rPr>
-                  <a:t>corresponding to each response </a:t>
-                </a:r>
-                <a:r>
-                  <a:rPr lang="en-US" i="1" dirty="0" smtClean="0">
-                    <a:latin typeface="Constantia" panose="02030602050306030303" pitchFamily="18" charset="0"/>
-                  </a:rPr>
-                  <a:t>R.</a:t>
+                  <a:t>Divide the training data set into distinct groups, so that within each group there is unique design D corresponding to each response R.</a:t>
                 </a:r>
               </a:p>
               <a:p>
@@ -14411,30 +13887,18 @@
                   <a:buChar char="•"/>
                 </a:pPr>
                 <a:r>
-                  <a:rPr lang="en-US" i="1" dirty="0" smtClean="0">
-                    <a:latin typeface="Constantia" panose="02030602050306030303" pitchFamily="18" charset="0"/>
-                  </a:rPr>
-                  <a:t>However, </a:t>
-                </a:r>
-                <a:r>
                   <a:rPr lang="en-US" i="1" dirty="0">
                     <a:latin typeface="Constantia" panose="02030602050306030303" pitchFamily="18" charset="0"/>
                   </a:rPr>
-                  <a:t>there </a:t>
-                </a:r>
-                <a:r>
-                  <a:rPr lang="en-US" i="1" dirty="0" smtClean="0">
-                    <a:latin typeface="Constantia" panose="02030602050306030303" pitchFamily="18" charset="0"/>
-                  </a:rPr>
-                  <a:t>may be implicit conflicting instances in the dataset. </a:t>
+                  <a:t>However, there may be implicit conflicting instances in the dataset. </a:t>
                 </a:r>
                 <a:br>
-                  <a:rPr lang="en-US" i="1" dirty="0" smtClean="0">
+                  <a:rPr lang="en-US" i="1" dirty="0">
                     <a:latin typeface="Constantia" panose="02030602050306030303" pitchFamily="18" charset="0"/>
                   </a:rPr>
                 </a:br>
                 <a:r>
-                  <a:rPr lang="en-US" i="1" dirty="0" smtClean="0">
+                  <a:rPr lang="en-US" i="1" dirty="0">
                     <a:latin typeface="Constantia" panose="02030602050306030303" pitchFamily="18" charset="0"/>
                   </a:rPr>
                   <a:t>For example, let </a:t>
@@ -14469,7 +13933,7 @@
                   </m:oMath>
                 </a14:m>
                 <a:r>
-                  <a:rPr lang="en-US" i="1" dirty="0" smtClean="0">
+                  <a:rPr lang="en-US" i="1" dirty="0">
                     <a:latin typeface="Constantia" panose="02030602050306030303" pitchFamily="18" charset="0"/>
                   </a:rPr>
                   <a:t> and </a:t>
@@ -14504,7 +13968,7 @@
                   </m:oMath>
                 </a14:m>
                 <a:r>
-                  <a:rPr lang="en-US" i="1" dirty="0" smtClean="0">
+                  <a:rPr lang="en-US" i="1" dirty="0">
                     <a:latin typeface="Constantia" panose="02030602050306030303" pitchFamily="18" charset="0"/>
                   </a:rPr>
                   <a:t> be self-consistent datasets generated using operators </a:t>
@@ -14559,7 +14023,7 @@
                   </m:oMath>
                 </a14:m>
                 <a:r>
-                  <a:rPr lang="en-US" i="1" dirty="0" smtClean="0">
+                  <a:rPr lang="en-US" i="1" dirty="0">
                     <a:latin typeface="Constantia" panose="02030602050306030303" pitchFamily="18" charset="0"/>
                   </a:rPr>
                   <a:t> and </a:t>
@@ -14614,7 +14078,7 @@
                   </m:oMath>
                 </a14:m>
                 <a:r>
-                  <a:rPr lang="en-US" i="1" dirty="0" smtClean="0">
+                  <a:rPr lang="en-US" i="1" dirty="0">
                     <a:latin typeface="Constantia" panose="02030602050306030303" pitchFamily="18" charset="0"/>
                   </a:rPr>
                   <a:t> that satisfy </a:t>
@@ -14716,7 +14180,7 @@
                   </m:oMath>
                 </a14:m>
                 <a:r>
-                  <a:rPr lang="en-US" i="1" dirty="0" smtClean="0">
+                  <a:rPr lang="en-US" i="1" dirty="0">
                     <a:latin typeface="Constantia" panose="02030602050306030303" pitchFamily="18" charset="0"/>
                   </a:rPr>
                   <a:t> and </a:t>
@@ -14818,7 +14282,7 @@
                   </m:oMath>
                 </a14:m>
                 <a:r>
-                  <a:rPr lang="en-US" i="1" dirty="0" smtClean="0">
+                  <a:rPr lang="en-US" i="1" dirty="0">
                     <a:latin typeface="Constantia" panose="02030602050306030303" pitchFamily="18" charset="0"/>
                   </a:rPr>
                   <a:t>. When </a:t>
@@ -14888,7 +14352,7 @@
                   </m:oMath>
                 </a14:m>
                 <a:r>
-                  <a:rPr lang="en-US" i="1" dirty="0" smtClean="0">
+                  <a:rPr lang="en-US" i="1" dirty="0">
                     <a:latin typeface="Constantia" panose="02030602050306030303" pitchFamily="18" charset="0"/>
                   </a:rPr>
                   <a:t> are combined to generate a new dataset </a:t>
@@ -14986,7 +14450,7 @@
                   </m:oMath>
                 </a14:m>
                 <a:r>
-                  <a:rPr lang="en-US" i="1" dirty="0" smtClean="0">
+                  <a:rPr lang="en-US" i="1" dirty="0">
                     <a:latin typeface="Constantia" panose="02030602050306030303" pitchFamily="18" charset="0"/>
                   </a:rPr>
                   <a:t>, the dataset </a:t>
@@ -15021,7 +14485,7 @@
                   </m:oMath>
                 </a14:m>
                 <a:r>
-                  <a:rPr lang="en-US" i="1" dirty="0" smtClean="0">
+                  <a:rPr lang="en-US" i="1" dirty="0">
                     <a:latin typeface="Constantia" panose="02030602050306030303" pitchFamily="18" charset="0"/>
                   </a:rPr>
                   <a:t> is not self-consistent.  </a:t>
@@ -15030,7 +14494,7 @@
             </p:txBody>
           </p:sp>
         </mc:Choice>
-        <mc:Fallback>
+        <mc:Fallback xmlns="">
           <p:sp>
             <p:nvSpPr>
               <p:cNvPr id="10" name="TextBox 9"/>
@@ -15142,7 +14606,7 @@
           <a:lstStyle/>
           <a:p>
             <a:r>
-              <a:rPr lang="en-US" sz="4000" b="1" dirty="0" smtClean="0">
+              <a:rPr lang="en-US" sz="4000" b="1" dirty="0">
                 <a:solidFill>
                   <a:schemeClr val="bg1"/>
                 </a:solidFill>
@@ -15193,13 +14657,6 @@
   <p:clrMapOvr>
     <a:masterClrMapping/>
   </p:clrMapOvr>
-  <p:timing>
-    <p:tnLst>
-      <p:par>
-        <p:cTn id="1" dur="indefinite" restart="never" nodeType="tmRoot"/>
-      </p:par>
-    </p:tnLst>
-  </p:timing>
 </p:sld>
 </file>
 
@@ -15254,7 +14711,7 @@
               </a:buClr>
             </a:pPr>
             <a:r>
-              <a:rPr lang="en-US" sz="2000" b="1" dirty="0" smtClean="0">
+              <a:rPr lang="en-US" sz="2000" b="1" dirty="0">
                 <a:latin typeface="Constantia" panose="02030602050306030303" pitchFamily="18" charset="0"/>
               </a:rPr>
               <a:t>Proposed solution:</a:t>
@@ -15275,46 +14732,10 @@
               <a:buChar char="•"/>
             </a:pPr>
             <a:r>
-              <a:rPr lang="en-US" dirty="0" smtClean="0">
-                <a:latin typeface="Constantia" panose="02030602050306030303" pitchFamily="18" charset="0"/>
-              </a:rPr>
-              <a:t>Use a </a:t>
-            </a:r>
-            <a:r>
               <a:rPr lang="en-US" dirty="0">
                 <a:latin typeface="Constantia" panose="02030602050306030303" pitchFamily="18" charset="0"/>
               </a:rPr>
-              <a:t>tandem </a:t>
-            </a:r>
-            <a:r>
-              <a:rPr lang="en-US" dirty="0" smtClean="0">
-                <a:latin typeface="Constantia" panose="02030602050306030303" pitchFamily="18" charset="0"/>
-              </a:rPr>
-              <a:t>network. By cascading </a:t>
-            </a:r>
-            <a:r>
-              <a:rPr lang="en-US" dirty="0">
-                <a:latin typeface="Constantia" panose="02030602050306030303" pitchFamily="18" charset="0"/>
-              </a:rPr>
-              <a:t>an inverse-design network with a </a:t>
-            </a:r>
-            <a:r>
-              <a:rPr lang="en-US" dirty="0" smtClean="0">
-                <a:latin typeface="Constantia" panose="02030602050306030303" pitchFamily="18" charset="0"/>
-              </a:rPr>
-              <a:t>forward-modeling network</a:t>
-            </a:r>
-            <a:r>
-              <a:rPr lang="en-US" dirty="0">
-                <a:latin typeface="Constantia" panose="02030602050306030303" pitchFamily="18" charset="0"/>
-              </a:rPr>
-              <a:t>, the tandem network can be trained effectively</a:t>
-            </a:r>
-            <a:r>
-              <a:rPr lang="en-US" dirty="0" smtClean="0">
-                <a:latin typeface="Constantia" panose="02030602050306030303" pitchFamily="18" charset="0"/>
-              </a:rPr>
-              <a:t>.</a:t>
+              <a:t>Use a tandem network. By cascading an inverse-design network with a forward-modeling network, the tandem network can be trained effectively.</a:t>
             </a:r>
           </a:p>
           <a:p>
@@ -15359,31 +14780,19 @@
               <a:rPr lang="en-US" dirty="0">
                 <a:latin typeface="Constantia" panose="02030602050306030303" pitchFamily="18" charset="0"/>
               </a:rPr>
-              <a:t> is the designed </a:t>
-            </a:r>
-            <a:r>
-              <a:rPr lang="en-US" dirty="0" smtClean="0">
-                <a:latin typeface="Constantia" panose="02030602050306030303" pitchFamily="18" charset="0"/>
-              </a:rPr>
-              <a:t>structure </a:t>
-            </a:r>
-            <a:r>
-              <a:rPr lang="en-US" i="1" dirty="0" smtClean="0">
+              <a:t> is the designed structure </a:t>
+            </a:r>
+            <a:r>
+              <a:rPr lang="en-US" i="1" dirty="0">
                 <a:latin typeface="Constantia" panose="02030602050306030303" pitchFamily="18" charset="0"/>
               </a:rPr>
               <a:t>D</a:t>
             </a:r>
             <a:r>
-              <a:rPr lang="en-US" dirty="0" smtClean="0">
-                <a:latin typeface="Constantia" panose="02030602050306030303" pitchFamily="18" charset="0"/>
-              </a:rPr>
-              <a:t>. </a:t>
-            </a:r>
-            <a:r>
               <a:rPr lang="en-US" dirty="0">
                 <a:latin typeface="Constantia" panose="02030602050306030303" pitchFamily="18" charset="0"/>
               </a:rPr>
-              <a:t>The output of the tandem network is the response calculated from the designed structure. </a:t>
+              <a:t>. The output of the tandem network is the response calculated from the designed structure. </a:t>
             </a:r>
           </a:p>
           <a:p>
@@ -15404,19 +14813,7 @@
               <a:rPr lang="en-US" dirty="0">
                 <a:latin typeface="Constantia" panose="02030602050306030303" pitchFamily="18" charset="0"/>
               </a:rPr>
-              <a:t>The forward modeling network is trained in advance. </a:t>
-            </a:r>
-            <a:r>
-              <a:rPr lang="en-US" dirty="0" smtClean="0">
-                <a:latin typeface="Constantia" panose="02030602050306030303" pitchFamily="18" charset="0"/>
-              </a:rPr>
-              <a:t>Then</a:t>
-            </a:r>
-            <a:r>
-              <a:rPr lang="en-US" dirty="0">
-                <a:latin typeface="Constantia" panose="02030602050306030303" pitchFamily="18" charset="0"/>
-              </a:rPr>
-              <a:t>, the weights in the </a:t>
+              <a:t>The forward modeling network is trained in advance. Then, the weights in the </a:t>
             </a:r>
             <a:r>
               <a:rPr lang="en-US" dirty="0" err="1">
@@ -15445,7 +14842,7 @@
               <a:buFont typeface="Arial" panose="020B0604020202020204" pitchFamily="34" charset="0"/>
               <a:buChar char="•"/>
             </a:pPr>
-            <a:endParaRPr lang="en-US" dirty="0" smtClean="0">
+            <a:endParaRPr lang="en-US" dirty="0">
               <a:latin typeface="Constantia" panose="02030602050306030303" pitchFamily="18" charset="0"/>
             </a:endParaRPr>
           </a:p>
@@ -15524,7 +14921,7 @@
           <a:lstStyle/>
           <a:p>
             <a:r>
-              <a:rPr lang="en-US" sz="4000" b="1" dirty="0" smtClean="0">
+              <a:rPr lang="en-US" sz="4000" b="1" dirty="0">
                 <a:solidFill>
                   <a:schemeClr val="bg1"/>
                 </a:solidFill>
@@ -15575,13 +14972,6 @@
   <p:clrMapOvr>
     <a:masterClrMapping/>
   </p:clrMapOvr>
-  <p:timing>
-    <p:tnLst>
-      <p:par>
-        <p:cTn id="1" dur="indefinite" restart="never" nodeType="tmRoot"/>
-      </p:par>
-    </p:tnLst>
-  </p:timing>
 </p:sld>
 </file>
 

--- a/Training Deep Neural Networks for the Inverse Design of Nanophotonic Structures.pptx
+++ b/Training Deep Neural Networks for the Inverse Design of Nanophotonic Structures.pptx
@@ -5745,6 +5745,14 @@
   <p:clrMapOvr>
     <a:masterClrMapping/>
   </p:clrMapOvr>
+  <mc:AlternateContent xmlns:mc="http://schemas.openxmlformats.org/markup-compatibility/2006">
+    <mc:Choice xmlns:p14="http://schemas.microsoft.com/office/powerpoint/2010/main" Requires="p14">
+      <p:transition spd="slow" p14:dur="2000"/>
+    </mc:Choice>
+    <mc:Fallback>
+      <p:transition spd="slow"/>
+    </mc:Fallback>
+  </mc:AlternateContent>
 </p:sld>
 </file>
 
@@ -6325,16 +6333,15 @@
           </p:cNvPicPr>
           <p:nvPr/>
         </p:nvPicPr>
-        <p:blipFill>
+        <p:blipFill rotWithShape="1">
           <a:blip r:embed="rId3"/>
-          <a:stretch>
-            <a:fillRect/>
-          </a:stretch>
+          <a:srcRect b="22247"/>
+          <a:stretch/>
         </p:blipFill>
         <p:spPr>
           <a:xfrm>
             <a:off x="1503921" y="3505619"/>
-            <a:ext cx="9130829" cy="4119657"/>
+            <a:ext cx="9130829" cy="3203189"/>
           </a:xfrm>
           <a:prstGeom prst="rect">
             <a:avLst/>
@@ -6788,9 +6795,9 @@
         <p:grpSpPr>
           <a:xfrm>
             <a:off x="853593" y="3222686"/>
-            <a:ext cx="10484814" cy="3782438"/>
+            <a:ext cx="10484814" cy="3158863"/>
             <a:chOff x="853593" y="3222686"/>
-            <a:chExt cx="10484814" cy="3782438"/>
+            <a:chExt cx="10484814" cy="3158863"/>
           </a:xfrm>
         </p:grpSpPr>
         <p:pic>
@@ -6803,13 +6810,13 @@
           </p:nvPicPr>
           <p:blipFill rotWithShape="1">
             <a:blip r:embed="rId4"/>
-            <a:srcRect t="51140" b="-425"/>
+            <a:srcRect t="51140" b="8116"/>
             <a:stretch/>
           </p:blipFill>
           <p:spPr>
             <a:xfrm>
               <a:off x="853593" y="3406924"/>
-              <a:ext cx="10484814" cy="3598200"/>
+              <a:ext cx="10484814" cy="2974625"/>
             </a:xfrm>
             <a:prstGeom prst="rect">
               <a:avLst/>
@@ -7484,6 +7491,14 @@
   <p:clrMapOvr>
     <a:masterClrMapping/>
   </p:clrMapOvr>
+  <mc:AlternateContent xmlns:mc="http://schemas.openxmlformats.org/markup-compatibility/2006">
+    <mc:Choice xmlns:p14="http://schemas.microsoft.com/office/powerpoint/2010/main" Requires="p14">
+      <p:transition spd="slow" p14:dur="2000"/>
+    </mc:Choice>
+    <mc:Fallback>
+      <p:transition spd="slow"/>
+    </mc:Fallback>
+  </mc:AlternateContent>
 </p:sld>
 </file>
 
@@ -7736,6 +7751,14 @@
   <p:clrMapOvr>
     <a:masterClrMapping/>
   </p:clrMapOvr>
+  <mc:AlternateContent xmlns:mc="http://schemas.openxmlformats.org/markup-compatibility/2006">
+    <mc:Choice xmlns:p14="http://schemas.microsoft.com/office/powerpoint/2010/main" Requires="p14">
+      <p:transition spd="slow" p14:dur="2000"/>
+    </mc:Choice>
+    <mc:Fallback>
+      <p:transition spd="slow"/>
+    </mc:Fallback>
+  </mc:AlternateContent>
 </p:sld>
 </file>
 
@@ -7964,6 +7987,14 @@
   <p:clrMapOvr>
     <a:masterClrMapping/>
   </p:clrMapOvr>
+  <mc:AlternateContent xmlns:mc="http://schemas.openxmlformats.org/markup-compatibility/2006">
+    <mc:Choice xmlns:p14="http://schemas.microsoft.com/office/powerpoint/2010/main" Requires="p14">
+      <p:transition spd="slow" p14:dur="2000"/>
+    </mc:Choice>
+    <mc:Fallback>
+      <p:transition spd="slow"/>
+    </mc:Fallback>
+  </mc:AlternateContent>
 </p:sld>
 </file>
 
@@ -8592,7 +8623,7 @@
           <p:cNvPr id="2" name="TextBox 1">
             <a:extLst>
               <a:ext uri="{FF2B5EF4-FFF2-40B4-BE49-F238E27FC236}">
-                <a16:creationId xmlns:a16="http://schemas.microsoft.com/office/drawing/2014/main" id="{3F1CCD5A-7648-174B-BEE0-CB830E17CC6D}"/>
+                <a16:creationId xmlns:a16="http://schemas.microsoft.com/office/drawing/2014/main" xmlns="" id="{3F1CCD5A-7648-174B-BEE0-CB830E17CC6D}"/>
               </a:ext>
             </a:extLst>
           </p:cNvPr>
@@ -8769,14 +8800,14 @@
           </a:p>
         </p:txBody>
       </p:sp>
-      <mc:AlternateContent xmlns:mc="http://schemas.openxmlformats.org/markup-compatibility/2006">
-        <mc:Choice xmlns:a14="http://schemas.microsoft.com/office/drawing/2010/main" Requires="a14">
+      <mc:AlternateContent xmlns:mc="http://schemas.openxmlformats.org/markup-compatibility/2006" xmlns:a14="http://schemas.microsoft.com/office/drawing/2010/main">
+        <mc:Choice Requires="a14">
           <p:sp>
             <p:nvSpPr>
               <p:cNvPr id="14" name="TextBox 13">
                 <a:extLst>
                   <a:ext uri="{FF2B5EF4-FFF2-40B4-BE49-F238E27FC236}">
-                    <a16:creationId xmlns:a16="http://schemas.microsoft.com/office/drawing/2014/main" id="{2688551F-751F-4343-A42C-9F305CEDB0A4}"/>
+                    <a16:creationId xmlns:a16="http://schemas.microsoft.com/office/drawing/2014/main" xmlns="" id="{2688551F-751F-4343-A42C-9F305CEDB0A4}"/>
                   </a:ext>
                 </a:extLst>
               </p:cNvPr>
@@ -9187,7 +9218,7 @@
             </p:txBody>
           </p:sp>
         </mc:Choice>
-        <mc:Fallback>
+        <mc:Fallback xmlns="">
           <p:sp>
             <p:nvSpPr>
               <p:cNvPr id="14" name="TextBox 13">
@@ -10707,8 +10738,8 @@
           <a:chExt cx="0" cy="0"/>
         </a:xfrm>
       </p:grpSpPr>
-      <mc:AlternateContent xmlns:mc="http://schemas.openxmlformats.org/markup-compatibility/2006">
-        <mc:Choice xmlns:a14="http://schemas.microsoft.com/office/drawing/2010/main" Requires="a14">
+      <mc:AlternateContent xmlns:mc="http://schemas.openxmlformats.org/markup-compatibility/2006" xmlns:a14="http://schemas.microsoft.com/office/drawing/2010/main">
+        <mc:Choice Requires="a14">
           <p:sp>
             <p:nvSpPr>
               <p:cNvPr id="10" name="TextBox 9"/>
@@ -10991,13 +11022,7 @@
                       <a:rPr lang="en-US" b="0" i="1" smtClean="0">
                         <a:latin typeface="Cambria Math" panose="02040503050406030204" pitchFamily="18" charset="0"/>
                       </a:rPr>
-                      <m:t>=0.2</m:t>
-                    </m:r>
-                    <m:r>
-                      <a:rPr lang="en-US" b="0" i="1" smtClean="0">
-                        <a:latin typeface="Cambria Math" panose="02040503050406030204" pitchFamily="18" charset="0"/>
-                      </a:rPr>
-                      <m:t>/</m:t>
+                      <m:t>=0.2/</m:t>
                     </m:r>
                     <m:r>
                       <a:rPr lang="en-US" b="0" i="1" smtClean="0">
@@ -11050,7 +11075,7 @@
             </p:txBody>
           </p:sp>
         </mc:Choice>
-        <mc:Fallback>
+        <mc:Fallback xmlns="">
           <p:sp>
             <p:nvSpPr>
               <p:cNvPr id="10" name="TextBox 9"/>
@@ -11560,8 +11585,8 @@
           <a:chExt cx="0" cy="0"/>
         </a:xfrm>
       </p:grpSpPr>
-      <mc:AlternateContent xmlns:mc="http://schemas.openxmlformats.org/markup-compatibility/2006">
-        <mc:Choice xmlns:a14="http://schemas.microsoft.com/office/drawing/2010/main" Requires="a14">
+      <mc:AlternateContent xmlns:mc="http://schemas.openxmlformats.org/markup-compatibility/2006" xmlns:a14="http://schemas.microsoft.com/office/drawing/2010/main">
+        <mc:Choice Requires="a14">
           <p:sp>
             <p:nvSpPr>
               <p:cNvPr id="10" name="TextBox 9"/>
@@ -11777,7 +11802,7 @@
             </p:txBody>
           </p:sp>
         </mc:Choice>
-        <mc:Fallback>
+        <mc:Fallback xmlns="">
           <p:sp>
             <p:nvSpPr>
               <p:cNvPr id="10" name="TextBox 9"/>
@@ -13635,9 +13660,9 @@
         <p:grpSpPr>
           <a:xfrm>
             <a:off x="1658721" y="3225571"/>
-            <a:ext cx="8874557" cy="3986863"/>
+            <a:ext cx="8874557" cy="3175229"/>
             <a:chOff x="1658721" y="3398358"/>
-            <a:chExt cx="8874557" cy="3986863"/>
+            <a:chExt cx="8874557" cy="3175229"/>
           </a:xfrm>
         </p:grpSpPr>
         <p:pic>
@@ -13648,16 +13673,15 @@
             </p:cNvPicPr>
             <p:nvPr/>
           </p:nvPicPr>
-          <p:blipFill>
+          <p:blipFill rotWithShape="1">
             <a:blip r:embed="rId4"/>
-            <a:stretch>
-              <a:fillRect/>
-            </a:stretch>
+            <a:srcRect b="23252"/>
+            <a:stretch/>
           </p:blipFill>
           <p:spPr>
             <a:xfrm>
               <a:off x="1658721" y="3894562"/>
-              <a:ext cx="8874557" cy="3490659"/>
+              <a:ext cx="8874557" cy="2679025"/>
             </a:xfrm>
             <a:prstGeom prst="rect">
               <a:avLst/>
@@ -14657,6 +14681,14 @@
   <p:clrMapOvr>
     <a:masterClrMapping/>
   </p:clrMapOvr>
+  <mc:AlternateContent xmlns:mc="http://schemas.openxmlformats.org/markup-compatibility/2006">
+    <mc:Choice xmlns:p14="http://schemas.microsoft.com/office/powerpoint/2010/main" Requires="p14">
+      <p:transition spd="slow" p14:dur="2000"/>
+    </mc:Choice>
+    <mc:Fallback>
+      <p:transition spd="slow"/>
+    </mc:Fallback>
+  </mc:AlternateContent>
 </p:sld>
 </file>
 
